--- a/商管程式報告.pptx
+++ b/商管程式報告.pptx
@@ -9,10 +9,9 @@
     <p:sldId id="263" r:id="rId3"/>
     <p:sldId id="262" r:id="rId4"/>
     <p:sldId id="257" r:id="rId5"/>
-    <p:sldId id="261" r:id="rId6"/>
-    <p:sldId id="258" r:id="rId7"/>
-    <p:sldId id="259" r:id="rId8"/>
-    <p:sldId id="260" r:id="rId9"/>
+    <p:sldId id="258" r:id="rId6"/>
+    <p:sldId id="259" r:id="rId7"/>
+    <p:sldId id="260" r:id="rId8"/>
   </p:sldIdLst>
   <p:sldSz cx="12192000" cy="6858000"/>
   <p:notesSz cx="6858000" cy="9144000"/>
@@ -289,7 +288,7 @@
             <a:fld id="{87DE6118-2437-4B30-8E3C-4D2BE6020583}" type="datetimeFigureOut">
               <a:rPr lang="en-US" dirty="0"/>
               <a:pPr/>
-              <a:t>1/7/2019</a:t>
+              <a:t>1/9/2019</a:t>
             </a:fld>
             <a:endParaRPr lang="en-US" dirty="0"/>
           </a:p>
@@ -615,7 +614,7 @@
           <a:p>
             <a:fld id="{87DE6118-2437-4B30-8E3C-4D2BE6020583}" type="datetimeFigureOut">
               <a:rPr lang="en-US" dirty="0"/>
-              <a:t>1/7/2019</a:t>
+              <a:t>1/9/2019</a:t>
             </a:fld>
             <a:endParaRPr lang="en-US" dirty="0"/>
           </a:p>
@@ -790,7 +789,7 @@
           <a:p>
             <a:fld id="{87DE6118-2437-4B30-8E3C-4D2BE6020583}" type="datetimeFigureOut">
               <a:rPr lang="en-US" dirty="0"/>
-              <a:t>1/7/2019</a:t>
+              <a:t>1/9/2019</a:t>
             </a:fld>
             <a:endParaRPr lang="en-US" dirty="0"/>
           </a:p>
@@ -955,7 +954,7 @@
           <a:p>
             <a:fld id="{87DE6118-2437-4B30-8E3C-4D2BE6020583}" type="datetimeFigureOut">
               <a:rPr lang="en-US" dirty="0"/>
-              <a:t>1/7/2019</a:t>
+              <a:t>1/9/2019</a:t>
             </a:fld>
             <a:endParaRPr lang="en-US" dirty="0"/>
           </a:p>
@@ -1228,7 +1227,7 @@
             <a:fld id="{87DE6118-2437-4B30-8E3C-4D2BE6020583}" type="datetimeFigureOut">
               <a:rPr lang="en-US" dirty="0"/>
               <a:pPr/>
-              <a:t>1/7/2019</a:t>
+              <a:t>1/9/2019</a:t>
             </a:fld>
             <a:endParaRPr lang="en-US" dirty="0"/>
           </a:p>
@@ -1618,7 +1617,7 @@
           <a:p>
             <a:fld id="{87DE6118-2437-4B30-8E3C-4D2BE6020583}" type="datetimeFigureOut">
               <a:rPr lang="en-US" dirty="0"/>
-              <a:t>1/7/2019</a:t>
+              <a:t>1/9/2019</a:t>
             </a:fld>
             <a:endParaRPr lang="en-US" dirty="0"/>
           </a:p>
@@ -2090,7 +2089,7 @@
           <a:p>
             <a:fld id="{87DE6118-2437-4B30-8E3C-4D2BE6020583}" type="datetimeFigureOut">
               <a:rPr lang="en-US" dirty="0"/>
-              <a:t>1/7/2019</a:t>
+              <a:t>1/9/2019</a:t>
             </a:fld>
             <a:endParaRPr lang="en-US" dirty="0"/>
           </a:p>
@@ -2203,7 +2202,7 @@
           <a:p>
             <a:fld id="{87DE6118-2437-4B30-8E3C-4D2BE6020583}" type="datetimeFigureOut">
               <a:rPr lang="en-US" dirty="0"/>
-              <a:t>1/7/2019</a:t>
+              <a:t>1/9/2019</a:t>
             </a:fld>
             <a:endParaRPr lang="en-US" dirty="0"/>
           </a:p>
@@ -2293,7 +2292,7 @@
           <a:p>
             <a:fld id="{87DE6118-2437-4B30-8E3C-4D2BE6020583}" type="datetimeFigureOut">
               <a:rPr lang="en-US" dirty="0"/>
-              <a:t>1/7/2019</a:t>
+              <a:t>1/9/2019</a:t>
             </a:fld>
             <a:endParaRPr lang="en-US" dirty="0"/>
           </a:p>
@@ -2635,7 +2634,7 @@
             <a:fld id="{87DE6118-2437-4B30-8E3C-4D2BE6020583}" type="datetimeFigureOut">
               <a:rPr lang="en-US" dirty="0"/>
               <a:pPr/>
-              <a:t>1/7/2019</a:t>
+              <a:t>1/9/2019</a:t>
             </a:fld>
             <a:endParaRPr lang="en-US" dirty="0"/>
           </a:p>
@@ -3020,7 +3019,7 @@
             <a:fld id="{87DE6118-2437-4B30-8E3C-4D2BE6020583}" type="datetimeFigureOut">
               <a:rPr lang="en-US" dirty="0"/>
               <a:pPr/>
-              <a:t>1/7/2019</a:t>
+              <a:t>1/9/2019</a:t>
             </a:fld>
             <a:endParaRPr lang="en-US" dirty="0"/>
           </a:p>
@@ -3295,7 +3294,7 @@
             <a:fld id="{87DE6118-2437-4B30-8E3C-4D2BE6020583}" type="datetimeFigureOut">
               <a:rPr lang="en-US" dirty="0"/>
               <a:pPr/>
-              <a:t>1/7/2019</a:t>
+              <a:t>1/9/2019</a:t>
             </a:fld>
             <a:endParaRPr lang="en-US" dirty="0"/>
           </a:p>
@@ -3937,20 +3936,13 @@
         <p:spPr/>
         <p:txBody>
           <a:bodyPr>
-            <a:normAutofit lnSpcReduction="10000"/>
+            <a:normAutofit/>
           </a:bodyPr>
           <a:lstStyle/>
           <a:p>
             <a:r>
               <a:rPr lang="zh-TW" altLang="en-US" sz="2800" dirty="0"/>
               <a:t>組員介紹</a:t>
-            </a:r>
-            <a:endParaRPr lang="en-US" altLang="zh-TW" sz="2800" dirty="0"/>
-          </a:p>
-          <a:p>
-            <a:r>
-              <a:rPr lang="zh-TW" altLang="en-US" sz="2800" dirty="0"/>
-              <a:t>設計理念</a:t>
             </a:r>
             <a:endParaRPr lang="en-US" altLang="zh-TW" sz="2800" dirty="0"/>
           </a:p>
@@ -4415,94 +4407,6 @@
 </file>
 
 <file path=ppt/slides/slide5.xml><?xml version="1.0" encoding="utf-8"?>
-<p:sld xmlns:a="http://schemas.openxmlformats.org/drawingml/2006/main" xmlns:r="http://schemas.openxmlformats.org/officeDocument/2006/relationships" xmlns:p="http://schemas.openxmlformats.org/presentationml/2006/main">
-  <p:cSld>
-    <p:spTree>
-      <p:nvGrpSpPr>
-        <p:cNvPr id="1" name=""/>
-        <p:cNvGrpSpPr/>
-        <p:nvPr/>
-      </p:nvGrpSpPr>
-      <p:grpSpPr>
-        <a:xfrm>
-          <a:off x="0" y="0"/>
-          <a:ext cx="0" cy="0"/>
-          <a:chOff x="0" y="0"/>
-          <a:chExt cx="0" cy="0"/>
-        </a:xfrm>
-      </p:grpSpPr>
-      <p:sp>
-        <p:nvSpPr>
-          <p:cNvPr id="2" name="標題 1">
-            <a:extLst>
-              <a:ext uri="{FF2B5EF4-FFF2-40B4-BE49-F238E27FC236}">
-                <a16:creationId xmlns:a16="http://schemas.microsoft.com/office/drawing/2014/main" id="{1B43FF62-CC1A-458C-A722-63630363CD92}"/>
-              </a:ext>
-            </a:extLst>
-          </p:cNvPr>
-          <p:cNvSpPr>
-            <a:spLocks noGrp="1"/>
-          </p:cNvSpPr>
-          <p:nvPr>
-            <p:ph type="title"/>
-          </p:nvPr>
-        </p:nvSpPr>
-        <p:spPr/>
-        <p:txBody>
-          <a:bodyPr>
-            <a:normAutofit/>
-          </a:bodyPr>
-          <a:lstStyle/>
-          <a:p>
-            <a:r>
-              <a:rPr lang="zh-TW" altLang="en-US" sz="6600" dirty="0"/>
-              <a:t>設計理念</a:t>
-            </a:r>
-          </a:p>
-        </p:txBody>
-      </p:sp>
-      <p:sp>
-        <p:nvSpPr>
-          <p:cNvPr id="3" name="內容版面配置區 2">
-            <a:extLst>
-              <a:ext uri="{FF2B5EF4-FFF2-40B4-BE49-F238E27FC236}">
-                <a16:creationId xmlns:a16="http://schemas.microsoft.com/office/drawing/2014/main" id="{3AABD559-7A4E-48A8-9875-8CB382724560}"/>
-              </a:ext>
-            </a:extLst>
-          </p:cNvPr>
-          <p:cNvSpPr>
-            <a:spLocks noGrp="1"/>
-          </p:cNvSpPr>
-          <p:nvPr>
-            <p:ph idx="1"/>
-          </p:nvPr>
-        </p:nvSpPr>
-        <p:spPr/>
-        <p:txBody>
-          <a:bodyPr/>
-          <a:lstStyle/>
-          <a:p>
-            <a:endParaRPr lang="zh-TW" altLang="en-US" dirty="0"/>
-          </a:p>
-        </p:txBody>
-      </p:sp>
-    </p:spTree>
-    <p:extLst>
-      <p:ext uri="{BB962C8B-B14F-4D97-AF65-F5344CB8AC3E}">
-        <p14:creationId xmlns:p14="http://schemas.microsoft.com/office/powerpoint/2010/main" val="879890925"/>
-      </p:ext>
-    </p:extLst>
-  </p:cSld>
-  <p:clrMapOvr>
-    <a:masterClrMapping/>
-  </p:clrMapOvr>
-  <p:transition spd="slow">
-    <p:push dir="u"/>
-  </p:transition>
-</p:sld>
-</file>
-
-<file path=ppt/slides/slide6.xml><?xml version="1.0" encoding="utf-8"?>
 <p:sld xmlns:a="http://schemas.openxmlformats.org/drawingml/2006/main" xmlns:r="http://schemas.openxmlformats.org/officeDocument/2006/relationships" xmlns:p="http://schemas.openxmlformats.org/presentationml/2006/main">
   <p:cSld>
     <p:spTree>
@@ -4946,7 +4850,7 @@
 </p:sld>
 </file>
 
-<file path=ppt/slides/slide7.xml><?xml version="1.0" encoding="utf-8"?>
+<file path=ppt/slides/slide6.xml><?xml version="1.0" encoding="utf-8"?>
 <p:sld xmlns:a="http://schemas.openxmlformats.org/drawingml/2006/main" xmlns:r="http://schemas.openxmlformats.org/officeDocument/2006/relationships" xmlns:p="http://schemas.openxmlformats.org/presentationml/2006/main">
   <p:cSld>
     <p:spTree>
@@ -5465,7 +5369,7 @@
 </p:sld>
 </file>
 
-<file path=ppt/slides/slide8.xml><?xml version="1.0" encoding="utf-8"?>
+<file path=ppt/slides/slide7.xml><?xml version="1.0" encoding="utf-8"?>
 <p:sld xmlns:a="http://schemas.openxmlformats.org/drawingml/2006/main" xmlns:r="http://schemas.openxmlformats.org/officeDocument/2006/relationships" xmlns:p="http://schemas.openxmlformats.org/presentationml/2006/main">
   <p:cSld>
     <p:spTree>

--- a/商管程式報告.pptx
+++ b/商管程式報告.pptx
@@ -4,15 +4,23 @@
   <p:sldMasterIdLst>
     <p:sldMasterId id="2147483648" r:id="rId1"/>
   </p:sldMasterIdLst>
+  <p:notesMasterIdLst>
+    <p:notesMasterId r:id="rId15"/>
+  </p:notesMasterIdLst>
   <p:sldIdLst>
     <p:sldId id="256" r:id="rId2"/>
     <p:sldId id="263" r:id="rId3"/>
     <p:sldId id="262" r:id="rId4"/>
     <p:sldId id="257" r:id="rId5"/>
     <p:sldId id="261" r:id="rId6"/>
-    <p:sldId id="258" r:id="rId7"/>
-    <p:sldId id="259" r:id="rId8"/>
-    <p:sldId id="260" r:id="rId9"/>
+    <p:sldId id="265" r:id="rId7"/>
+    <p:sldId id="266" r:id="rId8"/>
+    <p:sldId id="267" r:id="rId9"/>
+    <p:sldId id="268" r:id="rId10"/>
+    <p:sldId id="258" r:id="rId11"/>
+    <p:sldId id="259" r:id="rId12"/>
+    <p:sldId id="264" r:id="rId13"/>
+    <p:sldId id="260" r:id="rId14"/>
   </p:sldIdLst>
   <p:sldSz cx="12192000" cy="6858000"/>
   <p:notesSz cx="6858000" cy="9144000"/>
@@ -119,6 +127,678 @@
 </p:presentation>
 </file>
 
+<file path=ppt/notesMasters/notesMaster1.xml><?xml version="1.0" encoding="utf-8"?>
+<p:notesMaster xmlns:a="http://schemas.openxmlformats.org/drawingml/2006/main" xmlns:r="http://schemas.openxmlformats.org/officeDocument/2006/relationships" xmlns:p="http://schemas.openxmlformats.org/presentationml/2006/main">
+  <p:cSld>
+    <p:bg>
+      <p:bgRef idx="1001">
+        <a:schemeClr val="bg1"/>
+      </p:bgRef>
+    </p:bg>
+    <p:spTree>
+      <p:nvGrpSpPr>
+        <p:cNvPr id="1" name=""/>
+        <p:cNvGrpSpPr/>
+        <p:nvPr/>
+      </p:nvGrpSpPr>
+      <p:grpSpPr>
+        <a:xfrm>
+          <a:off x="0" y="0"/>
+          <a:ext cx="0" cy="0"/>
+          <a:chOff x="0" y="0"/>
+          <a:chExt cx="0" cy="0"/>
+        </a:xfrm>
+      </p:grpSpPr>
+      <p:sp>
+        <p:nvSpPr>
+          <p:cNvPr id="2" name="頁首版面配置區 1"/>
+          <p:cNvSpPr>
+            <a:spLocks noGrp="1"/>
+          </p:cNvSpPr>
+          <p:nvPr>
+            <p:ph type="hdr" sz="quarter"/>
+          </p:nvPr>
+        </p:nvSpPr>
+        <p:spPr>
+          <a:xfrm>
+            <a:off x="0" y="0"/>
+            <a:ext cx="2971800" cy="458788"/>
+          </a:xfrm>
+          <a:prstGeom prst="rect">
+            <a:avLst/>
+          </a:prstGeom>
+        </p:spPr>
+        <p:txBody>
+          <a:bodyPr vert="horz" lIns="91440" tIns="45720" rIns="91440" bIns="45720" rtlCol="0"/>
+          <a:lstStyle>
+            <a:lvl1pPr algn="l">
+              <a:defRPr sz="1200"/>
+            </a:lvl1pPr>
+          </a:lstStyle>
+          <a:p>
+            <a:endParaRPr kumimoji="1" lang="zh-TW" altLang="en-US"/>
+          </a:p>
+        </p:txBody>
+      </p:sp>
+      <p:sp>
+        <p:nvSpPr>
+          <p:cNvPr id="3" name="日期版面配置區 2"/>
+          <p:cNvSpPr>
+            <a:spLocks noGrp="1"/>
+          </p:cNvSpPr>
+          <p:nvPr>
+            <p:ph type="dt" idx="1"/>
+          </p:nvPr>
+        </p:nvSpPr>
+        <p:spPr>
+          <a:xfrm>
+            <a:off x="3884613" y="0"/>
+            <a:ext cx="2971800" cy="458788"/>
+          </a:xfrm>
+          <a:prstGeom prst="rect">
+            <a:avLst/>
+          </a:prstGeom>
+        </p:spPr>
+        <p:txBody>
+          <a:bodyPr vert="horz" lIns="91440" tIns="45720" rIns="91440" bIns="45720" rtlCol="0"/>
+          <a:lstStyle>
+            <a:lvl1pPr algn="r">
+              <a:defRPr sz="1200"/>
+            </a:lvl1pPr>
+          </a:lstStyle>
+          <a:p>
+            <a:fld id="{0FF646EC-944B-4042-8F8C-6A273057CFAC}" type="datetimeFigureOut">
+              <a:rPr kumimoji="1" lang="zh-TW" altLang="en-US" smtClean="0"/>
+              <a:t>2019/1/8</a:t>
+            </a:fld>
+            <a:endParaRPr kumimoji="1" lang="zh-TW" altLang="en-US"/>
+          </a:p>
+        </p:txBody>
+      </p:sp>
+      <p:sp>
+        <p:nvSpPr>
+          <p:cNvPr id="4" name="投影片影像版面配置區 3"/>
+          <p:cNvSpPr>
+            <a:spLocks noGrp="1" noRot="1" noChangeAspect="1"/>
+          </p:cNvSpPr>
+          <p:nvPr>
+            <p:ph type="sldImg" idx="2"/>
+          </p:nvPr>
+        </p:nvSpPr>
+        <p:spPr>
+          <a:xfrm>
+            <a:off x="685800" y="1143000"/>
+            <a:ext cx="5486400" cy="3086100"/>
+          </a:xfrm>
+          <a:prstGeom prst="rect">
+            <a:avLst/>
+          </a:prstGeom>
+          <a:noFill/>
+          <a:ln w="12700">
+            <a:solidFill>
+              <a:prstClr val="black"/>
+            </a:solidFill>
+          </a:ln>
+        </p:spPr>
+        <p:txBody>
+          <a:bodyPr vert="horz" lIns="91440" tIns="45720" rIns="91440" bIns="45720" rtlCol="0" anchor="ctr"/>
+          <a:lstStyle/>
+          <a:p>
+            <a:endParaRPr lang="zh-TW" altLang="en-US"/>
+          </a:p>
+        </p:txBody>
+      </p:sp>
+      <p:sp>
+        <p:nvSpPr>
+          <p:cNvPr id="5" name="備忘稿版面配置區 4"/>
+          <p:cNvSpPr>
+            <a:spLocks noGrp="1"/>
+          </p:cNvSpPr>
+          <p:nvPr>
+            <p:ph type="body" sz="quarter" idx="3"/>
+          </p:nvPr>
+        </p:nvSpPr>
+        <p:spPr>
+          <a:xfrm>
+            <a:off x="685800" y="4400550"/>
+            <a:ext cx="5486400" cy="3600450"/>
+          </a:xfrm>
+          <a:prstGeom prst="rect">
+            <a:avLst/>
+          </a:prstGeom>
+        </p:spPr>
+        <p:txBody>
+          <a:bodyPr vert="horz" lIns="91440" tIns="45720" rIns="91440" bIns="45720" rtlCol="0"/>
+          <a:lstStyle/>
+          <a:p>
+            <a:r>
+              <a:rPr kumimoji="1" lang="zh-TW" altLang="en-US"/>
+              <a:t>編輯母片文字樣式
+第二層
+第三層
+第四層
+第五層</a:t>
+            </a:r>
+          </a:p>
+        </p:txBody>
+      </p:sp>
+      <p:sp>
+        <p:nvSpPr>
+          <p:cNvPr id="6" name="頁尾版面配置區 5"/>
+          <p:cNvSpPr>
+            <a:spLocks noGrp="1"/>
+          </p:cNvSpPr>
+          <p:nvPr>
+            <p:ph type="ftr" sz="quarter" idx="4"/>
+          </p:nvPr>
+        </p:nvSpPr>
+        <p:spPr>
+          <a:xfrm>
+            <a:off x="0" y="8685213"/>
+            <a:ext cx="2971800" cy="458787"/>
+          </a:xfrm>
+          <a:prstGeom prst="rect">
+            <a:avLst/>
+          </a:prstGeom>
+        </p:spPr>
+        <p:txBody>
+          <a:bodyPr vert="horz" lIns="91440" tIns="45720" rIns="91440" bIns="45720" rtlCol="0" anchor="b"/>
+          <a:lstStyle>
+            <a:lvl1pPr algn="l">
+              <a:defRPr sz="1200"/>
+            </a:lvl1pPr>
+          </a:lstStyle>
+          <a:p>
+            <a:endParaRPr kumimoji="1" lang="zh-TW" altLang="en-US"/>
+          </a:p>
+        </p:txBody>
+      </p:sp>
+      <p:sp>
+        <p:nvSpPr>
+          <p:cNvPr id="7" name="投影片編號版面配置區 6"/>
+          <p:cNvSpPr>
+            <a:spLocks noGrp="1"/>
+          </p:cNvSpPr>
+          <p:nvPr>
+            <p:ph type="sldNum" sz="quarter" idx="5"/>
+          </p:nvPr>
+        </p:nvSpPr>
+        <p:spPr>
+          <a:xfrm>
+            <a:off x="3884613" y="8685213"/>
+            <a:ext cx="2971800" cy="458787"/>
+          </a:xfrm>
+          <a:prstGeom prst="rect">
+            <a:avLst/>
+          </a:prstGeom>
+        </p:spPr>
+        <p:txBody>
+          <a:bodyPr vert="horz" lIns="91440" tIns="45720" rIns="91440" bIns="45720" rtlCol="0" anchor="b"/>
+          <a:lstStyle>
+            <a:lvl1pPr algn="r">
+              <a:defRPr sz="1200"/>
+            </a:lvl1pPr>
+          </a:lstStyle>
+          <a:p>
+            <a:fld id="{869DDA46-0EE2-9C4C-8ED2-E7D3E86BA4E6}" type="slidenum">
+              <a:rPr kumimoji="1" lang="zh-TW" altLang="en-US" smtClean="0"/>
+              <a:t>‹#›</a:t>
+            </a:fld>
+            <a:endParaRPr kumimoji="1" lang="zh-TW" altLang="en-US"/>
+          </a:p>
+        </p:txBody>
+      </p:sp>
+    </p:spTree>
+    <p:extLst>
+      <p:ext uri="{BB962C8B-B14F-4D97-AF65-F5344CB8AC3E}">
+        <p14:creationId xmlns:p14="http://schemas.microsoft.com/office/powerpoint/2010/main" val="3048277337"/>
+      </p:ext>
+    </p:extLst>
+  </p:cSld>
+  <p:clrMap bg1="lt1" tx1="dk1" bg2="lt2" tx2="dk2" accent1="accent1" accent2="accent2" accent3="accent3" accent4="accent4" accent5="accent5" accent6="accent6" hlink="hlink" folHlink="folHlink"/>
+  <p:notesStyle>
+    <a:lvl1pPr marL="0" algn="l" defTabSz="914400" rtl="0" eaLnBrk="1" latinLnBrk="0" hangingPunct="1">
+      <a:defRPr sz="1200" kern="1200">
+        <a:solidFill>
+          <a:schemeClr val="tx1"/>
+        </a:solidFill>
+        <a:latin typeface="+mn-lt"/>
+        <a:ea typeface="+mn-ea"/>
+        <a:cs typeface="+mn-cs"/>
+      </a:defRPr>
+    </a:lvl1pPr>
+    <a:lvl2pPr marL="457200" algn="l" defTabSz="914400" rtl="0" eaLnBrk="1" latinLnBrk="0" hangingPunct="1">
+      <a:defRPr sz="1200" kern="1200">
+        <a:solidFill>
+          <a:schemeClr val="tx1"/>
+        </a:solidFill>
+        <a:latin typeface="+mn-lt"/>
+        <a:ea typeface="+mn-ea"/>
+        <a:cs typeface="+mn-cs"/>
+      </a:defRPr>
+    </a:lvl2pPr>
+    <a:lvl3pPr marL="914400" algn="l" defTabSz="914400" rtl="0" eaLnBrk="1" latinLnBrk="0" hangingPunct="1">
+      <a:defRPr sz="1200" kern="1200">
+        <a:solidFill>
+          <a:schemeClr val="tx1"/>
+        </a:solidFill>
+        <a:latin typeface="+mn-lt"/>
+        <a:ea typeface="+mn-ea"/>
+        <a:cs typeface="+mn-cs"/>
+      </a:defRPr>
+    </a:lvl3pPr>
+    <a:lvl4pPr marL="1371600" algn="l" defTabSz="914400" rtl="0" eaLnBrk="1" latinLnBrk="0" hangingPunct="1">
+      <a:defRPr sz="1200" kern="1200">
+        <a:solidFill>
+          <a:schemeClr val="tx1"/>
+        </a:solidFill>
+        <a:latin typeface="+mn-lt"/>
+        <a:ea typeface="+mn-ea"/>
+        <a:cs typeface="+mn-cs"/>
+      </a:defRPr>
+    </a:lvl4pPr>
+    <a:lvl5pPr marL="1828800" algn="l" defTabSz="914400" rtl="0" eaLnBrk="1" latinLnBrk="0" hangingPunct="1">
+      <a:defRPr sz="1200" kern="1200">
+        <a:solidFill>
+          <a:schemeClr val="tx1"/>
+        </a:solidFill>
+        <a:latin typeface="+mn-lt"/>
+        <a:ea typeface="+mn-ea"/>
+        <a:cs typeface="+mn-cs"/>
+      </a:defRPr>
+    </a:lvl5pPr>
+    <a:lvl6pPr marL="2286000" algn="l" defTabSz="914400" rtl="0" eaLnBrk="1" latinLnBrk="0" hangingPunct="1">
+      <a:defRPr sz="1200" kern="1200">
+        <a:solidFill>
+          <a:schemeClr val="tx1"/>
+        </a:solidFill>
+        <a:latin typeface="+mn-lt"/>
+        <a:ea typeface="+mn-ea"/>
+        <a:cs typeface="+mn-cs"/>
+      </a:defRPr>
+    </a:lvl6pPr>
+    <a:lvl7pPr marL="2743200" algn="l" defTabSz="914400" rtl="0" eaLnBrk="1" latinLnBrk="0" hangingPunct="1">
+      <a:defRPr sz="1200" kern="1200">
+        <a:solidFill>
+          <a:schemeClr val="tx1"/>
+        </a:solidFill>
+        <a:latin typeface="+mn-lt"/>
+        <a:ea typeface="+mn-ea"/>
+        <a:cs typeface="+mn-cs"/>
+      </a:defRPr>
+    </a:lvl7pPr>
+    <a:lvl8pPr marL="3200400" algn="l" defTabSz="914400" rtl="0" eaLnBrk="1" latinLnBrk="0" hangingPunct="1">
+      <a:defRPr sz="1200" kern="1200">
+        <a:solidFill>
+          <a:schemeClr val="tx1"/>
+        </a:solidFill>
+        <a:latin typeface="+mn-lt"/>
+        <a:ea typeface="+mn-ea"/>
+        <a:cs typeface="+mn-cs"/>
+      </a:defRPr>
+    </a:lvl8pPr>
+    <a:lvl9pPr marL="3657600" algn="l" defTabSz="914400" rtl="0" eaLnBrk="1" latinLnBrk="0" hangingPunct="1">
+      <a:defRPr sz="1200" kern="1200">
+        <a:solidFill>
+          <a:schemeClr val="tx1"/>
+        </a:solidFill>
+        <a:latin typeface="+mn-lt"/>
+        <a:ea typeface="+mn-ea"/>
+        <a:cs typeface="+mn-cs"/>
+      </a:defRPr>
+    </a:lvl9pPr>
+  </p:notesStyle>
+</p:notesMaster>
+</file>
+
+<file path=ppt/notesSlides/notesSlide1.xml><?xml version="1.0" encoding="utf-8"?>
+<p:notes xmlns:a="http://schemas.openxmlformats.org/drawingml/2006/main" xmlns:r="http://schemas.openxmlformats.org/officeDocument/2006/relationships" xmlns:p="http://schemas.openxmlformats.org/presentationml/2006/main">
+  <p:cSld>
+    <p:spTree>
+      <p:nvGrpSpPr>
+        <p:cNvPr id="1" name=""/>
+        <p:cNvGrpSpPr/>
+        <p:nvPr/>
+      </p:nvGrpSpPr>
+      <p:grpSpPr>
+        <a:xfrm>
+          <a:off x="0" y="0"/>
+          <a:ext cx="0" cy="0"/>
+          <a:chOff x="0" y="0"/>
+          <a:chExt cx="0" cy="0"/>
+        </a:xfrm>
+      </p:grpSpPr>
+      <p:sp>
+        <p:nvSpPr>
+          <p:cNvPr id="2" name="投影片影像版面配置區 1"/>
+          <p:cNvSpPr>
+            <a:spLocks noGrp="1" noRot="1" noChangeAspect="1"/>
+          </p:cNvSpPr>
+          <p:nvPr>
+            <p:ph type="sldImg"/>
+          </p:nvPr>
+        </p:nvSpPr>
+        <p:spPr/>
+      </p:sp>
+      <p:sp>
+        <p:nvSpPr>
+          <p:cNvPr id="3" name="備忘稿版面配置區 2"/>
+          <p:cNvSpPr>
+            <a:spLocks noGrp="1"/>
+          </p:cNvSpPr>
+          <p:nvPr>
+            <p:ph type="body" idx="1"/>
+          </p:nvPr>
+        </p:nvSpPr>
+        <p:spPr/>
+        <p:txBody>
+          <a:bodyPr/>
+          <a:lstStyle/>
+          <a:p>
+            <a:r>
+              <a:rPr kumimoji="1" lang="zh-TW" altLang="en-US" dirty="0"/>
+              <a:t>這是股市走勢</a:t>
+            </a:r>
+          </a:p>
+        </p:txBody>
+      </p:sp>
+      <p:sp>
+        <p:nvSpPr>
+          <p:cNvPr id="4" name="投影片編號版面配置區 3"/>
+          <p:cNvSpPr>
+            <a:spLocks noGrp="1"/>
+          </p:cNvSpPr>
+          <p:nvPr>
+            <p:ph type="sldNum" sz="quarter" idx="5"/>
+          </p:nvPr>
+        </p:nvSpPr>
+        <p:spPr/>
+        <p:txBody>
+          <a:bodyPr/>
+          <a:lstStyle/>
+          <a:p>
+            <a:fld id="{869DDA46-0EE2-9C4C-8ED2-E7D3E86BA4E6}" type="slidenum">
+              <a:rPr kumimoji="1" lang="zh-TW" altLang="en-US" smtClean="0"/>
+              <a:t>6</a:t>
+            </a:fld>
+            <a:endParaRPr kumimoji="1" lang="zh-TW" altLang="en-US"/>
+          </a:p>
+        </p:txBody>
+      </p:sp>
+    </p:spTree>
+    <p:extLst>
+      <p:ext uri="{BB962C8B-B14F-4D97-AF65-F5344CB8AC3E}">
+        <p14:creationId xmlns:p14="http://schemas.microsoft.com/office/powerpoint/2010/main" val="2496764974"/>
+      </p:ext>
+    </p:extLst>
+  </p:cSld>
+  <p:clrMapOvr>
+    <a:masterClrMapping/>
+  </p:clrMapOvr>
+</p:notes>
+</file>
+
+<file path=ppt/notesSlides/notesSlide2.xml><?xml version="1.0" encoding="utf-8"?>
+<p:notes xmlns:a="http://schemas.openxmlformats.org/drawingml/2006/main" xmlns:r="http://schemas.openxmlformats.org/officeDocument/2006/relationships" xmlns:p="http://schemas.openxmlformats.org/presentationml/2006/main">
+  <p:cSld>
+    <p:spTree>
+      <p:nvGrpSpPr>
+        <p:cNvPr id="1" name=""/>
+        <p:cNvGrpSpPr/>
+        <p:nvPr/>
+      </p:nvGrpSpPr>
+      <p:grpSpPr>
+        <a:xfrm>
+          <a:off x="0" y="0"/>
+          <a:ext cx="0" cy="0"/>
+          <a:chOff x="0" y="0"/>
+          <a:chExt cx="0" cy="0"/>
+        </a:xfrm>
+      </p:grpSpPr>
+      <p:sp>
+        <p:nvSpPr>
+          <p:cNvPr id="2" name="投影片影像版面配置區 1"/>
+          <p:cNvSpPr>
+            <a:spLocks noGrp="1" noRot="1" noChangeAspect="1"/>
+          </p:cNvSpPr>
+          <p:nvPr>
+            <p:ph type="sldImg"/>
+          </p:nvPr>
+        </p:nvSpPr>
+        <p:spPr/>
+      </p:sp>
+      <p:sp>
+        <p:nvSpPr>
+          <p:cNvPr id="3" name="備忘稿版面配置區 2"/>
+          <p:cNvSpPr>
+            <a:spLocks noGrp="1"/>
+          </p:cNvSpPr>
+          <p:nvPr>
+            <p:ph type="body" idx="1"/>
+          </p:nvPr>
+        </p:nvSpPr>
+        <p:spPr/>
+        <p:txBody>
+          <a:bodyPr/>
+          <a:lstStyle/>
+          <a:p>
+            <a:r>
+              <a:rPr kumimoji="1" lang="zh-TW" altLang="en-US" dirty="0"/>
+              <a:t>這是選股程式 們的廣告</a:t>
+            </a:r>
+          </a:p>
+        </p:txBody>
+      </p:sp>
+      <p:sp>
+        <p:nvSpPr>
+          <p:cNvPr id="4" name="投影片編號版面配置區 3"/>
+          <p:cNvSpPr>
+            <a:spLocks noGrp="1"/>
+          </p:cNvSpPr>
+          <p:nvPr>
+            <p:ph type="sldNum" sz="quarter" idx="5"/>
+          </p:nvPr>
+        </p:nvSpPr>
+        <p:spPr/>
+        <p:txBody>
+          <a:bodyPr/>
+          <a:lstStyle/>
+          <a:p>
+            <a:fld id="{869DDA46-0EE2-9C4C-8ED2-E7D3E86BA4E6}" type="slidenum">
+              <a:rPr kumimoji="1" lang="zh-TW" altLang="en-US" smtClean="0"/>
+              <a:t>7</a:t>
+            </a:fld>
+            <a:endParaRPr kumimoji="1" lang="zh-TW" altLang="en-US"/>
+          </a:p>
+        </p:txBody>
+      </p:sp>
+    </p:spTree>
+    <p:extLst>
+      <p:ext uri="{BB962C8B-B14F-4D97-AF65-F5344CB8AC3E}">
+        <p14:creationId xmlns:p14="http://schemas.microsoft.com/office/powerpoint/2010/main" val="1414941640"/>
+      </p:ext>
+    </p:extLst>
+  </p:cSld>
+  <p:clrMapOvr>
+    <a:masterClrMapping/>
+  </p:clrMapOvr>
+</p:notes>
+</file>
+
+<file path=ppt/notesSlides/notesSlide3.xml><?xml version="1.0" encoding="utf-8"?>
+<p:notes xmlns:a="http://schemas.openxmlformats.org/drawingml/2006/main" xmlns:r="http://schemas.openxmlformats.org/officeDocument/2006/relationships" xmlns:p="http://schemas.openxmlformats.org/presentationml/2006/main">
+  <p:cSld>
+    <p:spTree>
+      <p:nvGrpSpPr>
+        <p:cNvPr id="1" name=""/>
+        <p:cNvGrpSpPr/>
+        <p:nvPr/>
+      </p:nvGrpSpPr>
+      <p:grpSpPr>
+        <a:xfrm>
+          <a:off x="0" y="0"/>
+          <a:ext cx="0" cy="0"/>
+          <a:chOff x="0" y="0"/>
+          <a:chExt cx="0" cy="0"/>
+        </a:xfrm>
+      </p:grpSpPr>
+      <p:sp>
+        <p:nvSpPr>
+          <p:cNvPr id="2" name="投影片影像版面配置區 1"/>
+          <p:cNvSpPr>
+            <a:spLocks noGrp="1" noRot="1" noChangeAspect="1"/>
+          </p:cNvSpPr>
+          <p:nvPr>
+            <p:ph type="sldImg"/>
+          </p:nvPr>
+        </p:nvSpPr>
+        <p:spPr/>
+      </p:sp>
+      <p:sp>
+        <p:nvSpPr>
+          <p:cNvPr id="3" name="備忘稿版面配置區 2"/>
+          <p:cNvSpPr>
+            <a:spLocks noGrp="1"/>
+          </p:cNvSpPr>
+          <p:nvPr>
+            <p:ph type="body" idx="1"/>
+          </p:nvPr>
+        </p:nvSpPr>
+        <p:spPr/>
+        <p:txBody>
+          <a:bodyPr/>
+          <a:lstStyle/>
+          <a:p>
+            <a:r>
+              <a:rPr kumimoji="1" lang="zh-TW" altLang="en-US" dirty="0"/>
+              <a:t>這是選股程式裡面的樣子</a:t>
+            </a:r>
+          </a:p>
+        </p:txBody>
+      </p:sp>
+      <p:sp>
+        <p:nvSpPr>
+          <p:cNvPr id="4" name="投影片編號版面配置區 3"/>
+          <p:cNvSpPr>
+            <a:spLocks noGrp="1"/>
+          </p:cNvSpPr>
+          <p:nvPr>
+            <p:ph type="sldNum" sz="quarter" idx="5"/>
+          </p:nvPr>
+        </p:nvSpPr>
+        <p:spPr/>
+        <p:txBody>
+          <a:bodyPr/>
+          <a:lstStyle/>
+          <a:p>
+            <a:fld id="{869DDA46-0EE2-9C4C-8ED2-E7D3E86BA4E6}" type="slidenum">
+              <a:rPr kumimoji="1" lang="zh-TW" altLang="en-US" smtClean="0"/>
+              <a:t>8</a:t>
+            </a:fld>
+            <a:endParaRPr kumimoji="1" lang="zh-TW" altLang="en-US"/>
+          </a:p>
+        </p:txBody>
+      </p:sp>
+    </p:spTree>
+    <p:extLst>
+      <p:ext uri="{BB962C8B-B14F-4D97-AF65-F5344CB8AC3E}">
+        <p14:creationId xmlns:p14="http://schemas.microsoft.com/office/powerpoint/2010/main" val="1661681362"/>
+      </p:ext>
+    </p:extLst>
+  </p:cSld>
+  <p:clrMapOvr>
+    <a:masterClrMapping/>
+  </p:clrMapOvr>
+</p:notes>
+</file>
+
+<file path=ppt/notesSlides/notesSlide4.xml><?xml version="1.0" encoding="utf-8"?>
+<p:notes xmlns:a="http://schemas.openxmlformats.org/drawingml/2006/main" xmlns:r="http://schemas.openxmlformats.org/officeDocument/2006/relationships" xmlns:p="http://schemas.openxmlformats.org/presentationml/2006/main">
+  <p:cSld>
+    <p:spTree>
+      <p:nvGrpSpPr>
+        <p:cNvPr id="1" name=""/>
+        <p:cNvGrpSpPr/>
+        <p:nvPr/>
+      </p:nvGrpSpPr>
+      <p:grpSpPr>
+        <a:xfrm>
+          <a:off x="0" y="0"/>
+          <a:ext cx="0" cy="0"/>
+          <a:chOff x="0" y="0"/>
+          <a:chExt cx="0" cy="0"/>
+        </a:xfrm>
+      </p:grpSpPr>
+      <p:sp>
+        <p:nvSpPr>
+          <p:cNvPr id="2" name="投影片影像版面配置區 1"/>
+          <p:cNvSpPr>
+            <a:spLocks noGrp="1" noRot="1" noChangeAspect="1"/>
+          </p:cNvSpPr>
+          <p:nvPr>
+            <p:ph type="sldImg"/>
+          </p:nvPr>
+        </p:nvSpPr>
+        <p:spPr/>
+      </p:sp>
+      <p:sp>
+        <p:nvSpPr>
+          <p:cNvPr id="3" name="備忘稿版面配置區 2"/>
+          <p:cNvSpPr>
+            <a:spLocks noGrp="1"/>
+          </p:cNvSpPr>
+          <p:nvPr>
+            <p:ph type="body" idx="1"/>
+          </p:nvPr>
+        </p:nvSpPr>
+        <p:spPr/>
+        <p:txBody>
+          <a:bodyPr/>
+          <a:lstStyle/>
+          <a:p>
+            <a:r>
+              <a:rPr kumimoji="1" lang="zh-TW" altLang="en-US" dirty="0"/>
+              <a:t>這是選股程式裡面的樣子</a:t>
+            </a:r>
+          </a:p>
+        </p:txBody>
+      </p:sp>
+      <p:sp>
+        <p:nvSpPr>
+          <p:cNvPr id="4" name="投影片編號版面配置區 3"/>
+          <p:cNvSpPr>
+            <a:spLocks noGrp="1"/>
+          </p:cNvSpPr>
+          <p:nvPr>
+            <p:ph type="sldNum" sz="quarter" idx="5"/>
+          </p:nvPr>
+        </p:nvSpPr>
+        <p:spPr/>
+        <p:txBody>
+          <a:bodyPr/>
+          <a:lstStyle/>
+          <a:p>
+            <a:fld id="{869DDA46-0EE2-9C4C-8ED2-E7D3E86BA4E6}" type="slidenum">
+              <a:rPr kumimoji="1" lang="zh-TW" altLang="en-US" smtClean="0"/>
+              <a:t>9</a:t>
+            </a:fld>
+            <a:endParaRPr kumimoji="1" lang="zh-TW" altLang="en-US"/>
+          </a:p>
+        </p:txBody>
+      </p:sp>
+    </p:spTree>
+    <p:extLst>
+      <p:ext uri="{BB962C8B-B14F-4D97-AF65-F5344CB8AC3E}">
+        <p14:creationId xmlns:p14="http://schemas.microsoft.com/office/powerpoint/2010/main" val="1677453913"/>
+      </p:ext>
+    </p:extLst>
+  </p:cSld>
+  <p:clrMapOvr>
+    <a:masterClrMapping/>
+  </p:clrMapOvr>
+</p:notes>
+</file>
+
 <file path=ppt/slideLayouts/slideLayout1.xml><?xml version="1.0" encoding="utf-8"?>
 <p:sldLayout xmlns:a="http://schemas.openxmlformats.org/drawingml/2006/main" xmlns:r="http://schemas.openxmlformats.org/officeDocument/2006/relationships" xmlns:p="http://schemas.openxmlformats.org/presentationml/2006/main" showMasterSp="0" type="title" preserve="1">
   <p:cSld name="標題投影片">
@@ -289,7 +969,7 @@
             <a:fld id="{87DE6118-2437-4B30-8E3C-4D2BE6020583}" type="datetimeFigureOut">
               <a:rPr lang="en-US" dirty="0"/>
               <a:pPr/>
-              <a:t>1/7/2019</a:t>
+              <a:t>1/8/19</a:t>
             </a:fld>
             <a:endParaRPr lang="en-US" dirty="0"/>
           </a:p>
@@ -615,7 +1295,7 @@
           <a:p>
             <a:fld id="{87DE6118-2437-4B30-8E3C-4D2BE6020583}" type="datetimeFigureOut">
               <a:rPr lang="en-US" dirty="0"/>
-              <a:t>1/7/2019</a:t>
+              <a:t>1/8/19</a:t>
             </a:fld>
             <a:endParaRPr lang="en-US" dirty="0"/>
           </a:p>
@@ -790,7 +1470,7 @@
           <a:p>
             <a:fld id="{87DE6118-2437-4B30-8E3C-4D2BE6020583}" type="datetimeFigureOut">
               <a:rPr lang="en-US" dirty="0"/>
-              <a:t>1/7/2019</a:t>
+              <a:t>1/8/19</a:t>
             </a:fld>
             <a:endParaRPr lang="en-US" dirty="0"/>
           </a:p>
@@ -955,7 +1635,7 @@
           <a:p>
             <a:fld id="{87DE6118-2437-4B30-8E3C-4D2BE6020583}" type="datetimeFigureOut">
               <a:rPr lang="en-US" dirty="0"/>
-              <a:t>1/7/2019</a:t>
+              <a:t>1/8/19</a:t>
             </a:fld>
             <a:endParaRPr lang="en-US" dirty="0"/>
           </a:p>
@@ -1228,7 +1908,7 @@
             <a:fld id="{87DE6118-2437-4B30-8E3C-4D2BE6020583}" type="datetimeFigureOut">
               <a:rPr lang="en-US" dirty="0"/>
               <a:pPr/>
-              <a:t>1/7/2019</a:t>
+              <a:t>1/8/19</a:t>
             </a:fld>
             <a:endParaRPr lang="en-US" dirty="0"/>
           </a:p>
@@ -1618,7 +2298,7 @@
           <a:p>
             <a:fld id="{87DE6118-2437-4B30-8E3C-4D2BE6020583}" type="datetimeFigureOut">
               <a:rPr lang="en-US" dirty="0"/>
-              <a:t>1/7/2019</a:t>
+              <a:t>1/8/19</a:t>
             </a:fld>
             <a:endParaRPr lang="en-US" dirty="0"/>
           </a:p>
@@ -2090,7 +2770,7 @@
           <a:p>
             <a:fld id="{87DE6118-2437-4B30-8E3C-4D2BE6020583}" type="datetimeFigureOut">
               <a:rPr lang="en-US" dirty="0"/>
-              <a:t>1/7/2019</a:t>
+              <a:t>1/8/19</a:t>
             </a:fld>
             <a:endParaRPr lang="en-US" dirty="0"/>
           </a:p>
@@ -2203,7 +2883,7 @@
           <a:p>
             <a:fld id="{87DE6118-2437-4B30-8E3C-4D2BE6020583}" type="datetimeFigureOut">
               <a:rPr lang="en-US" dirty="0"/>
-              <a:t>1/7/2019</a:t>
+              <a:t>1/8/19</a:t>
             </a:fld>
             <a:endParaRPr lang="en-US" dirty="0"/>
           </a:p>
@@ -2293,7 +2973,7 @@
           <a:p>
             <a:fld id="{87DE6118-2437-4B30-8E3C-4D2BE6020583}" type="datetimeFigureOut">
               <a:rPr lang="en-US" dirty="0"/>
-              <a:t>1/7/2019</a:t>
+              <a:t>1/8/19</a:t>
             </a:fld>
             <a:endParaRPr lang="en-US" dirty="0"/>
           </a:p>
@@ -2635,7 +3315,7 @@
             <a:fld id="{87DE6118-2437-4B30-8E3C-4D2BE6020583}" type="datetimeFigureOut">
               <a:rPr lang="en-US" dirty="0"/>
               <a:pPr/>
-              <a:t>1/7/2019</a:t>
+              <a:t>1/8/19</a:t>
             </a:fld>
             <a:endParaRPr lang="en-US" dirty="0"/>
           </a:p>
@@ -3020,7 +3700,7 @@
             <a:fld id="{87DE6118-2437-4B30-8E3C-4D2BE6020583}" type="datetimeFigureOut">
               <a:rPr lang="en-US" dirty="0"/>
               <a:pPr/>
-              <a:t>1/7/2019</a:t>
+              <a:t>1/8/19</a:t>
             </a:fld>
             <a:endParaRPr lang="en-US" dirty="0"/>
           </a:p>
@@ -3295,7 +3975,7 @@
             <a:fld id="{87DE6118-2437-4B30-8E3C-4D2BE6020583}" type="datetimeFigureOut">
               <a:rPr lang="en-US" dirty="0"/>
               <a:pPr/>
-              <a:t>1/7/2019</a:t>
+              <a:t>1/8/19</a:t>
             </a:fld>
             <a:endParaRPr lang="en-US" dirty="0"/>
           </a:p>
@@ -3871,6 +4551,1409 @@
 </p:sld>
 </file>
 
+<file path=ppt/slides/slide10.xml><?xml version="1.0" encoding="utf-8"?>
+<p:sld xmlns:a="http://schemas.openxmlformats.org/drawingml/2006/main" xmlns:r="http://schemas.openxmlformats.org/officeDocument/2006/relationships" xmlns:p="http://schemas.openxmlformats.org/presentationml/2006/main">
+  <p:cSld>
+    <p:spTree>
+      <p:nvGrpSpPr>
+        <p:cNvPr id="1" name=""/>
+        <p:cNvGrpSpPr/>
+        <p:nvPr/>
+      </p:nvGrpSpPr>
+      <p:grpSpPr>
+        <a:xfrm>
+          <a:off x="0" y="0"/>
+          <a:ext cx="0" cy="0"/>
+          <a:chOff x="0" y="0"/>
+          <a:chExt cx="0" cy="0"/>
+        </a:xfrm>
+      </p:grpSpPr>
+      <p:sp>
+        <p:nvSpPr>
+          <p:cNvPr id="7" name="文字方塊 6">
+            <a:extLst>
+              <a:ext uri="{FF2B5EF4-FFF2-40B4-BE49-F238E27FC236}">
+                <a16:creationId xmlns:a16="http://schemas.microsoft.com/office/drawing/2014/main" id="{E4E71505-08DE-42F4-8940-E4A66C9390B1}"/>
+              </a:ext>
+            </a:extLst>
+          </p:cNvPr>
+          <p:cNvSpPr txBox="1"/>
+          <p:nvPr/>
+        </p:nvSpPr>
+        <p:spPr>
+          <a:xfrm>
+            <a:off x="4360016" y="225143"/>
+            <a:ext cx="2743203" cy="584775"/>
+          </a:xfrm>
+          <a:prstGeom prst="rect">
+            <a:avLst/>
+          </a:prstGeom>
+          <a:noFill/>
+        </p:spPr>
+        <p:txBody>
+          <a:bodyPr wrap="square" rtlCol="0">
+            <a:spAutoFit/>
+          </a:bodyPr>
+          <a:lstStyle/>
+          <a:p>
+            <a:pPr algn="ctr"/>
+            <a:r>
+              <a:rPr lang="zh-TW" altLang="en-US" sz="3200" dirty="0"/>
+              <a:t>分為四種指標</a:t>
+            </a:r>
+          </a:p>
+        </p:txBody>
+      </p:sp>
+      <p:sp>
+        <p:nvSpPr>
+          <p:cNvPr id="9" name="文字方塊 8">
+            <a:extLst>
+              <a:ext uri="{FF2B5EF4-FFF2-40B4-BE49-F238E27FC236}">
+                <a16:creationId xmlns:a16="http://schemas.microsoft.com/office/drawing/2014/main" id="{641811B0-94C2-4700-9BD4-B7317E1497CE}"/>
+              </a:ext>
+            </a:extLst>
+          </p:cNvPr>
+          <p:cNvSpPr txBox="1"/>
+          <p:nvPr/>
+        </p:nvSpPr>
+        <p:spPr>
+          <a:xfrm>
+            <a:off x="2573060" y="1900947"/>
+            <a:ext cx="1046440" cy="3513306"/>
+          </a:xfrm>
+          <a:prstGeom prst="rect">
+            <a:avLst/>
+          </a:prstGeom>
+          <a:noFill/>
+        </p:spPr>
+        <p:txBody>
+          <a:bodyPr vert="eaVert" wrap="square" rtlCol="0">
+            <a:spAutoFit/>
+          </a:bodyPr>
+          <a:lstStyle/>
+          <a:p>
+            <a:r>
+              <a:rPr lang="zh-TW" altLang="en-US" sz="2800" dirty="0"/>
+              <a:t>每種指標裡</a:t>
+            </a:r>
+            <a:endParaRPr lang="en-US" altLang="zh-TW" sz="2800" dirty="0"/>
+          </a:p>
+          <a:p>
+            <a:r>
+              <a:rPr lang="zh-TW" altLang="en-US" sz="2800" dirty="0"/>
+              <a:t>各有不同的選股條件</a:t>
+            </a:r>
+          </a:p>
+        </p:txBody>
+      </p:sp>
+      <p:pic>
+        <p:nvPicPr>
+          <p:cNvPr id="10" name="內容版面配置區 9">
+            <a:extLst>
+              <a:ext uri="{FF2B5EF4-FFF2-40B4-BE49-F238E27FC236}">
+                <a16:creationId xmlns:a16="http://schemas.microsoft.com/office/drawing/2014/main" id="{D65D76BA-1CB4-48EC-A0BA-0F03C39B3BDE}"/>
+              </a:ext>
+            </a:extLst>
+          </p:cNvPr>
+          <p:cNvPicPr>
+            <a:picLocks noGrp="1" noChangeAspect="1"/>
+          </p:cNvPicPr>
+          <p:nvPr>
+            <p:ph idx="1"/>
+          </p:nvPr>
+        </p:nvPicPr>
+        <p:blipFill>
+          <a:blip r:embed="rId2"/>
+          <a:stretch>
+            <a:fillRect/>
+          </a:stretch>
+        </p:blipFill>
+        <p:spPr>
+          <a:xfrm>
+            <a:off x="3759830" y="1102311"/>
+            <a:ext cx="5034291" cy="5549887"/>
+          </a:xfrm>
+        </p:spPr>
+      </p:pic>
+      <p:sp>
+        <p:nvSpPr>
+          <p:cNvPr id="6" name="左大括弧 5">
+            <a:extLst>
+              <a:ext uri="{FF2B5EF4-FFF2-40B4-BE49-F238E27FC236}">
+                <a16:creationId xmlns:a16="http://schemas.microsoft.com/office/drawing/2014/main" id="{650E9293-7178-40F8-BAEB-1B4EDC4F62DD}"/>
+              </a:ext>
+            </a:extLst>
+          </p:cNvPr>
+          <p:cNvSpPr/>
+          <p:nvPr/>
+        </p:nvSpPr>
+        <p:spPr>
+          <a:xfrm rot="5400000">
+            <a:off x="5307047" y="-755066"/>
+            <a:ext cx="849142" cy="3714754"/>
+          </a:xfrm>
+          <a:prstGeom prst="leftBrace">
+            <a:avLst>
+              <a:gd name="adj1" fmla="val 8333"/>
+              <a:gd name="adj2" fmla="val 50255"/>
+            </a:avLst>
+          </a:prstGeom>
+          <a:ln/>
+        </p:spPr>
+        <p:style>
+          <a:lnRef idx="2">
+            <a:schemeClr val="dk1"/>
+          </a:lnRef>
+          <a:fillRef idx="0">
+            <a:schemeClr val="dk1"/>
+          </a:fillRef>
+          <a:effectRef idx="1">
+            <a:schemeClr val="dk1"/>
+          </a:effectRef>
+          <a:fontRef idx="minor">
+            <a:schemeClr val="tx1"/>
+          </a:fontRef>
+        </p:style>
+        <p:txBody>
+          <a:bodyPr rtlCol="0" anchor="ctr"/>
+          <a:lstStyle/>
+          <a:p>
+            <a:pPr algn="ctr"/>
+            <a:endParaRPr lang="zh-TW" altLang="en-US" b="1" dirty="0"/>
+          </a:p>
+        </p:txBody>
+      </p:sp>
+      <p:sp>
+        <p:nvSpPr>
+          <p:cNvPr id="8" name="左大括弧 7">
+            <a:extLst>
+              <a:ext uri="{FF2B5EF4-FFF2-40B4-BE49-F238E27FC236}">
+                <a16:creationId xmlns:a16="http://schemas.microsoft.com/office/drawing/2014/main" id="{F0AF1FAF-05A6-4098-84AC-1BAA729E4E1E}"/>
+              </a:ext>
+            </a:extLst>
+          </p:cNvPr>
+          <p:cNvSpPr/>
+          <p:nvPr/>
+        </p:nvSpPr>
+        <p:spPr>
+          <a:xfrm>
+            <a:off x="3519050" y="1819275"/>
+            <a:ext cx="355191" cy="1762125"/>
+          </a:xfrm>
+          <a:prstGeom prst="leftBrace">
+            <a:avLst/>
+          </a:prstGeom>
+        </p:spPr>
+        <p:style>
+          <a:lnRef idx="2">
+            <a:schemeClr val="dk1"/>
+          </a:lnRef>
+          <a:fillRef idx="0">
+            <a:schemeClr val="dk1"/>
+          </a:fillRef>
+          <a:effectRef idx="1">
+            <a:schemeClr val="dk1"/>
+          </a:effectRef>
+          <a:fontRef idx="minor">
+            <a:schemeClr val="tx1"/>
+          </a:fontRef>
+        </p:style>
+        <p:txBody>
+          <a:bodyPr rtlCol="0" anchor="ctr"/>
+          <a:lstStyle/>
+          <a:p>
+            <a:pPr algn="ctr"/>
+            <a:endParaRPr lang="zh-TW" altLang="en-US"/>
+          </a:p>
+        </p:txBody>
+      </p:sp>
+    </p:spTree>
+    <p:extLst>
+      <p:ext uri="{BB962C8B-B14F-4D97-AF65-F5344CB8AC3E}">
+        <p14:creationId xmlns:p14="http://schemas.microsoft.com/office/powerpoint/2010/main" val="2377616512"/>
+      </p:ext>
+    </p:extLst>
+  </p:cSld>
+  <p:clrMapOvr>
+    <a:masterClrMapping/>
+  </p:clrMapOvr>
+  <p:transition spd="slow">
+    <p:push dir="u"/>
+  </p:transition>
+  <p:timing>
+    <p:tnLst>
+      <p:par>
+        <p:cTn id="1" dur="indefinite" restart="never" nodeType="tmRoot">
+          <p:childTnLst>
+            <p:seq concurrent="1" nextAc="seek">
+              <p:cTn id="2" dur="indefinite" nodeType="mainSeq">
+                <p:childTnLst>
+                  <p:par>
+                    <p:cTn id="3" fill="hold">
+                      <p:stCondLst>
+                        <p:cond delay="indefinite"/>
+                      </p:stCondLst>
+                      <p:childTnLst>
+                        <p:par>
+                          <p:cTn id="4" fill="hold">
+                            <p:stCondLst>
+                              <p:cond delay="0"/>
+                            </p:stCondLst>
+                            <p:childTnLst>
+                              <p:par>
+                                <p:cTn id="5" presetID="10" presetClass="entr" presetSubtype="0" fill="hold" grpId="0" nodeType="clickEffect">
+                                  <p:stCondLst>
+                                    <p:cond delay="0"/>
+                                  </p:stCondLst>
+                                  <p:childTnLst>
+                                    <p:set>
+                                      <p:cBhvr>
+                                        <p:cTn id="6" dur="1" fill="hold">
+                                          <p:stCondLst>
+                                            <p:cond delay="0"/>
+                                          </p:stCondLst>
+                                        </p:cTn>
+                                        <p:tgtEl>
+                                          <p:spTgt spid="6"/>
+                                        </p:tgtEl>
+                                        <p:attrNameLst>
+                                          <p:attrName>style.visibility</p:attrName>
+                                        </p:attrNameLst>
+                                      </p:cBhvr>
+                                      <p:to>
+                                        <p:strVal val="visible"/>
+                                      </p:to>
+                                    </p:set>
+                                    <p:animEffect transition="in" filter="fade">
+                                      <p:cBhvr>
+                                        <p:cTn id="7" dur="500"/>
+                                        <p:tgtEl>
+                                          <p:spTgt spid="6"/>
+                                        </p:tgtEl>
+                                      </p:cBhvr>
+                                    </p:animEffect>
+                                  </p:childTnLst>
+                                </p:cTn>
+                              </p:par>
+                              <p:par>
+                                <p:cTn id="8" presetID="10" presetClass="entr" presetSubtype="0" fill="hold" grpId="0" nodeType="withEffect">
+                                  <p:stCondLst>
+                                    <p:cond delay="0"/>
+                                  </p:stCondLst>
+                                  <p:childTnLst>
+                                    <p:set>
+                                      <p:cBhvr>
+                                        <p:cTn id="9" dur="1" fill="hold">
+                                          <p:stCondLst>
+                                            <p:cond delay="0"/>
+                                          </p:stCondLst>
+                                        </p:cTn>
+                                        <p:tgtEl>
+                                          <p:spTgt spid="7"/>
+                                        </p:tgtEl>
+                                        <p:attrNameLst>
+                                          <p:attrName>style.visibility</p:attrName>
+                                        </p:attrNameLst>
+                                      </p:cBhvr>
+                                      <p:to>
+                                        <p:strVal val="visible"/>
+                                      </p:to>
+                                    </p:set>
+                                    <p:animEffect transition="in" filter="fade">
+                                      <p:cBhvr>
+                                        <p:cTn id="10" dur="500"/>
+                                        <p:tgtEl>
+                                          <p:spTgt spid="7"/>
+                                        </p:tgtEl>
+                                      </p:cBhvr>
+                                    </p:animEffect>
+                                  </p:childTnLst>
+                                </p:cTn>
+                              </p:par>
+                            </p:childTnLst>
+                          </p:cTn>
+                        </p:par>
+                      </p:childTnLst>
+                    </p:cTn>
+                  </p:par>
+                  <p:par>
+                    <p:cTn id="11" fill="hold">
+                      <p:stCondLst>
+                        <p:cond delay="indefinite"/>
+                      </p:stCondLst>
+                      <p:childTnLst>
+                        <p:par>
+                          <p:cTn id="12" fill="hold">
+                            <p:stCondLst>
+                              <p:cond delay="0"/>
+                            </p:stCondLst>
+                            <p:childTnLst>
+                              <p:par>
+                                <p:cTn id="13" presetID="10" presetClass="entr" presetSubtype="0" fill="hold" grpId="0" nodeType="clickEffect">
+                                  <p:stCondLst>
+                                    <p:cond delay="0"/>
+                                  </p:stCondLst>
+                                  <p:childTnLst>
+                                    <p:set>
+                                      <p:cBhvr>
+                                        <p:cTn id="14" dur="1" fill="hold">
+                                          <p:stCondLst>
+                                            <p:cond delay="0"/>
+                                          </p:stCondLst>
+                                        </p:cTn>
+                                        <p:tgtEl>
+                                          <p:spTgt spid="8"/>
+                                        </p:tgtEl>
+                                        <p:attrNameLst>
+                                          <p:attrName>style.visibility</p:attrName>
+                                        </p:attrNameLst>
+                                      </p:cBhvr>
+                                      <p:to>
+                                        <p:strVal val="visible"/>
+                                      </p:to>
+                                    </p:set>
+                                    <p:animEffect transition="in" filter="fade">
+                                      <p:cBhvr>
+                                        <p:cTn id="15" dur="500"/>
+                                        <p:tgtEl>
+                                          <p:spTgt spid="8"/>
+                                        </p:tgtEl>
+                                      </p:cBhvr>
+                                    </p:animEffect>
+                                  </p:childTnLst>
+                                </p:cTn>
+                              </p:par>
+                              <p:par>
+                                <p:cTn id="16" presetID="10" presetClass="entr" presetSubtype="0" fill="hold" grpId="0" nodeType="withEffect">
+                                  <p:stCondLst>
+                                    <p:cond delay="0"/>
+                                  </p:stCondLst>
+                                  <p:childTnLst>
+                                    <p:set>
+                                      <p:cBhvr>
+                                        <p:cTn id="17" dur="1" fill="hold">
+                                          <p:stCondLst>
+                                            <p:cond delay="0"/>
+                                          </p:stCondLst>
+                                        </p:cTn>
+                                        <p:tgtEl>
+                                          <p:spTgt spid="9"/>
+                                        </p:tgtEl>
+                                        <p:attrNameLst>
+                                          <p:attrName>style.visibility</p:attrName>
+                                        </p:attrNameLst>
+                                      </p:cBhvr>
+                                      <p:to>
+                                        <p:strVal val="visible"/>
+                                      </p:to>
+                                    </p:set>
+                                    <p:animEffect transition="in" filter="fade">
+                                      <p:cBhvr>
+                                        <p:cTn id="18" dur="500"/>
+                                        <p:tgtEl>
+                                          <p:spTgt spid="9"/>
+                                        </p:tgtEl>
+                                      </p:cBhvr>
+                                    </p:animEffect>
+                                  </p:childTnLst>
+                                </p:cTn>
+                              </p:par>
+                            </p:childTnLst>
+                          </p:cTn>
+                        </p:par>
+                      </p:childTnLst>
+                    </p:cTn>
+                  </p:par>
+                </p:childTnLst>
+              </p:cTn>
+              <p:prevCondLst>
+                <p:cond evt="onPrev" delay="0">
+                  <p:tgtEl>
+                    <p:sldTgt/>
+                  </p:tgtEl>
+                </p:cond>
+              </p:prevCondLst>
+              <p:nextCondLst>
+                <p:cond evt="onNext" delay="0">
+                  <p:tgtEl>
+                    <p:sldTgt/>
+                  </p:tgtEl>
+                </p:cond>
+              </p:nextCondLst>
+            </p:seq>
+          </p:childTnLst>
+        </p:cTn>
+      </p:par>
+    </p:tnLst>
+    <p:bldLst>
+      <p:bldP spid="7" grpId="0"/>
+      <p:bldP spid="9" grpId="0"/>
+      <p:bldP spid="6" grpId="0" animBg="1"/>
+      <p:bldP spid="8" grpId="0" animBg="1"/>
+    </p:bldLst>
+  </p:timing>
+</p:sld>
+</file>
+
+<file path=ppt/slides/slide11.xml><?xml version="1.0" encoding="utf-8"?>
+<p:sld xmlns:a="http://schemas.openxmlformats.org/drawingml/2006/main" xmlns:r="http://schemas.openxmlformats.org/officeDocument/2006/relationships" xmlns:p="http://schemas.openxmlformats.org/presentationml/2006/main">
+  <p:cSld>
+    <p:spTree>
+      <p:nvGrpSpPr>
+        <p:cNvPr id="1" name=""/>
+        <p:cNvGrpSpPr/>
+        <p:nvPr/>
+      </p:nvGrpSpPr>
+      <p:grpSpPr>
+        <a:xfrm>
+          <a:off x="0" y="0"/>
+          <a:ext cx="0" cy="0"/>
+          <a:chOff x="0" y="0"/>
+          <a:chExt cx="0" cy="0"/>
+        </a:xfrm>
+      </p:grpSpPr>
+      <p:sp>
+        <p:nvSpPr>
+          <p:cNvPr id="2" name="文字方塊 1">
+            <a:extLst>
+              <a:ext uri="{FF2B5EF4-FFF2-40B4-BE49-F238E27FC236}">
+                <a16:creationId xmlns:a16="http://schemas.microsoft.com/office/drawing/2014/main" id="{96114253-C415-49F9-A222-561D02E91FE3}"/>
+              </a:ext>
+            </a:extLst>
+          </p:cNvPr>
+          <p:cNvSpPr txBox="1"/>
+          <p:nvPr/>
+        </p:nvSpPr>
+        <p:spPr>
+          <a:xfrm>
+            <a:off x="1719256" y="1699052"/>
+            <a:ext cx="9682163" cy="646331"/>
+          </a:xfrm>
+          <a:prstGeom prst="rect">
+            <a:avLst/>
+          </a:prstGeom>
+          <a:noFill/>
+        </p:spPr>
+        <p:txBody>
+          <a:bodyPr wrap="square" rtlCol="0">
+            <a:spAutoFit/>
+          </a:bodyPr>
+          <a:lstStyle/>
+          <a:p>
+            <a:r>
+              <a:rPr lang="zh-TW" altLang="en-US" sz="3600" dirty="0"/>
+              <a:t>突破：挑出有在限定時段內突破壓力線的股票</a:t>
+            </a:r>
+            <a:endParaRPr lang="en-US" altLang="zh-TW" sz="3600" dirty="0"/>
+          </a:p>
+        </p:txBody>
+      </p:sp>
+      <p:sp>
+        <p:nvSpPr>
+          <p:cNvPr id="3" name="文字方塊 2">
+            <a:extLst>
+              <a:ext uri="{FF2B5EF4-FFF2-40B4-BE49-F238E27FC236}">
+                <a16:creationId xmlns:a16="http://schemas.microsoft.com/office/drawing/2014/main" id="{1B2226C9-7987-4324-B9C2-EAC12108F92A}"/>
+              </a:ext>
+            </a:extLst>
+          </p:cNvPr>
+          <p:cNvSpPr txBox="1"/>
+          <p:nvPr/>
+        </p:nvSpPr>
+        <p:spPr>
+          <a:xfrm>
+            <a:off x="1719256" y="2453105"/>
+            <a:ext cx="9682163" cy="1200329"/>
+          </a:xfrm>
+          <a:prstGeom prst="rect">
+            <a:avLst/>
+          </a:prstGeom>
+          <a:noFill/>
+        </p:spPr>
+        <p:txBody>
+          <a:bodyPr wrap="square" rtlCol="0">
+            <a:spAutoFit/>
+          </a:bodyPr>
+          <a:lstStyle/>
+          <a:p>
+            <a:r>
+              <a:rPr lang="zh-TW" altLang="en-US" sz="3600" dirty="0"/>
+              <a:t>乖離：找出在限定時段內，和移動平均線差距 </a:t>
+            </a:r>
+            <a:endParaRPr lang="en-US" altLang="zh-TW" sz="3600" dirty="0"/>
+          </a:p>
+          <a:p>
+            <a:r>
+              <a:rPr lang="zh-TW" altLang="en-US" sz="3600" dirty="0"/>
+              <a:t>            符合標準的股票</a:t>
+            </a:r>
+            <a:endParaRPr lang="en-US" altLang="zh-TW" sz="3600" dirty="0"/>
+          </a:p>
+        </p:txBody>
+      </p:sp>
+      <p:sp>
+        <p:nvSpPr>
+          <p:cNvPr id="4" name="文字方塊 3">
+            <a:extLst>
+              <a:ext uri="{FF2B5EF4-FFF2-40B4-BE49-F238E27FC236}">
+                <a16:creationId xmlns:a16="http://schemas.microsoft.com/office/drawing/2014/main" id="{EA16CCA4-298D-44C3-BD86-7810AFF88C1B}"/>
+              </a:ext>
+            </a:extLst>
+          </p:cNvPr>
+          <p:cNvSpPr txBox="1"/>
+          <p:nvPr/>
+        </p:nvSpPr>
+        <p:spPr>
+          <a:xfrm>
+            <a:off x="1719256" y="3653434"/>
+            <a:ext cx="9682163" cy="1200329"/>
+          </a:xfrm>
+          <a:prstGeom prst="rect">
+            <a:avLst/>
+          </a:prstGeom>
+          <a:noFill/>
+        </p:spPr>
+        <p:txBody>
+          <a:bodyPr wrap="square" rtlCol="0">
+            <a:spAutoFit/>
+          </a:bodyPr>
+          <a:lstStyle/>
+          <a:p>
+            <a:r>
+              <a:rPr lang="zh-TW" altLang="en-US" sz="3600" dirty="0"/>
+              <a:t>趨勢：跟之前的表現相比，這支股票最近的表</a:t>
+            </a:r>
+            <a:endParaRPr lang="en-US" altLang="zh-TW" sz="3600" dirty="0"/>
+          </a:p>
+          <a:p>
+            <a:r>
+              <a:rPr lang="zh-TW" altLang="en-US" sz="3600" dirty="0"/>
+              <a:t>            現為好或壞</a:t>
+            </a:r>
+            <a:endParaRPr lang="en-US" altLang="zh-TW" sz="3600" dirty="0"/>
+          </a:p>
+        </p:txBody>
+      </p:sp>
+      <p:sp>
+        <p:nvSpPr>
+          <p:cNvPr id="5" name="文字方塊 4">
+            <a:extLst>
+              <a:ext uri="{FF2B5EF4-FFF2-40B4-BE49-F238E27FC236}">
+                <a16:creationId xmlns:a16="http://schemas.microsoft.com/office/drawing/2014/main" id="{2F557E6C-53A6-47BF-9595-89472B61A499}"/>
+              </a:ext>
+            </a:extLst>
+          </p:cNvPr>
+          <p:cNvSpPr txBox="1"/>
+          <p:nvPr/>
+        </p:nvSpPr>
+        <p:spPr>
+          <a:xfrm>
+            <a:off x="1719256" y="4853763"/>
+            <a:ext cx="9825040" cy="1631216"/>
+          </a:xfrm>
+          <a:prstGeom prst="rect">
+            <a:avLst/>
+          </a:prstGeom>
+          <a:noFill/>
+        </p:spPr>
+        <p:txBody>
+          <a:bodyPr wrap="square" rtlCol="0">
+            <a:spAutoFit/>
+          </a:bodyPr>
+          <a:lstStyle/>
+          <a:p>
+            <a:r>
+              <a:rPr lang="zh-TW" altLang="en-US" sz="3600" dirty="0"/>
+              <a:t>技術指標：</a:t>
+            </a:r>
+            <a:r>
+              <a:rPr lang="zh-TW" altLang="en-US" sz="3200" dirty="0"/>
+              <a:t>分為</a:t>
+            </a:r>
+            <a:r>
+              <a:rPr lang="en-US" altLang="zh-TW" sz="3200" dirty="0"/>
+              <a:t>K</a:t>
+            </a:r>
+            <a:r>
+              <a:rPr lang="zh-TW" altLang="en-US" sz="3200" dirty="0"/>
+              <a:t>值與</a:t>
+            </a:r>
+            <a:r>
+              <a:rPr lang="en-US" altLang="zh-TW" sz="3200" dirty="0"/>
+              <a:t>D</a:t>
+            </a:r>
+            <a:r>
+              <a:rPr lang="zh-TW" altLang="en-US" sz="3200" dirty="0"/>
+              <a:t>值，</a:t>
+            </a:r>
+            <a:r>
+              <a:rPr lang="en-US" altLang="zh-TW" sz="3200" dirty="0"/>
+              <a:t>K</a:t>
+            </a:r>
+            <a:r>
+              <a:rPr lang="zh-TW" altLang="en-US" sz="3200" dirty="0"/>
+              <a:t>值對股價反應較快，</a:t>
+            </a:r>
+            <a:r>
+              <a:rPr lang="en-US" altLang="zh-TW" sz="3200" dirty="0"/>
+              <a:t>D</a:t>
+            </a:r>
+          </a:p>
+          <a:p>
+            <a:r>
+              <a:rPr lang="zh-TW" altLang="en-US" sz="3200" dirty="0"/>
+              <a:t>                      值對股價反應較慢，透過兩方交叉可找出 </a:t>
+            </a:r>
+            <a:endParaRPr lang="en-US" altLang="zh-TW" sz="3200" dirty="0"/>
+          </a:p>
+          <a:p>
+            <a:r>
+              <a:rPr lang="zh-TW" altLang="en-US" sz="3200" dirty="0"/>
+              <a:t>                      哪支股票前景看好</a:t>
+            </a:r>
+            <a:endParaRPr lang="en-US" altLang="zh-TW" sz="3200" dirty="0"/>
+          </a:p>
+        </p:txBody>
+      </p:sp>
+      <p:sp>
+        <p:nvSpPr>
+          <p:cNvPr id="6" name="標題 5">
+            <a:extLst>
+              <a:ext uri="{FF2B5EF4-FFF2-40B4-BE49-F238E27FC236}">
+                <a16:creationId xmlns:a16="http://schemas.microsoft.com/office/drawing/2014/main" id="{B8B1C068-7949-440C-940B-A6B6F32FDAFF}"/>
+              </a:ext>
+            </a:extLst>
+          </p:cNvPr>
+          <p:cNvSpPr>
+            <a:spLocks noGrp="1"/>
+          </p:cNvSpPr>
+          <p:nvPr>
+            <p:ph type="title"/>
+          </p:nvPr>
+        </p:nvSpPr>
+        <p:spPr>
+          <a:xfrm>
+            <a:off x="1295400" y="614718"/>
+            <a:ext cx="9601200" cy="1485900"/>
+          </a:xfrm>
+        </p:spPr>
+        <p:txBody>
+          <a:bodyPr>
+            <a:normAutofit/>
+          </a:bodyPr>
+          <a:lstStyle/>
+          <a:p>
+            <a:r>
+              <a:rPr lang="zh-TW" altLang="en-US" sz="6000" dirty="0"/>
+              <a:t>條件解說</a:t>
+            </a:r>
+          </a:p>
+        </p:txBody>
+      </p:sp>
+    </p:spTree>
+    <p:extLst>
+      <p:ext uri="{BB962C8B-B14F-4D97-AF65-F5344CB8AC3E}">
+        <p14:creationId xmlns:p14="http://schemas.microsoft.com/office/powerpoint/2010/main" val="4271417234"/>
+      </p:ext>
+    </p:extLst>
+  </p:cSld>
+  <p:clrMapOvr>
+    <a:masterClrMapping/>
+  </p:clrMapOvr>
+  <p:transition spd="slow">
+    <p:push dir="u"/>
+  </p:transition>
+  <p:timing>
+    <p:tnLst>
+      <p:par>
+        <p:cTn id="1" dur="indefinite" restart="never" nodeType="tmRoot">
+          <p:childTnLst>
+            <p:seq concurrent="1" nextAc="seek">
+              <p:cTn id="2" dur="indefinite" nodeType="mainSeq">
+                <p:childTnLst>
+                  <p:par>
+                    <p:cTn id="3" fill="hold">
+                      <p:stCondLst>
+                        <p:cond delay="indefinite"/>
+                      </p:stCondLst>
+                      <p:childTnLst>
+                        <p:par>
+                          <p:cTn id="4" fill="hold">
+                            <p:stCondLst>
+                              <p:cond delay="0"/>
+                            </p:stCondLst>
+                            <p:childTnLst>
+                              <p:par>
+                                <p:cTn id="5" presetID="10" presetClass="entr" presetSubtype="0" fill="hold" grpId="0" nodeType="clickEffect">
+                                  <p:stCondLst>
+                                    <p:cond delay="0"/>
+                                  </p:stCondLst>
+                                  <p:childTnLst>
+                                    <p:set>
+                                      <p:cBhvr>
+                                        <p:cTn id="6" dur="1" fill="hold">
+                                          <p:stCondLst>
+                                            <p:cond delay="0"/>
+                                          </p:stCondLst>
+                                        </p:cTn>
+                                        <p:tgtEl>
+                                          <p:spTgt spid="2"/>
+                                        </p:tgtEl>
+                                        <p:attrNameLst>
+                                          <p:attrName>style.visibility</p:attrName>
+                                        </p:attrNameLst>
+                                      </p:cBhvr>
+                                      <p:to>
+                                        <p:strVal val="visible"/>
+                                      </p:to>
+                                    </p:set>
+                                    <p:animEffect transition="in" filter="fade">
+                                      <p:cBhvr>
+                                        <p:cTn id="7" dur="500"/>
+                                        <p:tgtEl>
+                                          <p:spTgt spid="2"/>
+                                        </p:tgtEl>
+                                      </p:cBhvr>
+                                    </p:animEffect>
+                                  </p:childTnLst>
+                                </p:cTn>
+                              </p:par>
+                            </p:childTnLst>
+                          </p:cTn>
+                        </p:par>
+                      </p:childTnLst>
+                    </p:cTn>
+                  </p:par>
+                  <p:par>
+                    <p:cTn id="8" fill="hold">
+                      <p:stCondLst>
+                        <p:cond delay="indefinite"/>
+                      </p:stCondLst>
+                      <p:childTnLst>
+                        <p:par>
+                          <p:cTn id="9" fill="hold">
+                            <p:stCondLst>
+                              <p:cond delay="0"/>
+                            </p:stCondLst>
+                            <p:childTnLst>
+                              <p:par>
+                                <p:cTn id="10" presetID="10" presetClass="entr" presetSubtype="0" fill="hold" grpId="0" nodeType="clickEffect">
+                                  <p:stCondLst>
+                                    <p:cond delay="0"/>
+                                  </p:stCondLst>
+                                  <p:childTnLst>
+                                    <p:set>
+                                      <p:cBhvr>
+                                        <p:cTn id="11" dur="1" fill="hold">
+                                          <p:stCondLst>
+                                            <p:cond delay="0"/>
+                                          </p:stCondLst>
+                                        </p:cTn>
+                                        <p:tgtEl>
+                                          <p:spTgt spid="3"/>
+                                        </p:tgtEl>
+                                        <p:attrNameLst>
+                                          <p:attrName>style.visibility</p:attrName>
+                                        </p:attrNameLst>
+                                      </p:cBhvr>
+                                      <p:to>
+                                        <p:strVal val="visible"/>
+                                      </p:to>
+                                    </p:set>
+                                    <p:animEffect transition="in" filter="fade">
+                                      <p:cBhvr>
+                                        <p:cTn id="12" dur="500"/>
+                                        <p:tgtEl>
+                                          <p:spTgt spid="3"/>
+                                        </p:tgtEl>
+                                      </p:cBhvr>
+                                    </p:animEffect>
+                                  </p:childTnLst>
+                                </p:cTn>
+                              </p:par>
+                            </p:childTnLst>
+                          </p:cTn>
+                        </p:par>
+                      </p:childTnLst>
+                    </p:cTn>
+                  </p:par>
+                  <p:par>
+                    <p:cTn id="13" fill="hold">
+                      <p:stCondLst>
+                        <p:cond delay="indefinite"/>
+                      </p:stCondLst>
+                      <p:childTnLst>
+                        <p:par>
+                          <p:cTn id="14" fill="hold">
+                            <p:stCondLst>
+                              <p:cond delay="0"/>
+                            </p:stCondLst>
+                            <p:childTnLst>
+                              <p:par>
+                                <p:cTn id="15" presetID="10" presetClass="entr" presetSubtype="0" fill="hold" grpId="0" nodeType="clickEffect">
+                                  <p:stCondLst>
+                                    <p:cond delay="0"/>
+                                  </p:stCondLst>
+                                  <p:childTnLst>
+                                    <p:set>
+                                      <p:cBhvr>
+                                        <p:cTn id="16" dur="1" fill="hold">
+                                          <p:stCondLst>
+                                            <p:cond delay="0"/>
+                                          </p:stCondLst>
+                                        </p:cTn>
+                                        <p:tgtEl>
+                                          <p:spTgt spid="4"/>
+                                        </p:tgtEl>
+                                        <p:attrNameLst>
+                                          <p:attrName>style.visibility</p:attrName>
+                                        </p:attrNameLst>
+                                      </p:cBhvr>
+                                      <p:to>
+                                        <p:strVal val="visible"/>
+                                      </p:to>
+                                    </p:set>
+                                    <p:animEffect transition="in" filter="fade">
+                                      <p:cBhvr>
+                                        <p:cTn id="17" dur="500"/>
+                                        <p:tgtEl>
+                                          <p:spTgt spid="4"/>
+                                        </p:tgtEl>
+                                      </p:cBhvr>
+                                    </p:animEffect>
+                                  </p:childTnLst>
+                                </p:cTn>
+                              </p:par>
+                            </p:childTnLst>
+                          </p:cTn>
+                        </p:par>
+                      </p:childTnLst>
+                    </p:cTn>
+                  </p:par>
+                  <p:par>
+                    <p:cTn id="18" fill="hold">
+                      <p:stCondLst>
+                        <p:cond delay="indefinite"/>
+                      </p:stCondLst>
+                      <p:childTnLst>
+                        <p:par>
+                          <p:cTn id="19" fill="hold">
+                            <p:stCondLst>
+                              <p:cond delay="0"/>
+                            </p:stCondLst>
+                            <p:childTnLst>
+                              <p:par>
+                                <p:cTn id="20" presetID="10" presetClass="entr" presetSubtype="0" fill="hold" grpId="0" nodeType="clickEffect">
+                                  <p:stCondLst>
+                                    <p:cond delay="0"/>
+                                  </p:stCondLst>
+                                  <p:childTnLst>
+                                    <p:set>
+                                      <p:cBhvr>
+                                        <p:cTn id="21" dur="1" fill="hold">
+                                          <p:stCondLst>
+                                            <p:cond delay="0"/>
+                                          </p:stCondLst>
+                                        </p:cTn>
+                                        <p:tgtEl>
+                                          <p:spTgt spid="5"/>
+                                        </p:tgtEl>
+                                        <p:attrNameLst>
+                                          <p:attrName>style.visibility</p:attrName>
+                                        </p:attrNameLst>
+                                      </p:cBhvr>
+                                      <p:to>
+                                        <p:strVal val="visible"/>
+                                      </p:to>
+                                    </p:set>
+                                    <p:animEffect transition="in" filter="fade">
+                                      <p:cBhvr>
+                                        <p:cTn id="22" dur="500"/>
+                                        <p:tgtEl>
+                                          <p:spTgt spid="5"/>
+                                        </p:tgtEl>
+                                      </p:cBhvr>
+                                    </p:animEffect>
+                                  </p:childTnLst>
+                                </p:cTn>
+                              </p:par>
+                            </p:childTnLst>
+                          </p:cTn>
+                        </p:par>
+                      </p:childTnLst>
+                    </p:cTn>
+                  </p:par>
+                </p:childTnLst>
+              </p:cTn>
+              <p:prevCondLst>
+                <p:cond evt="onPrev" delay="0">
+                  <p:tgtEl>
+                    <p:sldTgt/>
+                  </p:tgtEl>
+                </p:cond>
+              </p:prevCondLst>
+              <p:nextCondLst>
+                <p:cond evt="onNext" delay="0">
+                  <p:tgtEl>
+                    <p:sldTgt/>
+                  </p:tgtEl>
+                </p:cond>
+              </p:nextCondLst>
+            </p:seq>
+          </p:childTnLst>
+        </p:cTn>
+      </p:par>
+    </p:tnLst>
+    <p:bldLst>
+      <p:bldP spid="2" grpId="0"/>
+      <p:bldP spid="3" grpId="0"/>
+      <p:bldP spid="4" grpId="0"/>
+      <p:bldP spid="5" grpId="0"/>
+    </p:bldLst>
+  </p:timing>
+</p:sld>
+</file>
+
+<file path=ppt/slides/slide12.xml><?xml version="1.0" encoding="utf-8"?>
+<p:sld xmlns:a="http://schemas.openxmlformats.org/drawingml/2006/main" xmlns:r="http://schemas.openxmlformats.org/officeDocument/2006/relationships" xmlns:p="http://schemas.openxmlformats.org/presentationml/2006/main">
+  <p:cSld>
+    <p:spTree>
+      <p:nvGrpSpPr>
+        <p:cNvPr id="1" name=""/>
+        <p:cNvGrpSpPr/>
+        <p:nvPr/>
+      </p:nvGrpSpPr>
+      <p:grpSpPr>
+        <a:xfrm>
+          <a:off x="0" y="0"/>
+          <a:ext cx="0" cy="0"/>
+          <a:chOff x="0" y="0"/>
+          <a:chExt cx="0" cy="0"/>
+        </a:xfrm>
+      </p:grpSpPr>
+      <p:sp>
+        <p:nvSpPr>
+          <p:cNvPr id="4" name="標題 3">
+            <a:extLst>
+              <a:ext uri="{FF2B5EF4-FFF2-40B4-BE49-F238E27FC236}">
+                <a16:creationId xmlns:a16="http://schemas.microsoft.com/office/drawing/2014/main" id="{13B3A1F1-F101-44BE-A57B-87E529848128}"/>
+              </a:ext>
+            </a:extLst>
+          </p:cNvPr>
+          <p:cNvSpPr>
+            <a:spLocks noGrp="1"/>
+          </p:cNvSpPr>
+          <p:nvPr>
+            <p:ph type="title"/>
+          </p:nvPr>
+        </p:nvSpPr>
+        <p:spPr>
+          <a:xfrm>
+            <a:off x="1371600" y="685800"/>
+            <a:ext cx="9601200" cy="1485900"/>
+          </a:xfrm>
+        </p:spPr>
+        <p:txBody>
+          <a:bodyPr>
+            <a:normAutofit/>
+          </a:bodyPr>
+          <a:lstStyle/>
+          <a:p>
+            <a:r>
+              <a:rPr lang="zh-TW" altLang="en-US" sz="6600" dirty="0"/>
+              <a:t>程式碼介紹</a:t>
+            </a:r>
+          </a:p>
+        </p:txBody>
+      </p:sp>
+      <p:sp>
+        <p:nvSpPr>
+          <p:cNvPr id="5" name="內容版面配置區 4">
+            <a:extLst>
+              <a:ext uri="{FF2B5EF4-FFF2-40B4-BE49-F238E27FC236}">
+                <a16:creationId xmlns:a16="http://schemas.microsoft.com/office/drawing/2014/main" id="{2BD2B504-814B-4B4F-AE7F-7D20F2AEFB7B}"/>
+              </a:ext>
+            </a:extLst>
+          </p:cNvPr>
+          <p:cNvSpPr>
+            <a:spLocks noGrp="1"/>
+          </p:cNvSpPr>
+          <p:nvPr>
+            <p:ph idx="1"/>
+          </p:nvPr>
+        </p:nvSpPr>
+        <p:spPr>
+          <a:xfrm>
+            <a:off x="1371600" y="2076450"/>
+            <a:ext cx="9601200" cy="4095750"/>
+          </a:xfrm>
+        </p:spPr>
+        <p:txBody>
+          <a:bodyPr>
+            <a:normAutofit/>
+          </a:bodyPr>
+          <a:lstStyle/>
+          <a:p>
+            <a:pPr>
+              <a:lnSpc>
+                <a:spcPct val="150000"/>
+              </a:lnSpc>
+            </a:pPr>
+            <a:r>
+              <a:rPr lang="zh-TW" altLang="en-US" sz="4000" dirty="0"/>
+              <a:t>我們</a:t>
+            </a:r>
+            <a:r>
+              <a:rPr lang="zh-CN" altLang="en-US" sz="4000" dirty="0">
+                <a:latin typeface="Microsoft JhengHei" panose="020B0604030504040204" pitchFamily="34" charset="-120"/>
+                <a:ea typeface="Microsoft JhengHei" panose="020B0604030504040204" pitchFamily="34" charset="-120"/>
+              </a:rPr>
+              <a:t>使用了</a:t>
+            </a:r>
+            <a:r>
+              <a:rPr lang="en-US" altLang="zh-TW" sz="4000" dirty="0" err="1"/>
+              <a:t>Tkinter</a:t>
+            </a:r>
+            <a:r>
+              <a:rPr lang="zh-TW" altLang="en-US" sz="4000" dirty="0"/>
+              <a:t>、</a:t>
+            </a:r>
+            <a:r>
+              <a:rPr lang="en-US" altLang="zh-TW" sz="4000" dirty="0"/>
+              <a:t>CSV</a:t>
+            </a:r>
+            <a:r>
+              <a:rPr lang="zh-TW" altLang="en-US" sz="4000" dirty="0"/>
+              <a:t>及</a:t>
+            </a:r>
+            <a:r>
+              <a:rPr lang="en-US" altLang="zh-TW" sz="4000" dirty="0"/>
+              <a:t>datetime</a:t>
+            </a:r>
+          </a:p>
+          <a:p>
+            <a:pPr lvl="1">
+              <a:lnSpc>
+                <a:spcPct val="150000"/>
+              </a:lnSpc>
+              <a:buFont typeface="Wingdings" panose="05000000000000000000" pitchFamily="2" charset="2"/>
+              <a:buChar char="l"/>
+            </a:pPr>
+            <a:r>
+              <a:rPr lang="en-US" altLang="zh-TW" sz="3200" i="0" dirty="0" err="1"/>
+              <a:t>Tkinter</a:t>
+            </a:r>
+            <a:r>
+              <a:rPr lang="en-US" altLang="zh-TW" sz="3200" i="0" dirty="0"/>
+              <a:t>→</a:t>
+            </a:r>
+            <a:r>
+              <a:rPr lang="zh-CN" altLang="en-US" sz="3200" i="0" dirty="0">
+                <a:latin typeface="Microsoft JhengHei" panose="020B0604030504040204" pitchFamily="34" charset="-120"/>
+                <a:ea typeface="Microsoft JhengHei" panose="020B0604030504040204" pitchFamily="34" charset="-120"/>
+              </a:rPr>
+              <a:t>互動</a:t>
+            </a:r>
+            <a:r>
+              <a:rPr lang="zh-TW" altLang="en-US" sz="3200" i="0" dirty="0"/>
+              <a:t>介面</a:t>
+            </a:r>
+            <a:endParaRPr lang="en-US" altLang="zh-TW" sz="3200" dirty="0"/>
+          </a:p>
+          <a:p>
+            <a:pPr lvl="1">
+              <a:lnSpc>
+                <a:spcPct val="150000"/>
+              </a:lnSpc>
+              <a:buFont typeface="Wingdings" panose="05000000000000000000" pitchFamily="2" charset="2"/>
+              <a:buChar char="l"/>
+            </a:pPr>
+            <a:r>
+              <a:rPr lang="en-US" altLang="zh-TW" sz="3200" i="0" dirty="0"/>
+              <a:t>CSV →</a:t>
+            </a:r>
+            <a:r>
+              <a:rPr lang="zh-TW" altLang="en-US" sz="3200" i="0" dirty="0"/>
+              <a:t>讀檔用</a:t>
+            </a:r>
+            <a:endParaRPr lang="en-US" altLang="zh-TW" sz="3200" i="0" dirty="0"/>
+          </a:p>
+          <a:p>
+            <a:pPr lvl="1">
+              <a:lnSpc>
+                <a:spcPct val="150000"/>
+              </a:lnSpc>
+              <a:buFont typeface="Wingdings" panose="05000000000000000000" pitchFamily="2" charset="2"/>
+              <a:buChar char="l"/>
+            </a:pPr>
+            <a:r>
+              <a:rPr lang="en-US" altLang="zh-TW" sz="3200" i="0" dirty="0">
+                <a:latin typeface="+mn-ea"/>
+              </a:rPr>
+              <a:t>Datetime →</a:t>
+            </a:r>
+            <a:r>
+              <a:rPr lang="zh-CN" altLang="en-US" sz="3200" i="0" dirty="0">
+                <a:latin typeface="Microsoft JhengHei" panose="020B0604030504040204" pitchFamily="34" charset="-120"/>
+                <a:ea typeface="Microsoft JhengHei" panose="020B0604030504040204" pitchFamily="34" charset="-120"/>
+              </a:rPr>
+              <a:t>方便存取日期資料</a:t>
+            </a:r>
+            <a:endParaRPr lang="zh-TW" altLang="en-US" sz="3200" i="0" dirty="0">
+              <a:latin typeface="Microsoft JhengHei" panose="020B0604030504040204" pitchFamily="34" charset="-120"/>
+              <a:ea typeface="Microsoft JhengHei" panose="020B0604030504040204" pitchFamily="34" charset="-120"/>
+            </a:endParaRPr>
+          </a:p>
+        </p:txBody>
+      </p:sp>
+    </p:spTree>
+    <p:extLst>
+      <p:ext uri="{BB962C8B-B14F-4D97-AF65-F5344CB8AC3E}">
+        <p14:creationId xmlns:p14="http://schemas.microsoft.com/office/powerpoint/2010/main" val="2521485846"/>
+      </p:ext>
+    </p:extLst>
+  </p:cSld>
+  <p:clrMapOvr>
+    <a:masterClrMapping/>
+  </p:clrMapOvr>
+  <p:transition spd="slow">
+    <p:push dir="u"/>
+  </p:transition>
+</p:sld>
+</file>
+
+<file path=ppt/slides/slide13.xml><?xml version="1.0" encoding="utf-8"?>
+<p:sld xmlns:a="http://schemas.openxmlformats.org/drawingml/2006/main" xmlns:r="http://schemas.openxmlformats.org/officeDocument/2006/relationships" xmlns:p="http://schemas.openxmlformats.org/presentationml/2006/main">
+  <p:cSld>
+    <p:spTree>
+      <p:nvGrpSpPr>
+        <p:cNvPr id="1" name=""/>
+        <p:cNvGrpSpPr/>
+        <p:nvPr/>
+      </p:nvGrpSpPr>
+      <p:grpSpPr>
+        <a:xfrm>
+          <a:off x="0" y="0"/>
+          <a:ext cx="0" cy="0"/>
+          <a:chOff x="0" y="0"/>
+          <a:chExt cx="0" cy="0"/>
+        </a:xfrm>
+      </p:grpSpPr>
+      <p:sp>
+        <p:nvSpPr>
+          <p:cNvPr id="4" name="標題 3">
+            <a:extLst>
+              <a:ext uri="{FF2B5EF4-FFF2-40B4-BE49-F238E27FC236}">
+                <a16:creationId xmlns:a16="http://schemas.microsoft.com/office/drawing/2014/main" id="{13B3A1F1-F101-44BE-A57B-87E529848128}"/>
+              </a:ext>
+            </a:extLst>
+          </p:cNvPr>
+          <p:cNvSpPr>
+            <a:spLocks noGrp="1"/>
+          </p:cNvSpPr>
+          <p:nvPr>
+            <p:ph type="title"/>
+          </p:nvPr>
+        </p:nvSpPr>
+        <p:spPr>
+          <a:xfrm>
+            <a:off x="1371600" y="685800"/>
+            <a:ext cx="9601200" cy="1485900"/>
+          </a:xfrm>
+        </p:spPr>
+        <p:txBody>
+          <a:bodyPr>
+            <a:normAutofit/>
+          </a:bodyPr>
+          <a:lstStyle/>
+          <a:p>
+            <a:r>
+              <a:rPr lang="zh-TW" altLang="en-US" sz="6600" dirty="0"/>
+              <a:t>程式碼介紹</a:t>
+            </a:r>
+          </a:p>
+        </p:txBody>
+      </p:sp>
+      <p:sp>
+        <p:nvSpPr>
+          <p:cNvPr id="5" name="內容版面配置區 4">
+            <a:extLst>
+              <a:ext uri="{FF2B5EF4-FFF2-40B4-BE49-F238E27FC236}">
+                <a16:creationId xmlns:a16="http://schemas.microsoft.com/office/drawing/2014/main" id="{2BD2B504-814B-4B4F-AE7F-7D20F2AEFB7B}"/>
+              </a:ext>
+            </a:extLst>
+          </p:cNvPr>
+          <p:cNvSpPr>
+            <a:spLocks noGrp="1"/>
+          </p:cNvSpPr>
+          <p:nvPr>
+            <p:ph idx="1"/>
+          </p:nvPr>
+        </p:nvSpPr>
+        <p:spPr>
+          <a:xfrm>
+            <a:off x="1371600" y="2076450"/>
+            <a:ext cx="9601200" cy="4095750"/>
+          </a:xfrm>
+        </p:spPr>
+        <p:txBody>
+          <a:bodyPr>
+            <a:normAutofit/>
+          </a:bodyPr>
+          <a:lstStyle/>
+          <a:p>
+            <a:pPr>
+              <a:lnSpc>
+                <a:spcPct val="150000"/>
+              </a:lnSpc>
+            </a:pPr>
+            <a:r>
+              <a:rPr lang="zh-TW" altLang="en-US" sz="4000" dirty="0"/>
+              <a:t>另外還有：</a:t>
+            </a:r>
+            <a:r>
+              <a:rPr lang="en-US" altLang="zh-TW" sz="4000" dirty="0" err="1"/>
+              <a:t>Numpy</a:t>
+            </a:r>
+            <a:r>
+              <a:rPr lang="zh-TW" altLang="en-US" sz="4000" dirty="0"/>
+              <a:t>、</a:t>
+            </a:r>
+            <a:r>
+              <a:rPr lang="en-US" altLang="zh-TW" sz="4000" dirty="0"/>
+              <a:t>Matplotlib</a:t>
+            </a:r>
+          </a:p>
+          <a:p>
+            <a:pPr lvl="1">
+              <a:lnSpc>
+                <a:spcPct val="150000"/>
+              </a:lnSpc>
+              <a:buFont typeface="Wingdings" panose="05000000000000000000" pitchFamily="2" charset="2"/>
+              <a:buChar char="l"/>
+            </a:pPr>
+            <a:r>
+              <a:rPr lang="en-US" altLang="zh-TW" sz="3200" i="0" dirty="0" err="1">
+                <a:latin typeface="+mn-ea"/>
+              </a:rPr>
+              <a:t>Numpy</a:t>
+            </a:r>
+            <a:r>
+              <a:rPr lang="en-US" altLang="zh-TW" sz="3200" i="0" dirty="0">
+                <a:latin typeface="+mn-ea"/>
+              </a:rPr>
+              <a:t> →</a:t>
+            </a:r>
+            <a:r>
+              <a:rPr lang="zh-CN" altLang="en-US" sz="3200" i="0" dirty="0">
+                <a:latin typeface="Microsoft JhengHei" panose="020B0604030504040204" pitchFamily="34" charset="-120"/>
+                <a:ea typeface="Microsoft JhengHei" panose="020B0604030504040204" pitchFamily="34" charset="-120"/>
+              </a:rPr>
+              <a:t>格式化資料</a:t>
+            </a:r>
+            <a:endParaRPr lang="en-US" altLang="zh-CN" sz="3200" i="0" dirty="0">
+              <a:latin typeface="Microsoft JhengHei" panose="020B0604030504040204" pitchFamily="34" charset="-120"/>
+              <a:ea typeface="Microsoft JhengHei" panose="020B0604030504040204" pitchFamily="34" charset="-120"/>
+            </a:endParaRPr>
+          </a:p>
+          <a:p>
+            <a:pPr lvl="1">
+              <a:lnSpc>
+                <a:spcPct val="150000"/>
+              </a:lnSpc>
+              <a:buFont typeface="Wingdings" panose="05000000000000000000" pitchFamily="2" charset="2"/>
+              <a:buChar char="l"/>
+            </a:pPr>
+            <a:r>
+              <a:rPr lang="en-US" altLang="zh-TW" sz="3200" i="0" dirty="0" err="1">
+                <a:latin typeface="+mn-ea"/>
+              </a:rPr>
+              <a:t>Matplotlib.pyplot</a:t>
+            </a:r>
+            <a:r>
+              <a:rPr lang="en-US" altLang="zh-TW" sz="3200" i="0" dirty="0">
+                <a:latin typeface="+mn-ea"/>
+              </a:rPr>
+              <a:t> →</a:t>
+            </a:r>
+            <a:r>
+              <a:rPr lang="zh-CN" altLang="en-US" sz="3200" i="0" dirty="0">
+                <a:latin typeface="Microsoft JhengHei" panose="020B0604030504040204" pitchFamily="34" charset="-120"/>
+                <a:ea typeface="Microsoft JhengHei" panose="020B0604030504040204" pitchFamily="34" charset="-120"/>
+              </a:rPr>
+              <a:t>繪製個股走向、指標</a:t>
+            </a:r>
+            <a:endParaRPr lang="en-US" altLang="zh-CN" sz="3200" i="0" dirty="0">
+              <a:latin typeface="Microsoft JhengHei" panose="020B0604030504040204" pitchFamily="34" charset="-120"/>
+              <a:ea typeface="Microsoft JhengHei" panose="020B0604030504040204" pitchFamily="34" charset="-120"/>
+            </a:endParaRPr>
+          </a:p>
+          <a:p>
+            <a:pPr lvl="1">
+              <a:lnSpc>
+                <a:spcPct val="150000"/>
+              </a:lnSpc>
+              <a:buFont typeface="Wingdings" panose="05000000000000000000" pitchFamily="2" charset="2"/>
+              <a:buChar char="l"/>
+            </a:pPr>
+            <a:r>
+              <a:rPr lang="en-US" altLang="zh-CN" sz="3200" i="0" dirty="0" err="1">
+                <a:latin typeface="Microsoft JhengHei" panose="020B0604030504040204" pitchFamily="34" charset="-120"/>
+                <a:ea typeface="Microsoft JhengHei" panose="020B0604030504040204" pitchFamily="34" charset="-120"/>
+              </a:rPr>
+              <a:t>Matplotlib.gridspec</a:t>
+            </a:r>
+            <a:r>
+              <a:rPr lang="zh-CN" altLang="en-US" sz="3200" i="0" dirty="0">
+                <a:latin typeface="Microsoft JhengHei" panose="020B0604030504040204" pitchFamily="34" charset="-120"/>
+                <a:ea typeface="Microsoft JhengHei" panose="020B0604030504040204" pitchFamily="34" charset="-120"/>
+              </a:rPr>
+              <a:t>、</a:t>
+            </a:r>
+            <a:r>
+              <a:rPr lang="en-US" altLang="zh-CN" sz="3200" i="0" dirty="0" err="1">
+                <a:latin typeface="Microsoft JhengHei" panose="020B0604030504040204" pitchFamily="34" charset="-120"/>
+                <a:ea typeface="Microsoft JhengHei" panose="020B0604030504040204" pitchFamily="34" charset="-120"/>
+              </a:rPr>
+              <a:t>Tkinter.font</a:t>
+            </a:r>
+            <a:r>
+              <a:rPr lang="en-US" altLang="zh-CN" sz="3200" i="0" dirty="0">
+                <a:latin typeface="Microsoft JhengHei" panose="020B0604030504040204" pitchFamily="34" charset="-120"/>
+                <a:ea typeface="Microsoft JhengHei" panose="020B0604030504040204" pitchFamily="34" charset="-120"/>
+              </a:rPr>
+              <a:t> … </a:t>
+            </a:r>
+            <a:r>
+              <a:rPr lang="zh-CN" altLang="en-US" sz="3200" i="0" dirty="0">
+                <a:latin typeface="Microsoft JhengHei" panose="020B0604030504040204" pitchFamily="34" charset="-120"/>
+                <a:ea typeface="Microsoft JhengHei" panose="020B0604030504040204" pitchFamily="34" charset="-120"/>
+              </a:rPr>
+              <a:t>以及更多</a:t>
+            </a:r>
+            <a:endParaRPr lang="en-US" altLang="zh-CN" sz="3200" i="0" dirty="0">
+              <a:latin typeface="Microsoft JhengHei" panose="020B0604030504040204" pitchFamily="34" charset="-120"/>
+              <a:ea typeface="Microsoft JhengHei" panose="020B0604030504040204" pitchFamily="34" charset="-120"/>
+            </a:endParaRPr>
+          </a:p>
+        </p:txBody>
+      </p:sp>
+    </p:spTree>
+    <p:extLst>
+      <p:ext uri="{BB962C8B-B14F-4D97-AF65-F5344CB8AC3E}">
+        <p14:creationId xmlns:p14="http://schemas.microsoft.com/office/powerpoint/2010/main" val="3691050724"/>
+      </p:ext>
+    </p:extLst>
+  </p:cSld>
+  <p:clrMapOvr>
+    <a:masterClrMapping/>
+  </p:clrMapOvr>
+  <p:transition spd="slow">
+    <p:push dir="u"/>
+  </p:transition>
+</p:sld>
+</file>
+
 <file path=ppt/slides/slide2.xml><?xml version="1.0" encoding="utf-8"?>
 <p:sld xmlns:a="http://schemas.openxmlformats.org/drawingml/2006/main" xmlns:r="http://schemas.openxmlformats.org/officeDocument/2006/relationships" xmlns:p="http://schemas.openxmlformats.org/presentationml/2006/main">
   <p:cSld>
@@ -4477,54 +6560,41 @@
             <p:ph idx="1"/>
           </p:nvPr>
         </p:nvSpPr>
-        <p:spPr/>
-        <p:txBody>
-          <a:bodyPr/>
+        <p:spPr>
+          <a:xfrm>
+            <a:off x="1371599" y="2285999"/>
+            <a:ext cx="10013795" cy="2564781"/>
+          </a:xfrm>
+        </p:spPr>
+        <p:txBody>
+          <a:bodyPr>
+            <a:normAutofit/>
+          </a:bodyPr>
           <a:lstStyle/>
           <a:p>
-            <a:endParaRPr lang="zh-TW" altLang="en-US" dirty="0"/>
-          </a:p>
-        </p:txBody>
-      </p:sp>
-    </p:spTree>
-    <p:extLst>
-      <p:ext uri="{BB962C8B-B14F-4D97-AF65-F5344CB8AC3E}">
-        <p14:creationId xmlns:p14="http://schemas.microsoft.com/office/powerpoint/2010/main" val="879890925"/>
-      </p:ext>
-    </p:extLst>
-  </p:cSld>
-  <p:clrMapOvr>
-    <a:masterClrMapping/>
-  </p:clrMapOvr>
-  <p:transition spd="slow">
-    <p:push dir="u"/>
-  </p:transition>
-</p:sld>
-</file>
-
-<file path=ppt/slides/slide6.xml><?xml version="1.0" encoding="utf-8"?>
-<p:sld xmlns:a="http://schemas.openxmlformats.org/drawingml/2006/main" xmlns:r="http://schemas.openxmlformats.org/officeDocument/2006/relationships" xmlns:p="http://schemas.openxmlformats.org/presentationml/2006/main">
-  <p:cSld>
-    <p:spTree>
-      <p:nvGrpSpPr>
-        <p:cNvPr id="1" name=""/>
-        <p:cNvGrpSpPr/>
-        <p:nvPr/>
-      </p:nvGrpSpPr>
-      <p:grpSpPr>
-        <a:xfrm>
-          <a:off x="0" y="0"/>
-          <a:ext cx="0" cy="0"/>
-          <a:chOff x="0" y="0"/>
-          <a:chExt cx="0" cy="0"/>
-        </a:xfrm>
-      </p:grpSpPr>
-      <p:sp>
-        <p:nvSpPr>
-          <p:cNvPr id="7" name="文字方塊 6">
+            <a:pPr marL="0" indent="0">
+              <a:buNone/>
+            </a:pPr>
+            <a:r>
+              <a:rPr lang="zh-CN" altLang="en-US" sz="3200" dirty="0">
+                <a:latin typeface="Microsoft JhengHei" panose="020B0604030504040204" pitchFamily="34" charset="-120"/>
+                <a:ea typeface="Microsoft JhengHei" panose="020B0604030504040204" pitchFamily="34" charset="-120"/>
+              </a:rPr>
+              <a:t>身為財金系大一的學生，我們對股票市場的理解當然是：</a:t>
+            </a:r>
+            <a:endParaRPr lang="zh-TW" altLang="en-US" sz="3200" dirty="0">
+              <a:latin typeface="Microsoft JhengHei" panose="020B0604030504040204" pitchFamily="34" charset="-120"/>
+              <a:ea typeface="Microsoft JhengHei" panose="020B0604030504040204" pitchFamily="34" charset="-120"/>
+            </a:endParaRPr>
+          </a:p>
+        </p:txBody>
+      </p:sp>
+      <p:sp>
+        <p:nvSpPr>
+          <p:cNvPr id="5" name="文字方塊 4">
             <a:extLst>
               <a:ext uri="{FF2B5EF4-FFF2-40B4-BE49-F238E27FC236}">
-                <a16:creationId xmlns:a16="http://schemas.microsoft.com/office/drawing/2014/main" id="{E4E71505-08DE-42F4-8940-E4A66C9390B1}"/>
+                <a16:creationId xmlns:a16="http://schemas.microsoft.com/office/drawing/2014/main" id="{79B152C0-3541-EF4D-BF10-1C1250B5181B}"/>
               </a:ext>
             </a:extLst>
           </p:cNvPr>
@@ -4533,8 +6603,8 @@
         </p:nvSpPr>
         <p:spPr>
           <a:xfrm>
-            <a:off x="4360016" y="225143"/>
-            <a:ext cx="2743203" cy="584775"/>
+            <a:off x="3702204" y="3534936"/>
+            <a:ext cx="5724644" cy="923330"/>
           </a:xfrm>
           <a:prstGeom prst="rect">
             <a:avLst/>
@@ -4542,25 +6612,27 @@
           <a:noFill/>
         </p:spPr>
         <p:txBody>
-          <a:bodyPr wrap="square" rtlCol="0">
+          <a:bodyPr wrap="none" rtlCol="0">
             <a:spAutoFit/>
           </a:bodyPr>
           <a:lstStyle/>
           <a:p>
-            <a:pPr algn="ctr"/>
-            <a:r>
-              <a:rPr lang="zh-TW" altLang="en-US" sz="3200" dirty="0"/>
-              <a:t>分為四種指標</a:t>
-            </a:r>
-          </a:p>
-        </p:txBody>
-      </p:sp>
-      <p:sp>
-        <p:nvSpPr>
-          <p:cNvPr id="9" name="文字方塊 8">
+            <a:r>
+              <a:rPr kumimoji="1" lang="zh-TW" altLang="en-US" sz="5400" dirty="0">
+                <a:latin typeface="PMingLiU" panose="02020500000000000000" pitchFamily="18" charset="-120"/>
+                <a:ea typeface="PMingLiU" panose="02020500000000000000" pitchFamily="18" charset="-120"/>
+              </a:rPr>
+              <a:t>一。竅。不。通。</a:t>
+            </a:r>
+          </a:p>
+        </p:txBody>
+      </p:sp>
+      <p:sp>
+        <p:nvSpPr>
+          <p:cNvPr id="6" name="文字方塊 5">
             <a:extLst>
               <a:ext uri="{FF2B5EF4-FFF2-40B4-BE49-F238E27FC236}">
-                <a16:creationId xmlns:a16="http://schemas.microsoft.com/office/drawing/2014/main" id="{641811B0-94C2-4700-9BD4-B7317E1497CE}"/>
+                <a16:creationId xmlns:a16="http://schemas.microsoft.com/office/drawing/2014/main" id="{14A32E08-8223-BF4F-ABCA-1AB78F082C1A}"/>
               </a:ext>
             </a:extLst>
           </p:cNvPr>
@@ -4568,9 +6640,9 @@
           <p:nvPr/>
         </p:nvSpPr>
         <p:spPr>
-          <a:xfrm>
-            <a:off x="2573060" y="1900947"/>
-            <a:ext cx="1046440" cy="3513306"/>
+          <a:xfrm rot="758912">
+            <a:off x="8250079" y="4589170"/>
+            <a:ext cx="2698175" cy="523220"/>
           </a:xfrm>
           <a:prstGeom prst="rect">
             <a:avLst/>
@@ -4578,150 +6650,22 @@
           <a:noFill/>
         </p:spPr>
         <p:txBody>
-          <a:bodyPr vert="eaVert" wrap="square" rtlCol="0">
+          <a:bodyPr wrap="none" rtlCol="0">
             <a:spAutoFit/>
           </a:bodyPr>
           <a:lstStyle/>
           <a:p>
             <a:r>
-              <a:rPr lang="zh-TW" altLang="en-US" sz="2800" dirty="0"/>
-              <a:t>每種指標裡</a:t>
-            </a:r>
-            <a:endParaRPr lang="en-US" altLang="zh-TW" sz="2800" dirty="0"/>
-          </a:p>
-          <a:p>
-            <a:r>
-              <a:rPr lang="zh-TW" altLang="en-US" sz="2800" dirty="0"/>
-              <a:t>各有不同的選股條件</a:t>
-            </a:r>
-          </a:p>
-        </p:txBody>
-      </p:sp>
-      <p:pic>
-        <p:nvPicPr>
-          <p:cNvPr id="10" name="內容版面配置區 9">
-            <a:extLst>
-              <a:ext uri="{FF2B5EF4-FFF2-40B4-BE49-F238E27FC236}">
-                <a16:creationId xmlns:a16="http://schemas.microsoft.com/office/drawing/2014/main" id="{D65D76BA-1CB4-48EC-A0BA-0F03C39B3BDE}"/>
-              </a:ext>
-            </a:extLst>
-          </p:cNvPr>
-          <p:cNvPicPr>
-            <a:picLocks noGrp="1" noChangeAspect="1"/>
-          </p:cNvPicPr>
-          <p:nvPr>
-            <p:ph idx="1"/>
-          </p:nvPr>
-        </p:nvPicPr>
-        <p:blipFill>
-          <a:blip r:embed="rId2"/>
-          <a:stretch>
-            <a:fillRect/>
-          </a:stretch>
-        </p:blipFill>
-        <p:spPr>
-          <a:xfrm>
-            <a:off x="3759830" y="1102311"/>
-            <a:ext cx="5034291" cy="5549887"/>
-          </a:xfrm>
-        </p:spPr>
-      </p:pic>
-      <p:sp>
-        <p:nvSpPr>
-          <p:cNvPr id="6" name="左大括弧 5">
-            <a:extLst>
-              <a:ext uri="{FF2B5EF4-FFF2-40B4-BE49-F238E27FC236}">
-                <a16:creationId xmlns:a16="http://schemas.microsoft.com/office/drawing/2014/main" id="{650E9293-7178-40F8-BAEB-1B4EDC4F62DD}"/>
-              </a:ext>
-            </a:extLst>
-          </p:cNvPr>
-          <p:cNvSpPr/>
-          <p:nvPr/>
-        </p:nvSpPr>
-        <p:spPr>
-          <a:xfrm rot="5400000">
-            <a:off x="5307047" y="-755066"/>
-            <a:ext cx="849142" cy="3714754"/>
-          </a:xfrm>
-          <a:prstGeom prst="leftBrace">
-            <a:avLst>
-              <a:gd name="adj1" fmla="val 8333"/>
-              <a:gd name="adj2" fmla="val 50255"/>
-            </a:avLst>
-          </a:prstGeom>
-          <a:ln/>
-        </p:spPr>
-        <p:style>
-          <a:lnRef idx="2">
-            <a:schemeClr val="dk1"/>
-          </a:lnRef>
-          <a:fillRef idx="0">
-            <a:schemeClr val="dk1"/>
-          </a:fillRef>
-          <a:effectRef idx="1">
-            <a:schemeClr val="dk1"/>
-          </a:effectRef>
-          <a:fontRef idx="minor">
-            <a:schemeClr val="tx1"/>
-          </a:fontRef>
-        </p:style>
-        <p:txBody>
-          <a:bodyPr rtlCol="0" anchor="ctr"/>
-          <a:lstStyle/>
-          <a:p>
-            <a:pPr algn="ctr"/>
-            <a:endParaRPr lang="zh-TW" altLang="en-US" b="1" dirty="0"/>
-          </a:p>
-        </p:txBody>
-      </p:sp>
-      <p:sp>
-        <p:nvSpPr>
-          <p:cNvPr id="8" name="左大括弧 7">
-            <a:extLst>
-              <a:ext uri="{FF2B5EF4-FFF2-40B4-BE49-F238E27FC236}">
-                <a16:creationId xmlns:a16="http://schemas.microsoft.com/office/drawing/2014/main" id="{F0AF1FAF-05A6-4098-84AC-1BAA729E4E1E}"/>
-              </a:ext>
-            </a:extLst>
-          </p:cNvPr>
-          <p:cNvSpPr/>
-          <p:nvPr/>
-        </p:nvSpPr>
-        <p:spPr>
-          <a:xfrm>
-            <a:off x="3519050" y="1819275"/>
-            <a:ext cx="355191" cy="1762125"/>
-          </a:xfrm>
-          <a:prstGeom prst="leftBrace">
-            <a:avLst/>
-          </a:prstGeom>
-        </p:spPr>
-        <p:style>
-          <a:lnRef idx="2">
-            <a:schemeClr val="dk1"/>
-          </a:lnRef>
-          <a:fillRef idx="0">
-            <a:schemeClr val="dk1"/>
-          </a:fillRef>
-          <a:effectRef idx="1">
-            <a:schemeClr val="dk1"/>
-          </a:effectRef>
-          <a:fontRef idx="minor">
-            <a:schemeClr val="tx1"/>
-          </a:fontRef>
-        </p:style>
-        <p:txBody>
-          <a:bodyPr rtlCol="0" anchor="ctr"/>
-          <a:lstStyle/>
-          <a:p>
-            <a:pPr algn="ctr"/>
-            <a:endParaRPr lang="zh-TW" altLang="en-US"/>
+              <a:rPr kumimoji="1" lang="zh-TW" altLang="en-US" sz="2800" dirty="0"/>
+              <a:t>畢竟我們才大一</a:t>
+            </a:r>
           </a:p>
         </p:txBody>
       </p:sp>
     </p:spTree>
     <p:extLst>
       <p:ext uri="{BB962C8B-B14F-4D97-AF65-F5344CB8AC3E}">
-        <p14:creationId xmlns:p14="http://schemas.microsoft.com/office/powerpoint/2010/main" val="2377616512"/>
+        <p14:creationId xmlns:p14="http://schemas.microsoft.com/office/powerpoint/2010/main" val="879890925"/>
       </p:ext>
     </p:extLst>
   </p:cSld>
@@ -4752,10 +6696,13 @@
                             </p:stCondLst>
                             <p:childTnLst>
                               <p:par>
-                                <p:cTn id="5" presetID="10" presetClass="entr" presetSubtype="0" fill="hold" grpId="0" nodeType="clickEffect">
+                                <p:cTn id="5" presetID="56" presetClass="entr" presetSubtype="0" fill="hold" grpId="0" nodeType="clickEffect">
                                   <p:stCondLst>
                                     <p:cond delay="0"/>
                                   </p:stCondLst>
+                                  <p:iterate type="lt">
+                                    <p:tmPct val="10000"/>
+                                  </p:iterate>
                                   <p:childTnLst>
                                     <p:set>
                                       <p:cBhvr>
@@ -4765,7 +6712,7 @@
                                           </p:stCondLst>
                                         </p:cTn>
                                         <p:tgtEl>
-                                          <p:spTgt spid="6"/>
+                                          <p:spTgt spid="5"/>
                                         </p:tgtEl>
                                         <p:attrNameLst>
                                           <p:attrName>style.visibility</p:attrName>
@@ -4775,32 +6722,93 @@
                                         <p:strVal val="visible"/>
                                       </p:to>
                                     </p:set>
-                                    <p:animEffect transition="in" filter="fade">
-                                      <p:cBhvr>
-                                        <p:cTn id="7" dur="500"/>
-                                        <p:tgtEl>
-                                          <p:spTgt spid="6"/>
-                                        </p:tgtEl>
-                                      </p:cBhvr>
-                                    </p:animEffect>
-                                  </p:childTnLst>
-                                </p:cTn>
-                              </p:par>
-                              <p:par>
-                                <p:cTn id="8" presetID="10" presetClass="entr" presetSubtype="0" fill="hold" grpId="0" nodeType="withEffect">
-                                  <p:stCondLst>
-                                    <p:cond delay="0"/>
-                                  </p:stCondLst>
-                                  <p:childTnLst>
-                                    <p:set>
-                                      <p:cBhvr>
-                                        <p:cTn id="9" dur="1" fill="hold">
+                                    <p:anim by="(-#ppt_w*2)" calcmode="lin" valueType="num">
+                                      <p:cBhvr rctx="PPT">
+                                        <p:cTn id="7" dur="250" autoRev="1" fill="hold">
                                           <p:stCondLst>
                                             <p:cond delay="0"/>
                                           </p:stCondLst>
                                         </p:cTn>
                                         <p:tgtEl>
-                                          <p:spTgt spid="7"/>
+                                          <p:spTgt spid="5"/>
+                                        </p:tgtEl>
+                                        <p:attrNameLst>
+                                          <p:attrName>ppt_w</p:attrName>
+                                        </p:attrNameLst>
+                                      </p:cBhvr>
+                                    </p:anim>
+                                    <p:anim by="(#ppt_w*0.50)" calcmode="lin" valueType="num">
+                                      <p:cBhvr>
+                                        <p:cTn id="8" dur="250" decel="50000" autoRev="1" fill="hold">
+                                          <p:stCondLst>
+                                            <p:cond delay="0"/>
+                                          </p:stCondLst>
+                                        </p:cTn>
+                                        <p:tgtEl>
+                                          <p:spTgt spid="5"/>
+                                        </p:tgtEl>
+                                        <p:attrNameLst>
+                                          <p:attrName>ppt_x</p:attrName>
+                                        </p:attrNameLst>
+                                      </p:cBhvr>
+                                    </p:anim>
+                                    <p:anim from="(-#ppt_h/2)" to="(#ppt_y)" calcmode="lin" valueType="num">
+                                      <p:cBhvr>
+                                        <p:cTn id="9" dur="500" fill="hold">
+                                          <p:stCondLst>
+                                            <p:cond delay="0"/>
+                                          </p:stCondLst>
+                                        </p:cTn>
+                                        <p:tgtEl>
+                                          <p:spTgt spid="5"/>
+                                        </p:tgtEl>
+                                        <p:attrNameLst>
+                                          <p:attrName>ppt_y</p:attrName>
+                                        </p:attrNameLst>
+                                      </p:cBhvr>
+                                    </p:anim>
+                                    <p:animRot by="21600000">
+                                      <p:cBhvr>
+                                        <p:cTn id="10" dur="500" fill="hold">
+                                          <p:stCondLst>
+                                            <p:cond delay="0"/>
+                                          </p:stCondLst>
+                                        </p:cTn>
+                                        <p:tgtEl>
+                                          <p:spTgt spid="5"/>
+                                        </p:tgtEl>
+                                        <p:attrNameLst>
+                                          <p:attrName>r</p:attrName>
+                                        </p:attrNameLst>
+                                      </p:cBhvr>
+                                    </p:animRot>
+                                  </p:childTnLst>
+                                </p:cTn>
+                              </p:par>
+                            </p:childTnLst>
+                          </p:cTn>
+                        </p:par>
+                        <p:par>
+                          <p:cTn id="11" fill="hold">
+                            <p:stCondLst>
+                              <p:cond delay="850"/>
+                            </p:stCondLst>
+                            <p:childTnLst>
+                              <p:par>
+                                <p:cTn id="12" presetID="26" presetClass="entr" presetSubtype="0" fill="hold" grpId="1" nodeType="afterEffect">
+                                  <p:stCondLst>
+                                    <p:cond delay="2000"/>
+                                  </p:stCondLst>
+                                  <p:childTnLst>
+                                    <p:set>
+                                      <p:cBhvr>
+                                        <p:cTn id="13" dur="1" fill="hold">
+                                          <p:stCondLst>
+                                            <p:cond delay="0"/>
+                                          </p:stCondLst>
+                                        </p:cTn>
+                                        <p:tgtEl>
+                                          <p:spTgt spid="6"/>
                                         </p:tgtEl>
                                         <p:attrNameLst>
                                           <p:attrName>style.visibility</p:attrName>
@@ -4810,14 +6818,257 @@
                                         <p:strVal val="visible"/>
                                       </p:to>
                                     </p:set>
-                                    <p:animEffect transition="in" filter="fade">
-                                      <p:cBhvr>
-                                        <p:cTn id="10" dur="500"/>
-                                        <p:tgtEl>
-                                          <p:spTgt spid="7"/>
+                                    <p:animEffect transition="in" filter="wipe(down)">
+                                      <p:cBhvr>
+                                        <p:cTn id="14" dur="290">
+                                          <p:stCondLst>
+                                            <p:cond delay="0"/>
+                                          </p:stCondLst>
+                                        </p:cTn>
+                                        <p:tgtEl>
+                                          <p:spTgt spid="6"/>
                                         </p:tgtEl>
                                       </p:cBhvr>
                                     </p:animEffect>
+                                    <p:anim calcmode="lin" valueType="num">
+                                      <p:cBhvr>
+                                        <p:cTn id="15" dur="911" tmFilter="0,0; 0.14,0.36; 0.43,0.73; 0.71,0.91; 1.0,1.0">
+                                          <p:stCondLst>
+                                            <p:cond delay="0"/>
+                                          </p:stCondLst>
+                                        </p:cTn>
+                                        <p:tgtEl>
+                                          <p:spTgt spid="6"/>
+                                        </p:tgtEl>
+                                        <p:attrNameLst>
+                                          <p:attrName>ppt_x</p:attrName>
+                                        </p:attrNameLst>
+                                      </p:cBhvr>
+                                      <p:tavLst>
+                                        <p:tav tm="0">
+                                          <p:val>
+                                            <p:strVal val="#ppt_x-0.25"/>
+                                          </p:val>
+                                        </p:tav>
+                                        <p:tav tm="100000">
+                                          <p:val>
+                                            <p:strVal val="#ppt_x"/>
+                                          </p:val>
+                                        </p:tav>
+                                      </p:tavLst>
+                                    </p:anim>
+                                    <p:anim calcmode="lin" valueType="num">
+                                      <p:cBhvr>
+                                        <p:cTn id="16" dur="332" tmFilter="0.0,0.0; 0.25,0.07; 0.50,0.2; 0.75,0.467; 1.0,1.0">
+                                          <p:stCondLst>
+                                            <p:cond delay="0"/>
+                                          </p:stCondLst>
+                                        </p:cTn>
+                                        <p:tgtEl>
+                                          <p:spTgt spid="6"/>
+                                        </p:tgtEl>
+                                        <p:attrNameLst>
+                                          <p:attrName>ppt_y</p:attrName>
+                                        </p:attrNameLst>
+                                      </p:cBhvr>
+                                      <p:tavLst>
+                                        <p:tav tm="0" fmla="#ppt_y-sin(pi*$)/3">
+                                          <p:val>
+                                            <p:fltVal val="0.5"/>
+                                          </p:val>
+                                        </p:tav>
+                                        <p:tav tm="100000">
+                                          <p:val>
+                                            <p:fltVal val="1"/>
+                                          </p:val>
+                                        </p:tav>
+                                      </p:tavLst>
+                                    </p:anim>
+                                    <p:anim calcmode="lin" valueType="num">
+                                      <p:cBhvr>
+                                        <p:cTn id="17" dur="332" tmFilter="0, 0; 0.125,0.2665; 0.25,0.4; 0.375,0.465; 0.5,0.5;  0.625,0.535; 0.75,0.6; 0.875,0.7335; 1,1">
+                                          <p:stCondLst>
+                                            <p:cond delay="332"/>
+                                          </p:stCondLst>
+                                        </p:cTn>
+                                        <p:tgtEl>
+                                          <p:spTgt spid="6"/>
+                                        </p:tgtEl>
+                                        <p:attrNameLst>
+                                          <p:attrName>ppt_y</p:attrName>
+                                        </p:attrNameLst>
+                                      </p:cBhvr>
+                                      <p:tavLst>
+                                        <p:tav tm="0" fmla="#ppt_y-sin(pi*$)/9">
+                                          <p:val>
+                                            <p:fltVal val="0"/>
+                                          </p:val>
+                                        </p:tav>
+                                        <p:tav tm="100000">
+                                          <p:val>
+                                            <p:fltVal val="1"/>
+                                          </p:val>
+                                        </p:tav>
+                                      </p:tavLst>
+                                    </p:anim>
+                                    <p:anim calcmode="lin" valueType="num">
+                                      <p:cBhvr>
+                                        <p:cTn id="18" dur="166" tmFilter="0, 0; 0.125,0.2665; 0.25,0.4; 0.375,0.465; 0.5,0.5;  0.625,0.535; 0.75,0.6; 0.875,0.7335; 1,1">
+                                          <p:stCondLst>
+                                            <p:cond delay="662"/>
+                                          </p:stCondLst>
+                                        </p:cTn>
+                                        <p:tgtEl>
+                                          <p:spTgt spid="6"/>
+                                        </p:tgtEl>
+                                        <p:attrNameLst>
+                                          <p:attrName>ppt_y</p:attrName>
+                                        </p:attrNameLst>
+                                      </p:cBhvr>
+                                      <p:tavLst>
+                                        <p:tav tm="0" fmla="#ppt_y-sin(pi*$)/27">
+                                          <p:val>
+                                            <p:fltVal val="0"/>
+                                          </p:val>
+                                        </p:tav>
+                                        <p:tav tm="100000">
+                                          <p:val>
+                                            <p:fltVal val="1"/>
+                                          </p:val>
+                                        </p:tav>
+                                      </p:tavLst>
+                                    </p:anim>
+                                    <p:anim calcmode="lin" valueType="num">
+                                      <p:cBhvr>
+                                        <p:cTn id="19" dur="82" tmFilter="0, 0; 0.125,0.2665; 0.25,0.4; 0.375,0.465; 0.5,0.5;  0.625,0.535; 0.75,0.6; 0.875,0.7335; 1,1">
+                                          <p:stCondLst>
+                                            <p:cond delay="828"/>
+                                          </p:stCondLst>
+                                        </p:cTn>
+                                        <p:tgtEl>
+                                          <p:spTgt spid="6"/>
+                                        </p:tgtEl>
+                                        <p:attrNameLst>
+                                          <p:attrName>ppt_y</p:attrName>
+                                        </p:attrNameLst>
+                                      </p:cBhvr>
+                                      <p:tavLst>
+                                        <p:tav tm="0" fmla="#ppt_y-sin(pi*$)/81">
+                                          <p:val>
+                                            <p:fltVal val="0"/>
+                                          </p:val>
+                                        </p:tav>
+                                        <p:tav tm="100000">
+                                          <p:val>
+                                            <p:fltVal val="1"/>
+                                          </p:val>
+                                        </p:tav>
+                                      </p:tavLst>
+                                    </p:anim>
+                                    <p:animScale>
+                                      <p:cBhvr>
+                                        <p:cTn id="20" dur="13">
+                                          <p:stCondLst>
+                                            <p:cond delay="325"/>
+                                          </p:stCondLst>
+                                        </p:cTn>
+                                        <p:tgtEl>
+                                          <p:spTgt spid="6"/>
+                                        </p:tgtEl>
+                                      </p:cBhvr>
+                                      <p:to x="100000" y="60000"/>
+                                    </p:animScale>
+                                    <p:animScale>
+                                      <p:cBhvr>
+                                        <p:cTn id="21" dur="83" decel="50000">
+                                          <p:stCondLst>
+                                            <p:cond delay="338"/>
+                                          </p:stCondLst>
+                                        </p:cTn>
+                                        <p:tgtEl>
+                                          <p:spTgt spid="6"/>
+                                        </p:tgtEl>
+                                      </p:cBhvr>
+                                      <p:to x="100000" y="100000"/>
+                                    </p:animScale>
+                                    <p:animScale>
+                                      <p:cBhvr>
+                                        <p:cTn id="22" dur="13">
+                                          <p:stCondLst>
+                                            <p:cond delay="656"/>
+                                          </p:stCondLst>
+                                        </p:cTn>
+                                        <p:tgtEl>
+                                          <p:spTgt spid="6"/>
+                                        </p:tgtEl>
+                                      </p:cBhvr>
+                                      <p:to x="100000" y="80000"/>
+                                    </p:animScale>
+                                    <p:animScale>
+                                      <p:cBhvr>
+                                        <p:cTn id="23" dur="83" decel="50000">
+                                          <p:stCondLst>
+                                            <p:cond delay="669"/>
+                                          </p:stCondLst>
+                                        </p:cTn>
+                                        <p:tgtEl>
+                                          <p:spTgt spid="6"/>
+                                        </p:tgtEl>
+                                      </p:cBhvr>
+                                      <p:to x="100000" y="100000"/>
+                                    </p:animScale>
+                                    <p:animScale>
+                                      <p:cBhvr>
+                                        <p:cTn id="24" dur="13">
+                                          <p:stCondLst>
+                                            <p:cond delay="821"/>
+                                          </p:stCondLst>
+                                        </p:cTn>
+                                        <p:tgtEl>
+                                          <p:spTgt spid="6"/>
+                                        </p:tgtEl>
+                                      </p:cBhvr>
+                                      <p:to x="100000" y="90000"/>
+                                    </p:animScale>
+                                    <p:animScale>
+                                      <p:cBhvr>
+                                        <p:cTn id="25" dur="83" decel="50000">
+                                          <p:stCondLst>
+                                            <p:cond delay="834"/>
+                                          </p:stCondLst>
+                                        </p:cTn>
+                                        <p:tgtEl>
+                                          <p:spTgt spid="6"/>
+                                        </p:tgtEl>
+                                      </p:cBhvr>
+                                      <p:to x="100000" y="100000"/>
+                                    </p:animScale>
+                                    <p:animScale>
+                                      <p:cBhvr>
+                                        <p:cTn id="26" dur="13">
+                                          <p:stCondLst>
+                                            <p:cond delay="904"/>
+                                          </p:stCondLst>
+                                        </p:cTn>
+                                        <p:tgtEl>
+                                          <p:spTgt spid="6"/>
+                                        </p:tgtEl>
+                                      </p:cBhvr>
+                                      <p:to x="100000" y="95000"/>
+                                    </p:animScale>
+                                    <p:animScale>
+                                      <p:cBhvr>
+                                        <p:cTn id="27" dur="83" decel="50000">
+                                          <p:stCondLst>
+                                            <p:cond delay="917"/>
+                                          </p:stCondLst>
+                                        </p:cTn>
+                                        <p:tgtEl>
+                                          <p:spTgt spid="6"/>
+                                        </p:tgtEl>
+                                      </p:cBhvr>
+                                      <p:to x="100000" y="100000"/>
+                                    </p:animScale>
                                   </p:childTnLst>
                                 </p:cTn>
                               </p:par>
@@ -4827,33 +7078,202 @@
                       </p:childTnLst>
                     </p:cTn>
                   </p:par>
+                </p:childTnLst>
+              </p:cTn>
+              <p:prevCondLst>
+                <p:cond evt="onPrev" delay="0">
+                  <p:tgtEl>
+                    <p:sldTgt/>
+                  </p:tgtEl>
+                </p:cond>
+              </p:prevCondLst>
+              <p:nextCondLst>
+                <p:cond evt="onNext" delay="0">
+                  <p:tgtEl>
+                    <p:sldTgt/>
+                  </p:tgtEl>
+                </p:cond>
+              </p:nextCondLst>
+            </p:seq>
+          </p:childTnLst>
+        </p:cTn>
+      </p:par>
+    </p:tnLst>
+    <p:bldLst>
+      <p:bldP spid="5" grpId="0"/>
+      <p:bldP spid="6" grpId="1"/>
+    </p:bldLst>
+  </p:timing>
+</p:sld>
+</file>
+
+<file path=ppt/slides/slide6.xml><?xml version="1.0" encoding="utf-8"?>
+<p:sld xmlns:a="http://schemas.openxmlformats.org/drawingml/2006/main" xmlns:r="http://schemas.openxmlformats.org/officeDocument/2006/relationships" xmlns:p="http://schemas.openxmlformats.org/presentationml/2006/main">
+  <p:cSld>
+    <p:spTree>
+      <p:nvGrpSpPr>
+        <p:cNvPr id="1" name=""/>
+        <p:cNvGrpSpPr/>
+        <p:nvPr/>
+      </p:nvGrpSpPr>
+      <p:grpSpPr>
+        <a:xfrm>
+          <a:off x="0" y="0"/>
+          <a:ext cx="0" cy="0"/>
+          <a:chOff x="0" y="0"/>
+          <a:chExt cx="0" cy="0"/>
+        </a:xfrm>
+      </p:grpSpPr>
+      <p:sp>
+        <p:nvSpPr>
+          <p:cNvPr id="2" name="標題 1">
+            <a:extLst>
+              <a:ext uri="{FF2B5EF4-FFF2-40B4-BE49-F238E27FC236}">
+                <a16:creationId xmlns:a16="http://schemas.microsoft.com/office/drawing/2014/main" id="{BAD1E4E4-AEE8-324D-B6D8-D8328EC710D7}"/>
+              </a:ext>
+            </a:extLst>
+          </p:cNvPr>
+          <p:cNvSpPr>
+            <a:spLocks noGrp="1"/>
+          </p:cNvSpPr>
+          <p:nvPr>
+            <p:ph type="title"/>
+          </p:nvPr>
+        </p:nvSpPr>
+        <p:spPr/>
+        <p:txBody>
+          <a:bodyPr>
+            <a:normAutofit/>
+          </a:bodyPr>
+          <a:lstStyle/>
+          <a:p>
+            <a:r>
+              <a:rPr kumimoji="1" lang="zh-TW" altLang="en-US" sz="6600" dirty="0">
+                <a:latin typeface="+mj-ea"/>
+              </a:rPr>
+              <a:t>設計理念</a:t>
+            </a:r>
+          </a:p>
+        </p:txBody>
+      </p:sp>
+      <p:sp>
+        <p:nvSpPr>
+          <p:cNvPr id="3" name="內容版面配置區 2">
+            <a:extLst>
+              <a:ext uri="{FF2B5EF4-FFF2-40B4-BE49-F238E27FC236}">
+                <a16:creationId xmlns:a16="http://schemas.microsoft.com/office/drawing/2014/main" id="{7A2FD115-AD87-814C-9E33-E30FF2B9A0EC}"/>
+              </a:ext>
+            </a:extLst>
+          </p:cNvPr>
+          <p:cNvSpPr>
+            <a:spLocks noGrp="1"/>
+          </p:cNvSpPr>
+          <p:nvPr>
+            <p:ph idx="1"/>
+          </p:nvPr>
+        </p:nvSpPr>
+        <p:spPr>
+          <a:xfrm>
+            <a:off x="1371600" y="2286000"/>
+            <a:ext cx="3355145" cy="3581400"/>
+          </a:xfrm>
+        </p:spPr>
+        <p:txBody>
+          <a:bodyPr>
+            <a:normAutofit/>
+          </a:bodyPr>
+          <a:lstStyle/>
+          <a:p>
+            <a:pPr>
+              <a:lnSpc>
+                <a:spcPct val="150000"/>
+              </a:lnSpc>
+            </a:pPr>
+            <a:r>
+              <a:rPr kumimoji="1" lang="zh-TW" altLang="en-US" sz="3200" dirty="0"/>
+              <a:t>但是大家應該有看過類似這樣子的東西：</a:t>
+            </a:r>
+          </a:p>
+        </p:txBody>
+      </p:sp>
+      <p:pic>
+        <p:nvPicPr>
+          <p:cNvPr id="4" name="圖片 3">
+            <a:extLst>
+              <a:ext uri="{FF2B5EF4-FFF2-40B4-BE49-F238E27FC236}">
+                <a16:creationId xmlns:a16="http://schemas.microsoft.com/office/drawing/2014/main" id="{72E3D78E-9D84-734B-BB10-D385DF09179D}"/>
+              </a:ext>
+            </a:extLst>
+          </p:cNvPr>
+          <p:cNvPicPr>
+            <a:picLocks noChangeAspect="1"/>
+          </p:cNvPicPr>
+          <p:nvPr/>
+        </p:nvPicPr>
+        <p:blipFill>
+          <a:blip r:embed="rId3"/>
+          <a:stretch>
+            <a:fillRect/>
+          </a:stretch>
+        </p:blipFill>
+        <p:spPr>
+          <a:xfrm>
+            <a:off x="5057401" y="685800"/>
+            <a:ext cx="6892661" cy="5447714"/>
+          </a:xfrm>
+          <a:prstGeom prst="rect">
+            <a:avLst/>
+          </a:prstGeom>
+        </p:spPr>
+      </p:pic>
+    </p:spTree>
+    <p:extLst>
+      <p:ext uri="{BB962C8B-B14F-4D97-AF65-F5344CB8AC3E}">
+        <p14:creationId xmlns:p14="http://schemas.microsoft.com/office/powerpoint/2010/main" val="2246192135"/>
+      </p:ext>
+    </p:extLst>
+  </p:cSld>
+  <p:clrMapOvr>
+    <a:masterClrMapping/>
+  </p:clrMapOvr>
+  <p:transition spd="slow">
+    <p:push dir="u"/>
+  </p:transition>
+  <p:timing>
+    <p:tnLst>
+      <p:par>
+        <p:cTn id="1" dur="indefinite" restart="never" nodeType="tmRoot">
+          <p:childTnLst>
+            <p:seq concurrent="1" nextAc="seek">
+              <p:cTn id="2" dur="indefinite" nodeType="mainSeq">
+                <p:childTnLst>
                   <p:par>
-                    <p:cTn id="11" fill="hold">
+                    <p:cTn id="3" fill="hold">
                       <p:stCondLst>
                         <p:cond delay="indefinite"/>
                       </p:stCondLst>
                       <p:childTnLst>
                         <p:par>
-                          <p:cTn id="12" fill="hold">
+                          <p:cTn id="4" fill="hold">
                             <p:stCondLst>
                               <p:cond delay="0"/>
                             </p:stCondLst>
                             <p:childTnLst>
                               <p:par>
-                                <p:cTn id="13" presetID="10" presetClass="entr" presetSubtype="0" fill="hold" grpId="0" nodeType="clickEffect">
+                                <p:cTn id="5" presetID="14" presetClass="entr" presetSubtype="10" fill="hold" nodeType="clickEffect">
                                   <p:stCondLst>
                                     <p:cond delay="0"/>
                                   </p:stCondLst>
                                   <p:childTnLst>
                                     <p:set>
                                       <p:cBhvr>
-                                        <p:cTn id="14" dur="1" fill="hold">
+                                        <p:cTn id="6" dur="1" fill="hold">
                                           <p:stCondLst>
                                             <p:cond delay="0"/>
                                           </p:stCondLst>
                                         </p:cTn>
                                         <p:tgtEl>
-                                          <p:spTgt spid="8"/>
+                                          <p:spTgt spid="4"/>
                                         </p:tgtEl>
                                         <p:attrNameLst>
                                           <p:attrName>style.visibility</p:attrName>
@@ -4863,46 +7283,11 @@
                                         <p:strVal val="visible"/>
                                       </p:to>
                                     </p:set>
-                                    <p:animEffect transition="in" filter="fade">
-                                      <p:cBhvr>
-                                        <p:cTn id="15" dur="500"/>
-                                        <p:tgtEl>
-                                          <p:spTgt spid="8"/>
-                                        </p:tgtEl>
-                                      </p:cBhvr>
-                                    </p:animEffect>
-                                  </p:childTnLst>
-                                </p:cTn>
-                              </p:par>
-                              <p:par>
-                                <p:cTn id="16" presetID="10" presetClass="entr" presetSubtype="0" fill="hold" grpId="0" nodeType="withEffect">
-                                  <p:stCondLst>
-                                    <p:cond delay="0"/>
-                                  </p:stCondLst>
-                                  <p:childTnLst>
-                                    <p:set>
-                                      <p:cBhvr>
-                                        <p:cTn id="17" dur="1" fill="hold">
-                                          <p:stCondLst>
-                                            <p:cond delay="0"/>
-                                          </p:stCondLst>
-                                        </p:cTn>
-                                        <p:tgtEl>
-                                          <p:spTgt spid="9"/>
-                                        </p:tgtEl>
-                                        <p:attrNameLst>
-                                          <p:attrName>style.visibility</p:attrName>
-                                        </p:attrNameLst>
-                                      </p:cBhvr>
-                                      <p:to>
-                                        <p:strVal val="visible"/>
-                                      </p:to>
-                                    </p:set>
-                                    <p:animEffect transition="in" filter="fade">
-                                      <p:cBhvr>
-                                        <p:cTn id="18" dur="500"/>
-                                        <p:tgtEl>
-                                          <p:spTgt spid="9"/>
+                                    <p:animEffect transition="in" filter="randombar(horizontal)">
+                                      <p:cBhvr>
+                                        <p:cTn id="7" dur="1000"/>
+                                        <p:tgtEl>
+                                          <p:spTgt spid="4"/>
                                         </p:tgtEl>
                                       </p:cBhvr>
                                     </p:animEffect>
@@ -4936,12 +7321,6 @@
         </p:cTn>
       </p:par>
     </p:tnLst>
-    <p:bldLst>
-      <p:bldP spid="7" grpId="0"/>
-      <p:bldP spid="9" grpId="0"/>
-      <p:bldP spid="6" grpId="0" animBg="1"/>
-      <p:bldP spid="8" grpId="0" animBg="1"/>
-    </p:bldLst>
   </p:timing>
 </p:sld>
 </file>
@@ -4965,213 +7344,10 @@
       </p:grpSpPr>
       <p:sp>
         <p:nvSpPr>
-          <p:cNvPr id="2" name="文字方塊 1">
+          <p:cNvPr id="2" name="標題 1">
             <a:extLst>
               <a:ext uri="{FF2B5EF4-FFF2-40B4-BE49-F238E27FC236}">
-                <a16:creationId xmlns:a16="http://schemas.microsoft.com/office/drawing/2014/main" id="{96114253-C415-49F9-A222-561D02E91FE3}"/>
-              </a:ext>
-            </a:extLst>
-          </p:cNvPr>
-          <p:cNvSpPr txBox="1"/>
-          <p:nvPr/>
-        </p:nvSpPr>
-        <p:spPr>
-          <a:xfrm>
-            <a:off x="1719256" y="1699052"/>
-            <a:ext cx="9682163" cy="646331"/>
-          </a:xfrm>
-          <a:prstGeom prst="rect">
-            <a:avLst/>
-          </a:prstGeom>
-          <a:noFill/>
-        </p:spPr>
-        <p:txBody>
-          <a:bodyPr wrap="square" rtlCol="0">
-            <a:spAutoFit/>
-          </a:bodyPr>
-          <a:lstStyle/>
-          <a:p>
-            <a:r>
-              <a:rPr lang="zh-TW" altLang="en-US" sz="3600" dirty="0"/>
-              <a:t>突破：挑出有在限定時段內突破壓力線的股票</a:t>
-            </a:r>
-            <a:endParaRPr lang="en-US" altLang="zh-TW" sz="3600" dirty="0"/>
-          </a:p>
-        </p:txBody>
-      </p:sp>
-      <p:sp>
-        <p:nvSpPr>
-          <p:cNvPr id="3" name="文字方塊 2">
-            <a:extLst>
-              <a:ext uri="{FF2B5EF4-FFF2-40B4-BE49-F238E27FC236}">
-                <a16:creationId xmlns:a16="http://schemas.microsoft.com/office/drawing/2014/main" id="{1B2226C9-7987-4324-B9C2-EAC12108F92A}"/>
-              </a:ext>
-            </a:extLst>
-          </p:cNvPr>
-          <p:cNvSpPr txBox="1"/>
-          <p:nvPr/>
-        </p:nvSpPr>
-        <p:spPr>
-          <a:xfrm>
-            <a:off x="1719256" y="2453105"/>
-            <a:ext cx="9682163" cy="1200329"/>
-          </a:xfrm>
-          <a:prstGeom prst="rect">
-            <a:avLst/>
-          </a:prstGeom>
-          <a:noFill/>
-        </p:spPr>
-        <p:txBody>
-          <a:bodyPr wrap="square" rtlCol="0">
-            <a:spAutoFit/>
-          </a:bodyPr>
-          <a:lstStyle/>
-          <a:p>
-            <a:r>
-              <a:rPr lang="zh-TW" altLang="en-US" sz="3600" dirty="0"/>
-              <a:t>乖離：找出在限定時段內，和移動平均線差距 </a:t>
-            </a:r>
-            <a:endParaRPr lang="en-US" altLang="zh-TW" sz="3600" dirty="0"/>
-          </a:p>
-          <a:p>
-            <a:r>
-              <a:rPr lang="zh-TW" altLang="en-US" sz="3600" dirty="0"/>
-              <a:t>            符合標準的股票</a:t>
-            </a:r>
-            <a:endParaRPr lang="en-US" altLang="zh-TW" sz="3600" dirty="0"/>
-          </a:p>
-        </p:txBody>
-      </p:sp>
-      <p:sp>
-        <p:nvSpPr>
-          <p:cNvPr id="4" name="文字方塊 3">
-            <a:extLst>
-              <a:ext uri="{FF2B5EF4-FFF2-40B4-BE49-F238E27FC236}">
-                <a16:creationId xmlns:a16="http://schemas.microsoft.com/office/drawing/2014/main" id="{EA16CCA4-298D-44C3-BD86-7810AFF88C1B}"/>
-              </a:ext>
-            </a:extLst>
-          </p:cNvPr>
-          <p:cNvSpPr txBox="1"/>
-          <p:nvPr/>
-        </p:nvSpPr>
-        <p:spPr>
-          <a:xfrm>
-            <a:off x="1719256" y="3653434"/>
-            <a:ext cx="9682163" cy="1200329"/>
-          </a:xfrm>
-          <a:prstGeom prst="rect">
-            <a:avLst/>
-          </a:prstGeom>
-          <a:noFill/>
-        </p:spPr>
-        <p:txBody>
-          <a:bodyPr wrap="square" rtlCol="0">
-            <a:spAutoFit/>
-          </a:bodyPr>
-          <a:lstStyle/>
-          <a:p>
-            <a:r>
-              <a:rPr lang="zh-TW" altLang="en-US" sz="3600" dirty="0"/>
-              <a:t>趨勢：跟之前的表現相比，這支股票最近的表</a:t>
-            </a:r>
-            <a:endParaRPr lang="en-US" altLang="zh-TW" sz="3600" dirty="0"/>
-          </a:p>
-          <a:p>
-            <a:r>
-              <a:rPr lang="zh-TW" altLang="en-US" sz="3600" dirty="0"/>
-              <a:t>            現為好或壞</a:t>
-            </a:r>
-            <a:endParaRPr lang="en-US" altLang="zh-TW" sz="3600" dirty="0"/>
-          </a:p>
-        </p:txBody>
-      </p:sp>
-      <p:sp>
-        <p:nvSpPr>
-          <p:cNvPr id="5" name="文字方塊 4">
-            <a:extLst>
-              <a:ext uri="{FF2B5EF4-FFF2-40B4-BE49-F238E27FC236}">
-                <a16:creationId xmlns:a16="http://schemas.microsoft.com/office/drawing/2014/main" id="{2F557E6C-53A6-47BF-9595-89472B61A499}"/>
-              </a:ext>
-            </a:extLst>
-          </p:cNvPr>
-          <p:cNvSpPr txBox="1"/>
-          <p:nvPr/>
-        </p:nvSpPr>
-        <p:spPr>
-          <a:xfrm>
-            <a:off x="1719256" y="4853763"/>
-            <a:ext cx="9825040" cy="1631216"/>
-          </a:xfrm>
-          <a:prstGeom prst="rect">
-            <a:avLst/>
-          </a:prstGeom>
-          <a:noFill/>
-        </p:spPr>
-        <p:txBody>
-          <a:bodyPr wrap="square" rtlCol="0">
-            <a:spAutoFit/>
-          </a:bodyPr>
-          <a:lstStyle/>
-          <a:p>
-            <a:r>
-              <a:rPr lang="zh-TW" altLang="en-US" sz="3600" dirty="0"/>
-              <a:t>技術指標：</a:t>
-            </a:r>
-            <a:r>
-              <a:rPr lang="zh-TW" altLang="en-US" sz="3200" dirty="0"/>
-              <a:t>分為</a:t>
-            </a:r>
-            <a:r>
-              <a:rPr lang="en-US" altLang="zh-TW" sz="3200" dirty="0"/>
-              <a:t>K</a:t>
-            </a:r>
-            <a:r>
-              <a:rPr lang="zh-TW" altLang="en-US" sz="3200" dirty="0"/>
-              <a:t>值與</a:t>
-            </a:r>
-            <a:r>
-              <a:rPr lang="en-US" altLang="zh-TW" sz="3200" dirty="0"/>
-              <a:t>D</a:t>
-            </a:r>
-            <a:r>
-              <a:rPr lang="zh-TW" altLang="en-US" sz="3200" dirty="0"/>
-              <a:t>值，</a:t>
-            </a:r>
-            <a:r>
-              <a:rPr lang="en-US" altLang="zh-TW" sz="3200" dirty="0"/>
-              <a:t>K</a:t>
-            </a:r>
-            <a:r>
-              <a:rPr lang="zh-TW" altLang="en-US" sz="3200" dirty="0"/>
-              <a:t>值對股價反應較快，</a:t>
-            </a:r>
-            <a:r>
-              <a:rPr lang="en-US" altLang="zh-TW" sz="3200" dirty="0"/>
-              <a:t>D</a:t>
-            </a:r>
-          </a:p>
-          <a:p>
-            <a:r>
-              <a:rPr lang="zh-TW" altLang="en-US" sz="3200" dirty="0"/>
-              <a:t>                      值對股價反應較慢，透過兩方交叉可找出 </a:t>
-            </a:r>
-            <a:endParaRPr lang="en-US" altLang="zh-TW" sz="3200" dirty="0"/>
-          </a:p>
-          <a:p>
-            <a:r>
-              <a:rPr lang="zh-TW" altLang="en-US" sz="3200" dirty="0"/>
-              <a:t>                      哪支股票前景看好</a:t>
-            </a:r>
-            <a:endParaRPr lang="en-US" altLang="zh-TW" sz="3200" dirty="0"/>
-          </a:p>
-        </p:txBody>
-      </p:sp>
-      <p:sp>
-        <p:nvSpPr>
-          <p:cNvPr id="6" name="標題 5">
-            <a:extLst>
-              <a:ext uri="{FF2B5EF4-FFF2-40B4-BE49-F238E27FC236}">
-                <a16:creationId xmlns:a16="http://schemas.microsoft.com/office/drawing/2014/main" id="{B8B1C068-7949-440C-940B-A6B6F32FDAFF}"/>
+                <a16:creationId xmlns:a16="http://schemas.microsoft.com/office/drawing/2014/main" id="{BAD1E4E4-AEE8-324D-B6D8-D8328EC710D7}"/>
               </a:ext>
             </a:extLst>
           </p:cNvPr>
@@ -5182,12 +7358,7 @@
             <p:ph type="title"/>
           </p:nvPr>
         </p:nvSpPr>
-        <p:spPr>
-          <a:xfrm>
-            <a:off x="1295400" y="614718"/>
-            <a:ext cx="9601200" cy="1485900"/>
-          </a:xfrm>
-        </p:spPr>
+        <p:spPr/>
         <p:txBody>
           <a:bodyPr>
             <a:normAutofit/>
@@ -5195,16 +7366,238 @@
           <a:lstStyle/>
           <a:p>
             <a:r>
-              <a:rPr lang="zh-TW" altLang="en-US" sz="6000" dirty="0"/>
-              <a:t>條件解說</a:t>
-            </a:r>
-          </a:p>
-        </p:txBody>
-      </p:sp>
+              <a:rPr kumimoji="1" lang="zh-TW" altLang="en-US" sz="6600" dirty="0">
+                <a:latin typeface="+mj-ea"/>
+              </a:rPr>
+              <a:t>設計理念</a:t>
+            </a:r>
+          </a:p>
+        </p:txBody>
+      </p:sp>
+      <p:sp>
+        <p:nvSpPr>
+          <p:cNvPr id="3" name="內容版面配置區 2">
+            <a:extLst>
+              <a:ext uri="{FF2B5EF4-FFF2-40B4-BE49-F238E27FC236}">
+                <a16:creationId xmlns:a16="http://schemas.microsoft.com/office/drawing/2014/main" id="{7A2FD115-AD87-814C-9E33-E30FF2B9A0EC}"/>
+              </a:ext>
+            </a:extLst>
+          </p:cNvPr>
+          <p:cNvSpPr>
+            <a:spLocks noGrp="1"/>
+          </p:cNvSpPr>
+          <p:nvPr>
+            <p:ph idx="1"/>
+          </p:nvPr>
+        </p:nvSpPr>
+        <p:spPr>
+          <a:xfrm>
+            <a:off x="1371600" y="2286000"/>
+            <a:ext cx="3355145" cy="3581400"/>
+          </a:xfrm>
+        </p:spPr>
+        <p:txBody>
+          <a:bodyPr>
+            <a:normAutofit/>
+          </a:bodyPr>
+          <a:lstStyle/>
+          <a:p>
+            <a:pPr>
+              <a:lnSpc>
+                <a:spcPct val="150000"/>
+              </a:lnSpc>
+            </a:pPr>
+            <a:r>
+              <a:rPr kumimoji="1" lang="zh-TW" altLang="en-US" sz="3200" dirty="0"/>
+              <a:t>或者是：</a:t>
+            </a:r>
+          </a:p>
+        </p:txBody>
+      </p:sp>
+      <p:pic>
+        <p:nvPicPr>
+          <p:cNvPr id="18" name="圖片 17">
+            <a:extLst>
+              <a:ext uri="{FF2B5EF4-FFF2-40B4-BE49-F238E27FC236}">
+                <a16:creationId xmlns:a16="http://schemas.microsoft.com/office/drawing/2014/main" id="{DD35F8B7-559D-BF46-B824-35C525B3983A}"/>
+              </a:ext>
+            </a:extLst>
+          </p:cNvPr>
+          <p:cNvPicPr>
+            <a:picLocks noChangeAspect="1"/>
+          </p:cNvPicPr>
+          <p:nvPr/>
+        </p:nvPicPr>
+        <p:blipFill>
+          <a:blip r:embed="rId3"/>
+          <a:stretch>
+            <a:fillRect/>
+          </a:stretch>
+        </p:blipFill>
+        <p:spPr>
+          <a:xfrm>
+            <a:off x="3834864" y="1969880"/>
+            <a:ext cx="7912148" cy="1584435"/>
+          </a:xfrm>
+          <a:prstGeom prst="rect">
+            <a:avLst/>
+          </a:prstGeom>
+        </p:spPr>
+      </p:pic>
+      <p:pic>
+        <p:nvPicPr>
+          <p:cNvPr id="20" name="圖片 19">
+            <a:extLst>
+              <a:ext uri="{FF2B5EF4-FFF2-40B4-BE49-F238E27FC236}">
+                <a16:creationId xmlns:a16="http://schemas.microsoft.com/office/drawing/2014/main" id="{8420CD4C-5EFB-4244-9CC2-485D91CC3C22}"/>
+              </a:ext>
+            </a:extLst>
+          </p:cNvPr>
+          <p:cNvPicPr>
+            <a:picLocks noChangeAspect="1"/>
+          </p:cNvPicPr>
+          <p:nvPr/>
+        </p:nvPicPr>
+        <p:blipFill>
+          <a:blip r:embed="rId4"/>
+          <a:stretch>
+            <a:fillRect/>
+          </a:stretch>
+        </p:blipFill>
+        <p:spPr>
+          <a:xfrm>
+            <a:off x="3057508" y="3104435"/>
+            <a:ext cx="8613256" cy="813630"/>
+          </a:xfrm>
+          <a:prstGeom prst="rect">
+            <a:avLst/>
+          </a:prstGeom>
+        </p:spPr>
+      </p:pic>
+      <p:pic>
+        <p:nvPicPr>
+          <p:cNvPr id="28" name="圖片 27">
+            <a:extLst>
+              <a:ext uri="{FF2B5EF4-FFF2-40B4-BE49-F238E27FC236}">
+                <a16:creationId xmlns:a16="http://schemas.microsoft.com/office/drawing/2014/main" id="{B7AB41D6-5F92-404E-BFD6-BDF9D9610E4E}"/>
+              </a:ext>
+            </a:extLst>
+          </p:cNvPr>
+          <p:cNvPicPr>
+            <a:picLocks noChangeAspect="1"/>
+          </p:cNvPicPr>
+          <p:nvPr/>
+        </p:nvPicPr>
+        <p:blipFill>
+          <a:blip r:embed="rId5"/>
+          <a:stretch>
+            <a:fillRect/>
+          </a:stretch>
+        </p:blipFill>
+        <p:spPr>
+          <a:xfrm rot="237892">
+            <a:off x="3711281" y="3374963"/>
+            <a:ext cx="2830196" cy="2868442"/>
+          </a:xfrm>
+          <a:prstGeom prst="rect">
+            <a:avLst/>
+          </a:prstGeom>
+        </p:spPr>
+      </p:pic>
+      <p:pic>
+        <p:nvPicPr>
+          <p:cNvPr id="22" name="圖片 21">
+            <a:extLst>
+              <a:ext uri="{FF2B5EF4-FFF2-40B4-BE49-F238E27FC236}">
+                <a16:creationId xmlns:a16="http://schemas.microsoft.com/office/drawing/2014/main" id="{69CD8135-762C-B44F-8739-5DEF2D789995}"/>
+              </a:ext>
+            </a:extLst>
+          </p:cNvPr>
+          <p:cNvPicPr>
+            <a:picLocks noChangeAspect="1"/>
+          </p:cNvPicPr>
+          <p:nvPr/>
+        </p:nvPicPr>
+        <p:blipFill>
+          <a:blip r:embed="rId6"/>
+          <a:stretch>
+            <a:fillRect/>
+          </a:stretch>
+        </p:blipFill>
+        <p:spPr>
+          <a:xfrm rot="21076019">
+            <a:off x="1737822" y="3795416"/>
+            <a:ext cx="9352753" cy="567355"/>
+          </a:xfrm>
+          <a:prstGeom prst="rect">
+            <a:avLst/>
+          </a:prstGeom>
+        </p:spPr>
+      </p:pic>
+      <p:pic>
+        <p:nvPicPr>
+          <p:cNvPr id="26" name="圖片 25">
+            <a:extLst>
+              <a:ext uri="{FF2B5EF4-FFF2-40B4-BE49-F238E27FC236}">
+                <a16:creationId xmlns:a16="http://schemas.microsoft.com/office/drawing/2014/main" id="{69013D58-CB90-E842-AECD-333862A3CE52}"/>
+              </a:ext>
+            </a:extLst>
+          </p:cNvPr>
+          <p:cNvPicPr>
+            <a:picLocks noChangeAspect="1"/>
+          </p:cNvPicPr>
+          <p:nvPr/>
+        </p:nvPicPr>
+        <p:blipFill>
+          <a:blip r:embed="rId7"/>
+          <a:stretch>
+            <a:fillRect/>
+          </a:stretch>
+        </p:blipFill>
+        <p:spPr>
+          <a:xfrm>
+            <a:off x="5540028" y="4955348"/>
+            <a:ext cx="3778605" cy="419845"/>
+          </a:xfrm>
+          <a:prstGeom prst="rect">
+            <a:avLst/>
+          </a:prstGeom>
+        </p:spPr>
+      </p:pic>
+      <p:pic>
+        <p:nvPicPr>
+          <p:cNvPr id="24" name="圖片 23">
+            <a:extLst>
+              <a:ext uri="{FF2B5EF4-FFF2-40B4-BE49-F238E27FC236}">
+                <a16:creationId xmlns:a16="http://schemas.microsoft.com/office/drawing/2014/main" id="{D1485745-8CFC-2549-9510-0574DD71C7E6}"/>
+              </a:ext>
+            </a:extLst>
+          </p:cNvPr>
+          <p:cNvPicPr>
+            <a:picLocks noChangeAspect="1"/>
+          </p:cNvPicPr>
+          <p:nvPr/>
+        </p:nvPicPr>
+        <p:blipFill>
+          <a:blip r:embed="rId8"/>
+          <a:stretch>
+            <a:fillRect/>
+          </a:stretch>
+        </p:blipFill>
+        <p:spPr>
+          <a:xfrm rot="916328">
+            <a:off x="1707661" y="4744992"/>
+            <a:ext cx="9855248" cy="495158"/>
+          </a:xfrm>
+          <a:prstGeom prst="rect">
+            <a:avLst/>
+          </a:prstGeom>
+        </p:spPr>
+      </p:pic>
     </p:spTree>
     <p:extLst>
       <p:ext uri="{BB962C8B-B14F-4D97-AF65-F5344CB8AC3E}">
-        <p14:creationId xmlns:p14="http://schemas.microsoft.com/office/powerpoint/2010/main" val="4271417234"/>
+        <p14:creationId xmlns:p14="http://schemas.microsoft.com/office/powerpoint/2010/main" val="1484284781"/>
       </p:ext>
     </p:extLst>
   </p:cSld>
@@ -5235,7 +7628,7 @@
                             </p:stCondLst>
                             <p:childTnLst>
                               <p:par>
-                                <p:cTn id="5" presetID="10" presetClass="entr" presetSubtype="0" fill="hold" grpId="0" nodeType="clickEffect">
+                                <p:cTn id="5" presetID="14" presetClass="entr" presetSubtype="10" fill="hold" nodeType="clickEffect">
                                   <p:stCondLst>
                                     <p:cond delay="0"/>
                                   </p:stCondLst>
@@ -5248,7 +7641,7 @@
                                           </p:stCondLst>
                                         </p:cTn>
                                         <p:tgtEl>
-                                          <p:spTgt spid="2"/>
+                                          <p:spTgt spid="18"/>
                                         </p:tgtEl>
                                         <p:attrNameLst>
                                           <p:attrName>style.visibility</p:attrName>
@@ -5258,11 +7651,11 @@
                                         <p:strVal val="visible"/>
                                       </p:to>
                                     </p:set>
-                                    <p:animEffect transition="in" filter="fade">
-                                      <p:cBhvr>
-                                        <p:cTn id="7" dur="500"/>
-                                        <p:tgtEl>
-                                          <p:spTgt spid="2"/>
+                                    <p:animEffect transition="in" filter="randombar(horizontal)">
+                                      <p:cBhvr>
+                                        <p:cTn id="7" dur="1000"/>
+                                        <p:tgtEl>
+                                          <p:spTgt spid="18"/>
                                         </p:tgtEl>
                                       </p:cBhvr>
                                     </p:animEffect>
@@ -5272,36 +7665,27 @@
                             </p:childTnLst>
                           </p:cTn>
                         </p:par>
-                      </p:childTnLst>
-                    </p:cTn>
-                  </p:par>
-                  <p:par>
-                    <p:cTn id="8" fill="hold">
-                      <p:stCondLst>
-                        <p:cond delay="indefinite"/>
-                      </p:stCondLst>
-                      <p:childTnLst>
                         <p:par>
-                          <p:cTn id="9" fill="hold">
+                          <p:cTn id="8" fill="hold">
                             <p:stCondLst>
-                              <p:cond delay="0"/>
+                              <p:cond delay="1000"/>
                             </p:stCondLst>
                             <p:childTnLst>
                               <p:par>
-                                <p:cTn id="10" presetID="10" presetClass="entr" presetSubtype="0" fill="hold" grpId="0" nodeType="clickEffect">
+                                <p:cTn id="9" presetID="31" presetClass="entr" presetSubtype="0" fill="hold" nodeType="afterEffect">
                                   <p:stCondLst>
-                                    <p:cond delay="0"/>
+                                    <p:cond delay="1000"/>
                                   </p:stCondLst>
                                   <p:childTnLst>
                                     <p:set>
                                       <p:cBhvr>
-                                        <p:cTn id="11" dur="1" fill="hold">
+                                        <p:cTn id="10" dur="1" fill="hold">
                                           <p:stCondLst>
                                             <p:cond delay="0"/>
                                           </p:stCondLst>
                                         </p:cTn>
                                         <p:tgtEl>
-                                          <p:spTgt spid="3"/>
+                                          <p:spTgt spid="20"/>
                                         </p:tgtEl>
                                         <p:attrNameLst>
                                           <p:attrName>style.visibility</p:attrName>
@@ -5311,11 +7695,80 @@
                                         <p:strVal val="visible"/>
                                       </p:to>
                                     </p:set>
+                                    <p:anim calcmode="lin" valueType="num">
+                                      <p:cBhvr>
+                                        <p:cTn id="11" dur="500" fill="hold"/>
+                                        <p:tgtEl>
+                                          <p:spTgt spid="20"/>
+                                        </p:tgtEl>
+                                        <p:attrNameLst>
+                                          <p:attrName>ppt_w</p:attrName>
+                                        </p:attrNameLst>
+                                      </p:cBhvr>
+                                      <p:tavLst>
+                                        <p:tav tm="0">
+                                          <p:val>
+                                            <p:fltVal val="0"/>
+                                          </p:val>
+                                        </p:tav>
+                                        <p:tav tm="100000">
+                                          <p:val>
+                                            <p:strVal val="#ppt_w"/>
+                                          </p:val>
+                                        </p:tav>
+                                      </p:tavLst>
+                                    </p:anim>
+                                    <p:anim calcmode="lin" valueType="num">
+                                      <p:cBhvr>
+                                        <p:cTn id="12" dur="500" fill="hold"/>
+                                        <p:tgtEl>
+                                          <p:spTgt spid="20"/>
+                                        </p:tgtEl>
+                                        <p:attrNameLst>
+                                          <p:attrName>ppt_h</p:attrName>
+                                        </p:attrNameLst>
+                                      </p:cBhvr>
+                                      <p:tavLst>
+                                        <p:tav tm="0">
+                                          <p:val>
+                                            <p:fltVal val="0"/>
+                                          </p:val>
+                                        </p:tav>
+                                        <p:tav tm="100000">
+                                          <p:val>
+                                            <p:strVal val="#ppt_h"/>
+                                          </p:val>
+                                        </p:tav>
+                                      </p:tavLst>
+                                    </p:anim>
+                                    <p:anim calcmode="lin" valueType="num">
+                                      <p:cBhvr>
+                                        <p:cTn id="13" dur="500" fill="hold"/>
+                                        <p:tgtEl>
+                                          <p:spTgt spid="20"/>
+                                        </p:tgtEl>
+                                        <p:attrNameLst>
+                                          <p:attrName>style.rotation</p:attrName>
+                                        </p:attrNameLst>
+                                      </p:cBhvr>
+                                      <p:tavLst>
+                                        <p:tav tm="0">
+                                          <p:val>
+                                            <p:fltVal val="90"/>
+                                          </p:val>
+                                        </p:tav>
+                                        <p:tav tm="100000">
+                                          <p:val>
+                                            <p:fltVal val="0"/>
+                                          </p:val>
+                                        </p:tav>
+                                      </p:tavLst>
+                                    </p:anim>
                                     <p:animEffect transition="in" filter="fade">
                                       <p:cBhvr>
-                                        <p:cTn id="12" dur="500"/>
-                                        <p:tgtEl>
-                                          <p:spTgt spid="3"/>
+                                        <p:cTn id="14" dur="500"/>
+                                        <p:tgtEl>
+                                          <p:spTgt spid="20"/>
                                         </p:tgtEl>
                                       </p:cBhvr>
                                     </p:animEffect>
@@ -5325,36 +7778,27 @@
                             </p:childTnLst>
                           </p:cTn>
                         </p:par>
-                      </p:childTnLst>
-                    </p:cTn>
-                  </p:par>
-                  <p:par>
-                    <p:cTn id="13" fill="hold">
-                      <p:stCondLst>
-                        <p:cond delay="indefinite"/>
-                      </p:stCondLst>
-                      <p:childTnLst>
                         <p:par>
-                          <p:cTn id="14" fill="hold">
+                          <p:cTn id="15" fill="hold">
                             <p:stCondLst>
-                              <p:cond delay="0"/>
+                              <p:cond delay="2500"/>
                             </p:stCondLst>
                             <p:childTnLst>
                               <p:par>
-                                <p:cTn id="15" presetID="10" presetClass="entr" presetSubtype="0" fill="hold" grpId="0" nodeType="clickEffect">
+                                <p:cTn id="16" presetID="26" presetClass="entr" presetSubtype="0" fill="hold" nodeType="afterEffect">
                                   <p:stCondLst>
-                                    <p:cond delay="0"/>
+                                    <p:cond delay="1000"/>
                                   </p:stCondLst>
                                   <p:childTnLst>
                                     <p:set>
                                       <p:cBhvr>
-                                        <p:cTn id="16" dur="1" fill="hold">
+                                        <p:cTn id="17" dur="1" fill="hold">
                                           <p:stCondLst>
                                             <p:cond delay="0"/>
                                           </p:stCondLst>
                                         </p:cTn>
                                         <p:tgtEl>
-                                          <p:spTgt spid="4"/>
+                                          <p:spTgt spid="28"/>
                                         </p:tgtEl>
                                         <p:attrNameLst>
                                           <p:attrName>style.visibility</p:attrName>
@@ -5364,11 +7808,367 @@
                                         <p:strVal val="visible"/>
                                       </p:to>
                                     </p:set>
+                                    <p:animEffect transition="in" filter="wipe(down)">
+                                      <p:cBhvr>
+                                        <p:cTn id="18" dur="290">
+                                          <p:stCondLst>
+                                            <p:cond delay="0"/>
+                                          </p:stCondLst>
+                                        </p:cTn>
+                                        <p:tgtEl>
+                                          <p:spTgt spid="28"/>
+                                        </p:tgtEl>
+                                      </p:cBhvr>
+                                    </p:animEffect>
+                                    <p:anim calcmode="lin" valueType="num">
+                                      <p:cBhvr>
+                                        <p:cTn id="19" dur="911" tmFilter="0,0; 0.14,0.36; 0.43,0.73; 0.71,0.91; 1.0,1.0">
+                                          <p:stCondLst>
+                                            <p:cond delay="0"/>
+                                          </p:stCondLst>
+                                        </p:cTn>
+                                        <p:tgtEl>
+                                          <p:spTgt spid="28"/>
+                                        </p:tgtEl>
+                                        <p:attrNameLst>
+                                          <p:attrName>ppt_x</p:attrName>
+                                        </p:attrNameLst>
+                                      </p:cBhvr>
+                                      <p:tavLst>
+                                        <p:tav tm="0">
+                                          <p:val>
+                                            <p:strVal val="#ppt_x-0.25"/>
+                                          </p:val>
+                                        </p:tav>
+                                        <p:tav tm="100000">
+                                          <p:val>
+                                            <p:strVal val="#ppt_x"/>
+                                          </p:val>
+                                        </p:tav>
+                                      </p:tavLst>
+                                    </p:anim>
+                                    <p:anim calcmode="lin" valueType="num">
+                                      <p:cBhvr>
+                                        <p:cTn id="20" dur="332" tmFilter="0.0,0.0; 0.25,0.07; 0.50,0.2; 0.75,0.467; 1.0,1.0">
+                                          <p:stCondLst>
+                                            <p:cond delay="0"/>
+                                          </p:stCondLst>
+                                        </p:cTn>
+                                        <p:tgtEl>
+                                          <p:spTgt spid="28"/>
+                                        </p:tgtEl>
+                                        <p:attrNameLst>
+                                          <p:attrName>ppt_y</p:attrName>
+                                        </p:attrNameLst>
+                                      </p:cBhvr>
+                                      <p:tavLst>
+                                        <p:tav tm="0" fmla="#ppt_y-sin(pi*$)/3">
+                                          <p:val>
+                                            <p:fltVal val="0.5"/>
+                                          </p:val>
+                                        </p:tav>
+                                        <p:tav tm="100000">
+                                          <p:val>
+                                            <p:fltVal val="1"/>
+                                          </p:val>
+                                        </p:tav>
+                                      </p:tavLst>
+                                    </p:anim>
+                                    <p:anim calcmode="lin" valueType="num">
+                                      <p:cBhvr>
+                                        <p:cTn id="21" dur="332" tmFilter="0, 0; 0.125,0.2665; 0.25,0.4; 0.375,0.465; 0.5,0.5;  0.625,0.535; 0.75,0.6; 0.875,0.7335; 1,1">
+                                          <p:stCondLst>
+                                            <p:cond delay="332"/>
+                                          </p:stCondLst>
+                                        </p:cTn>
+                                        <p:tgtEl>
+                                          <p:spTgt spid="28"/>
+                                        </p:tgtEl>
+                                        <p:attrNameLst>
+                                          <p:attrName>ppt_y</p:attrName>
+                                        </p:attrNameLst>
+                                      </p:cBhvr>
+                                      <p:tavLst>
+                                        <p:tav tm="0" fmla="#ppt_y-sin(pi*$)/9">
+                                          <p:val>
+                                            <p:fltVal val="0"/>
+                                          </p:val>
+                                        </p:tav>
+                                        <p:tav tm="100000">
+                                          <p:val>
+                                            <p:fltVal val="1"/>
+                                          </p:val>
+                                        </p:tav>
+                                      </p:tavLst>
+                                    </p:anim>
+                                    <p:anim calcmode="lin" valueType="num">
+                                      <p:cBhvr>
+                                        <p:cTn id="22" dur="166" tmFilter="0, 0; 0.125,0.2665; 0.25,0.4; 0.375,0.465; 0.5,0.5;  0.625,0.535; 0.75,0.6; 0.875,0.7335; 1,1">
+                                          <p:stCondLst>
+                                            <p:cond delay="662"/>
+                                          </p:stCondLst>
+                                        </p:cTn>
+                                        <p:tgtEl>
+                                          <p:spTgt spid="28"/>
+                                        </p:tgtEl>
+                                        <p:attrNameLst>
+                                          <p:attrName>ppt_y</p:attrName>
+                                        </p:attrNameLst>
+                                      </p:cBhvr>
+                                      <p:tavLst>
+                                        <p:tav tm="0" fmla="#ppt_y-sin(pi*$)/27">
+                                          <p:val>
+                                            <p:fltVal val="0"/>
+                                          </p:val>
+                                        </p:tav>
+                                        <p:tav tm="100000">
+                                          <p:val>
+                                            <p:fltVal val="1"/>
+                                          </p:val>
+                                        </p:tav>
+                                      </p:tavLst>
+                                    </p:anim>
+                                    <p:anim calcmode="lin" valueType="num">
+                                      <p:cBhvr>
+                                        <p:cTn id="23" dur="82" tmFilter="0, 0; 0.125,0.2665; 0.25,0.4; 0.375,0.465; 0.5,0.5;  0.625,0.535; 0.75,0.6; 0.875,0.7335; 1,1">
+                                          <p:stCondLst>
+                                            <p:cond delay="828"/>
+                                          </p:stCondLst>
+                                        </p:cTn>
+                                        <p:tgtEl>
+                                          <p:spTgt spid="28"/>
+                                        </p:tgtEl>
+                                        <p:attrNameLst>
+                                          <p:attrName>ppt_y</p:attrName>
+                                        </p:attrNameLst>
+                                      </p:cBhvr>
+                                      <p:tavLst>
+                                        <p:tav tm="0" fmla="#ppt_y-sin(pi*$)/81">
+                                          <p:val>
+                                            <p:fltVal val="0"/>
+                                          </p:val>
+                                        </p:tav>
+                                        <p:tav tm="100000">
+                                          <p:val>
+                                            <p:fltVal val="1"/>
+                                          </p:val>
+                                        </p:tav>
+                                      </p:tavLst>
+                                    </p:anim>
+                                    <p:animScale>
+                                      <p:cBhvr>
+                                        <p:cTn id="24" dur="13">
+                                          <p:stCondLst>
+                                            <p:cond delay="325"/>
+                                          </p:stCondLst>
+                                        </p:cTn>
+                                        <p:tgtEl>
+                                          <p:spTgt spid="28"/>
+                                        </p:tgtEl>
+                                      </p:cBhvr>
+                                      <p:to x="100000" y="60000"/>
+                                    </p:animScale>
+                                    <p:animScale>
+                                      <p:cBhvr>
+                                        <p:cTn id="25" dur="83" decel="50000">
+                                          <p:stCondLst>
+                                            <p:cond delay="338"/>
+                                          </p:stCondLst>
+                                        </p:cTn>
+                                        <p:tgtEl>
+                                          <p:spTgt spid="28"/>
+                                        </p:tgtEl>
+                                      </p:cBhvr>
+                                      <p:to x="100000" y="100000"/>
+                                    </p:animScale>
+                                    <p:animScale>
+                                      <p:cBhvr>
+                                        <p:cTn id="26" dur="13">
+                                          <p:stCondLst>
+                                            <p:cond delay="656"/>
+                                          </p:stCondLst>
+                                        </p:cTn>
+                                        <p:tgtEl>
+                                          <p:spTgt spid="28"/>
+                                        </p:tgtEl>
+                                      </p:cBhvr>
+                                      <p:to x="100000" y="80000"/>
+                                    </p:animScale>
+                                    <p:animScale>
+                                      <p:cBhvr>
+                                        <p:cTn id="27" dur="83" decel="50000">
+                                          <p:stCondLst>
+                                            <p:cond delay="669"/>
+                                          </p:stCondLst>
+                                        </p:cTn>
+                                        <p:tgtEl>
+                                          <p:spTgt spid="28"/>
+                                        </p:tgtEl>
+                                      </p:cBhvr>
+                                      <p:to x="100000" y="100000"/>
+                                    </p:animScale>
+                                    <p:animScale>
+                                      <p:cBhvr>
+                                        <p:cTn id="28" dur="13">
+                                          <p:stCondLst>
+                                            <p:cond delay="821"/>
+                                          </p:stCondLst>
+                                        </p:cTn>
+                                        <p:tgtEl>
+                                          <p:spTgt spid="28"/>
+                                        </p:tgtEl>
+                                      </p:cBhvr>
+                                      <p:to x="100000" y="90000"/>
+                                    </p:animScale>
+                                    <p:animScale>
+                                      <p:cBhvr>
+                                        <p:cTn id="29" dur="83" decel="50000">
+                                          <p:stCondLst>
+                                            <p:cond delay="834"/>
+                                          </p:stCondLst>
+                                        </p:cTn>
+                                        <p:tgtEl>
+                                          <p:spTgt spid="28"/>
+                                        </p:tgtEl>
+                                      </p:cBhvr>
+                                      <p:to x="100000" y="100000"/>
+                                    </p:animScale>
+                                    <p:animScale>
+                                      <p:cBhvr>
+                                        <p:cTn id="30" dur="13">
+                                          <p:stCondLst>
+                                            <p:cond delay="904"/>
+                                          </p:stCondLst>
+                                        </p:cTn>
+                                        <p:tgtEl>
+                                          <p:spTgt spid="28"/>
+                                        </p:tgtEl>
+                                      </p:cBhvr>
+                                      <p:to x="100000" y="95000"/>
+                                    </p:animScale>
+                                    <p:animScale>
+                                      <p:cBhvr>
+                                        <p:cTn id="31" dur="83" decel="50000">
+                                          <p:stCondLst>
+                                            <p:cond delay="917"/>
+                                          </p:stCondLst>
+                                        </p:cTn>
+                                        <p:tgtEl>
+                                          <p:spTgt spid="28"/>
+                                        </p:tgtEl>
+                                      </p:cBhvr>
+                                      <p:to x="100000" y="100000"/>
+                                    </p:animScale>
+                                  </p:childTnLst>
+                                </p:cTn>
+                              </p:par>
+                            </p:childTnLst>
+                          </p:cTn>
+                        </p:par>
+                        <p:par>
+                          <p:cTn id="32" fill="hold">
+                            <p:stCondLst>
+                              <p:cond delay="4500"/>
+                            </p:stCondLst>
+                            <p:childTnLst>
+                              <p:par>
+                                <p:cTn id="33" presetID="31" presetClass="entr" presetSubtype="0" fill="hold" nodeType="afterEffect">
+                                  <p:stCondLst>
+                                    <p:cond delay="1000"/>
+                                  </p:stCondLst>
+                                  <p:childTnLst>
+                                    <p:set>
+                                      <p:cBhvr>
+                                        <p:cTn id="34" dur="1" fill="hold">
+                                          <p:stCondLst>
+                                            <p:cond delay="0"/>
+                                          </p:stCondLst>
+                                        </p:cTn>
+                                        <p:tgtEl>
+                                          <p:spTgt spid="22"/>
+                                        </p:tgtEl>
+                                        <p:attrNameLst>
+                                          <p:attrName>style.visibility</p:attrName>
+                                        </p:attrNameLst>
+                                      </p:cBhvr>
+                                      <p:to>
+                                        <p:strVal val="visible"/>
+                                      </p:to>
+                                    </p:set>
+                                    <p:anim calcmode="lin" valueType="num">
+                                      <p:cBhvr>
+                                        <p:cTn id="35" dur="500" fill="hold"/>
+                                        <p:tgtEl>
+                                          <p:spTgt spid="22"/>
+                                        </p:tgtEl>
+                                        <p:attrNameLst>
+                                          <p:attrName>ppt_w</p:attrName>
+                                        </p:attrNameLst>
+                                      </p:cBhvr>
+                                      <p:tavLst>
+                                        <p:tav tm="0">
+                                          <p:val>
+                                            <p:fltVal val="0"/>
+                                          </p:val>
+                                        </p:tav>
+                                        <p:tav tm="100000">
+                                          <p:val>
+                                            <p:strVal val="#ppt_w"/>
+                                          </p:val>
+                                        </p:tav>
+                                      </p:tavLst>
+                                    </p:anim>
+                                    <p:anim calcmode="lin" valueType="num">
+                                      <p:cBhvr>
+                                        <p:cTn id="36" dur="500" fill="hold"/>
+                                        <p:tgtEl>
+                                          <p:spTgt spid="22"/>
+                                        </p:tgtEl>
+                                        <p:attrNameLst>
+                                          <p:attrName>ppt_h</p:attrName>
+                                        </p:attrNameLst>
+                                      </p:cBhvr>
+                                      <p:tavLst>
+                                        <p:tav tm="0">
+                                          <p:val>
+                                            <p:fltVal val="0"/>
+                                          </p:val>
+                                        </p:tav>
+                                        <p:tav tm="100000">
+                                          <p:val>
+                                            <p:strVal val="#ppt_h"/>
+                                          </p:val>
+                                        </p:tav>
+                                      </p:tavLst>
+                                    </p:anim>
+                                    <p:anim calcmode="lin" valueType="num">
+                                      <p:cBhvr>
+                                        <p:cTn id="37" dur="500" fill="hold"/>
+                                        <p:tgtEl>
+                                          <p:spTgt spid="22"/>
+                                        </p:tgtEl>
+                                        <p:attrNameLst>
+                                          <p:attrName>style.rotation</p:attrName>
+                                        </p:attrNameLst>
+                                      </p:cBhvr>
+                                      <p:tavLst>
+                                        <p:tav tm="0">
+                                          <p:val>
+                                            <p:fltVal val="90"/>
+                                          </p:val>
+                                        </p:tav>
+                                        <p:tav tm="100000">
+                                          <p:val>
+                                            <p:fltVal val="0"/>
+                                          </p:val>
+                                        </p:tav>
+                                      </p:tavLst>
+                                    </p:anim>
                                     <p:animEffect transition="in" filter="fade">
                                       <p:cBhvr>
-                                        <p:cTn id="17" dur="500"/>
-                                        <p:tgtEl>
-                                          <p:spTgt spid="4"/>
+                                        <p:cTn id="38" dur="500"/>
+                                        <p:tgtEl>
+                                          <p:spTgt spid="22"/>
                                         </p:tgtEl>
                                       </p:cBhvr>
                                     </p:animEffect>
@@ -5378,36 +8178,27 @@
                             </p:childTnLst>
                           </p:cTn>
                         </p:par>
-                      </p:childTnLst>
-                    </p:cTn>
-                  </p:par>
-                  <p:par>
-                    <p:cTn id="18" fill="hold">
-                      <p:stCondLst>
-                        <p:cond delay="indefinite"/>
-                      </p:stCondLst>
-                      <p:childTnLst>
                         <p:par>
-                          <p:cTn id="19" fill="hold">
+                          <p:cTn id="39" fill="hold">
                             <p:stCondLst>
-                              <p:cond delay="0"/>
+                              <p:cond delay="6000"/>
                             </p:stCondLst>
                             <p:childTnLst>
                               <p:par>
-                                <p:cTn id="20" presetID="10" presetClass="entr" presetSubtype="0" fill="hold" grpId="0" nodeType="clickEffect">
+                                <p:cTn id="40" presetID="31" presetClass="entr" presetSubtype="0" fill="hold" nodeType="afterEffect">
                                   <p:stCondLst>
-                                    <p:cond delay="0"/>
+                                    <p:cond delay="500"/>
                                   </p:stCondLst>
                                   <p:childTnLst>
                                     <p:set>
                                       <p:cBhvr>
-                                        <p:cTn id="21" dur="1" fill="hold">
+                                        <p:cTn id="41" dur="1" fill="hold">
                                           <p:stCondLst>
                                             <p:cond delay="0"/>
                                           </p:stCondLst>
                                         </p:cTn>
                                         <p:tgtEl>
-                                          <p:spTgt spid="5"/>
+                                          <p:spTgt spid="26"/>
                                         </p:tgtEl>
                                         <p:attrNameLst>
                                           <p:attrName>style.visibility</p:attrName>
@@ -5417,11 +8208,193 @@
                                         <p:strVal val="visible"/>
                                       </p:to>
                                     </p:set>
+                                    <p:anim calcmode="lin" valueType="num">
+                                      <p:cBhvr>
+                                        <p:cTn id="42" dur="500" fill="hold"/>
+                                        <p:tgtEl>
+                                          <p:spTgt spid="26"/>
+                                        </p:tgtEl>
+                                        <p:attrNameLst>
+                                          <p:attrName>ppt_w</p:attrName>
+                                        </p:attrNameLst>
+                                      </p:cBhvr>
+                                      <p:tavLst>
+                                        <p:tav tm="0">
+                                          <p:val>
+                                            <p:fltVal val="0"/>
+                                          </p:val>
+                                        </p:tav>
+                                        <p:tav tm="100000">
+                                          <p:val>
+                                            <p:strVal val="#ppt_w"/>
+                                          </p:val>
+                                        </p:tav>
+                                      </p:tavLst>
+                                    </p:anim>
+                                    <p:anim calcmode="lin" valueType="num">
+                                      <p:cBhvr>
+                                        <p:cTn id="43" dur="500" fill="hold"/>
+                                        <p:tgtEl>
+                                          <p:spTgt spid="26"/>
+                                        </p:tgtEl>
+                                        <p:attrNameLst>
+                                          <p:attrName>ppt_h</p:attrName>
+                                        </p:attrNameLst>
+                                      </p:cBhvr>
+                                      <p:tavLst>
+                                        <p:tav tm="0">
+                                          <p:val>
+                                            <p:fltVal val="0"/>
+                                          </p:val>
+                                        </p:tav>
+                                        <p:tav tm="100000">
+                                          <p:val>
+                                            <p:strVal val="#ppt_h"/>
+                                          </p:val>
+                                        </p:tav>
+                                      </p:tavLst>
+                                    </p:anim>
+                                    <p:anim calcmode="lin" valueType="num">
+                                      <p:cBhvr>
+                                        <p:cTn id="44" dur="500" fill="hold"/>
+                                        <p:tgtEl>
+                                          <p:spTgt spid="26"/>
+                                        </p:tgtEl>
+                                        <p:attrNameLst>
+                                          <p:attrName>style.rotation</p:attrName>
+                                        </p:attrNameLst>
+                                      </p:cBhvr>
+                                      <p:tavLst>
+                                        <p:tav tm="0">
+                                          <p:val>
+                                            <p:fltVal val="90"/>
+                                          </p:val>
+                                        </p:tav>
+                                        <p:tav tm="100000">
+                                          <p:val>
+                                            <p:fltVal val="0"/>
+                                          </p:val>
+                                        </p:tav>
+                                      </p:tavLst>
+                                    </p:anim>
                                     <p:animEffect transition="in" filter="fade">
                                       <p:cBhvr>
-                                        <p:cTn id="22" dur="500"/>
-                                        <p:tgtEl>
-                                          <p:spTgt spid="5"/>
+                                        <p:cTn id="45" dur="500"/>
+                                        <p:tgtEl>
+                                          <p:spTgt spid="26"/>
+                                        </p:tgtEl>
+                                      </p:cBhvr>
+                                    </p:animEffect>
+                                  </p:childTnLst>
+                                </p:cTn>
+                              </p:par>
+                            </p:childTnLst>
+                          </p:cTn>
+                        </p:par>
+                        <p:par>
+                          <p:cTn id="46" fill="hold">
+                            <p:stCondLst>
+                              <p:cond delay="7000"/>
+                            </p:stCondLst>
+                            <p:childTnLst>
+                              <p:par>
+                                <p:cTn id="47" presetID="31" presetClass="entr" presetSubtype="0" fill="hold" nodeType="afterEffect">
+                                  <p:stCondLst>
+                                    <p:cond delay="500"/>
+                                  </p:stCondLst>
+                                  <p:childTnLst>
+                                    <p:set>
+                                      <p:cBhvr>
+                                        <p:cTn id="48" dur="1" fill="hold">
+                                          <p:stCondLst>
+                                            <p:cond delay="0"/>
+                                          </p:stCondLst>
+                                        </p:cTn>
+                                        <p:tgtEl>
+                                          <p:spTgt spid="24"/>
+                                        </p:tgtEl>
+                                        <p:attrNameLst>
+                                          <p:attrName>style.visibility</p:attrName>
+                                        </p:attrNameLst>
+                                      </p:cBhvr>
+                                      <p:to>
+                                        <p:strVal val="visible"/>
+                                      </p:to>
+                                    </p:set>
+                                    <p:anim calcmode="lin" valueType="num">
+                                      <p:cBhvr>
+                                        <p:cTn id="49" dur="500" fill="hold"/>
+                                        <p:tgtEl>
+                                          <p:spTgt spid="24"/>
+                                        </p:tgtEl>
+                                        <p:attrNameLst>
+                                          <p:attrName>ppt_w</p:attrName>
+                                        </p:attrNameLst>
+                                      </p:cBhvr>
+                                      <p:tavLst>
+                                        <p:tav tm="0">
+                                          <p:val>
+                                            <p:fltVal val="0"/>
+                                          </p:val>
+                                        </p:tav>
+                                        <p:tav tm="100000">
+                                          <p:val>
+                                            <p:strVal val="#ppt_w"/>
+                                          </p:val>
+                                        </p:tav>
+                                      </p:tavLst>
+                                    </p:anim>
+                                    <p:anim calcmode="lin" valueType="num">
+                                      <p:cBhvr>
+                                        <p:cTn id="50" dur="500" fill="hold"/>
+                                        <p:tgtEl>
+                                          <p:spTgt spid="24"/>
+                                        </p:tgtEl>
+                                        <p:attrNameLst>
+                                          <p:attrName>ppt_h</p:attrName>
+                                        </p:attrNameLst>
+                                      </p:cBhvr>
+                                      <p:tavLst>
+                                        <p:tav tm="0">
+                                          <p:val>
+                                            <p:fltVal val="0"/>
+                                          </p:val>
+                                        </p:tav>
+                                        <p:tav tm="100000">
+                                          <p:val>
+                                            <p:strVal val="#ppt_h"/>
+                                          </p:val>
+                                        </p:tav>
+                                      </p:tavLst>
+                                    </p:anim>
+                                    <p:anim calcmode="lin" valueType="num">
+                                      <p:cBhvr>
+                                        <p:cTn id="51" dur="500" fill="hold"/>
+                                        <p:tgtEl>
+                                          <p:spTgt spid="24"/>
+                                        </p:tgtEl>
+                                        <p:attrNameLst>
+                                          <p:attrName>style.rotation</p:attrName>
+                                        </p:attrNameLst>
+                                      </p:cBhvr>
+                                      <p:tavLst>
+                                        <p:tav tm="0">
+                                          <p:val>
+                                            <p:fltVal val="90"/>
+                                          </p:val>
+                                        </p:tav>
+                                        <p:tav tm="100000">
+                                          <p:val>
+                                            <p:fltVal val="0"/>
+                                          </p:val>
+                                        </p:tav>
+                                      </p:tavLst>
+                                    </p:anim>
+                                    <p:animEffect transition="in" filter="fade">
+                                      <p:cBhvr>
+                                        <p:cTn id="52" dur="500"/>
+                                        <p:tgtEl>
+                                          <p:spTgt spid="24"/>
                                         </p:tgtEl>
                                       </p:cBhvr>
                                     </p:animEffect>
@@ -5455,12 +8428,6 @@
         </p:cTn>
       </p:par>
     </p:tnLst>
-    <p:bldLst>
-      <p:bldP spid="2" grpId="0"/>
-      <p:bldP spid="3" grpId="0"/>
-      <p:bldP spid="4" grpId="0"/>
-      <p:bldP spid="5" grpId="0"/>
-    </p:bldLst>
   </p:timing>
 </p:sld>
 </file>
@@ -5484,10 +8451,10 @@
       </p:grpSpPr>
       <p:sp>
         <p:nvSpPr>
-          <p:cNvPr id="4" name="標題 3">
+          <p:cNvPr id="2" name="標題 1">
             <a:extLst>
               <a:ext uri="{FF2B5EF4-FFF2-40B4-BE49-F238E27FC236}">
-                <a16:creationId xmlns:a16="http://schemas.microsoft.com/office/drawing/2014/main" id="{13B3A1F1-F101-44BE-A57B-87E529848128}"/>
+                <a16:creationId xmlns:a16="http://schemas.microsoft.com/office/drawing/2014/main" id="{BAD1E4E4-AEE8-324D-B6D8-D8328EC710D7}"/>
               </a:ext>
             </a:extLst>
           </p:cNvPr>
@@ -5498,12 +8465,7 @@
             <p:ph type="title"/>
           </p:nvPr>
         </p:nvSpPr>
-        <p:spPr>
-          <a:xfrm>
-            <a:off x="1371600" y="685800"/>
-            <a:ext cx="9601200" cy="1485900"/>
-          </a:xfrm>
-        </p:spPr>
+        <p:spPr/>
         <p:txBody>
           <a:bodyPr>
             <a:normAutofit/>
@@ -5511,18 +8473,20 @@
           <a:lstStyle/>
           <a:p>
             <a:r>
-              <a:rPr lang="zh-TW" altLang="en-US" sz="6600" dirty="0"/>
-              <a:t>程式碼介紹</a:t>
-            </a:r>
-          </a:p>
-        </p:txBody>
-      </p:sp>
-      <p:sp>
-        <p:nvSpPr>
-          <p:cNvPr id="5" name="內容版面配置區 4">
+              <a:rPr kumimoji="1" lang="zh-TW" altLang="en-US" sz="6600" dirty="0">
+                <a:latin typeface="+mj-ea"/>
+              </a:rPr>
+              <a:t>設計理念</a:t>
+            </a:r>
+          </a:p>
+        </p:txBody>
+      </p:sp>
+      <p:sp>
+        <p:nvSpPr>
+          <p:cNvPr id="3" name="內容版面配置區 2">
             <a:extLst>
               <a:ext uri="{FF2B5EF4-FFF2-40B4-BE49-F238E27FC236}">
-                <a16:creationId xmlns:a16="http://schemas.microsoft.com/office/drawing/2014/main" id="{2BD2B504-814B-4B4F-AE7F-7D20F2AEFB7B}"/>
+                <a16:creationId xmlns:a16="http://schemas.microsoft.com/office/drawing/2014/main" id="{7A2FD115-AD87-814C-9E33-E30FF2B9A0EC}"/>
               </a:ext>
             </a:extLst>
           </p:cNvPr>
@@ -5535,8 +8499,8 @@
         </p:nvSpPr>
         <p:spPr>
           <a:xfrm>
-            <a:off x="1371600" y="2076450"/>
-            <a:ext cx="9601200" cy="4095750"/>
+            <a:off x="1371600" y="2171700"/>
+            <a:ext cx="3327009" cy="4186897"/>
           </a:xfrm>
         </p:spPr>
         <p:txBody>
@@ -5551,98 +8515,260 @@
               </a:lnSpc>
             </a:pPr>
             <a:r>
-              <a:rPr lang="zh-TW" altLang="en-US" sz="4000" dirty="0"/>
-              <a:t>我們以</a:t>
-            </a:r>
-            <a:r>
-              <a:rPr lang="en-US" altLang="zh-TW" sz="4000" dirty="0" err="1"/>
-              <a:t>Tkinter</a:t>
-            </a:r>
-            <a:r>
-              <a:rPr lang="zh-TW" altLang="en-US" sz="4000" dirty="0"/>
-              <a:t>、</a:t>
-            </a:r>
-            <a:r>
-              <a:rPr lang="en-US" altLang="zh-TW" sz="4000" dirty="0"/>
-              <a:t>CSV</a:t>
-            </a:r>
-            <a:r>
-              <a:rPr lang="zh-TW" altLang="en-US" sz="4000" dirty="0"/>
-              <a:t>及</a:t>
-            </a:r>
-            <a:r>
-              <a:rPr lang="en-US" altLang="zh-TW" sz="4000" dirty="0"/>
-              <a:t>datetime</a:t>
-            </a:r>
-            <a:r>
-              <a:rPr lang="zh-TW" altLang="en-US" sz="4000" dirty="0"/>
-              <a:t>為主</a:t>
-            </a:r>
-            <a:endParaRPr lang="en-US" altLang="zh-TW" sz="4000" dirty="0"/>
-          </a:p>
-          <a:p>
-            <a:pPr lvl="1">
+              <a:rPr kumimoji="1" lang="zh-TW" altLang="en-US" sz="3200" dirty="0">
+                <a:latin typeface="+mn-ea"/>
+              </a:rPr>
+              <a:t>通常裡面長成這樣子：</a:t>
+            </a:r>
+            <a:endParaRPr kumimoji="1" lang="en-US" altLang="zh-TW" sz="3200" dirty="0">
+              <a:latin typeface="+mn-ea"/>
+            </a:endParaRPr>
+          </a:p>
+          <a:p>
+            <a:pPr>
               <a:lnSpc>
                 <a:spcPct val="150000"/>
               </a:lnSpc>
-              <a:buFont typeface="Wingdings" panose="05000000000000000000" pitchFamily="2" charset="2"/>
-              <a:buChar char="l"/>
             </a:pPr>
             <a:r>
-              <a:rPr lang="en-US" altLang="zh-TW" sz="3200" i="0" dirty="0" err="1"/>
-              <a:t>Tkinter</a:t>
-            </a:r>
-            <a:r>
-              <a:rPr lang="en-US" altLang="zh-TW" sz="3200" i="0" dirty="0"/>
-              <a:t>→</a:t>
-            </a:r>
-            <a:r>
-              <a:rPr lang="zh-TW" altLang="en-US" sz="3200" i="0" dirty="0"/>
-              <a:t>設計程式介面</a:t>
-            </a:r>
-            <a:endParaRPr lang="en-US" altLang="zh-TW" sz="3200" dirty="0"/>
-          </a:p>
-          <a:p>
-            <a:pPr lvl="1">
+              <a:rPr kumimoji="1" lang="zh-TW" altLang="en-US" sz="3200" dirty="0">
+                <a:latin typeface="+mn-ea"/>
+              </a:rPr>
+              <a:t>有什麼難的？</a:t>
+            </a:r>
+            <a:endParaRPr kumimoji="1" lang="en-US" altLang="zh-TW" sz="3200" dirty="0">
+              <a:latin typeface="+mn-ea"/>
+            </a:endParaRPr>
+          </a:p>
+          <a:p>
+            <a:pPr>
               <a:lnSpc>
                 <a:spcPct val="150000"/>
               </a:lnSpc>
-              <a:buFont typeface="Wingdings" panose="05000000000000000000" pitchFamily="2" charset="2"/>
-              <a:buChar char="l"/>
             </a:pPr>
             <a:r>
-              <a:rPr lang="en-US" altLang="zh-TW" sz="3200" i="0" dirty="0"/>
-              <a:t>CSV →</a:t>
-            </a:r>
-            <a:r>
-              <a:rPr lang="zh-TW" altLang="en-US" sz="3200" i="0" dirty="0"/>
-              <a:t>讀檔用（可線上抓檔）</a:t>
-            </a:r>
-            <a:endParaRPr lang="en-US" altLang="zh-TW" sz="3200" dirty="0"/>
-          </a:p>
-          <a:p>
-            <a:pPr lvl="1">
-              <a:lnSpc>
-                <a:spcPct val="150000"/>
-              </a:lnSpc>
-              <a:buFont typeface="Wingdings" panose="05000000000000000000" pitchFamily="2" charset="2"/>
-              <a:buChar char="l"/>
-            </a:pPr>
-            <a:r>
-              <a:rPr lang="en-US" altLang="zh-TW" sz="3200" i="0" dirty="0"/>
-              <a:t>Datetime →</a:t>
-            </a:r>
-            <a:r>
-              <a:rPr lang="zh-TW" altLang="en-US" sz="3200" i="0" dirty="0"/>
-              <a:t>描繪股市圖表</a:t>
-            </a:r>
+              <a:rPr kumimoji="1" lang="zh-TW" altLang="en-US" sz="3200" dirty="0">
+                <a:latin typeface="+mn-ea"/>
+              </a:rPr>
+              <a:t>不就一堆</a:t>
+            </a:r>
+            <a:r>
+              <a:rPr kumimoji="1" lang="en-US" altLang="zh-TW" sz="3200" dirty="0">
+                <a:latin typeface="+mn-ea"/>
+              </a:rPr>
+              <a:t>if else</a:t>
+            </a:r>
+            <a:r>
+              <a:rPr kumimoji="1" lang="zh-CN" altLang="en-US" sz="3200" dirty="0">
+                <a:latin typeface="Microsoft JhengHei" panose="020B0604030504040204" pitchFamily="34" charset="-120"/>
+                <a:ea typeface="Microsoft JhengHei" panose="020B0604030504040204" pitchFamily="34" charset="-120"/>
+              </a:rPr>
+              <a:t>而已？</a:t>
+            </a:r>
+            <a:endParaRPr kumimoji="1" lang="zh-TW" altLang="en-US" sz="3200" dirty="0">
+              <a:latin typeface="Microsoft JhengHei" panose="020B0604030504040204" pitchFamily="34" charset="-120"/>
+              <a:ea typeface="Microsoft JhengHei" panose="020B0604030504040204" pitchFamily="34" charset="-120"/>
+            </a:endParaRPr>
+          </a:p>
+        </p:txBody>
+      </p:sp>
+      <p:pic>
+        <p:nvPicPr>
+          <p:cNvPr id="6" name="圖片 5">
+            <a:extLst>
+              <a:ext uri="{FF2B5EF4-FFF2-40B4-BE49-F238E27FC236}">
+                <a16:creationId xmlns:a16="http://schemas.microsoft.com/office/drawing/2014/main" id="{C58DED14-AB3D-E247-B55C-2B119D331974}"/>
+              </a:ext>
+            </a:extLst>
+          </p:cNvPr>
+          <p:cNvPicPr>
+            <a:picLocks noChangeAspect="1"/>
+          </p:cNvPicPr>
+          <p:nvPr/>
+        </p:nvPicPr>
+        <p:blipFill>
+          <a:blip r:embed="rId3"/>
+          <a:stretch>
+            <a:fillRect/>
+          </a:stretch>
+        </p:blipFill>
+        <p:spPr>
+          <a:xfrm>
+            <a:off x="4839285" y="2163141"/>
+            <a:ext cx="6791471" cy="3889951"/>
+          </a:xfrm>
+          <a:prstGeom prst="rect">
+            <a:avLst/>
+          </a:prstGeom>
+          <a:ln>
+            <a:solidFill>
+              <a:schemeClr val="accent1">
+                <a:shade val="50000"/>
+              </a:schemeClr>
+            </a:solidFill>
+          </a:ln>
+        </p:spPr>
+      </p:pic>
+      <p:sp>
+        <p:nvSpPr>
+          <p:cNvPr id="7" name="矩形 6">
+            <a:extLst>
+              <a:ext uri="{FF2B5EF4-FFF2-40B4-BE49-F238E27FC236}">
+                <a16:creationId xmlns:a16="http://schemas.microsoft.com/office/drawing/2014/main" id="{532A6DBD-D077-C246-A256-7AD492F9BCA0}"/>
+              </a:ext>
+            </a:extLst>
+          </p:cNvPr>
+          <p:cNvSpPr/>
+          <p:nvPr/>
+        </p:nvSpPr>
+        <p:spPr>
+          <a:xfrm>
+            <a:off x="4951827" y="3305907"/>
+            <a:ext cx="3671668" cy="351693"/>
+          </a:xfrm>
+          <a:prstGeom prst="rect">
+            <a:avLst/>
+          </a:prstGeom>
+          <a:noFill/>
+          <a:ln w="66675">
+            <a:solidFill>
+              <a:srgbClr val="92D050"/>
+            </a:solidFill>
+          </a:ln>
+        </p:spPr>
+        <p:style>
+          <a:lnRef idx="2">
+            <a:schemeClr val="accent1">
+              <a:shade val="50000"/>
+            </a:schemeClr>
+          </a:lnRef>
+          <a:fillRef idx="1">
+            <a:schemeClr val="accent1"/>
+          </a:fillRef>
+          <a:effectRef idx="0">
+            <a:schemeClr val="accent1"/>
+          </a:effectRef>
+          <a:fontRef idx="minor">
+            <a:schemeClr val="lt1"/>
+          </a:fontRef>
+        </p:style>
+        <p:txBody>
+          <a:bodyPr rtlCol="0" anchor="ctr"/>
+          <a:lstStyle/>
+          <a:p>
+            <a:pPr algn="ctr"/>
+            <a:endParaRPr kumimoji="1" lang="zh-TW" altLang="en-US"/>
+          </a:p>
+        </p:txBody>
+      </p:sp>
+      <p:sp>
+        <p:nvSpPr>
+          <p:cNvPr id="8" name="矩形 7">
+            <a:extLst>
+              <a:ext uri="{FF2B5EF4-FFF2-40B4-BE49-F238E27FC236}">
+                <a16:creationId xmlns:a16="http://schemas.microsoft.com/office/drawing/2014/main" id="{A7B911C9-4B62-1C43-8A8B-07385F25F1B1}"/>
+              </a:ext>
+            </a:extLst>
+          </p:cNvPr>
+          <p:cNvSpPr/>
+          <p:nvPr/>
+        </p:nvSpPr>
+        <p:spPr>
+          <a:xfrm>
+            <a:off x="4951827" y="4265148"/>
+            <a:ext cx="3671668" cy="351693"/>
+          </a:xfrm>
+          <a:prstGeom prst="rect">
+            <a:avLst/>
+          </a:prstGeom>
+          <a:noFill/>
+          <a:ln w="66675">
+            <a:solidFill>
+              <a:srgbClr val="92D050"/>
+            </a:solidFill>
+          </a:ln>
+        </p:spPr>
+        <p:style>
+          <a:lnRef idx="2">
+            <a:schemeClr val="accent1">
+              <a:shade val="50000"/>
+            </a:schemeClr>
+          </a:lnRef>
+          <a:fillRef idx="1">
+            <a:schemeClr val="accent1"/>
+          </a:fillRef>
+          <a:effectRef idx="0">
+            <a:schemeClr val="accent1"/>
+          </a:effectRef>
+          <a:fontRef idx="minor">
+            <a:schemeClr val="lt1"/>
+          </a:fontRef>
+        </p:style>
+        <p:txBody>
+          <a:bodyPr rtlCol="0" anchor="ctr"/>
+          <a:lstStyle/>
+          <a:p>
+            <a:pPr algn="ctr"/>
+            <a:endParaRPr kumimoji="1" lang="zh-TW" altLang="en-US"/>
+          </a:p>
+        </p:txBody>
+      </p:sp>
+      <p:sp>
+        <p:nvSpPr>
+          <p:cNvPr id="9" name="矩形 8">
+            <a:extLst>
+              <a:ext uri="{FF2B5EF4-FFF2-40B4-BE49-F238E27FC236}">
+                <a16:creationId xmlns:a16="http://schemas.microsoft.com/office/drawing/2014/main" id="{E9ADCBC8-1593-6448-8566-01CFA0AB2E28}"/>
+              </a:ext>
+            </a:extLst>
+          </p:cNvPr>
+          <p:cNvSpPr/>
+          <p:nvPr/>
+        </p:nvSpPr>
+        <p:spPr>
+          <a:xfrm>
+            <a:off x="4951827" y="5709958"/>
+            <a:ext cx="1392702" cy="351693"/>
+          </a:xfrm>
+          <a:prstGeom prst="rect">
+            <a:avLst/>
+          </a:prstGeom>
+          <a:noFill/>
+          <a:ln w="66675">
+            <a:solidFill>
+              <a:srgbClr val="92D050"/>
+            </a:solidFill>
+          </a:ln>
+        </p:spPr>
+        <p:style>
+          <a:lnRef idx="2">
+            <a:schemeClr val="accent1">
+              <a:shade val="50000"/>
+            </a:schemeClr>
+          </a:lnRef>
+          <a:fillRef idx="1">
+            <a:schemeClr val="accent1"/>
+          </a:fillRef>
+          <a:effectRef idx="0">
+            <a:schemeClr val="accent1"/>
+          </a:effectRef>
+          <a:fontRef idx="minor">
+            <a:schemeClr val="lt1"/>
+          </a:fontRef>
+        </p:style>
+        <p:txBody>
+          <a:bodyPr rtlCol="0" anchor="ctr"/>
+          <a:lstStyle/>
+          <a:p>
+            <a:pPr algn="ctr"/>
+            <a:endParaRPr kumimoji="1" lang="zh-TW" altLang="en-US"/>
           </a:p>
         </p:txBody>
       </p:sp>
     </p:spTree>
     <p:extLst>
       <p:ext uri="{BB962C8B-B14F-4D97-AF65-F5344CB8AC3E}">
-        <p14:creationId xmlns:p14="http://schemas.microsoft.com/office/powerpoint/2010/main" val="3691050724"/>
+        <p14:creationId xmlns:p14="http://schemas.microsoft.com/office/powerpoint/2010/main" val="1604833255"/>
       </p:ext>
     </p:extLst>
   </p:cSld>
@@ -5652,6 +8778,1135 @@
   <p:transition spd="slow">
     <p:push dir="u"/>
   </p:transition>
+  <p:timing>
+    <p:tnLst>
+      <p:par>
+        <p:cTn id="1" dur="indefinite" restart="never" nodeType="tmRoot">
+          <p:childTnLst>
+            <p:seq concurrent="1" nextAc="seek">
+              <p:cTn id="2" dur="indefinite" nodeType="mainSeq">
+                <p:childTnLst>
+                  <p:par>
+                    <p:cTn id="3" fill="hold">
+                      <p:stCondLst>
+                        <p:cond delay="indefinite"/>
+                      </p:stCondLst>
+                      <p:childTnLst>
+                        <p:par>
+                          <p:cTn id="4" fill="hold">
+                            <p:stCondLst>
+                              <p:cond delay="0"/>
+                            </p:stCondLst>
+                            <p:childTnLst>
+                              <p:par>
+                                <p:cTn id="5" presetID="37" presetClass="entr" presetSubtype="0" fill="hold" grpId="0" nodeType="clickEffect">
+                                  <p:stCondLst>
+                                    <p:cond delay="0"/>
+                                  </p:stCondLst>
+                                  <p:childTnLst>
+                                    <p:set>
+                                      <p:cBhvr>
+                                        <p:cTn id="6" dur="1" fill="hold">
+                                          <p:stCondLst>
+                                            <p:cond delay="0"/>
+                                          </p:stCondLst>
+                                        </p:cTn>
+                                        <p:tgtEl>
+                                          <p:spTgt spid="3">
+                                            <p:txEl>
+                                              <p:pRg st="0" end="0"/>
+                                            </p:txEl>
+                                          </p:spTgt>
+                                        </p:tgtEl>
+                                        <p:attrNameLst>
+                                          <p:attrName>style.visibility</p:attrName>
+                                        </p:attrNameLst>
+                                      </p:cBhvr>
+                                      <p:to>
+                                        <p:strVal val="visible"/>
+                                      </p:to>
+                                    </p:set>
+                                    <p:animEffect transition="in" filter="fade">
+                                      <p:cBhvr>
+                                        <p:cTn id="7" dur="1000"/>
+                                        <p:tgtEl>
+                                          <p:spTgt spid="3">
+                                            <p:txEl>
+                                              <p:pRg st="0" end="0"/>
+                                            </p:txEl>
+                                          </p:spTgt>
+                                        </p:tgtEl>
+                                      </p:cBhvr>
+                                    </p:animEffect>
+                                    <p:anim calcmode="lin" valueType="num">
+                                      <p:cBhvr>
+                                        <p:cTn id="8" dur="1000" fill="hold"/>
+                                        <p:tgtEl>
+                                          <p:spTgt spid="3">
+                                            <p:txEl>
+                                              <p:pRg st="0" end="0"/>
+                                            </p:txEl>
+                                          </p:spTgt>
+                                        </p:tgtEl>
+                                        <p:attrNameLst>
+                                          <p:attrName>ppt_x</p:attrName>
+                                        </p:attrNameLst>
+                                      </p:cBhvr>
+                                      <p:tavLst>
+                                        <p:tav tm="0">
+                                          <p:val>
+                                            <p:strVal val="#ppt_x"/>
+                                          </p:val>
+                                        </p:tav>
+                                        <p:tav tm="100000">
+                                          <p:val>
+                                            <p:strVal val="#ppt_x"/>
+                                          </p:val>
+                                        </p:tav>
+                                      </p:tavLst>
+                                    </p:anim>
+                                    <p:anim calcmode="lin" valueType="num">
+                                      <p:cBhvr>
+                                        <p:cTn id="9" dur="900" decel="100000" fill="hold"/>
+                                        <p:tgtEl>
+                                          <p:spTgt spid="3">
+                                            <p:txEl>
+                                              <p:pRg st="0" end="0"/>
+                                            </p:txEl>
+                                          </p:spTgt>
+                                        </p:tgtEl>
+                                        <p:attrNameLst>
+                                          <p:attrName>ppt_y</p:attrName>
+                                        </p:attrNameLst>
+                                      </p:cBhvr>
+                                      <p:tavLst>
+                                        <p:tav tm="0">
+                                          <p:val>
+                                            <p:strVal val="#ppt_y+1"/>
+                                          </p:val>
+                                        </p:tav>
+                                        <p:tav tm="100000">
+                                          <p:val>
+                                            <p:strVal val="#ppt_y-.03"/>
+                                          </p:val>
+                                        </p:tav>
+                                      </p:tavLst>
+                                    </p:anim>
+                                    <p:anim calcmode="lin" valueType="num">
+                                      <p:cBhvr>
+                                        <p:cTn id="10" dur="100" accel="100000" fill="hold">
+                                          <p:stCondLst>
+                                            <p:cond delay="900"/>
+                                          </p:stCondLst>
+                                        </p:cTn>
+                                        <p:tgtEl>
+                                          <p:spTgt spid="3">
+                                            <p:txEl>
+                                              <p:pRg st="0" end="0"/>
+                                            </p:txEl>
+                                          </p:spTgt>
+                                        </p:tgtEl>
+                                        <p:attrNameLst>
+                                          <p:attrName>ppt_y</p:attrName>
+                                        </p:attrNameLst>
+                                      </p:cBhvr>
+                                      <p:tavLst>
+                                        <p:tav tm="0">
+                                          <p:val>
+                                            <p:strVal val="#ppt_y-.03"/>
+                                          </p:val>
+                                        </p:tav>
+                                        <p:tav tm="100000">
+                                          <p:val>
+                                            <p:strVal val="#ppt_y"/>
+                                          </p:val>
+                                        </p:tav>
+                                      </p:tavLst>
+                                    </p:anim>
+                                  </p:childTnLst>
+                                </p:cTn>
+                              </p:par>
+                            </p:childTnLst>
+                          </p:cTn>
+                        </p:par>
+                      </p:childTnLst>
+                    </p:cTn>
+                  </p:par>
+                  <p:par>
+                    <p:cTn id="11" fill="hold">
+                      <p:stCondLst>
+                        <p:cond delay="indefinite"/>
+                      </p:stCondLst>
+                      <p:childTnLst>
+                        <p:par>
+                          <p:cTn id="12" fill="hold">
+                            <p:stCondLst>
+                              <p:cond delay="0"/>
+                            </p:stCondLst>
+                            <p:childTnLst>
+                              <p:par>
+                                <p:cTn id="13" presetID="14" presetClass="entr" presetSubtype="10" fill="hold" nodeType="clickEffect">
+                                  <p:stCondLst>
+                                    <p:cond delay="0"/>
+                                  </p:stCondLst>
+                                  <p:childTnLst>
+                                    <p:set>
+                                      <p:cBhvr>
+                                        <p:cTn id="14" dur="1" fill="hold">
+                                          <p:stCondLst>
+                                            <p:cond delay="0"/>
+                                          </p:stCondLst>
+                                        </p:cTn>
+                                        <p:tgtEl>
+                                          <p:spTgt spid="6"/>
+                                        </p:tgtEl>
+                                        <p:attrNameLst>
+                                          <p:attrName>style.visibility</p:attrName>
+                                        </p:attrNameLst>
+                                      </p:cBhvr>
+                                      <p:to>
+                                        <p:strVal val="visible"/>
+                                      </p:to>
+                                    </p:set>
+                                    <p:animEffect transition="in" filter="randombar(horizontal)">
+                                      <p:cBhvr>
+                                        <p:cTn id="15" dur="500"/>
+                                        <p:tgtEl>
+                                          <p:spTgt spid="6"/>
+                                        </p:tgtEl>
+                                      </p:cBhvr>
+                                    </p:animEffect>
+                                  </p:childTnLst>
+                                </p:cTn>
+                              </p:par>
+                            </p:childTnLst>
+                          </p:cTn>
+                        </p:par>
+                      </p:childTnLst>
+                    </p:cTn>
+                  </p:par>
+                  <p:par>
+                    <p:cTn id="16" fill="hold">
+                      <p:stCondLst>
+                        <p:cond delay="indefinite"/>
+                      </p:stCondLst>
+                      <p:childTnLst>
+                        <p:par>
+                          <p:cTn id="17" fill="hold">
+                            <p:stCondLst>
+                              <p:cond delay="0"/>
+                            </p:stCondLst>
+                            <p:childTnLst>
+                              <p:par>
+                                <p:cTn id="18" presetID="22" presetClass="entr" presetSubtype="4" fill="hold" grpId="0" nodeType="clickEffect">
+                                  <p:stCondLst>
+                                    <p:cond delay="0"/>
+                                  </p:stCondLst>
+                                  <p:childTnLst>
+                                    <p:set>
+                                      <p:cBhvr>
+                                        <p:cTn id="19" dur="1" fill="hold">
+                                          <p:stCondLst>
+                                            <p:cond delay="0"/>
+                                          </p:stCondLst>
+                                        </p:cTn>
+                                        <p:tgtEl>
+                                          <p:spTgt spid="7"/>
+                                        </p:tgtEl>
+                                        <p:attrNameLst>
+                                          <p:attrName>style.visibility</p:attrName>
+                                        </p:attrNameLst>
+                                      </p:cBhvr>
+                                      <p:to>
+                                        <p:strVal val="visible"/>
+                                      </p:to>
+                                    </p:set>
+                                    <p:animEffect transition="in" filter="wipe(down)">
+                                      <p:cBhvr>
+                                        <p:cTn id="20" dur="500"/>
+                                        <p:tgtEl>
+                                          <p:spTgt spid="7"/>
+                                        </p:tgtEl>
+                                      </p:cBhvr>
+                                    </p:animEffect>
+                                  </p:childTnLst>
+                                </p:cTn>
+                              </p:par>
+                            </p:childTnLst>
+                          </p:cTn>
+                        </p:par>
+                      </p:childTnLst>
+                    </p:cTn>
+                  </p:par>
+                  <p:par>
+                    <p:cTn id="21" fill="hold">
+                      <p:stCondLst>
+                        <p:cond delay="indefinite"/>
+                      </p:stCondLst>
+                      <p:childTnLst>
+                        <p:par>
+                          <p:cTn id="22" fill="hold">
+                            <p:stCondLst>
+                              <p:cond delay="0"/>
+                            </p:stCondLst>
+                            <p:childTnLst>
+                              <p:par>
+                                <p:cTn id="23" presetID="22" presetClass="entr" presetSubtype="4" fill="hold" grpId="0" nodeType="clickEffect">
+                                  <p:stCondLst>
+                                    <p:cond delay="0"/>
+                                  </p:stCondLst>
+                                  <p:childTnLst>
+                                    <p:set>
+                                      <p:cBhvr>
+                                        <p:cTn id="24" dur="1" fill="hold">
+                                          <p:stCondLst>
+                                            <p:cond delay="0"/>
+                                          </p:stCondLst>
+                                        </p:cTn>
+                                        <p:tgtEl>
+                                          <p:spTgt spid="8"/>
+                                        </p:tgtEl>
+                                        <p:attrNameLst>
+                                          <p:attrName>style.visibility</p:attrName>
+                                        </p:attrNameLst>
+                                      </p:cBhvr>
+                                      <p:to>
+                                        <p:strVal val="visible"/>
+                                      </p:to>
+                                    </p:set>
+                                    <p:animEffect transition="in" filter="wipe(down)">
+                                      <p:cBhvr>
+                                        <p:cTn id="25" dur="500"/>
+                                        <p:tgtEl>
+                                          <p:spTgt spid="8"/>
+                                        </p:tgtEl>
+                                      </p:cBhvr>
+                                    </p:animEffect>
+                                  </p:childTnLst>
+                                </p:cTn>
+                              </p:par>
+                            </p:childTnLst>
+                          </p:cTn>
+                        </p:par>
+                      </p:childTnLst>
+                    </p:cTn>
+                  </p:par>
+                  <p:par>
+                    <p:cTn id="26" fill="hold">
+                      <p:stCondLst>
+                        <p:cond delay="indefinite"/>
+                      </p:stCondLst>
+                      <p:childTnLst>
+                        <p:par>
+                          <p:cTn id="27" fill="hold">
+                            <p:stCondLst>
+                              <p:cond delay="0"/>
+                            </p:stCondLst>
+                            <p:childTnLst>
+                              <p:par>
+                                <p:cTn id="28" presetID="22" presetClass="entr" presetSubtype="4" fill="hold" grpId="0" nodeType="clickEffect">
+                                  <p:stCondLst>
+                                    <p:cond delay="0"/>
+                                  </p:stCondLst>
+                                  <p:childTnLst>
+                                    <p:set>
+                                      <p:cBhvr>
+                                        <p:cTn id="29" dur="1" fill="hold">
+                                          <p:stCondLst>
+                                            <p:cond delay="0"/>
+                                          </p:stCondLst>
+                                        </p:cTn>
+                                        <p:tgtEl>
+                                          <p:spTgt spid="9"/>
+                                        </p:tgtEl>
+                                        <p:attrNameLst>
+                                          <p:attrName>style.visibility</p:attrName>
+                                        </p:attrNameLst>
+                                      </p:cBhvr>
+                                      <p:to>
+                                        <p:strVal val="visible"/>
+                                      </p:to>
+                                    </p:set>
+                                    <p:animEffect transition="in" filter="wipe(down)">
+                                      <p:cBhvr>
+                                        <p:cTn id="30" dur="500"/>
+                                        <p:tgtEl>
+                                          <p:spTgt spid="9"/>
+                                        </p:tgtEl>
+                                      </p:cBhvr>
+                                    </p:animEffect>
+                                  </p:childTnLst>
+                                </p:cTn>
+                              </p:par>
+                            </p:childTnLst>
+                          </p:cTn>
+                        </p:par>
+                      </p:childTnLst>
+                    </p:cTn>
+                  </p:par>
+                  <p:par>
+                    <p:cTn id="31" fill="hold">
+                      <p:stCondLst>
+                        <p:cond delay="indefinite"/>
+                      </p:stCondLst>
+                      <p:childTnLst>
+                        <p:par>
+                          <p:cTn id="32" fill="hold">
+                            <p:stCondLst>
+                              <p:cond delay="0"/>
+                            </p:stCondLst>
+                            <p:childTnLst>
+                              <p:par>
+                                <p:cTn id="33" presetID="37" presetClass="entr" presetSubtype="0" fill="hold" grpId="0" nodeType="clickEffect">
+                                  <p:stCondLst>
+                                    <p:cond delay="0"/>
+                                  </p:stCondLst>
+                                  <p:childTnLst>
+                                    <p:set>
+                                      <p:cBhvr>
+                                        <p:cTn id="34" dur="1" fill="hold">
+                                          <p:stCondLst>
+                                            <p:cond delay="0"/>
+                                          </p:stCondLst>
+                                        </p:cTn>
+                                        <p:tgtEl>
+                                          <p:spTgt spid="3">
+                                            <p:txEl>
+                                              <p:pRg st="1" end="1"/>
+                                            </p:txEl>
+                                          </p:spTgt>
+                                        </p:tgtEl>
+                                        <p:attrNameLst>
+                                          <p:attrName>style.visibility</p:attrName>
+                                        </p:attrNameLst>
+                                      </p:cBhvr>
+                                      <p:to>
+                                        <p:strVal val="visible"/>
+                                      </p:to>
+                                    </p:set>
+                                    <p:animEffect transition="in" filter="fade">
+                                      <p:cBhvr>
+                                        <p:cTn id="35" dur="1000"/>
+                                        <p:tgtEl>
+                                          <p:spTgt spid="3">
+                                            <p:txEl>
+                                              <p:pRg st="1" end="1"/>
+                                            </p:txEl>
+                                          </p:spTgt>
+                                        </p:tgtEl>
+                                      </p:cBhvr>
+                                    </p:animEffect>
+                                    <p:anim calcmode="lin" valueType="num">
+                                      <p:cBhvr>
+                                        <p:cTn id="36" dur="1000" fill="hold"/>
+                                        <p:tgtEl>
+                                          <p:spTgt spid="3">
+                                            <p:txEl>
+                                              <p:pRg st="1" end="1"/>
+                                            </p:txEl>
+                                          </p:spTgt>
+                                        </p:tgtEl>
+                                        <p:attrNameLst>
+                                          <p:attrName>ppt_x</p:attrName>
+                                        </p:attrNameLst>
+                                      </p:cBhvr>
+                                      <p:tavLst>
+                                        <p:tav tm="0">
+                                          <p:val>
+                                            <p:strVal val="#ppt_x"/>
+                                          </p:val>
+                                        </p:tav>
+                                        <p:tav tm="100000">
+                                          <p:val>
+                                            <p:strVal val="#ppt_x"/>
+                                          </p:val>
+                                        </p:tav>
+                                      </p:tavLst>
+                                    </p:anim>
+                                    <p:anim calcmode="lin" valueType="num">
+                                      <p:cBhvr>
+                                        <p:cTn id="37" dur="900" decel="100000" fill="hold"/>
+                                        <p:tgtEl>
+                                          <p:spTgt spid="3">
+                                            <p:txEl>
+                                              <p:pRg st="1" end="1"/>
+                                            </p:txEl>
+                                          </p:spTgt>
+                                        </p:tgtEl>
+                                        <p:attrNameLst>
+                                          <p:attrName>ppt_y</p:attrName>
+                                        </p:attrNameLst>
+                                      </p:cBhvr>
+                                      <p:tavLst>
+                                        <p:tav tm="0">
+                                          <p:val>
+                                            <p:strVal val="#ppt_y+1"/>
+                                          </p:val>
+                                        </p:tav>
+                                        <p:tav tm="100000">
+                                          <p:val>
+                                            <p:strVal val="#ppt_y-.03"/>
+                                          </p:val>
+                                        </p:tav>
+                                      </p:tavLst>
+                                    </p:anim>
+                                    <p:anim calcmode="lin" valueType="num">
+                                      <p:cBhvr>
+                                        <p:cTn id="38" dur="100" accel="100000" fill="hold">
+                                          <p:stCondLst>
+                                            <p:cond delay="900"/>
+                                          </p:stCondLst>
+                                        </p:cTn>
+                                        <p:tgtEl>
+                                          <p:spTgt spid="3">
+                                            <p:txEl>
+                                              <p:pRg st="1" end="1"/>
+                                            </p:txEl>
+                                          </p:spTgt>
+                                        </p:tgtEl>
+                                        <p:attrNameLst>
+                                          <p:attrName>ppt_y</p:attrName>
+                                        </p:attrNameLst>
+                                      </p:cBhvr>
+                                      <p:tavLst>
+                                        <p:tav tm="0">
+                                          <p:val>
+                                            <p:strVal val="#ppt_y-.03"/>
+                                          </p:val>
+                                        </p:tav>
+                                        <p:tav tm="100000">
+                                          <p:val>
+                                            <p:strVal val="#ppt_y"/>
+                                          </p:val>
+                                        </p:tav>
+                                      </p:tavLst>
+                                    </p:anim>
+                                  </p:childTnLst>
+                                </p:cTn>
+                              </p:par>
+                            </p:childTnLst>
+                          </p:cTn>
+                        </p:par>
+                      </p:childTnLst>
+                    </p:cTn>
+                  </p:par>
+                  <p:par>
+                    <p:cTn id="39" fill="hold">
+                      <p:stCondLst>
+                        <p:cond delay="indefinite"/>
+                      </p:stCondLst>
+                      <p:childTnLst>
+                        <p:par>
+                          <p:cTn id="40" fill="hold">
+                            <p:stCondLst>
+                              <p:cond delay="0"/>
+                            </p:stCondLst>
+                            <p:childTnLst>
+                              <p:par>
+                                <p:cTn id="41" presetID="37" presetClass="entr" presetSubtype="0" fill="hold" grpId="0" nodeType="clickEffect">
+                                  <p:stCondLst>
+                                    <p:cond delay="0"/>
+                                  </p:stCondLst>
+                                  <p:childTnLst>
+                                    <p:set>
+                                      <p:cBhvr>
+                                        <p:cTn id="42" dur="1" fill="hold">
+                                          <p:stCondLst>
+                                            <p:cond delay="0"/>
+                                          </p:stCondLst>
+                                        </p:cTn>
+                                        <p:tgtEl>
+                                          <p:spTgt spid="3">
+                                            <p:txEl>
+                                              <p:pRg st="2" end="2"/>
+                                            </p:txEl>
+                                          </p:spTgt>
+                                        </p:tgtEl>
+                                        <p:attrNameLst>
+                                          <p:attrName>style.visibility</p:attrName>
+                                        </p:attrNameLst>
+                                      </p:cBhvr>
+                                      <p:to>
+                                        <p:strVal val="visible"/>
+                                      </p:to>
+                                    </p:set>
+                                    <p:animEffect transition="in" filter="fade">
+                                      <p:cBhvr>
+                                        <p:cTn id="43" dur="1000"/>
+                                        <p:tgtEl>
+                                          <p:spTgt spid="3">
+                                            <p:txEl>
+                                              <p:pRg st="2" end="2"/>
+                                            </p:txEl>
+                                          </p:spTgt>
+                                        </p:tgtEl>
+                                      </p:cBhvr>
+                                    </p:animEffect>
+                                    <p:anim calcmode="lin" valueType="num">
+                                      <p:cBhvr>
+                                        <p:cTn id="44" dur="1000" fill="hold"/>
+                                        <p:tgtEl>
+                                          <p:spTgt spid="3">
+                                            <p:txEl>
+                                              <p:pRg st="2" end="2"/>
+                                            </p:txEl>
+                                          </p:spTgt>
+                                        </p:tgtEl>
+                                        <p:attrNameLst>
+                                          <p:attrName>ppt_x</p:attrName>
+                                        </p:attrNameLst>
+                                      </p:cBhvr>
+                                      <p:tavLst>
+                                        <p:tav tm="0">
+                                          <p:val>
+                                            <p:strVal val="#ppt_x"/>
+                                          </p:val>
+                                        </p:tav>
+                                        <p:tav tm="100000">
+                                          <p:val>
+                                            <p:strVal val="#ppt_x"/>
+                                          </p:val>
+                                        </p:tav>
+                                      </p:tavLst>
+                                    </p:anim>
+                                    <p:anim calcmode="lin" valueType="num">
+                                      <p:cBhvr>
+                                        <p:cTn id="45" dur="900" decel="100000" fill="hold"/>
+                                        <p:tgtEl>
+                                          <p:spTgt spid="3">
+                                            <p:txEl>
+                                              <p:pRg st="2" end="2"/>
+                                            </p:txEl>
+                                          </p:spTgt>
+                                        </p:tgtEl>
+                                        <p:attrNameLst>
+                                          <p:attrName>ppt_y</p:attrName>
+                                        </p:attrNameLst>
+                                      </p:cBhvr>
+                                      <p:tavLst>
+                                        <p:tav tm="0">
+                                          <p:val>
+                                            <p:strVal val="#ppt_y+1"/>
+                                          </p:val>
+                                        </p:tav>
+                                        <p:tav tm="100000">
+                                          <p:val>
+                                            <p:strVal val="#ppt_y-.03"/>
+                                          </p:val>
+                                        </p:tav>
+                                      </p:tavLst>
+                                    </p:anim>
+                                    <p:anim calcmode="lin" valueType="num">
+                                      <p:cBhvr>
+                                        <p:cTn id="46" dur="100" accel="100000" fill="hold">
+                                          <p:stCondLst>
+                                            <p:cond delay="900"/>
+                                          </p:stCondLst>
+                                        </p:cTn>
+                                        <p:tgtEl>
+                                          <p:spTgt spid="3">
+                                            <p:txEl>
+                                              <p:pRg st="2" end="2"/>
+                                            </p:txEl>
+                                          </p:spTgt>
+                                        </p:tgtEl>
+                                        <p:attrNameLst>
+                                          <p:attrName>ppt_y</p:attrName>
+                                        </p:attrNameLst>
+                                      </p:cBhvr>
+                                      <p:tavLst>
+                                        <p:tav tm="0">
+                                          <p:val>
+                                            <p:strVal val="#ppt_y-.03"/>
+                                          </p:val>
+                                        </p:tav>
+                                        <p:tav tm="100000">
+                                          <p:val>
+                                            <p:strVal val="#ppt_y"/>
+                                          </p:val>
+                                        </p:tav>
+                                      </p:tavLst>
+                                    </p:anim>
+                                  </p:childTnLst>
+                                </p:cTn>
+                              </p:par>
+                            </p:childTnLst>
+                          </p:cTn>
+                        </p:par>
+                      </p:childTnLst>
+                    </p:cTn>
+                  </p:par>
+                </p:childTnLst>
+              </p:cTn>
+              <p:prevCondLst>
+                <p:cond evt="onPrev" delay="0">
+                  <p:tgtEl>
+                    <p:sldTgt/>
+                  </p:tgtEl>
+                </p:cond>
+              </p:prevCondLst>
+              <p:nextCondLst>
+                <p:cond evt="onNext" delay="0">
+                  <p:tgtEl>
+                    <p:sldTgt/>
+                  </p:tgtEl>
+                </p:cond>
+              </p:nextCondLst>
+            </p:seq>
+          </p:childTnLst>
+        </p:cTn>
+      </p:par>
+    </p:tnLst>
+    <p:bldLst>
+      <p:bldP spid="3" grpId="0" uiExpand="1" build="p"/>
+      <p:bldP spid="7" grpId="0" animBg="1"/>
+      <p:bldP spid="8" grpId="0" animBg="1"/>
+      <p:bldP spid="9" grpId="0" animBg="1"/>
+    </p:bldLst>
+  </p:timing>
+</p:sld>
+</file>
+
+<file path=ppt/slides/slide9.xml><?xml version="1.0" encoding="utf-8"?>
+<p:sld xmlns:a="http://schemas.openxmlformats.org/drawingml/2006/main" xmlns:r="http://schemas.openxmlformats.org/officeDocument/2006/relationships" xmlns:p="http://schemas.openxmlformats.org/presentationml/2006/main">
+  <p:cSld>
+    <p:spTree>
+      <p:nvGrpSpPr>
+        <p:cNvPr id="1" name=""/>
+        <p:cNvGrpSpPr/>
+        <p:nvPr/>
+      </p:nvGrpSpPr>
+      <p:grpSpPr>
+        <a:xfrm>
+          <a:off x="0" y="0"/>
+          <a:ext cx="0" cy="0"/>
+          <a:chOff x="0" y="0"/>
+          <a:chExt cx="0" cy="0"/>
+        </a:xfrm>
+      </p:grpSpPr>
+      <p:sp>
+        <p:nvSpPr>
+          <p:cNvPr id="2" name="標題 1">
+            <a:extLst>
+              <a:ext uri="{FF2B5EF4-FFF2-40B4-BE49-F238E27FC236}">
+                <a16:creationId xmlns:a16="http://schemas.microsoft.com/office/drawing/2014/main" id="{BAD1E4E4-AEE8-324D-B6D8-D8328EC710D7}"/>
+              </a:ext>
+            </a:extLst>
+          </p:cNvPr>
+          <p:cNvSpPr>
+            <a:spLocks noGrp="1"/>
+          </p:cNvSpPr>
+          <p:nvPr>
+            <p:ph type="title"/>
+          </p:nvPr>
+        </p:nvSpPr>
+        <p:spPr/>
+        <p:txBody>
+          <a:bodyPr>
+            <a:normAutofit/>
+          </a:bodyPr>
+          <a:lstStyle/>
+          <a:p>
+            <a:r>
+              <a:rPr kumimoji="1" lang="zh-TW" altLang="en-US" sz="6600" dirty="0">
+                <a:latin typeface="+mj-ea"/>
+              </a:rPr>
+              <a:t>設計理念</a:t>
+            </a:r>
+          </a:p>
+        </p:txBody>
+      </p:sp>
+      <p:sp>
+        <p:nvSpPr>
+          <p:cNvPr id="3" name="內容版面配置區 2">
+            <a:extLst>
+              <a:ext uri="{FF2B5EF4-FFF2-40B4-BE49-F238E27FC236}">
+                <a16:creationId xmlns:a16="http://schemas.microsoft.com/office/drawing/2014/main" id="{7A2FD115-AD87-814C-9E33-E30FF2B9A0EC}"/>
+              </a:ext>
+            </a:extLst>
+          </p:cNvPr>
+          <p:cNvSpPr>
+            <a:spLocks noGrp="1"/>
+          </p:cNvSpPr>
+          <p:nvPr>
+            <p:ph idx="1"/>
+          </p:nvPr>
+        </p:nvSpPr>
+        <p:spPr>
+          <a:xfrm>
+            <a:off x="1371600" y="2286000"/>
+            <a:ext cx="9080695" cy="3664634"/>
+          </a:xfrm>
+        </p:spPr>
+        <p:txBody>
+          <a:bodyPr>
+            <a:normAutofit/>
+          </a:bodyPr>
+          <a:lstStyle/>
+          <a:p>
+            <a:pPr>
+              <a:lnSpc>
+                <a:spcPct val="150000"/>
+              </a:lnSpc>
+            </a:pPr>
+            <a:r>
+              <a:rPr kumimoji="1" lang="zh-TW" altLang="en-US" sz="4000" dirty="0"/>
+              <a:t>那我們也來做做看！</a:t>
+            </a:r>
+            <a:endParaRPr kumimoji="1" lang="en-US" altLang="zh-TW" sz="4000" dirty="0"/>
+          </a:p>
+          <a:p>
+            <a:pPr>
+              <a:lnSpc>
+                <a:spcPct val="150000"/>
+              </a:lnSpc>
+            </a:pPr>
+            <a:r>
+              <a:rPr kumimoji="1" lang="zh-TW" altLang="en-US" sz="4000" dirty="0"/>
+              <a:t>於是，「選股好簡單」誕生了</a:t>
+            </a:r>
+            <a:endParaRPr kumimoji="1" lang="en-US" altLang="zh-TW" sz="4000" dirty="0"/>
+          </a:p>
+        </p:txBody>
+      </p:sp>
+    </p:spTree>
+    <p:extLst>
+      <p:ext uri="{BB962C8B-B14F-4D97-AF65-F5344CB8AC3E}">
+        <p14:creationId xmlns:p14="http://schemas.microsoft.com/office/powerpoint/2010/main" val="2593494816"/>
+      </p:ext>
+    </p:extLst>
+  </p:cSld>
+  <p:clrMapOvr>
+    <a:masterClrMapping/>
+  </p:clrMapOvr>
+  <p:transition spd="slow">
+    <p:push dir="u"/>
+  </p:transition>
+  <p:timing>
+    <p:tnLst>
+      <p:par>
+        <p:cTn id="1" dur="indefinite" restart="never" nodeType="tmRoot">
+          <p:childTnLst>
+            <p:seq concurrent="1" nextAc="seek">
+              <p:cTn id="2" dur="indefinite" nodeType="mainSeq">
+                <p:childTnLst>
+                  <p:par>
+                    <p:cTn id="3" fill="hold">
+                      <p:stCondLst>
+                        <p:cond delay="indefinite"/>
+                      </p:stCondLst>
+                      <p:childTnLst>
+                        <p:par>
+                          <p:cTn id="4" fill="hold">
+                            <p:stCondLst>
+                              <p:cond delay="0"/>
+                            </p:stCondLst>
+                            <p:childTnLst>
+                              <p:par>
+                                <p:cTn id="5" presetID="37" presetClass="entr" presetSubtype="0" fill="hold" grpId="0" nodeType="clickEffect">
+                                  <p:stCondLst>
+                                    <p:cond delay="0"/>
+                                  </p:stCondLst>
+                                  <p:childTnLst>
+                                    <p:set>
+                                      <p:cBhvr>
+                                        <p:cTn id="6" dur="1" fill="hold">
+                                          <p:stCondLst>
+                                            <p:cond delay="0"/>
+                                          </p:stCondLst>
+                                        </p:cTn>
+                                        <p:tgtEl>
+                                          <p:spTgt spid="3">
+                                            <p:txEl>
+                                              <p:pRg st="0" end="0"/>
+                                            </p:txEl>
+                                          </p:spTgt>
+                                        </p:tgtEl>
+                                        <p:attrNameLst>
+                                          <p:attrName>style.visibility</p:attrName>
+                                        </p:attrNameLst>
+                                      </p:cBhvr>
+                                      <p:to>
+                                        <p:strVal val="visible"/>
+                                      </p:to>
+                                    </p:set>
+                                    <p:animEffect transition="in" filter="fade">
+                                      <p:cBhvr>
+                                        <p:cTn id="7" dur="1000"/>
+                                        <p:tgtEl>
+                                          <p:spTgt spid="3">
+                                            <p:txEl>
+                                              <p:pRg st="0" end="0"/>
+                                            </p:txEl>
+                                          </p:spTgt>
+                                        </p:tgtEl>
+                                      </p:cBhvr>
+                                    </p:animEffect>
+                                    <p:anim calcmode="lin" valueType="num">
+                                      <p:cBhvr>
+                                        <p:cTn id="8" dur="1000" fill="hold"/>
+                                        <p:tgtEl>
+                                          <p:spTgt spid="3">
+                                            <p:txEl>
+                                              <p:pRg st="0" end="0"/>
+                                            </p:txEl>
+                                          </p:spTgt>
+                                        </p:tgtEl>
+                                        <p:attrNameLst>
+                                          <p:attrName>ppt_x</p:attrName>
+                                        </p:attrNameLst>
+                                      </p:cBhvr>
+                                      <p:tavLst>
+                                        <p:tav tm="0">
+                                          <p:val>
+                                            <p:strVal val="#ppt_x"/>
+                                          </p:val>
+                                        </p:tav>
+                                        <p:tav tm="100000">
+                                          <p:val>
+                                            <p:strVal val="#ppt_x"/>
+                                          </p:val>
+                                        </p:tav>
+                                      </p:tavLst>
+                                    </p:anim>
+                                    <p:anim calcmode="lin" valueType="num">
+                                      <p:cBhvr>
+                                        <p:cTn id="9" dur="900" decel="100000" fill="hold"/>
+                                        <p:tgtEl>
+                                          <p:spTgt spid="3">
+                                            <p:txEl>
+                                              <p:pRg st="0" end="0"/>
+                                            </p:txEl>
+                                          </p:spTgt>
+                                        </p:tgtEl>
+                                        <p:attrNameLst>
+                                          <p:attrName>ppt_y</p:attrName>
+                                        </p:attrNameLst>
+                                      </p:cBhvr>
+                                      <p:tavLst>
+                                        <p:tav tm="0">
+                                          <p:val>
+                                            <p:strVal val="#ppt_y+1"/>
+                                          </p:val>
+                                        </p:tav>
+                                        <p:tav tm="100000">
+                                          <p:val>
+                                            <p:strVal val="#ppt_y-.03"/>
+                                          </p:val>
+                                        </p:tav>
+                                      </p:tavLst>
+                                    </p:anim>
+                                    <p:anim calcmode="lin" valueType="num">
+                                      <p:cBhvr>
+                                        <p:cTn id="10" dur="100" accel="100000" fill="hold">
+                                          <p:stCondLst>
+                                            <p:cond delay="900"/>
+                                          </p:stCondLst>
+                                        </p:cTn>
+                                        <p:tgtEl>
+                                          <p:spTgt spid="3">
+                                            <p:txEl>
+                                              <p:pRg st="0" end="0"/>
+                                            </p:txEl>
+                                          </p:spTgt>
+                                        </p:tgtEl>
+                                        <p:attrNameLst>
+                                          <p:attrName>ppt_y</p:attrName>
+                                        </p:attrNameLst>
+                                      </p:cBhvr>
+                                      <p:tavLst>
+                                        <p:tav tm="0">
+                                          <p:val>
+                                            <p:strVal val="#ppt_y-.03"/>
+                                          </p:val>
+                                        </p:tav>
+                                        <p:tav tm="100000">
+                                          <p:val>
+                                            <p:strVal val="#ppt_y"/>
+                                          </p:val>
+                                        </p:tav>
+                                      </p:tavLst>
+                                    </p:anim>
+                                  </p:childTnLst>
+                                </p:cTn>
+                              </p:par>
+                            </p:childTnLst>
+                          </p:cTn>
+                        </p:par>
+                      </p:childTnLst>
+                    </p:cTn>
+                  </p:par>
+                  <p:par>
+                    <p:cTn id="11" fill="hold">
+                      <p:stCondLst>
+                        <p:cond delay="indefinite"/>
+                      </p:stCondLst>
+                      <p:childTnLst>
+                        <p:par>
+                          <p:cTn id="12" fill="hold">
+                            <p:stCondLst>
+                              <p:cond delay="0"/>
+                            </p:stCondLst>
+                            <p:childTnLst>
+                              <p:par>
+                                <p:cTn id="13" presetID="37" presetClass="entr" presetSubtype="0" fill="hold" grpId="0" nodeType="clickEffect">
+                                  <p:stCondLst>
+                                    <p:cond delay="0"/>
+                                  </p:stCondLst>
+                                  <p:childTnLst>
+                                    <p:set>
+                                      <p:cBhvr>
+                                        <p:cTn id="14" dur="1" fill="hold">
+                                          <p:stCondLst>
+                                            <p:cond delay="0"/>
+                                          </p:stCondLst>
+                                        </p:cTn>
+                                        <p:tgtEl>
+                                          <p:spTgt spid="3">
+                                            <p:txEl>
+                                              <p:pRg st="1" end="1"/>
+                                            </p:txEl>
+                                          </p:spTgt>
+                                        </p:tgtEl>
+                                        <p:attrNameLst>
+                                          <p:attrName>style.visibility</p:attrName>
+                                        </p:attrNameLst>
+                                      </p:cBhvr>
+                                      <p:to>
+                                        <p:strVal val="visible"/>
+                                      </p:to>
+                                    </p:set>
+                                    <p:animEffect transition="in" filter="fade">
+                                      <p:cBhvr>
+                                        <p:cTn id="15" dur="1000"/>
+                                        <p:tgtEl>
+                                          <p:spTgt spid="3">
+                                            <p:txEl>
+                                              <p:pRg st="1" end="1"/>
+                                            </p:txEl>
+                                          </p:spTgt>
+                                        </p:tgtEl>
+                                      </p:cBhvr>
+                                    </p:animEffect>
+                                    <p:anim calcmode="lin" valueType="num">
+                                      <p:cBhvr>
+                                        <p:cTn id="16" dur="1000" fill="hold"/>
+                                        <p:tgtEl>
+                                          <p:spTgt spid="3">
+                                            <p:txEl>
+                                              <p:pRg st="1" end="1"/>
+                                            </p:txEl>
+                                          </p:spTgt>
+                                        </p:tgtEl>
+                                        <p:attrNameLst>
+                                          <p:attrName>ppt_x</p:attrName>
+                                        </p:attrNameLst>
+                                      </p:cBhvr>
+                                      <p:tavLst>
+                                        <p:tav tm="0">
+                                          <p:val>
+                                            <p:strVal val="#ppt_x"/>
+                                          </p:val>
+                                        </p:tav>
+                                        <p:tav tm="100000">
+                                          <p:val>
+                                            <p:strVal val="#ppt_x"/>
+                                          </p:val>
+                                        </p:tav>
+                                      </p:tavLst>
+                                    </p:anim>
+                                    <p:anim calcmode="lin" valueType="num">
+                                      <p:cBhvr>
+                                        <p:cTn id="17" dur="900" decel="100000" fill="hold"/>
+                                        <p:tgtEl>
+                                          <p:spTgt spid="3">
+                                            <p:txEl>
+                                              <p:pRg st="1" end="1"/>
+                                            </p:txEl>
+                                          </p:spTgt>
+                                        </p:tgtEl>
+                                        <p:attrNameLst>
+                                          <p:attrName>ppt_y</p:attrName>
+                                        </p:attrNameLst>
+                                      </p:cBhvr>
+                                      <p:tavLst>
+                                        <p:tav tm="0">
+                                          <p:val>
+                                            <p:strVal val="#ppt_y+1"/>
+                                          </p:val>
+                                        </p:tav>
+                                        <p:tav tm="100000">
+                                          <p:val>
+                                            <p:strVal val="#ppt_y-.03"/>
+                                          </p:val>
+                                        </p:tav>
+                                      </p:tavLst>
+                                    </p:anim>
+                                    <p:anim calcmode="lin" valueType="num">
+                                      <p:cBhvr>
+                                        <p:cTn id="18" dur="100" accel="100000" fill="hold">
+                                          <p:stCondLst>
+                                            <p:cond delay="900"/>
+                                          </p:stCondLst>
+                                        </p:cTn>
+                                        <p:tgtEl>
+                                          <p:spTgt spid="3">
+                                            <p:txEl>
+                                              <p:pRg st="1" end="1"/>
+                                            </p:txEl>
+                                          </p:spTgt>
+                                        </p:tgtEl>
+                                        <p:attrNameLst>
+                                          <p:attrName>ppt_y</p:attrName>
+                                        </p:attrNameLst>
+                                      </p:cBhvr>
+                                      <p:tavLst>
+                                        <p:tav tm="0">
+                                          <p:val>
+                                            <p:strVal val="#ppt_y-.03"/>
+                                          </p:val>
+                                        </p:tav>
+                                        <p:tav tm="100000">
+                                          <p:val>
+                                            <p:strVal val="#ppt_y"/>
+                                          </p:val>
+                                        </p:tav>
+                                      </p:tavLst>
+                                    </p:anim>
+                                  </p:childTnLst>
+                                </p:cTn>
+                              </p:par>
+                            </p:childTnLst>
+                          </p:cTn>
+                        </p:par>
+                      </p:childTnLst>
+                    </p:cTn>
+                  </p:par>
+                </p:childTnLst>
+              </p:cTn>
+              <p:prevCondLst>
+                <p:cond evt="onPrev" delay="0">
+                  <p:tgtEl>
+                    <p:sldTgt/>
+                  </p:tgtEl>
+                </p:cond>
+              </p:prevCondLst>
+              <p:nextCondLst>
+                <p:cond evt="onNext" delay="0">
+                  <p:tgtEl>
+                    <p:sldTgt/>
+                  </p:tgtEl>
+                </p:cond>
+              </p:nextCondLst>
+            </p:seq>
+          </p:childTnLst>
+        </p:cTn>
+      </p:par>
+    </p:tnLst>
+    <p:bldLst>
+      <p:bldP spid="3" grpId="0" build="p"/>
+    </p:bldLst>
+  </p:timing>
 </p:sld>
 </file>
 
@@ -5911,4 +10166,299 @@
     </a:ext>
   </a:extLst>
 </a:theme>
+</file>
+
+<file path=ppt/theme/theme2.xml><?xml version="1.0" encoding="utf-8"?>
+<a:theme xmlns:a="http://schemas.openxmlformats.org/drawingml/2006/main" name="Office 佈景主題">
+  <a:themeElements>
+    <a:clrScheme name="Office">
+      <a:dk1>
+        <a:sysClr val="windowText" lastClr="000000"/>
+      </a:dk1>
+      <a:lt1>
+        <a:sysClr val="window" lastClr="FFFFFF"/>
+      </a:lt1>
+      <a:dk2>
+        <a:srgbClr val="44546A"/>
+      </a:dk2>
+      <a:lt2>
+        <a:srgbClr val="E7E6E6"/>
+      </a:lt2>
+      <a:accent1>
+        <a:srgbClr val="4472C4"/>
+      </a:accent1>
+      <a:accent2>
+        <a:srgbClr val="ED7D31"/>
+      </a:accent2>
+      <a:accent3>
+        <a:srgbClr val="A5A5A5"/>
+      </a:accent3>
+      <a:accent4>
+        <a:srgbClr val="FFC000"/>
+      </a:accent4>
+      <a:accent5>
+        <a:srgbClr val="5B9BD5"/>
+      </a:accent5>
+      <a:accent6>
+        <a:srgbClr val="70AD47"/>
+      </a:accent6>
+      <a:hlink>
+        <a:srgbClr val="0563C1"/>
+      </a:hlink>
+      <a:folHlink>
+        <a:srgbClr val="954F72"/>
+      </a:folHlink>
+    </a:clrScheme>
+    <a:fontScheme name="Office">
+      <a:majorFont>
+        <a:latin typeface="Calibri Light" panose="020F0302020204030204"/>
+        <a:ea typeface=""/>
+        <a:cs typeface=""/>
+        <a:font script="Jpan" typeface="游ゴシック Light"/>
+        <a:font script="Hang" typeface="맑은 고딕"/>
+        <a:font script="Hans" typeface="等线 Light"/>
+        <a:font script="Hant" typeface="新細明體"/>
+        <a:font script="Arab" typeface="Times New Roman"/>
+        <a:font script="Hebr" typeface="Times New Roman"/>
+        <a:font script="Thai" typeface="Angsana New"/>
+        <a:font script="Ethi" typeface="Nyala"/>
+        <a:font script="Beng" typeface="Vrinda"/>
+        <a:font script="Gujr" typeface="Shruti"/>
+        <a:font script="Khmr" typeface="MoolBoran"/>
+        <a:font script="Knda" typeface="Tunga"/>
+        <a:font script="Guru" typeface="Raavi"/>
+        <a:font script="Cans" typeface="Euphemia"/>
+        <a:font script="Cher" typeface="Plantagenet Cherokee"/>
+        <a:font script="Yiii" typeface="Microsoft Yi Baiti"/>
+        <a:font script="Tibt" typeface="Microsoft Himalaya"/>
+        <a:font script="Thaa" typeface="MV Boli"/>
+        <a:font script="Deva" typeface="Mangal"/>
+        <a:font script="Telu" typeface="Gautami"/>
+        <a:font script="Taml" typeface="Latha"/>
+        <a:font script="Syrc" typeface="Estrangelo Edessa"/>
+        <a:font script="Orya" typeface="Kalinga"/>
+        <a:font script="Mlym" typeface="Kartika"/>
+        <a:font script="Laoo" typeface="DokChampa"/>
+        <a:font script="Sinh" typeface="Iskoola Pota"/>
+        <a:font script="Mong" typeface="Mongolian Baiti"/>
+        <a:font script="Viet" typeface="Times New Roman"/>
+        <a:font script="Uigh" typeface="Microsoft Uighur"/>
+        <a:font script="Geor" typeface="Sylfaen"/>
+        <a:font script="Armn" typeface="Arial"/>
+        <a:font script="Bugi" typeface="Leelawadee UI"/>
+        <a:font script="Bopo" typeface="Microsoft JhengHei"/>
+        <a:font script="Java" typeface="Javanese Text"/>
+        <a:font script="Lisu" typeface="Segoe UI"/>
+        <a:font script="Mymr" typeface="Myanmar Text"/>
+        <a:font script="Nkoo" typeface="Ebrima"/>
+        <a:font script="Olck" typeface="Nirmala UI"/>
+        <a:font script="Osma" typeface="Ebrima"/>
+        <a:font script="Phag" typeface="Phagspa"/>
+        <a:font script="Syrn" typeface="Estrangelo Edessa"/>
+        <a:font script="Syrj" typeface="Estrangelo Edessa"/>
+        <a:font script="Syre" typeface="Estrangelo Edessa"/>
+        <a:font script="Sora" typeface="Nirmala UI"/>
+        <a:font script="Tale" typeface="Microsoft Tai Le"/>
+        <a:font script="Talu" typeface="Microsoft New Tai Lue"/>
+        <a:font script="Tfng" typeface="Ebrima"/>
+      </a:majorFont>
+      <a:minorFont>
+        <a:latin typeface="Calibri" panose="020F0502020204030204"/>
+        <a:ea typeface=""/>
+        <a:cs typeface=""/>
+        <a:font script="Jpan" typeface="游ゴシック"/>
+        <a:font script="Hang" typeface="맑은 고딕"/>
+        <a:font script="Hans" typeface="等线"/>
+        <a:font script="Hant" typeface="新細明體"/>
+        <a:font script="Arab" typeface="Arial"/>
+        <a:font script="Hebr" typeface="Arial"/>
+        <a:font script="Thai" typeface="Cordia New"/>
+        <a:font script="Ethi" typeface="Nyala"/>
+        <a:font script="Beng" typeface="Vrinda"/>
+        <a:font script="Gujr" typeface="Shruti"/>
+        <a:font script="Khmr" typeface="DaunPenh"/>
+        <a:font script="Knda" typeface="Tunga"/>
+        <a:font script="Guru" typeface="Raavi"/>
+        <a:font script="Cans" typeface="Euphemia"/>
+        <a:font script="Cher" typeface="Plantagenet Cherokee"/>
+        <a:font script="Yiii" typeface="Microsoft Yi Baiti"/>
+        <a:font script="Tibt" typeface="Microsoft Himalaya"/>
+        <a:font script="Thaa" typeface="MV Boli"/>
+        <a:font script="Deva" typeface="Mangal"/>
+        <a:font script="Telu" typeface="Gautami"/>
+        <a:font script="Taml" typeface="Latha"/>
+        <a:font script="Syrc" typeface="Estrangelo Edessa"/>
+        <a:font script="Orya" typeface="Kalinga"/>
+        <a:font script="Mlym" typeface="Kartika"/>
+        <a:font script="Laoo" typeface="DokChampa"/>
+        <a:font script="Sinh" typeface="Iskoola Pota"/>
+        <a:font script="Mong" typeface="Mongolian Baiti"/>
+        <a:font script="Viet" typeface="Arial"/>
+        <a:font script="Uigh" typeface="Microsoft Uighur"/>
+        <a:font script="Geor" typeface="Sylfaen"/>
+        <a:font script="Armn" typeface="Arial"/>
+        <a:font script="Bugi" typeface="Leelawadee UI"/>
+        <a:font script="Bopo" typeface="Microsoft JhengHei"/>
+        <a:font script="Java" typeface="Javanese Text"/>
+        <a:font script="Lisu" typeface="Segoe UI"/>
+        <a:font script="Mymr" typeface="Myanmar Text"/>
+        <a:font script="Nkoo" typeface="Ebrima"/>
+        <a:font script="Olck" typeface="Nirmala UI"/>
+        <a:font script="Osma" typeface="Ebrima"/>
+        <a:font script="Phag" typeface="Phagspa"/>
+        <a:font script="Syrn" typeface="Estrangelo Edessa"/>
+        <a:font script="Syrj" typeface="Estrangelo Edessa"/>
+        <a:font script="Syre" typeface="Estrangelo Edessa"/>
+        <a:font script="Sora" typeface="Nirmala UI"/>
+        <a:font script="Tale" typeface="Microsoft Tai Le"/>
+        <a:font script="Talu" typeface="Microsoft New Tai Lue"/>
+        <a:font script="Tfng" typeface="Ebrima"/>
+      </a:minorFont>
+    </a:fontScheme>
+    <a:fmtScheme name="Office">
+      <a:fillStyleLst>
+        <a:solidFill>
+          <a:schemeClr val="phClr"/>
+        </a:solidFill>
+        <a:gradFill rotWithShape="1">
+          <a:gsLst>
+            <a:gs pos="0">
+              <a:schemeClr val="phClr">
+                <a:lumMod val="110000"/>
+                <a:satMod val="105000"/>
+                <a:tint val="67000"/>
+              </a:schemeClr>
+            </a:gs>
+            <a:gs pos="50000">
+              <a:schemeClr val="phClr">
+                <a:lumMod val="105000"/>
+                <a:satMod val="103000"/>
+                <a:tint val="73000"/>
+              </a:schemeClr>
+            </a:gs>
+            <a:gs pos="100000">
+              <a:schemeClr val="phClr">
+                <a:lumMod val="105000"/>
+                <a:satMod val="109000"/>
+                <a:tint val="81000"/>
+              </a:schemeClr>
+            </a:gs>
+          </a:gsLst>
+          <a:lin ang="5400000" scaled="0"/>
+        </a:gradFill>
+        <a:gradFill rotWithShape="1">
+          <a:gsLst>
+            <a:gs pos="0">
+              <a:schemeClr val="phClr">
+                <a:satMod val="103000"/>
+                <a:lumMod val="102000"/>
+                <a:tint val="94000"/>
+              </a:schemeClr>
+            </a:gs>
+            <a:gs pos="50000">
+              <a:schemeClr val="phClr">
+                <a:satMod val="110000"/>
+                <a:lumMod val="100000"/>
+                <a:shade val="100000"/>
+              </a:schemeClr>
+            </a:gs>
+            <a:gs pos="100000">
+              <a:schemeClr val="phClr">
+                <a:lumMod val="99000"/>
+                <a:satMod val="120000"/>
+                <a:shade val="78000"/>
+              </a:schemeClr>
+            </a:gs>
+          </a:gsLst>
+          <a:lin ang="5400000" scaled="0"/>
+        </a:gradFill>
+      </a:fillStyleLst>
+      <a:lnStyleLst>
+        <a:ln w="6350" cap="flat" cmpd="sng" algn="ctr">
+          <a:solidFill>
+            <a:schemeClr val="phClr"/>
+          </a:solidFill>
+          <a:prstDash val="solid"/>
+          <a:miter lim="800000"/>
+        </a:ln>
+        <a:ln w="12700" cap="flat" cmpd="sng" algn="ctr">
+          <a:solidFill>
+            <a:schemeClr val="phClr"/>
+          </a:solidFill>
+          <a:prstDash val="solid"/>
+          <a:miter lim="800000"/>
+        </a:ln>
+        <a:ln w="19050" cap="flat" cmpd="sng" algn="ctr">
+          <a:solidFill>
+            <a:schemeClr val="phClr"/>
+          </a:solidFill>
+          <a:prstDash val="solid"/>
+          <a:miter lim="800000"/>
+        </a:ln>
+      </a:lnStyleLst>
+      <a:effectStyleLst>
+        <a:effectStyle>
+          <a:effectLst/>
+        </a:effectStyle>
+        <a:effectStyle>
+          <a:effectLst/>
+        </a:effectStyle>
+        <a:effectStyle>
+          <a:effectLst>
+            <a:outerShdw blurRad="57150" dist="19050" dir="5400000" algn="ctr" rotWithShape="0">
+              <a:srgbClr val="000000">
+                <a:alpha val="63000"/>
+              </a:srgbClr>
+            </a:outerShdw>
+          </a:effectLst>
+        </a:effectStyle>
+      </a:effectStyleLst>
+      <a:bgFillStyleLst>
+        <a:solidFill>
+          <a:schemeClr val="phClr"/>
+        </a:solidFill>
+        <a:solidFill>
+          <a:schemeClr val="phClr">
+            <a:tint val="95000"/>
+            <a:satMod val="170000"/>
+          </a:schemeClr>
+        </a:solidFill>
+        <a:gradFill rotWithShape="1">
+          <a:gsLst>
+            <a:gs pos="0">
+              <a:schemeClr val="phClr">
+                <a:tint val="93000"/>
+                <a:satMod val="150000"/>
+                <a:shade val="98000"/>
+                <a:lumMod val="102000"/>
+              </a:schemeClr>
+            </a:gs>
+            <a:gs pos="50000">
+              <a:schemeClr val="phClr">
+                <a:tint val="98000"/>
+                <a:satMod val="130000"/>
+                <a:shade val="90000"/>
+                <a:lumMod val="103000"/>
+              </a:schemeClr>
+            </a:gs>
+            <a:gs pos="100000">
+              <a:schemeClr val="phClr">
+                <a:shade val="63000"/>
+                <a:satMod val="120000"/>
+              </a:schemeClr>
+            </a:gs>
+          </a:gsLst>
+          <a:lin ang="5400000" scaled="0"/>
+        </a:gradFill>
+      </a:bgFillStyleLst>
+    </a:fmtScheme>
+  </a:themeElements>
+  <a:objectDefaults/>
+  <a:extraClrSchemeLst/>
+  <a:extLst>
+    <a:ext uri="{05A4C25C-085E-4340-85A3-A5531E510DB2}">
+      <thm15:themeFamily xmlns:thm15="http://schemas.microsoft.com/office/thememl/2012/main" name="Office Theme" id="{62F939B6-93AF-4DB8-9C6B-D6C7DFDC589F}" vid="{4A3C46E8-61CC-4603-A589-7422A47A8E4A}"/>
+    </a:ext>
+  </a:extLst>
+</a:theme>
 </file>
--- a/商管程式報告.pptx
+++ b/商管程式報告.pptx
@@ -209,7 +209,7 @@
           <a:p>
             <a:fld id="{0FF646EC-944B-4042-8F8C-6A273057CFAC}" type="datetimeFigureOut">
               <a:rPr kumimoji="1" lang="zh-TW" altLang="en-US" smtClean="0"/>
-              <a:t>2019/1/8</a:t>
+              <a:t>2019/1/9</a:t>
             </a:fld>
             <a:endParaRPr kumimoji="1" lang="zh-TW" altLang="en-US"/>
           </a:p>
@@ -969,7 +969,7 @@
             <a:fld id="{87DE6118-2437-4B30-8E3C-4D2BE6020583}" type="datetimeFigureOut">
               <a:rPr lang="en-US" dirty="0"/>
               <a:pPr/>
-              <a:t>1/8/19</a:t>
+              <a:t>1/9/19</a:t>
             </a:fld>
             <a:endParaRPr lang="en-US" dirty="0"/>
           </a:p>
@@ -1295,7 +1295,7 @@
           <a:p>
             <a:fld id="{87DE6118-2437-4B30-8E3C-4D2BE6020583}" type="datetimeFigureOut">
               <a:rPr lang="en-US" dirty="0"/>
-              <a:t>1/8/19</a:t>
+              <a:t>1/9/19</a:t>
             </a:fld>
             <a:endParaRPr lang="en-US" dirty="0"/>
           </a:p>
@@ -1470,7 +1470,7 @@
           <a:p>
             <a:fld id="{87DE6118-2437-4B30-8E3C-4D2BE6020583}" type="datetimeFigureOut">
               <a:rPr lang="en-US" dirty="0"/>
-              <a:t>1/8/19</a:t>
+              <a:t>1/9/19</a:t>
             </a:fld>
             <a:endParaRPr lang="en-US" dirty="0"/>
           </a:p>
@@ -1635,7 +1635,7 @@
           <a:p>
             <a:fld id="{87DE6118-2437-4B30-8E3C-4D2BE6020583}" type="datetimeFigureOut">
               <a:rPr lang="en-US" dirty="0"/>
-              <a:t>1/8/19</a:t>
+              <a:t>1/9/19</a:t>
             </a:fld>
             <a:endParaRPr lang="en-US" dirty="0"/>
           </a:p>
@@ -1908,7 +1908,7 @@
             <a:fld id="{87DE6118-2437-4B30-8E3C-4D2BE6020583}" type="datetimeFigureOut">
               <a:rPr lang="en-US" dirty="0"/>
               <a:pPr/>
-              <a:t>1/8/19</a:t>
+              <a:t>1/9/19</a:t>
             </a:fld>
             <a:endParaRPr lang="en-US" dirty="0"/>
           </a:p>
@@ -2298,7 +2298,7 @@
           <a:p>
             <a:fld id="{87DE6118-2437-4B30-8E3C-4D2BE6020583}" type="datetimeFigureOut">
               <a:rPr lang="en-US" dirty="0"/>
-              <a:t>1/8/19</a:t>
+              <a:t>1/9/19</a:t>
             </a:fld>
             <a:endParaRPr lang="en-US" dirty="0"/>
           </a:p>
@@ -2770,7 +2770,7 @@
           <a:p>
             <a:fld id="{87DE6118-2437-4B30-8E3C-4D2BE6020583}" type="datetimeFigureOut">
               <a:rPr lang="en-US" dirty="0"/>
-              <a:t>1/8/19</a:t>
+              <a:t>1/9/19</a:t>
             </a:fld>
             <a:endParaRPr lang="en-US" dirty="0"/>
           </a:p>
@@ -2883,7 +2883,7 @@
           <a:p>
             <a:fld id="{87DE6118-2437-4B30-8E3C-4D2BE6020583}" type="datetimeFigureOut">
               <a:rPr lang="en-US" dirty="0"/>
-              <a:t>1/8/19</a:t>
+              <a:t>1/9/19</a:t>
             </a:fld>
             <a:endParaRPr lang="en-US" dirty="0"/>
           </a:p>
@@ -2973,7 +2973,7 @@
           <a:p>
             <a:fld id="{87DE6118-2437-4B30-8E3C-4D2BE6020583}" type="datetimeFigureOut">
               <a:rPr lang="en-US" dirty="0"/>
-              <a:t>1/8/19</a:t>
+              <a:t>1/9/19</a:t>
             </a:fld>
             <a:endParaRPr lang="en-US" dirty="0"/>
           </a:p>
@@ -3315,7 +3315,7 @@
             <a:fld id="{87DE6118-2437-4B30-8E3C-4D2BE6020583}" type="datetimeFigureOut">
               <a:rPr lang="en-US" dirty="0"/>
               <a:pPr/>
-              <a:t>1/8/19</a:t>
+              <a:t>1/9/19</a:t>
             </a:fld>
             <a:endParaRPr lang="en-US" dirty="0"/>
           </a:p>
@@ -3700,7 +3700,7 @@
             <a:fld id="{87DE6118-2437-4B30-8E3C-4D2BE6020583}" type="datetimeFigureOut">
               <a:rPr lang="en-US" dirty="0"/>
               <a:pPr/>
-              <a:t>1/8/19</a:t>
+              <a:t>1/9/19</a:t>
             </a:fld>
             <a:endParaRPr lang="en-US" dirty="0"/>
           </a:p>
@@ -3975,7 +3975,7 @@
             <a:fld id="{87DE6118-2437-4B30-8E3C-4D2BE6020583}" type="datetimeFigureOut">
               <a:rPr lang="en-US" dirty="0"/>
               <a:pPr/>
-              <a:t>1/8/19</a:t>
+              <a:t>1/9/19</a:t>
             </a:fld>
             <a:endParaRPr lang="en-US" dirty="0"/>
           </a:p>
@@ -6017,13 +6017,23 @@
             <p:ph idx="1"/>
           </p:nvPr>
         </p:nvSpPr>
-        <p:spPr/>
+        <p:spPr>
+          <a:xfrm>
+            <a:off x="1371600" y="1922585"/>
+            <a:ext cx="9601200" cy="4536829"/>
+          </a:xfrm>
+        </p:spPr>
         <p:txBody>
           <a:bodyPr>
             <a:normAutofit lnSpcReduction="10000"/>
           </a:bodyPr>
           <a:lstStyle/>
           <a:p>
+            <a:pPr>
+              <a:lnSpc>
+                <a:spcPct val="120000"/>
+              </a:lnSpc>
+            </a:pPr>
             <a:r>
               <a:rPr lang="zh-TW" altLang="en-US" sz="2800" dirty="0"/>
               <a:t>組員介紹</a:t>
@@ -6031,6 +6041,11 @@
             <a:endParaRPr lang="en-US" altLang="zh-TW" sz="2800" dirty="0"/>
           </a:p>
           <a:p>
+            <a:pPr>
+              <a:lnSpc>
+                <a:spcPct val="120000"/>
+              </a:lnSpc>
+            </a:pPr>
             <a:r>
               <a:rPr lang="zh-TW" altLang="en-US" sz="2800" dirty="0"/>
               <a:t>設計理念</a:t>
@@ -6038,6 +6053,11 @@
             <a:endParaRPr lang="en-US" altLang="zh-TW" sz="2800" dirty="0"/>
           </a:p>
           <a:p>
+            <a:pPr>
+              <a:lnSpc>
+                <a:spcPct val="120000"/>
+              </a:lnSpc>
+            </a:pPr>
             <a:r>
               <a:rPr lang="zh-TW" altLang="en-US" sz="2800" dirty="0"/>
               <a:t>介面展示</a:t>
@@ -6045,6 +6065,11 @@
             <a:endParaRPr lang="en-US" altLang="zh-TW" sz="2800" dirty="0"/>
           </a:p>
           <a:p>
+            <a:pPr>
+              <a:lnSpc>
+                <a:spcPct val="120000"/>
+              </a:lnSpc>
+            </a:pPr>
             <a:r>
               <a:rPr lang="zh-TW" altLang="en-US" sz="2800" dirty="0"/>
               <a:t>條件解說</a:t>
@@ -6052,6 +6077,11 @@
             <a:endParaRPr lang="en-US" altLang="zh-TW" sz="2800" dirty="0"/>
           </a:p>
           <a:p>
+            <a:pPr>
+              <a:lnSpc>
+                <a:spcPct val="120000"/>
+              </a:lnSpc>
+            </a:pPr>
             <a:r>
               <a:rPr lang="zh-TW" altLang="en-US" sz="2800" dirty="0"/>
               <a:t>程式碼介紹</a:t>
@@ -6059,6 +6089,11 @@
             <a:endParaRPr lang="en-US" altLang="zh-TW" sz="2800" dirty="0"/>
           </a:p>
           <a:p>
+            <a:pPr>
+              <a:lnSpc>
+                <a:spcPct val="120000"/>
+              </a:lnSpc>
+            </a:pPr>
             <a:r>
               <a:rPr lang="zh-TW" altLang="en-US" sz="2800" dirty="0"/>
               <a:t>程式實體操作</a:t>
@@ -6066,6 +6101,11 @@
             <a:endParaRPr lang="en-US" altLang="zh-TW" sz="2800" dirty="0"/>
           </a:p>
           <a:p>
+            <a:pPr>
+              <a:lnSpc>
+                <a:spcPct val="120000"/>
+              </a:lnSpc>
+            </a:pPr>
             <a:r>
               <a:rPr lang="zh-TW" altLang="en-US" sz="2800" dirty="0"/>
               <a:t>心得與展望</a:t>
@@ -6073,9 +6113,19 @@
             <a:endParaRPr lang="en-US" altLang="zh-TW" sz="2800" dirty="0"/>
           </a:p>
           <a:p>
+            <a:pPr>
+              <a:lnSpc>
+                <a:spcPct val="120000"/>
+              </a:lnSpc>
+            </a:pPr>
             <a:endParaRPr lang="en-US" altLang="zh-TW" dirty="0"/>
           </a:p>
           <a:p>
+            <a:pPr>
+              <a:lnSpc>
+                <a:spcPct val="120000"/>
+              </a:lnSpc>
+            </a:pPr>
             <a:endParaRPr lang="zh-TW" altLang="en-US" dirty="0"/>
           </a:p>
         </p:txBody>

--- a/商管程式報告.pptx
+++ b/商管程式報告.pptx
@@ -5,7 +5,7 @@
     <p:sldMasterId id="2147483648" r:id="rId1"/>
   </p:sldMasterIdLst>
   <p:notesMasterIdLst>
-    <p:notesMasterId r:id="rId15"/>
+    <p:notesMasterId r:id="rId16"/>
   </p:notesMasterIdLst>
   <p:sldIdLst>
     <p:sldId id="256" r:id="rId2"/>
@@ -21,6 +21,7 @@
     <p:sldId id="259" r:id="rId12"/>
     <p:sldId id="264" r:id="rId13"/>
     <p:sldId id="260" r:id="rId14"/>
+    <p:sldId id="269" r:id="rId15"/>
   </p:sldIdLst>
   <p:sldSz cx="12192000" cy="6858000"/>
   <p:notesSz cx="6858000" cy="9144000"/>
@@ -125,6 +126,4639 @@
     </p:ext>
   </p:extLst>
 </p:presentation>
+</file>
+
+<file path=ppt/diagrams/colors1.xml><?xml version="1.0" encoding="utf-8"?>
+<dgm:colorsDef xmlns:dgm="http://schemas.openxmlformats.org/drawingml/2006/diagram" xmlns:a="http://schemas.openxmlformats.org/drawingml/2006/main" uniqueId="urn:microsoft.com/office/officeart/2005/8/colors/accent4_2">
+  <dgm:title val=""/>
+  <dgm:desc val=""/>
+  <dgm:catLst>
+    <dgm:cat type="accent4" pri="11200"/>
+  </dgm:catLst>
+  <dgm:styleLbl name="node0">
+    <dgm:fillClrLst meth="repeat">
+      <a:schemeClr val="accent4"/>
+    </dgm:fillClrLst>
+    <dgm:linClrLst meth="repeat">
+      <a:schemeClr val="lt1"/>
+    </dgm:linClrLst>
+    <dgm:effectClrLst/>
+    <dgm:txLinClrLst/>
+    <dgm:txFillClrLst/>
+    <dgm:txEffectClrLst/>
+  </dgm:styleLbl>
+  <dgm:styleLbl name="node1">
+    <dgm:fillClrLst meth="repeat">
+      <a:schemeClr val="accent4"/>
+    </dgm:fillClrLst>
+    <dgm:linClrLst meth="repeat">
+      <a:schemeClr val="lt1"/>
+    </dgm:linClrLst>
+    <dgm:effectClrLst/>
+    <dgm:txLinClrLst/>
+    <dgm:txFillClrLst/>
+    <dgm:txEffectClrLst/>
+  </dgm:styleLbl>
+  <dgm:styleLbl name="alignNode1">
+    <dgm:fillClrLst meth="repeat">
+      <a:schemeClr val="accent4"/>
+    </dgm:fillClrLst>
+    <dgm:linClrLst meth="repeat">
+      <a:schemeClr val="accent4"/>
+    </dgm:linClrLst>
+    <dgm:effectClrLst/>
+    <dgm:txLinClrLst/>
+    <dgm:txFillClrLst/>
+    <dgm:txEffectClrLst/>
+  </dgm:styleLbl>
+  <dgm:styleLbl name="lnNode1">
+    <dgm:fillClrLst meth="repeat">
+      <a:schemeClr val="accent4"/>
+    </dgm:fillClrLst>
+    <dgm:linClrLst meth="repeat">
+      <a:schemeClr val="lt1"/>
+    </dgm:linClrLst>
+    <dgm:effectClrLst/>
+    <dgm:txLinClrLst/>
+    <dgm:txFillClrLst/>
+    <dgm:txEffectClrLst/>
+  </dgm:styleLbl>
+  <dgm:styleLbl name="vennNode1">
+    <dgm:fillClrLst meth="repeat">
+      <a:schemeClr val="accent4">
+        <a:alpha val="50000"/>
+      </a:schemeClr>
+    </dgm:fillClrLst>
+    <dgm:linClrLst meth="repeat">
+      <a:schemeClr val="lt1"/>
+    </dgm:linClrLst>
+    <dgm:effectClrLst/>
+    <dgm:txLinClrLst/>
+    <dgm:txFillClrLst/>
+    <dgm:txEffectClrLst/>
+  </dgm:styleLbl>
+  <dgm:styleLbl name="node2">
+    <dgm:fillClrLst meth="repeat">
+      <a:schemeClr val="accent4"/>
+    </dgm:fillClrLst>
+    <dgm:linClrLst meth="repeat">
+      <a:schemeClr val="lt1"/>
+    </dgm:linClrLst>
+    <dgm:effectClrLst/>
+    <dgm:txLinClrLst/>
+    <dgm:txFillClrLst/>
+    <dgm:txEffectClrLst/>
+  </dgm:styleLbl>
+  <dgm:styleLbl name="node3">
+    <dgm:fillClrLst meth="repeat">
+      <a:schemeClr val="accent4"/>
+    </dgm:fillClrLst>
+    <dgm:linClrLst meth="repeat">
+      <a:schemeClr val="lt1"/>
+    </dgm:linClrLst>
+    <dgm:effectClrLst/>
+    <dgm:txLinClrLst/>
+    <dgm:txFillClrLst/>
+    <dgm:txEffectClrLst/>
+  </dgm:styleLbl>
+  <dgm:styleLbl name="node4">
+    <dgm:fillClrLst meth="repeat">
+      <a:schemeClr val="accent4"/>
+    </dgm:fillClrLst>
+    <dgm:linClrLst meth="repeat">
+      <a:schemeClr val="lt1"/>
+    </dgm:linClrLst>
+    <dgm:effectClrLst/>
+    <dgm:txLinClrLst/>
+    <dgm:txFillClrLst/>
+    <dgm:txEffectClrLst/>
+  </dgm:styleLbl>
+  <dgm:styleLbl name="fgImgPlace1">
+    <dgm:fillClrLst meth="repeat">
+      <a:schemeClr val="accent4">
+        <a:tint val="50000"/>
+      </a:schemeClr>
+    </dgm:fillClrLst>
+    <dgm:linClrLst meth="repeat">
+      <a:schemeClr val="lt1"/>
+    </dgm:linClrLst>
+    <dgm:effectClrLst/>
+    <dgm:txLinClrLst/>
+    <dgm:txFillClrLst meth="repeat">
+      <a:schemeClr val="lt1"/>
+    </dgm:txFillClrLst>
+    <dgm:txEffectClrLst/>
+  </dgm:styleLbl>
+  <dgm:styleLbl name="alignImgPlace1">
+    <dgm:fillClrLst meth="repeat">
+      <a:schemeClr val="accent4">
+        <a:tint val="50000"/>
+      </a:schemeClr>
+    </dgm:fillClrLst>
+    <dgm:linClrLst meth="repeat">
+      <a:schemeClr val="lt1"/>
+    </dgm:linClrLst>
+    <dgm:effectClrLst/>
+    <dgm:txLinClrLst/>
+    <dgm:txFillClrLst meth="repeat">
+      <a:schemeClr val="lt1"/>
+    </dgm:txFillClrLst>
+    <dgm:txEffectClrLst/>
+  </dgm:styleLbl>
+  <dgm:styleLbl name="bgImgPlace1">
+    <dgm:fillClrLst meth="repeat">
+      <a:schemeClr val="accent4">
+        <a:tint val="50000"/>
+      </a:schemeClr>
+    </dgm:fillClrLst>
+    <dgm:linClrLst meth="repeat">
+      <a:schemeClr val="lt1"/>
+    </dgm:linClrLst>
+    <dgm:effectClrLst/>
+    <dgm:txLinClrLst/>
+    <dgm:txFillClrLst meth="repeat">
+      <a:schemeClr val="lt1"/>
+    </dgm:txFillClrLst>
+    <dgm:txEffectClrLst/>
+  </dgm:styleLbl>
+  <dgm:styleLbl name="sibTrans2D1">
+    <dgm:fillClrLst meth="repeat">
+      <a:schemeClr val="accent4">
+        <a:tint val="60000"/>
+      </a:schemeClr>
+    </dgm:fillClrLst>
+    <dgm:linClrLst meth="repeat">
+      <a:schemeClr val="accent4">
+        <a:tint val="60000"/>
+      </a:schemeClr>
+    </dgm:linClrLst>
+    <dgm:effectClrLst/>
+    <dgm:txLinClrLst/>
+    <dgm:txFillClrLst/>
+    <dgm:txEffectClrLst/>
+  </dgm:styleLbl>
+  <dgm:styleLbl name="fgSibTrans2D1">
+    <dgm:fillClrLst meth="repeat">
+      <a:schemeClr val="accent4">
+        <a:tint val="60000"/>
+      </a:schemeClr>
+    </dgm:fillClrLst>
+    <dgm:linClrLst meth="repeat">
+      <a:schemeClr val="accent4">
+        <a:tint val="60000"/>
+      </a:schemeClr>
+    </dgm:linClrLst>
+    <dgm:effectClrLst/>
+    <dgm:txLinClrLst/>
+    <dgm:txFillClrLst/>
+    <dgm:txEffectClrLst/>
+  </dgm:styleLbl>
+  <dgm:styleLbl name="bgSibTrans2D1">
+    <dgm:fillClrLst meth="repeat">
+      <a:schemeClr val="accent4">
+        <a:tint val="60000"/>
+      </a:schemeClr>
+    </dgm:fillClrLst>
+    <dgm:linClrLst meth="repeat">
+      <a:schemeClr val="accent4">
+        <a:tint val="60000"/>
+      </a:schemeClr>
+    </dgm:linClrLst>
+    <dgm:effectClrLst/>
+    <dgm:txLinClrLst/>
+    <dgm:txFillClrLst/>
+    <dgm:txEffectClrLst/>
+  </dgm:styleLbl>
+  <dgm:styleLbl name="sibTrans1D1">
+    <dgm:fillClrLst meth="repeat">
+      <a:schemeClr val="accent4"/>
+    </dgm:fillClrLst>
+    <dgm:linClrLst meth="repeat">
+      <a:schemeClr val="accent4"/>
+    </dgm:linClrLst>
+    <dgm:effectClrLst/>
+    <dgm:txLinClrLst/>
+    <dgm:txFillClrLst meth="repeat">
+      <a:schemeClr val="tx1"/>
+    </dgm:txFillClrLst>
+    <dgm:txEffectClrLst/>
+  </dgm:styleLbl>
+  <dgm:styleLbl name="callout">
+    <dgm:fillClrLst meth="repeat">
+      <a:schemeClr val="accent4"/>
+    </dgm:fillClrLst>
+    <dgm:linClrLst meth="repeat">
+      <a:schemeClr val="accent4">
+        <a:tint val="50000"/>
+      </a:schemeClr>
+    </dgm:linClrLst>
+    <dgm:effectClrLst/>
+    <dgm:txLinClrLst/>
+    <dgm:txFillClrLst meth="repeat">
+      <a:schemeClr val="tx1"/>
+    </dgm:txFillClrLst>
+    <dgm:txEffectClrLst/>
+  </dgm:styleLbl>
+  <dgm:styleLbl name="asst0">
+    <dgm:fillClrLst meth="repeat">
+      <a:schemeClr val="accent4"/>
+    </dgm:fillClrLst>
+    <dgm:linClrLst meth="repeat">
+      <a:schemeClr val="lt1"/>
+    </dgm:linClrLst>
+    <dgm:effectClrLst/>
+    <dgm:txLinClrLst/>
+    <dgm:txFillClrLst/>
+    <dgm:txEffectClrLst/>
+  </dgm:styleLbl>
+  <dgm:styleLbl name="asst1">
+    <dgm:fillClrLst meth="repeat">
+      <a:schemeClr val="accent4"/>
+    </dgm:fillClrLst>
+    <dgm:linClrLst meth="repeat">
+      <a:schemeClr val="lt1"/>
+    </dgm:linClrLst>
+    <dgm:effectClrLst/>
+    <dgm:txLinClrLst/>
+    <dgm:txFillClrLst/>
+    <dgm:txEffectClrLst/>
+  </dgm:styleLbl>
+  <dgm:styleLbl name="asst2">
+    <dgm:fillClrLst meth="repeat">
+      <a:schemeClr val="accent4"/>
+    </dgm:fillClrLst>
+    <dgm:linClrLst meth="repeat">
+      <a:schemeClr val="lt1"/>
+    </dgm:linClrLst>
+    <dgm:effectClrLst/>
+    <dgm:txLinClrLst/>
+    <dgm:txFillClrLst/>
+    <dgm:txEffectClrLst/>
+  </dgm:styleLbl>
+  <dgm:styleLbl name="asst3">
+    <dgm:fillClrLst meth="repeat">
+      <a:schemeClr val="accent4"/>
+    </dgm:fillClrLst>
+    <dgm:linClrLst meth="repeat">
+      <a:schemeClr val="lt1"/>
+    </dgm:linClrLst>
+    <dgm:effectClrLst/>
+    <dgm:txLinClrLst/>
+    <dgm:txFillClrLst/>
+    <dgm:txEffectClrLst/>
+  </dgm:styleLbl>
+  <dgm:styleLbl name="asst4">
+    <dgm:fillClrLst meth="repeat">
+      <a:schemeClr val="accent4"/>
+    </dgm:fillClrLst>
+    <dgm:linClrLst meth="repeat">
+      <a:schemeClr val="lt1"/>
+    </dgm:linClrLst>
+    <dgm:effectClrLst/>
+    <dgm:txLinClrLst/>
+    <dgm:txFillClrLst/>
+    <dgm:txEffectClrLst/>
+  </dgm:styleLbl>
+  <dgm:styleLbl name="parChTrans2D1">
+    <dgm:fillClrLst meth="repeat">
+      <a:schemeClr val="accent4">
+        <a:tint val="60000"/>
+      </a:schemeClr>
+    </dgm:fillClrLst>
+    <dgm:linClrLst meth="repeat">
+      <a:schemeClr val="accent4">
+        <a:tint val="60000"/>
+      </a:schemeClr>
+    </dgm:linClrLst>
+    <dgm:effectClrLst/>
+    <dgm:txLinClrLst/>
+    <dgm:txFillClrLst meth="repeat">
+      <a:schemeClr val="lt1"/>
+    </dgm:txFillClrLst>
+    <dgm:txEffectClrLst/>
+  </dgm:styleLbl>
+  <dgm:styleLbl name="parChTrans2D2">
+    <dgm:fillClrLst meth="repeat">
+      <a:schemeClr val="accent4"/>
+    </dgm:fillClrLst>
+    <dgm:linClrLst meth="repeat">
+      <a:schemeClr val="accent4"/>
+    </dgm:linClrLst>
+    <dgm:effectClrLst/>
+    <dgm:txLinClrLst/>
+    <dgm:txFillClrLst meth="repeat">
+      <a:schemeClr val="lt1"/>
+    </dgm:txFillClrLst>
+    <dgm:txEffectClrLst/>
+  </dgm:styleLbl>
+  <dgm:styleLbl name="parChTrans2D3">
+    <dgm:fillClrLst meth="repeat">
+      <a:schemeClr val="accent4"/>
+    </dgm:fillClrLst>
+    <dgm:linClrLst meth="repeat">
+      <a:schemeClr val="accent4"/>
+    </dgm:linClrLst>
+    <dgm:effectClrLst/>
+    <dgm:txLinClrLst/>
+    <dgm:txFillClrLst meth="repeat">
+      <a:schemeClr val="lt1"/>
+    </dgm:txFillClrLst>
+    <dgm:txEffectClrLst/>
+  </dgm:styleLbl>
+  <dgm:styleLbl name="parChTrans2D4">
+    <dgm:fillClrLst meth="repeat">
+      <a:schemeClr val="accent4"/>
+    </dgm:fillClrLst>
+    <dgm:linClrLst meth="repeat">
+      <a:schemeClr val="accent4"/>
+    </dgm:linClrLst>
+    <dgm:effectClrLst/>
+    <dgm:txLinClrLst/>
+    <dgm:txFillClrLst meth="repeat">
+      <a:schemeClr val="lt1"/>
+    </dgm:txFillClrLst>
+    <dgm:txEffectClrLst/>
+  </dgm:styleLbl>
+  <dgm:styleLbl name="parChTrans1D1">
+    <dgm:fillClrLst meth="repeat">
+      <a:schemeClr val="accent4"/>
+    </dgm:fillClrLst>
+    <dgm:linClrLst meth="repeat">
+      <a:schemeClr val="accent4">
+        <a:shade val="60000"/>
+      </a:schemeClr>
+    </dgm:linClrLst>
+    <dgm:effectClrLst/>
+    <dgm:txLinClrLst/>
+    <dgm:txFillClrLst meth="repeat">
+      <a:schemeClr val="tx1"/>
+    </dgm:txFillClrLst>
+    <dgm:txEffectClrLst/>
+  </dgm:styleLbl>
+  <dgm:styleLbl name="parChTrans1D2">
+    <dgm:fillClrLst meth="repeat">
+      <a:schemeClr val="accent4"/>
+    </dgm:fillClrLst>
+    <dgm:linClrLst meth="repeat">
+      <a:schemeClr val="accent4">
+        <a:shade val="60000"/>
+      </a:schemeClr>
+    </dgm:linClrLst>
+    <dgm:effectClrLst/>
+    <dgm:txLinClrLst/>
+    <dgm:txFillClrLst meth="repeat">
+      <a:schemeClr val="tx1"/>
+    </dgm:txFillClrLst>
+    <dgm:txEffectClrLst/>
+  </dgm:styleLbl>
+  <dgm:styleLbl name="parChTrans1D3">
+    <dgm:fillClrLst meth="repeat">
+      <a:schemeClr val="accent4"/>
+    </dgm:fillClrLst>
+    <dgm:linClrLst meth="repeat">
+      <a:schemeClr val="accent4">
+        <a:shade val="80000"/>
+      </a:schemeClr>
+    </dgm:linClrLst>
+    <dgm:effectClrLst/>
+    <dgm:txLinClrLst/>
+    <dgm:txFillClrLst meth="repeat">
+      <a:schemeClr val="tx1"/>
+    </dgm:txFillClrLst>
+    <dgm:txEffectClrLst/>
+  </dgm:styleLbl>
+  <dgm:styleLbl name="parChTrans1D4">
+    <dgm:fillClrLst meth="repeat">
+      <a:schemeClr val="accent4"/>
+    </dgm:fillClrLst>
+    <dgm:linClrLst meth="repeat">
+      <a:schemeClr val="accent4">
+        <a:shade val="80000"/>
+      </a:schemeClr>
+    </dgm:linClrLst>
+    <dgm:effectClrLst/>
+    <dgm:txLinClrLst/>
+    <dgm:txFillClrLst meth="repeat">
+      <a:schemeClr val="tx1"/>
+    </dgm:txFillClrLst>
+    <dgm:txEffectClrLst/>
+  </dgm:styleLbl>
+  <dgm:styleLbl name="fgAcc1">
+    <dgm:fillClrLst meth="repeat">
+      <a:schemeClr val="lt1">
+        <a:alpha val="90000"/>
+      </a:schemeClr>
+    </dgm:fillClrLst>
+    <dgm:linClrLst meth="repeat">
+      <a:schemeClr val="accent4"/>
+    </dgm:linClrLst>
+    <dgm:effectClrLst/>
+    <dgm:txLinClrLst/>
+    <dgm:txFillClrLst meth="repeat">
+      <a:schemeClr val="dk1"/>
+    </dgm:txFillClrLst>
+    <dgm:txEffectClrLst/>
+  </dgm:styleLbl>
+  <dgm:styleLbl name="conFgAcc1">
+    <dgm:fillClrLst meth="repeat">
+      <a:schemeClr val="lt1">
+        <a:alpha val="90000"/>
+      </a:schemeClr>
+    </dgm:fillClrLst>
+    <dgm:linClrLst meth="repeat">
+      <a:schemeClr val="accent4"/>
+    </dgm:linClrLst>
+    <dgm:effectClrLst/>
+    <dgm:txLinClrLst/>
+    <dgm:txFillClrLst meth="repeat">
+      <a:schemeClr val="dk1"/>
+    </dgm:txFillClrLst>
+    <dgm:txEffectClrLst/>
+  </dgm:styleLbl>
+  <dgm:styleLbl name="alignAcc1">
+    <dgm:fillClrLst meth="repeat">
+      <a:schemeClr val="lt1">
+        <a:alpha val="90000"/>
+      </a:schemeClr>
+    </dgm:fillClrLst>
+    <dgm:linClrLst meth="repeat">
+      <a:schemeClr val="accent4"/>
+    </dgm:linClrLst>
+    <dgm:effectClrLst/>
+    <dgm:txLinClrLst/>
+    <dgm:txFillClrLst meth="repeat">
+      <a:schemeClr val="dk1"/>
+    </dgm:txFillClrLst>
+    <dgm:txEffectClrLst/>
+  </dgm:styleLbl>
+  <dgm:styleLbl name="trAlignAcc1">
+    <dgm:fillClrLst meth="repeat">
+      <a:schemeClr val="lt1">
+        <a:alpha val="40000"/>
+      </a:schemeClr>
+    </dgm:fillClrLst>
+    <dgm:linClrLst meth="repeat">
+      <a:schemeClr val="accent4"/>
+    </dgm:linClrLst>
+    <dgm:effectClrLst/>
+    <dgm:txLinClrLst/>
+    <dgm:txFillClrLst meth="repeat">
+      <a:schemeClr val="dk1"/>
+    </dgm:txFillClrLst>
+    <dgm:txEffectClrLst/>
+  </dgm:styleLbl>
+  <dgm:styleLbl name="bgAcc1">
+    <dgm:fillClrLst meth="repeat">
+      <a:schemeClr val="lt1">
+        <a:alpha val="90000"/>
+      </a:schemeClr>
+    </dgm:fillClrLst>
+    <dgm:linClrLst meth="repeat">
+      <a:schemeClr val="accent4"/>
+    </dgm:linClrLst>
+    <dgm:effectClrLst/>
+    <dgm:txLinClrLst/>
+    <dgm:txFillClrLst meth="repeat">
+      <a:schemeClr val="dk1"/>
+    </dgm:txFillClrLst>
+    <dgm:txEffectClrLst/>
+  </dgm:styleLbl>
+  <dgm:styleLbl name="solidFgAcc1">
+    <dgm:fillClrLst meth="repeat">
+      <a:schemeClr val="lt1"/>
+    </dgm:fillClrLst>
+    <dgm:linClrLst meth="repeat">
+      <a:schemeClr val="accent4"/>
+    </dgm:linClrLst>
+    <dgm:effectClrLst/>
+    <dgm:txLinClrLst/>
+    <dgm:txFillClrLst meth="repeat">
+      <a:schemeClr val="dk1"/>
+    </dgm:txFillClrLst>
+    <dgm:txEffectClrLst/>
+  </dgm:styleLbl>
+  <dgm:styleLbl name="solidAlignAcc1">
+    <dgm:fillClrLst meth="repeat">
+      <a:schemeClr val="lt1"/>
+    </dgm:fillClrLst>
+    <dgm:linClrLst meth="repeat">
+      <a:schemeClr val="accent4"/>
+    </dgm:linClrLst>
+    <dgm:effectClrLst/>
+    <dgm:txLinClrLst/>
+    <dgm:txFillClrLst meth="repeat">
+      <a:schemeClr val="dk1"/>
+    </dgm:txFillClrLst>
+    <dgm:txEffectClrLst/>
+  </dgm:styleLbl>
+  <dgm:styleLbl name="solidBgAcc1">
+    <dgm:fillClrLst meth="repeat">
+      <a:schemeClr val="lt1"/>
+    </dgm:fillClrLst>
+    <dgm:linClrLst meth="repeat">
+      <a:schemeClr val="accent4"/>
+    </dgm:linClrLst>
+    <dgm:effectClrLst/>
+    <dgm:txLinClrLst/>
+    <dgm:txFillClrLst meth="repeat">
+      <a:schemeClr val="dk1"/>
+    </dgm:txFillClrLst>
+    <dgm:txEffectClrLst/>
+  </dgm:styleLbl>
+  <dgm:styleLbl name="fgAccFollowNode1">
+    <dgm:fillClrLst meth="repeat">
+      <a:schemeClr val="accent4">
+        <a:alpha val="90000"/>
+        <a:tint val="40000"/>
+      </a:schemeClr>
+    </dgm:fillClrLst>
+    <dgm:linClrLst meth="repeat">
+      <a:schemeClr val="accent4">
+        <a:alpha val="90000"/>
+        <a:tint val="40000"/>
+      </a:schemeClr>
+    </dgm:linClrLst>
+    <dgm:effectClrLst/>
+    <dgm:txLinClrLst/>
+    <dgm:txFillClrLst meth="repeat">
+      <a:schemeClr val="dk1"/>
+    </dgm:txFillClrLst>
+    <dgm:txEffectClrLst/>
+  </dgm:styleLbl>
+  <dgm:styleLbl name="alignAccFollowNode1">
+    <dgm:fillClrLst meth="repeat">
+      <a:schemeClr val="accent4">
+        <a:alpha val="90000"/>
+        <a:tint val="40000"/>
+      </a:schemeClr>
+    </dgm:fillClrLst>
+    <dgm:linClrLst meth="repeat">
+      <a:schemeClr val="accent4">
+        <a:alpha val="90000"/>
+        <a:tint val="40000"/>
+      </a:schemeClr>
+    </dgm:linClrLst>
+    <dgm:effectClrLst/>
+    <dgm:txLinClrLst/>
+    <dgm:txFillClrLst meth="repeat">
+      <a:schemeClr val="dk1"/>
+    </dgm:txFillClrLst>
+    <dgm:txEffectClrLst/>
+  </dgm:styleLbl>
+  <dgm:styleLbl name="bgAccFollowNode1">
+    <dgm:fillClrLst meth="repeat">
+      <a:schemeClr val="accent4">
+        <a:alpha val="90000"/>
+        <a:tint val="40000"/>
+      </a:schemeClr>
+    </dgm:fillClrLst>
+    <dgm:linClrLst meth="repeat">
+      <a:schemeClr val="accent4">
+        <a:alpha val="90000"/>
+        <a:tint val="40000"/>
+      </a:schemeClr>
+    </dgm:linClrLst>
+    <dgm:effectClrLst/>
+    <dgm:txLinClrLst/>
+    <dgm:txFillClrLst meth="repeat">
+      <a:schemeClr val="dk1"/>
+    </dgm:txFillClrLst>
+    <dgm:txEffectClrLst/>
+  </dgm:styleLbl>
+  <dgm:styleLbl name="fgAcc0">
+    <dgm:fillClrLst meth="repeat">
+      <a:schemeClr val="lt1">
+        <a:alpha val="90000"/>
+      </a:schemeClr>
+    </dgm:fillClrLst>
+    <dgm:linClrLst meth="repeat">
+      <a:schemeClr val="accent4"/>
+    </dgm:linClrLst>
+    <dgm:effectClrLst/>
+    <dgm:txLinClrLst/>
+    <dgm:txFillClrLst meth="repeat">
+      <a:schemeClr val="dk1"/>
+    </dgm:txFillClrLst>
+    <dgm:txEffectClrLst/>
+  </dgm:styleLbl>
+  <dgm:styleLbl name="fgAcc2">
+    <dgm:fillClrLst meth="repeat">
+      <a:schemeClr val="lt1">
+        <a:alpha val="90000"/>
+      </a:schemeClr>
+    </dgm:fillClrLst>
+    <dgm:linClrLst meth="repeat">
+      <a:schemeClr val="accent4"/>
+    </dgm:linClrLst>
+    <dgm:effectClrLst/>
+    <dgm:txLinClrLst/>
+    <dgm:txFillClrLst meth="repeat">
+      <a:schemeClr val="dk1"/>
+    </dgm:txFillClrLst>
+    <dgm:txEffectClrLst/>
+  </dgm:styleLbl>
+  <dgm:styleLbl name="fgAcc3">
+    <dgm:fillClrLst meth="repeat">
+      <a:schemeClr val="lt1">
+        <a:alpha val="90000"/>
+      </a:schemeClr>
+    </dgm:fillClrLst>
+    <dgm:linClrLst meth="repeat">
+      <a:schemeClr val="accent4"/>
+    </dgm:linClrLst>
+    <dgm:effectClrLst/>
+    <dgm:txLinClrLst/>
+    <dgm:txFillClrLst meth="repeat">
+      <a:schemeClr val="dk1"/>
+    </dgm:txFillClrLst>
+    <dgm:txEffectClrLst/>
+  </dgm:styleLbl>
+  <dgm:styleLbl name="fgAcc4">
+    <dgm:fillClrLst meth="repeat">
+      <a:schemeClr val="lt1">
+        <a:alpha val="90000"/>
+      </a:schemeClr>
+    </dgm:fillClrLst>
+    <dgm:linClrLst meth="repeat">
+      <a:schemeClr val="accent4"/>
+    </dgm:linClrLst>
+    <dgm:effectClrLst/>
+    <dgm:txLinClrLst/>
+    <dgm:txFillClrLst meth="repeat">
+      <a:schemeClr val="dk1"/>
+    </dgm:txFillClrLst>
+    <dgm:txEffectClrLst/>
+  </dgm:styleLbl>
+  <dgm:styleLbl name="bgShp">
+    <dgm:fillClrLst meth="repeat">
+      <a:schemeClr val="accent4">
+        <a:tint val="40000"/>
+      </a:schemeClr>
+    </dgm:fillClrLst>
+    <dgm:linClrLst meth="repeat">
+      <a:schemeClr val="accent4"/>
+    </dgm:linClrLst>
+    <dgm:effectClrLst/>
+    <dgm:txLinClrLst/>
+    <dgm:txFillClrLst meth="repeat">
+      <a:schemeClr val="dk1"/>
+    </dgm:txFillClrLst>
+    <dgm:txEffectClrLst/>
+  </dgm:styleLbl>
+  <dgm:styleLbl name="dkBgShp">
+    <dgm:fillClrLst meth="repeat">
+      <a:schemeClr val="accent4">
+        <a:shade val="80000"/>
+      </a:schemeClr>
+    </dgm:fillClrLst>
+    <dgm:linClrLst meth="repeat">
+      <a:schemeClr val="accent4"/>
+    </dgm:linClrLst>
+    <dgm:effectClrLst/>
+    <dgm:txLinClrLst/>
+    <dgm:txFillClrLst meth="repeat">
+      <a:schemeClr val="lt1"/>
+    </dgm:txFillClrLst>
+    <dgm:txEffectClrLst/>
+  </dgm:styleLbl>
+  <dgm:styleLbl name="trBgShp">
+    <dgm:fillClrLst meth="repeat">
+      <a:schemeClr val="accent4">
+        <a:tint val="50000"/>
+        <a:alpha val="40000"/>
+      </a:schemeClr>
+    </dgm:fillClrLst>
+    <dgm:linClrLst meth="repeat">
+      <a:schemeClr val="accent4"/>
+    </dgm:linClrLst>
+    <dgm:effectClrLst/>
+    <dgm:txLinClrLst/>
+    <dgm:txFillClrLst meth="repeat">
+      <a:schemeClr val="lt1"/>
+    </dgm:txFillClrLst>
+    <dgm:txEffectClrLst/>
+  </dgm:styleLbl>
+  <dgm:styleLbl name="fgShp">
+    <dgm:fillClrLst meth="repeat">
+      <a:schemeClr val="accent4">
+        <a:tint val="60000"/>
+      </a:schemeClr>
+    </dgm:fillClrLst>
+    <dgm:linClrLst meth="repeat">
+      <a:schemeClr val="lt1"/>
+    </dgm:linClrLst>
+    <dgm:effectClrLst/>
+    <dgm:txLinClrLst/>
+    <dgm:txFillClrLst meth="repeat">
+      <a:schemeClr val="dk1"/>
+    </dgm:txFillClrLst>
+    <dgm:txEffectClrLst/>
+  </dgm:styleLbl>
+  <dgm:styleLbl name="revTx">
+    <dgm:fillClrLst meth="repeat">
+      <a:schemeClr val="lt1">
+        <a:alpha val="0"/>
+      </a:schemeClr>
+    </dgm:fillClrLst>
+    <dgm:linClrLst meth="repeat">
+      <a:schemeClr val="dk1">
+        <a:alpha val="0"/>
+      </a:schemeClr>
+    </dgm:linClrLst>
+    <dgm:effectClrLst/>
+    <dgm:txLinClrLst/>
+    <dgm:txFillClrLst meth="repeat">
+      <a:schemeClr val="tx1"/>
+    </dgm:txFillClrLst>
+    <dgm:txEffectClrLst/>
+  </dgm:styleLbl>
+</dgm:colorsDef>
+</file>
+
+<file path=ppt/diagrams/colors2.xml><?xml version="1.0" encoding="utf-8"?>
+<dgm:colorsDef xmlns:dgm="http://schemas.openxmlformats.org/drawingml/2006/diagram" xmlns:a="http://schemas.openxmlformats.org/drawingml/2006/main" uniqueId="urn:microsoft.com/office/officeart/2005/8/colors/accent4_2">
+  <dgm:title val=""/>
+  <dgm:desc val=""/>
+  <dgm:catLst>
+    <dgm:cat type="accent4" pri="11200"/>
+  </dgm:catLst>
+  <dgm:styleLbl name="node0">
+    <dgm:fillClrLst meth="repeat">
+      <a:schemeClr val="accent4"/>
+    </dgm:fillClrLst>
+    <dgm:linClrLst meth="repeat">
+      <a:schemeClr val="lt1"/>
+    </dgm:linClrLst>
+    <dgm:effectClrLst/>
+    <dgm:txLinClrLst/>
+    <dgm:txFillClrLst/>
+    <dgm:txEffectClrLst/>
+  </dgm:styleLbl>
+  <dgm:styleLbl name="node1">
+    <dgm:fillClrLst meth="repeat">
+      <a:schemeClr val="accent4"/>
+    </dgm:fillClrLst>
+    <dgm:linClrLst meth="repeat">
+      <a:schemeClr val="lt1"/>
+    </dgm:linClrLst>
+    <dgm:effectClrLst/>
+    <dgm:txLinClrLst/>
+    <dgm:txFillClrLst/>
+    <dgm:txEffectClrLst/>
+  </dgm:styleLbl>
+  <dgm:styleLbl name="alignNode1">
+    <dgm:fillClrLst meth="repeat">
+      <a:schemeClr val="accent4"/>
+    </dgm:fillClrLst>
+    <dgm:linClrLst meth="repeat">
+      <a:schemeClr val="accent4"/>
+    </dgm:linClrLst>
+    <dgm:effectClrLst/>
+    <dgm:txLinClrLst/>
+    <dgm:txFillClrLst/>
+    <dgm:txEffectClrLst/>
+  </dgm:styleLbl>
+  <dgm:styleLbl name="lnNode1">
+    <dgm:fillClrLst meth="repeat">
+      <a:schemeClr val="accent4"/>
+    </dgm:fillClrLst>
+    <dgm:linClrLst meth="repeat">
+      <a:schemeClr val="lt1"/>
+    </dgm:linClrLst>
+    <dgm:effectClrLst/>
+    <dgm:txLinClrLst/>
+    <dgm:txFillClrLst/>
+    <dgm:txEffectClrLst/>
+  </dgm:styleLbl>
+  <dgm:styleLbl name="vennNode1">
+    <dgm:fillClrLst meth="repeat">
+      <a:schemeClr val="accent4">
+        <a:alpha val="50000"/>
+      </a:schemeClr>
+    </dgm:fillClrLst>
+    <dgm:linClrLst meth="repeat">
+      <a:schemeClr val="lt1"/>
+    </dgm:linClrLst>
+    <dgm:effectClrLst/>
+    <dgm:txLinClrLst/>
+    <dgm:txFillClrLst/>
+    <dgm:txEffectClrLst/>
+  </dgm:styleLbl>
+  <dgm:styleLbl name="node2">
+    <dgm:fillClrLst meth="repeat">
+      <a:schemeClr val="accent4"/>
+    </dgm:fillClrLst>
+    <dgm:linClrLst meth="repeat">
+      <a:schemeClr val="lt1"/>
+    </dgm:linClrLst>
+    <dgm:effectClrLst/>
+    <dgm:txLinClrLst/>
+    <dgm:txFillClrLst/>
+    <dgm:txEffectClrLst/>
+  </dgm:styleLbl>
+  <dgm:styleLbl name="node3">
+    <dgm:fillClrLst meth="repeat">
+      <a:schemeClr val="accent4"/>
+    </dgm:fillClrLst>
+    <dgm:linClrLst meth="repeat">
+      <a:schemeClr val="lt1"/>
+    </dgm:linClrLst>
+    <dgm:effectClrLst/>
+    <dgm:txLinClrLst/>
+    <dgm:txFillClrLst/>
+    <dgm:txEffectClrLst/>
+  </dgm:styleLbl>
+  <dgm:styleLbl name="node4">
+    <dgm:fillClrLst meth="repeat">
+      <a:schemeClr val="accent4"/>
+    </dgm:fillClrLst>
+    <dgm:linClrLst meth="repeat">
+      <a:schemeClr val="lt1"/>
+    </dgm:linClrLst>
+    <dgm:effectClrLst/>
+    <dgm:txLinClrLst/>
+    <dgm:txFillClrLst/>
+    <dgm:txEffectClrLst/>
+  </dgm:styleLbl>
+  <dgm:styleLbl name="fgImgPlace1">
+    <dgm:fillClrLst meth="repeat">
+      <a:schemeClr val="accent4">
+        <a:tint val="50000"/>
+      </a:schemeClr>
+    </dgm:fillClrLst>
+    <dgm:linClrLst meth="repeat">
+      <a:schemeClr val="lt1"/>
+    </dgm:linClrLst>
+    <dgm:effectClrLst/>
+    <dgm:txLinClrLst/>
+    <dgm:txFillClrLst meth="repeat">
+      <a:schemeClr val="lt1"/>
+    </dgm:txFillClrLst>
+    <dgm:txEffectClrLst/>
+  </dgm:styleLbl>
+  <dgm:styleLbl name="alignImgPlace1">
+    <dgm:fillClrLst meth="repeat">
+      <a:schemeClr val="accent4">
+        <a:tint val="50000"/>
+      </a:schemeClr>
+    </dgm:fillClrLst>
+    <dgm:linClrLst meth="repeat">
+      <a:schemeClr val="lt1"/>
+    </dgm:linClrLst>
+    <dgm:effectClrLst/>
+    <dgm:txLinClrLst/>
+    <dgm:txFillClrLst meth="repeat">
+      <a:schemeClr val="lt1"/>
+    </dgm:txFillClrLst>
+    <dgm:txEffectClrLst/>
+  </dgm:styleLbl>
+  <dgm:styleLbl name="bgImgPlace1">
+    <dgm:fillClrLst meth="repeat">
+      <a:schemeClr val="accent4">
+        <a:tint val="50000"/>
+      </a:schemeClr>
+    </dgm:fillClrLst>
+    <dgm:linClrLst meth="repeat">
+      <a:schemeClr val="lt1"/>
+    </dgm:linClrLst>
+    <dgm:effectClrLst/>
+    <dgm:txLinClrLst/>
+    <dgm:txFillClrLst meth="repeat">
+      <a:schemeClr val="lt1"/>
+    </dgm:txFillClrLst>
+    <dgm:txEffectClrLst/>
+  </dgm:styleLbl>
+  <dgm:styleLbl name="sibTrans2D1">
+    <dgm:fillClrLst meth="repeat">
+      <a:schemeClr val="accent4">
+        <a:tint val="60000"/>
+      </a:schemeClr>
+    </dgm:fillClrLst>
+    <dgm:linClrLst meth="repeat">
+      <a:schemeClr val="accent4">
+        <a:tint val="60000"/>
+      </a:schemeClr>
+    </dgm:linClrLst>
+    <dgm:effectClrLst/>
+    <dgm:txLinClrLst/>
+    <dgm:txFillClrLst/>
+    <dgm:txEffectClrLst/>
+  </dgm:styleLbl>
+  <dgm:styleLbl name="fgSibTrans2D1">
+    <dgm:fillClrLst meth="repeat">
+      <a:schemeClr val="accent4">
+        <a:tint val="60000"/>
+      </a:schemeClr>
+    </dgm:fillClrLst>
+    <dgm:linClrLst meth="repeat">
+      <a:schemeClr val="accent4">
+        <a:tint val="60000"/>
+      </a:schemeClr>
+    </dgm:linClrLst>
+    <dgm:effectClrLst/>
+    <dgm:txLinClrLst/>
+    <dgm:txFillClrLst/>
+    <dgm:txEffectClrLst/>
+  </dgm:styleLbl>
+  <dgm:styleLbl name="bgSibTrans2D1">
+    <dgm:fillClrLst meth="repeat">
+      <a:schemeClr val="accent4">
+        <a:tint val="60000"/>
+      </a:schemeClr>
+    </dgm:fillClrLst>
+    <dgm:linClrLst meth="repeat">
+      <a:schemeClr val="accent4">
+        <a:tint val="60000"/>
+      </a:schemeClr>
+    </dgm:linClrLst>
+    <dgm:effectClrLst/>
+    <dgm:txLinClrLst/>
+    <dgm:txFillClrLst/>
+    <dgm:txEffectClrLst/>
+  </dgm:styleLbl>
+  <dgm:styleLbl name="sibTrans1D1">
+    <dgm:fillClrLst meth="repeat">
+      <a:schemeClr val="accent4"/>
+    </dgm:fillClrLst>
+    <dgm:linClrLst meth="repeat">
+      <a:schemeClr val="accent4"/>
+    </dgm:linClrLst>
+    <dgm:effectClrLst/>
+    <dgm:txLinClrLst/>
+    <dgm:txFillClrLst meth="repeat">
+      <a:schemeClr val="tx1"/>
+    </dgm:txFillClrLst>
+    <dgm:txEffectClrLst/>
+  </dgm:styleLbl>
+  <dgm:styleLbl name="callout">
+    <dgm:fillClrLst meth="repeat">
+      <a:schemeClr val="accent4"/>
+    </dgm:fillClrLst>
+    <dgm:linClrLst meth="repeat">
+      <a:schemeClr val="accent4">
+        <a:tint val="50000"/>
+      </a:schemeClr>
+    </dgm:linClrLst>
+    <dgm:effectClrLst/>
+    <dgm:txLinClrLst/>
+    <dgm:txFillClrLst meth="repeat">
+      <a:schemeClr val="tx1"/>
+    </dgm:txFillClrLst>
+    <dgm:txEffectClrLst/>
+  </dgm:styleLbl>
+  <dgm:styleLbl name="asst0">
+    <dgm:fillClrLst meth="repeat">
+      <a:schemeClr val="accent4"/>
+    </dgm:fillClrLst>
+    <dgm:linClrLst meth="repeat">
+      <a:schemeClr val="lt1"/>
+    </dgm:linClrLst>
+    <dgm:effectClrLst/>
+    <dgm:txLinClrLst/>
+    <dgm:txFillClrLst/>
+    <dgm:txEffectClrLst/>
+  </dgm:styleLbl>
+  <dgm:styleLbl name="asst1">
+    <dgm:fillClrLst meth="repeat">
+      <a:schemeClr val="accent4"/>
+    </dgm:fillClrLst>
+    <dgm:linClrLst meth="repeat">
+      <a:schemeClr val="lt1"/>
+    </dgm:linClrLst>
+    <dgm:effectClrLst/>
+    <dgm:txLinClrLst/>
+    <dgm:txFillClrLst/>
+    <dgm:txEffectClrLst/>
+  </dgm:styleLbl>
+  <dgm:styleLbl name="asst2">
+    <dgm:fillClrLst meth="repeat">
+      <a:schemeClr val="accent4"/>
+    </dgm:fillClrLst>
+    <dgm:linClrLst meth="repeat">
+      <a:schemeClr val="lt1"/>
+    </dgm:linClrLst>
+    <dgm:effectClrLst/>
+    <dgm:txLinClrLst/>
+    <dgm:txFillClrLst/>
+    <dgm:txEffectClrLst/>
+  </dgm:styleLbl>
+  <dgm:styleLbl name="asst3">
+    <dgm:fillClrLst meth="repeat">
+      <a:schemeClr val="accent4"/>
+    </dgm:fillClrLst>
+    <dgm:linClrLst meth="repeat">
+      <a:schemeClr val="lt1"/>
+    </dgm:linClrLst>
+    <dgm:effectClrLst/>
+    <dgm:txLinClrLst/>
+    <dgm:txFillClrLst/>
+    <dgm:txEffectClrLst/>
+  </dgm:styleLbl>
+  <dgm:styleLbl name="asst4">
+    <dgm:fillClrLst meth="repeat">
+      <a:schemeClr val="accent4"/>
+    </dgm:fillClrLst>
+    <dgm:linClrLst meth="repeat">
+      <a:schemeClr val="lt1"/>
+    </dgm:linClrLst>
+    <dgm:effectClrLst/>
+    <dgm:txLinClrLst/>
+    <dgm:txFillClrLst/>
+    <dgm:txEffectClrLst/>
+  </dgm:styleLbl>
+  <dgm:styleLbl name="parChTrans2D1">
+    <dgm:fillClrLst meth="repeat">
+      <a:schemeClr val="accent4">
+        <a:tint val="60000"/>
+      </a:schemeClr>
+    </dgm:fillClrLst>
+    <dgm:linClrLst meth="repeat">
+      <a:schemeClr val="accent4">
+        <a:tint val="60000"/>
+      </a:schemeClr>
+    </dgm:linClrLst>
+    <dgm:effectClrLst/>
+    <dgm:txLinClrLst/>
+    <dgm:txFillClrLst meth="repeat">
+      <a:schemeClr val="lt1"/>
+    </dgm:txFillClrLst>
+    <dgm:txEffectClrLst/>
+  </dgm:styleLbl>
+  <dgm:styleLbl name="parChTrans2D2">
+    <dgm:fillClrLst meth="repeat">
+      <a:schemeClr val="accent4"/>
+    </dgm:fillClrLst>
+    <dgm:linClrLst meth="repeat">
+      <a:schemeClr val="accent4"/>
+    </dgm:linClrLst>
+    <dgm:effectClrLst/>
+    <dgm:txLinClrLst/>
+    <dgm:txFillClrLst meth="repeat">
+      <a:schemeClr val="lt1"/>
+    </dgm:txFillClrLst>
+    <dgm:txEffectClrLst/>
+  </dgm:styleLbl>
+  <dgm:styleLbl name="parChTrans2D3">
+    <dgm:fillClrLst meth="repeat">
+      <a:schemeClr val="accent4"/>
+    </dgm:fillClrLst>
+    <dgm:linClrLst meth="repeat">
+      <a:schemeClr val="accent4"/>
+    </dgm:linClrLst>
+    <dgm:effectClrLst/>
+    <dgm:txLinClrLst/>
+    <dgm:txFillClrLst meth="repeat">
+      <a:schemeClr val="lt1"/>
+    </dgm:txFillClrLst>
+    <dgm:txEffectClrLst/>
+  </dgm:styleLbl>
+  <dgm:styleLbl name="parChTrans2D4">
+    <dgm:fillClrLst meth="repeat">
+      <a:schemeClr val="accent4"/>
+    </dgm:fillClrLst>
+    <dgm:linClrLst meth="repeat">
+      <a:schemeClr val="accent4"/>
+    </dgm:linClrLst>
+    <dgm:effectClrLst/>
+    <dgm:txLinClrLst/>
+    <dgm:txFillClrLst meth="repeat">
+      <a:schemeClr val="lt1"/>
+    </dgm:txFillClrLst>
+    <dgm:txEffectClrLst/>
+  </dgm:styleLbl>
+  <dgm:styleLbl name="parChTrans1D1">
+    <dgm:fillClrLst meth="repeat">
+      <a:schemeClr val="accent4"/>
+    </dgm:fillClrLst>
+    <dgm:linClrLst meth="repeat">
+      <a:schemeClr val="accent4">
+        <a:shade val="60000"/>
+      </a:schemeClr>
+    </dgm:linClrLst>
+    <dgm:effectClrLst/>
+    <dgm:txLinClrLst/>
+    <dgm:txFillClrLst meth="repeat">
+      <a:schemeClr val="tx1"/>
+    </dgm:txFillClrLst>
+    <dgm:txEffectClrLst/>
+  </dgm:styleLbl>
+  <dgm:styleLbl name="parChTrans1D2">
+    <dgm:fillClrLst meth="repeat">
+      <a:schemeClr val="accent4"/>
+    </dgm:fillClrLst>
+    <dgm:linClrLst meth="repeat">
+      <a:schemeClr val="accent4">
+        <a:shade val="60000"/>
+      </a:schemeClr>
+    </dgm:linClrLst>
+    <dgm:effectClrLst/>
+    <dgm:txLinClrLst/>
+    <dgm:txFillClrLst meth="repeat">
+      <a:schemeClr val="tx1"/>
+    </dgm:txFillClrLst>
+    <dgm:txEffectClrLst/>
+  </dgm:styleLbl>
+  <dgm:styleLbl name="parChTrans1D3">
+    <dgm:fillClrLst meth="repeat">
+      <a:schemeClr val="accent4"/>
+    </dgm:fillClrLst>
+    <dgm:linClrLst meth="repeat">
+      <a:schemeClr val="accent4">
+        <a:shade val="80000"/>
+      </a:schemeClr>
+    </dgm:linClrLst>
+    <dgm:effectClrLst/>
+    <dgm:txLinClrLst/>
+    <dgm:txFillClrLst meth="repeat">
+      <a:schemeClr val="tx1"/>
+    </dgm:txFillClrLst>
+    <dgm:txEffectClrLst/>
+  </dgm:styleLbl>
+  <dgm:styleLbl name="parChTrans1D4">
+    <dgm:fillClrLst meth="repeat">
+      <a:schemeClr val="accent4"/>
+    </dgm:fillClrLst>
+    <dgm:linClrLst meth="repeat">
+      <a:schemeClr val="accent4">
+        <a:shade val="80000"/>
+      </a:schemeClr>
+    </dgm:linClrLst>
+    <dgm:effectClrLst/>
+    <dgm:txLinClrLst/>
+    <dgm:txFillClrLst meth="repeat">
+      <a:schemeClr val="tx1"/>
+    </dgm:txFillClrLst>
+    <dgm:txEffectClrLst/>
+  </dgm:styleLbl>
+  <dgm:styleLbl name="fgAcc1">
+    <dgm:fillClrLst meth="repeat">
+      <a:schemeClr val="lt1">
+        <a:alpha val="90000"/>
+      </a:schemeClr>
+    </dgm:fillClrLst>
+    <dgm:linClrLst meth="repeat">
+      <a:schemeClr val="accent4"/>
+    </dgm:linClrLst>
+    <dgm:effectClrLst/>
+    <dgm:txLinClrLst/>
+    <dgm:txFillClrLst meth="repeat">
+      <a:schemeClr val="dk1"/>
+    </dgm:txFillClrLst>
+    <dgm:txEffectClrLst/>
+  </dgm:styleLbl>
+  <dgm:styleLbl name="conFgAcc1">
+    <dgm:fillClrLst meth="repeat">
+      <a:schemeClr val="lt1">
+        <a:alpha val="90000"/>
+      </a:schemeClr>
+    </dgm:fillClrLst>
+    <dgm:linClrLst meth="repeat">
+      <a:schemeClr val="accent4"/>
+    </dgm:linClrLst>
+    <dgm:effectClrLst/>
+    <dgm:txLinClrLst/>
+    <dgm:txFillClrLst meth="repeat">
+      <a:schemeClr val="dk1"/>
+    </dgm:txFillClrLst>
+    <dgm:txEffectClrLst/>
+  </dgm:styleLbl>
+  <dgm:styleLbl name="alignAcc1">
+    <dgm:fillClrLst meth="repeat">
+      <a:schemeClr val="lt1">
+        <a:alpha val="90000"/>
+      </a:schemeClr>
+    </dgm:fillClrLst>
+    <dgm:linClrLst meth="repeat">
+      <a:schemeClr val="accent4"/>
+    </dgm:linClrLst>
+    <dgm:effectClrLst/>
+    <dgm:txLinClrLst/>
+    <dgm:txFillClrLst meth="repeat">
+      <a:schemeClr val="dk1"/>
+    </dgm:txFillClrLst>
+    <dgm:txEffectClrLst/>
+  </dgm:styleLbl>
+  <dgm:styleLbl name="trAlignAcc1">
+    <dgm:fillClrLst meth="repeat">
+      <a:schemeClr val="lt1">
+        <a:alpha val="40000"/>
+      </a:schemeClr>
+    </dgm:fillClrLst>
+    <dgm:linClrLst meth="repeat">
+      <a:schemeClr val="accent4"/>
+    </dgm:linClrLst>
+    <dgm:effectClrLst/>
+    <dgm:txLinClrLst/>
+    <dgm:txFillClrLst meth="repeat">
+      <a:schemeClr val="dk1"/>
+    </dgm:txFillClrLst>
+    <dgm:txEffectClrLst/>
+  </dgm:styleLbl>
+  <dgm:styleLbl name="bgAcc1">
+    <dgm:fillClrLst meth="repeat">
+      <a:schemeClr val="lt1">
+        <a:alpha val="90000"/>
+      </a:schemeClr>
+    </dgm:fillClrLst>
+    <dgm:linClrLst meth="repeat">
+      <a:schemeClr val="accent4"/>
+    </dgm:linClrLst>
+    <dgm:effectClrLst/>
+    <dgm:txLinClrLst/>
+    <dgm:txFillClrLst meth="repeat">
+      <a:schemeClr val="dk1"/>
+    </dgm:txFillClrLst>
+    <dgm:txEffectClrLst/>
+  </dgm:styleLbl>
+  <dgm:styleLbl name="solidFgAcc1">
+    <dgm:fillClrLst meth="repeat">
+      <a:schemeClr val="lt1"/>
+    </dgm:fillClrLst>
+    <dgm:linClrLst meth="repeat">
+      <a:schemeClr val="accent4"/>
+    </dgm:linClrLst>
+    <dgm:effectClrLst/>
+    <dgm:txLinClrLst/>
+    <dgm:txFillClrLst meth="repeat">
+      <a:schemeClr val="dk1"/>
+    </dgm:txFillClrLst>
+    <dgm:txEffectClrLst/>
+  </dgm:styleLbl>
+  <dgm:styleLbl name="solidAlignAcc1">
+    <dgm:fillClrLst meth="repeat">
+      <a:schemeClr val="lt1"/>
+    </dgm:fillClrLst>
+    <dgm:linClrLst meth="repeat">
+      <a:schemeClr val="accent4"/>
+    </dgm:linClrLst>
+    <dgm:effectClrLst/>
+    <dgm:txLinClrLst/>
+    <dgm:txFillClrLst meth="repeat">
+      <a:schemeClr val="dk1"/>
+    </dgm:txFillClrLst>
+    <dgm:txEffectClrLst/>
+  </dgm:styleLbl>
+  <dgm:styleLbl name="solidBgAcc1">
+    <dgm:fillClrLst meth="repeat">
+      <a:schemeClr val="lt1"/>
+    </dgm:fillClrLst>
+    <dgm:linClrLst meth="repeat">
+      <a:schemeClr val="accent4"/>
+    </dgm:linClrLst>
+    <dgm:effectClrLst/>
+    <dgm:txLinClrLst/>
+    <dgm:txFillClrLst meth="repeat">
+      <a:schemeClr val="dk1"/>
+    </dgm:txFillClrLst>
+    <dgm:txEffectClrLst/>
+  </dgm:styleLbl>
+  <dgm:styleLbl name="fgAccFollowNode1">
+    <dgm:fillClrLst meth="repeat">
+      <a:schemeClr val="accent4">
+        <a:alpha val="90000"/>
+        <a:tint val="40000"/>
+      </a:schemeClr>
+    </dgm:fillClrLst>
+    <dgm:linClrLst meth="repeat">
+      <a:schemeClr val="accent4">
+        <a:alpha val="90000"/>
+        <a:tint val="40000"/>
+      </a:schemeClr>
+    </dgm:linClrLst>
+    <dgm:effectClrLst/>
+    <dgm:txLinClrLst/>
+    <dgm:txFillClrLst meth="repeat">
+      <a:schemeClr val="dk1"/>
+    </dgm:txFillClrLst>
+    <dgm:txEffectClrLst/>
+  </dgm:styleLbl>
+  <dgm:styleLbl name="alignAccFollowNode1">
+    <dgm:fillClrLst meth="repeat">
+      <a:schemeClr val="accent4">
+        <a:alpha val="90000"/>
+        <a:tint val="40000"/>
+      </a:schemeClr>
+    </dgm:fillClrLst>
+    <dgm:linClrLst meth="repeat">
+      <a:schemeClr val="accent4">
+        <a:alpha val="90000"/>
+        <a:tint val="40000"/>
+      </a:schemeClr>
+    </dgm:linClrLst>
+    <dgm:effectClrLst/>
+    <dgm:txLinClrLst/>
+    <dgm:txFillClrLst meth="repeat">
+      <a:schemeClr val="dk1"/>
+    </dgm:txFillClrLst>
+    <dgm:txEffectClrLst/>
+  </dgm:styleLbl>
+  <dgm:styleLbl name="bgAccFollowNode1">
+    <dgm:fillClrLst meth="repeat">
+      <a:schemeClr val="accent4">
+        <a:alpha val="90000"/>
+        <a:tint val="40000"/>
+      </a:schemeClr>
+    </dgm:fillClrLst>
+    <dgm:linClrLst meth="repeat">
+      <a:schemeClr val="accent4">
+        <a:alpha val="90000"/>
+        <a:tint val="40000"/>
+      </a:schemeClr>
+    </dgm:linClrLst>
+    <dgm:effectClrLst/>
+    <dgm:txLinClrLst/>
+    <dgm:txFillClrLst meth="repeat">
+      <a:schemeClr val="dk1"/>
+    </dgm:txFillClrLst>
+    <dgm:txEffectClrLst/>
+  </dgm:styleLbl>
+  <dgm:styleLbl name="fgAcc0">
+    <dgm:fillClrLst meth="repeat">
+      <a:schemeClr val="lt1">
+        <a:alpha val="90000"/>
+      </a:schemeClr>
+    </dgm:fillClrLst>
+    <dgm:linClrLst meth="repeat">
+      <a:schemeClr val="accent4"/>
+    </dgm:linClrLst>
+    <dgm:effectClrLst/>
+    <dgm:txLinClrLst/>
+    <dgm:txFillClrLst meth="repeat">
+      <a:schemeClr val="dk1"/>
+    </dgm:txFillClrLst>
+    <dgm:txEffectClrLst/>
+  </dgm:styleLbl>
+  <dgm:styleLbl name="fgAcc2">
+    <dgm:fillClrLst meth="repeat">
+      <a:schemeClr val="lt1">
+        <a:alpha val="90000"/>
+      </a:schemeClr>
+    </dgm:fillClrLst>
+    <dgm:linClrLst meth="repeat">
+      <a:schemeClr val="accent4"/>
+    </dgm:linClrLst>
+    <dgm:effectClrLst/>
+    <dgm:txLinClrLst/>
+    <dgm:txFillClrLst meth="repeat">
+      <a:schemeClr val="dk1"/>
+    </dgm:txFillClrLst>
+    <dgm:txEffectClrLst/>
+  </dgm:styleLbl>
+  <dgm:styleLbl name="fgAcc3">
+    <dgm:fillClrLst meth="repeat">
+      <a:schemeClr val="lt1">
+        <a:alpha val="90000"/>
+      </a:schemeClr>
+    </dgm:fillClrLst>
+    <dgm:linClrLst meth="repeat">
+      <a:schemeClr val="accent4"/>
+    </dgm:linClrLst>
+    <dgm:effectClrLst/>
+    <dgm:txLinClrLst/>
+    <dgm:txFillClrLst meth="repeat">
+      <a:schemeClr val="dk1"/>
+    </dgm:txFillClrLst>
+    <dgm:txEffectClrLst/>
+  </dgm:styleLbl>
+  <dgm:styleLbl name="fgAcc4">
+    <dgm:fillClrLst meth="repeat">
+      <a:schemeClr val="lt1">
+        <a:alpha val="90000"/>
+      </a:schemeClr>
+    </dgm:fillClrLst>
+    <dgm:linClrLst meth="repeat">
+      <a:schemeClr val="accent4"/>
+    </dgm:linClrLst>
+    <dgm:effectClrLst/>
+    <dgm:txLinClrLst/>
+    <dgm:txFillClrLst meth="repeat">
+      <a:schemeClr val="dk1"/>
+    </dgm:txFillClrLst>
+    <dgm:txEffectClrLst/>
+  </dgm:styleLbl>
+  <dgm:styleLbl name="bgShp">
+    <dgm:fillClrLst meth="repeat">
+      <a:schemeClr val="accent4">
+        <a:tint val="40000"/>
+      </a:schemeClr>
+    </dgm:fillClrLst>
+    <dgm:linClrLst meth="repeat">
+      <a:schemeClr val="accent4"/>
+    </dgm:linClrLst>
+    <dgm:effectClrLst/>
+    <dgm:txLinClrLst/>
+    <dgm:txFillClrLst meth="repeat">
+      <a:schemeClr val="dk1"/>
+    </dgm:txFillClrLst>
+    <dgm:txEffectClrLst/>
+  </dgm:styleLbl>
+  <dgm:styleLbl name="dkBgShp">
+    <dgm:fillClrLst meth="repeat">
+      <a:schemeClr val="accent4">
+        <a:shade val="80000"/>
+      </a:schemeClr>
+    </dgm:fillClrLst>
+    <dgm:linClrLst meth="repeat">
+      <a:schemeClr val="accent4"/>
+    </dgm:linClrLst>
+    <dgm:effectClrLst/>
+    <dgm:txLinClrLst/>
+    <dgm:txFillClrLst meth="repeat">
+      <a:schemeClr val="lt1"/>
+    </dgm:txFillClrLst>
+    <dgm:txEffectClrLst/>
+  </dgm:styleLbl>
+  <dgm:styleLbl name="trBgShp">
+    <dgm:fillClrLst meth="repeat">
+      <a:schemeClr val="accent4">
+        <a:tint val="50000"/>
+        <a:alpha val="40000"/>
+      </a:schemeClr>
+    </dgm:fillClrLst>
+    <dgm:linClrLst meth="repeat">
+      <a:schemeClr val="accent4"/>
+    </dgm:linClrLst>
+    <dgm:effectClrLst/>
+    <dgm:txLinClrLst/>
+    <dgm:txFillClrLst meth="repeat">
+      <a:schemeClr val="lt1"/>
+    </dgm:txFillClrLst>
+    <dgm:txEffectClrLst/>
+  </dgm:styleLbl>
+  <dgm:styleLbl name="fgShp">
+    <dgm:fillClrLst meth="repeat">
+      <a:schemeClr val="accent4">
+        <a:tint val="60000"/>
+      </a:schemeClr>
+    </dgm:fillClrLst>
+    <dgm:linClrLst meth="repeat">
+      <a:schemeClr val="lt1"/>
+    </dgm:linClrLst>
+    <dgm:effectClrLst/>
+    <dgm:txLinClrLst/>
+    <dgm:txFillClrLst meth="repeat">
+      <a:schemeClr val="dk1"/>
+    </dgm:txFillClrLst>
+    <dgm:txEffectClrLst/>
+  </dgm:styleLbl>
+  <dgm:styleLbl name="revTx">
+    <dgm:fillClrLst meth="repeat">
+      <a:schemeClr val="lt1">
+        <a:alpha val="0"/>
+      </a:schemeClr>
+    </dgm:fillClrLst>
+    <dgm:linClrLst meth="repeat">
+      <a:schemeClr val="dk1">
+        <a:alpha val="0"/>
+      </a:schemeClr>
+    </dgm:linClrLst>
+    <dgm:effectClrLst/>
+    <dgm:txLinClrLst/>
+    <dgm:txFillClrLst meth="repeat">
+      <a:schemeClr val="tx1"/>
+    </dgm:txFillClrLst>
+    <dgm:txEffectClrLst/>
+  </dgm:styleLbl>
+</dgm:colorsDef>
+</file>
+
+<file path=ppt/diagrams/data1.xml><?xml version="1.0" encoding="utf-8"?>
+<dgm:dataModel xmlns:dgm="http://schemas.openxmlformats.org/drawingml/2006/diagram" xmlns:a="http://schemas.openxmlformats.org/drawingml/2006/main">
+  <dgm:ptLst>
+    <dgm:pt modelId="{2261E47D-42FF-455B-9767-1F9550FD791A}" type="doc">
+      <dgm:prSet loTypeId="urn:microsoft.com/office/officeart/2005/8/layout/vList6" loCatId="list" qsTypeId="urn:microsoft.com/office/officeart/2005/8/quickstyle/simple1" qsCatId="simple" csTypeId="urn:microsoft.com/office/officeart/2005/8/colors/accent4_2" csCatId="accent4" phldr="1"/>
+      <dgm:spPr/>
+      <dgm:t>
+        <a:bodyPr/>
+        <a:lstStyle/>
+        <a:p>
+          <a:endParaRPr lang="zh-TW" altLang="en-US"/>
+        </a:p>
+      </dgm:t>
+    </dgm:pt>
+    <dgm:pt modelId="{22943C4F-685C-49E1-844C-0A2A467CDFF4}">
+      <dgm:prSet phldrT="[文字]"/>
+      <dgm:spPr/>
+      <dgm:t>
+        <a:bodyPr/>
+        <a:lstStyle/>
+        <a:p>
+          <a:r>
+            <a:rPr lang="zh-TW" altLang="en-US" dirty="0" smtClean="0"/>
+            <a:t>設一個</a:t>
+          </a:r>
+          <a:r>
+            <a:rPr lang="en-US" altLang="zh-TW" dirty="0" err="1" smtClean="0"/>
+            <a:t>Dict</a:t>
+          </a:r>
+          <a:endParaRPr lang="zh-TW" altLang="en-US" dirty="0"/>
+        </a:p>
+      </dgm:t>
+    </dgm:pt>
+    <dgm:pt modelId="{5E7BB95B-A2D2-4BC5-B01C-7B0ED61BFE7A}" type="parTrans" cxnId="{DC1967F7-1FED-4E76-8D0A-38454F531895}">
+      <dgm:prSet/>
+      <dgm:spPr/>
+      <dgm:t>
+        <a:bodyPr/>
+        <a:lstStyle/>
+        <a:p>
+          <a:endParaRPr lang="zh-TW" altLang="en-US"/>
+        </a:p>
+      </dgm:t>
+    </dgm:pt>
+    <dgm:pt modelId="{47DCC470-F8D5-41DD-9674-00F023B353F8}" type="sibTrans" cxnId="{DC1967F7-1FED-4E76-8D0A-38454F531895}">
+      <dgm:prSet/>
+      <dgm:spPr/>
+      <dgm:t>
+        <a:bodyPr/>
+        <a:lstStyle/>
+        <a:p>
+          <a:endParaRPr lang="zh-TW" altLang="en-US"/>
+        </a:p>
+      </dgm:t>
+    </dgm:pt>
+    <dgm:pt modelId="{3A72DE10-BF0E-412A-BB81-ADCCCB47A696}">
+      <dgm:prSet phldrT="[文字]"/>
+      <dgm:spPr/>
+      <dgm:t>
+        <a:bodyPr/>
+        <a:lstStyle/>
+        <a:p>
+          <a:r>
+            <a:rPr lang="zh-TW" altLang="en-US" dirty="0" smtClean="0"/>
+            <a:t>新公司</a:t>
+          </a:r>
+          <a:endParaRPr lang="zh-TW" altLang="en-US" dirty="0"/>
+        </a:p>
+      </dgm:t>
+    </dgm:pt>
+    <dgm:pt modelId="{0345651B-8A5E-447E-8558-F441C6FB67DF}" type="sibTrans" cxnId="{F5E3ED46-92A1-4FB7-8A65-194014D27480}">
+      <dgm:prSet/>
+      <dgm:spPr/>
+      <dgm:t>
+        <a:bodyPr/>
+        <a:lstStyle/>
+        <a:p>
+          <a:endParaRPr lang="zh-TW" altLang="en-US"/>
+        </a:p>
+      </dgm:t>
+    </dgm:pt>
+    <dgm:pt modelId="{BFC2FB12-6B68-446B-BFF4-F5B0EACD31F5}" type="parTrans" cxnId="{F5E3ED46-92A1-4FB7-8A65-194014D27480}">
+      <dgm:prSet/>
+      <dgm:spPr/>
+      <dgm:t>
+        <a:bodyPr/>
+        <a:lstStyle/>
+        <a:p>
+          <a:endParaRPr lang="zh-TW" altLang="en-US"/>
+        </a:p>
+      </dgm:t>
+    </dgm:pt>
+    <dgm:pt modelId="{44A134CB-B857-46B2-9B84-E21E43773EB5}" type="pres">
+      <dgm:prSet presAssocID="{2261E47D-42FF-455B-9767-1F9550FD791A}" presName="Name0" presStyleCnt="0">
+        <dgm:presLayoutVars>
+          <dgm:dir/>
+          <dgm:animLvl val="lvl"/>
+          <dgm:resizeHandles/>
+        </dgm:presLayoutVars>
+      </dgm:prSet>
+      <dgm:spPr/>
+    </dgm:pt>
+    <dgm:pt modelId="{1A40F67C-B4FA-4695-A2D9-B18FF2C807CF}" type="pres">
+      <dgm:prSet presAssocID="{3A72DE10-BF0E-412A-BB81-ADCCCB47A696}" presName="linNode" presStyleCnt="0"/>
+      <dgm:spPr/>
+    </dgm:pt>
+    <dgm:pt modelId="{C0BFA517-57C7-43A3-BFD6-2DDAC234B098}" type="pres">
+      <dgm:prSet presAssocID="{3A72DE10-BF0E-412A-BB81-ADCCCB47A696}" presName="parentShp" presStyleLbl="node1" presStyleIdx="0" presStyleCnt="1">
+        <dgm:presLayoutVars>
+          <dgm:bulletEnabled val="1"/>
+        </dgm:presLayoutVars>
+      </dgm:prSet>
+      <dgm:spPr/>
+    </dgm:pt>
+    <dgm:pt modelId="{F80E6B32-B296-41E7-BAA9-BA518A582813}" type="pres">
+      <dgm:prSet presAssocID="{3A72DE10-BF0E-412A-BB81-ADCCCB47A696}" presName="childShp" presStyleLbl="bgAccFollowNode1" presStyleIdx="0" presStyleCnt="1">
+        <dgm:presLayoutVars>
+          <dgm:bulletEnabled val="1"/>
+        </dgm:presLayoutVars>
+      </dgm:prSet>
+      <dgm:spPr/>
+      <dgm:t>
+        <a:bodyPr/>
+        <a:lstStyle/>
+        <a:p>
+          <a:endParaRPr lang="zh-TW" altLang="en-US"/>
+        </a:p>
+      </dgm:t>
+    </dgm:pt>
+  </dgm:ptLst>
+  <dgm:cxnLst>
+    <dgm:cxn modelId="{DC1967F7-1FED-4E76-8D0A-38454F531895}" srcId="{3A72DE10-BF0E-412A-BB81-ADCCCB47A696}" destId="{22943C4F-685C-49E1-844C-0A2A467CDFF4}" srcOrd="0" destOrd="0" parTransId="{5E7BB95B-A2D2-4BC5-B01C-7B0ED61BFE7A}" sibTransId="{47DCC470-F8D5-41DD-9674-00F023B353F8}"/>
+    <dgm:cxn modelId="{789DB377-7196-4265-9DA7-226572C1E21D}" type="presOf" srcId="{2261E47D-42FF-455B-9767-1F9550FD791A}" destId="{44A134CB-B857-46B2-9B84-E21E43773EB5}" srcOrd="0" destOrd="0" presId="urn:microsoft.com/office/officeart/2005/8/layout/vList6"/>
+    <dgm:cxn modelId="{5B6D4B13-EE45-4BA2-BE4F-8933C988D5B3}" type="presOf" srcId="{22943C4F-685C-49E1-844C-0A2A467CDFF4}" destId="{F80E6B32-B296-41E7-BAA9-BA518A582813}" srcOrd="0" destOrd="0" presId="urn:microsoft.com/office/officeart/2005/8/layout/vList6"/>
+    <dgm:cxn modelId="{E0D77F26-68AE-49C2-A057-9F4D99F98671}" type="presOf" srcId="{3A72DE10-BF0E-412A-BB81-ADCCCB47A696}" destId="{C0BFA517-57C7-43A3-BFD6-2DDAC234B098}" srcOrd="0" destOrd="0" presId="urn:microsoft.com/office/officeart/2005/8/layout/vList6"/>
+    <dgm:cxn modelId="{F5E3ED46-92A1-4FB7-8A65-194014D27480}" srcId="{2261E47D-42FF-455B-9767-1F9550FD791A}" destId="{3A72DE10-BF0E-412A-BB81-ADCCCB47A696}" srcOrd="0" destOrd="0" parTransId="{BFC2FB12-6B68-446B-BFF4-F5B0EACD31F5}" sibTransId="{0345651B-8A5E-447E-8558-F441C6FB67DF}"/>
+    <dgm:cxn modelId="{21840010-ED8E-4E52-A4F9-07B7F063433C}" type="presParOf" srcId="{44A134CB-B857-46B2-9B84-E21E43773EB5}" destId="{1A40F67C-B4FA-4695-A2D9-B18FF2C807CF}" srcOrd="0" destOrd="0" presId="urn:microsoft.com/office/officeart/2005/8/layout/vList6"/>
+    <dgm:cxn modelId="{00737CC3-9611-48DB-942E-DF7D75D27B24}" type="presParOf" srcId="{1A40F67C-B4FA-4695-A2D9-B18FF2C807CF}" destId="{C0BFA517-57C7-43A3-BFD6-2DDAC234B098}" srcOrd="0" destOrd="0" presId="urn:microsoft.com/office/officeart/2005/8/layout/vList6"/>
+    <dgm:cxn modelId="{05048099-D998-4604-BBD9-F975E292DE04}" type="presParOf" srcId="{1A40F67C-B4FA-4695-A2D9-B18FF2C807CF}" destId="{F80E6B32-B296-41E7-BAA9-BA518A582813}" srcOrd="1" destOrd="0" presId="urn:microsoft.com/office/officeart/2005/8/layout/vList6"/>
+  </dgm:cxnLst>
+  <dgm:bg/>
+  <dgm:whole/>
+  <dgm:extLst>
+    <a:ext uri="http://schemas.microsoft.com/office/drawing/2008/diagram">
+      <dsp:dataModelExt xmlns:dsp="http://schemas.microsoft.com/office/drawing/2008/diagram" relId="rId7" minVer="http://schemas.openxmlformats.org/drawingml/2006/diagram"/>
+    </a:ext>
+  </dgm:extLst>
+</dgm:dataModel>
+</file>
+
+<file path=ppt/diagrams/data2.xml><?xml version="1.0" encoding="utf-8"?>
+<dgm:dataModel xmlns:dgm="http://schemas.openxmlformats.org/drawingml/2006/diagram" xmlns:a="http://schemas.openxmlformats.org/drawingml/2006/main">
+  <dgm:ptLst>
+    <dgm:pt modelId="{2261E47D-42FF-455B-9767-1F9550FD791A}" type="doc">
+      <dgm:prSet loTypeId="urn:microsoft.com/office/officeart/2005/8/layout/vList6" loCatId="list" qsTypeId="urn:microsoft.com/office/officeart/2005/8/quickstyle/simple1" qsCatId="simple" csTypeId="urn:microsoft.com/office/officeart/2005/8/colors/accent4_2" csCatId="accent4" phldr="1"/>
+      <dgm:spPr/>
+      <dgm:t>
+        <a:bodyPr/>
+        <a:lstStyle/>
+        <a:p>
+          <a:endParaRPr lang="zh-TW" altLang="en-US"/>
+        </a:p>
+      </dgm:t>
+    </dgm:pt>
+    <dgm:pt modelId="{22943C4F-685C-49E1-844C-0A2A467CDFF4}">
+      <dgm:prSet phldrT="[文字]"/>
+      <dgm:spPr/>
+      <dgm:t>
+        <a:bodyPr/>
+        <a:lstStyle/>
+        <a:p>
+          <a:r>
+            <a:rPr lang="zh-TW" altLang="en-US" dirty="0" smtClean="0"/>
+            <a:t>找到他的</a:t>
+          </a:r>
+          <a:r>
+            <a:rPr lang="en-US" altLang="zh-TW" dirty="0" err="1" smtClean="0"/>
+            <a:t>Dict</a:t>
+          </a:r>
+          <a:endParaRPr lang="zh-TW" altLang="en-US" dirty="0"/>
+        </a:p>
+      </dgm:t>
+    </dgm:pt>
+    <dgm:pt modelId="{5E7BB95B-A2D2-4BC5-B01C-7B0ED61BFE7A}" type="parTrans" cxnId="{DC1967F7-1FED-4E76-8D0A-38454F531895}">
+      <dgm:prSet/>
+      <dgm:spPr/>
+      <dgm:t>
+        <a:bodyPr/>
+        <a:lstStyle/>
+        <a:p>
+          <a:endParaRPr lang="zh-TW" altLang="en-US"/>
+        </a:p>
+      </dgm:t>
+    </dgm:pt>
+    <dgm:pt modelId="{47DCC470-F8D5-41DD-9674-00F023B353F8}" type="sibTrans" cxnId="{DC1967F7-1FED-4E76-8D0A-38454F531895}">
+      <dgm:prSet/>
+      <dgm:spPr/>
+      <dgm:t>
+        <a:bodyPr/>
+        <a:lstStyle/>
+        <a:p>
+          <a:endParaRPr lang="zh-TW" altLang="en-US"/>
+        </a:p>
+      </dgm:t>
+    </dgm:pt>
+    <dgm:pt modelId="{3A72DE10-BF0E-412A-BB81-ADCCCB47A696}">
+      <dgm:prSet phldrT="[文字]"/>
+      <dgm:spPr/>
+      <dgm:t>
+        <a:bodyPr/>
+        <a:lstStyle/>
+        <a:p>
+          <a:r>
+            <a:rPr lang="zh-TW" altLang="en-US" dirty="0" smtClean="0"/>
+            <a:t>已經有資料的公司</a:t>
+          </a:r>
+          <a:endParaRPr lang="zh-TW" altLang="en-US" dirty="0"/>
+        </a:p>
+      </dgm:t>
+    </dgm:pt>
+    <dgm:pt modelId="{0345651B-8A5E-447E-8558-F441C6FB67DF}" type="sibTrans" cxnId="{F5E3ED46-92A1-4FB7-8A65-194014D27480}">
+      <dgm:prSet/>
+      <dgm:spPr/>
+      <dgm:t>
+        <a:bodyPr/>
+        <a:lstStyle/>
+        <a:p>
+          <a:endParaRPr lang="zh-TW" altLang="en-US"/>
+        </a:p>
+      </dgm:t>
+    </dgm:pt>
+    <dgm:pt modelId="{BFC2FB12-6B68-446B-BFF4-F5B0EACD31F5}" type="parTrans" cxnId="{F5E3ED46-92A1-4FB7-8A65-194014D27480}">
+      <dgm:prSet/>
+      <dgm:spPr/>
+      <dgm:t>
+        <a:bodyPr/>
+        <a:lstStyle/>
+        <a:p>
+          <a:endParaRPr lang="zh-TW" altLang="en-US"/>
+        </a:p>
+      </dgm:t>
+    </dgm:pt>
+    <dgm:pt modelId="{44A134CB-B857-46B2-9B84-E21E43773EB5}" type="pres">
+      <dgm:prSet presAssocID="{2261E47D-42FF-455B-9767-1F9550FD791A}" presName="Name0" presStyleCnt="0">
+        <dgm:presLayoutVars>
+          <dgm:dir/>
+          <dgm:animLvl val="lvl"/>
+          <dgm:resizeHandles/>
+        </dgm:presLayoutVars>
+      </dgm:prSet>
+      <dgm:spPr/>
+    </dgm:pt>
+    <dgm:pt modelId="{1A40F67C-B4FA-4695-A2D9-B18FF2C807CF}" type="pres">
+      <dgm:prSet presAssocID="{3A72DE10-BF0E-412A-BB81-ADCCCB47A696}" presName="linNode" presStyleCnt="0"/>
+      <dgm:spPr/>
+    </dgm:pt>
+    <dgm:pt modelId="{C0BFA517-57C7-43A3-BFD6-2DDAC234B098}" type="pres">
+      <dgm:prSet presAssocID="{3A72DE10-BF0E-412A-BB81-ADCCCB47A696}" presName="parentShp" presStyleLbl="node1" presStyleIdx="0" presStyleCnt="1">
+        <dgm:presLayoutVars>
+          <dgm:bulletEnabled val="1"/>
+        </dgm:presLayoutVars>
+      </dgm:prSet>
+      <dgm:spPr/>
+      <dgm:t>
+        <a:bodyPr/>
+        <a:lstStyle/>
+        <a:p>
+          <a:endParaRPr lang="zh-TW" altLang="en-US"/>
+        </a:p>
+      </dgm:t>
+    </dgm:pt>
+    <dgm:pt modelId="{F80E6B32-B296-41E7-BAA9-BA518A582813}" type="pres">
+      <dgm:prSet presAssocID="{3A72DE10-BF0E-412A-BB81-ADCCCB47A696}" presName="childShp" presStyleLbl="bgAccFollowNode1" presStyleIdx="0" presStyleCnt="1">
+        <dgm:presLayoutVars>
+          <dgm:bulletEnabled val="1"/>
+        </dgm:presLayoutVars>
+      </dgm:prSet>
+      <dgm:spPr/>
+      <dgm:t>
+        <a:bodyPr/>
+        <a:lstStyle/>
+        <a:p>
+          <a:endParaRPr lang="zh-TW" altLang="en-US"/>
+        </a:p>
+      </dgm:t>
+    </dgm:pt>
+  </dgm:ptLst>
+  <dgm:cxnLst>
+    <dgm:cxn modelId="{789DB377-7196-4265-9DA7-226572C1E21D}" type="presOf" srcId="{2261E47D-42FF-455B-9767-1F9550FD791A}" destId="{44A134CB-B857-46B2-9B84-E21E43773EB5}" srcOrd="0" destOrd="0" presId="urn:microsoft.com/office/officeart/2005/8/layout/vList6"/>
+    <dgm:cxn modelId="{F5E3ED46-92A1-4FB7-8A65-194014D27480}" srcId="{2261E47D-42FF-455B-9767-1F9550FD791A}" destId="{3A72DE10-BF0E-412A-BB81-ADCCCB47A696}" srcOrd="0" destOrd="0" parTransId="{BFC2FB12-6B68-446B-BFF4-F5B0EACD31F5}" sibTransId="{0345651B-8A5E-447E-8558-F441C6FB67DF}"/>
+    <dgm:cxn modelId="{E0D77F26-68AE-49C2-A057-9F4D99F98671}" type="presOf" srcId="{3A72DE10-BF0E-412A-BB81-ADCCCB47A696}" destId="{C0BFA517-57C7-43A3-BFD6-2DDAC234B098}" srcOrd="0" destOrd="0" presId="urn:microsoft.com/office/officeart/2005/8/layout/vList6"/>
+    <dgm:cxn modelId="{DC1967F7-1FED-4E76-8D0A-38454F531895}" srcId="{3A72DE10-BF0E-412A-BB81-ADCCCB47A696}" destId="{22943C4F-685C-49E1-844C-0A2A467CDFF4}" srcOrd="0" destOrd="0" parTransId="{5E7BB95B-A2D2-4BC5-B01C-7B0ED61BFE7A}" sibTransId="{47DCC470-F8D5-41DD-9674-00F023B353F8}"/>
+    <dgm:cxn modelId="{5B6D4B13-EE45-4BA2-BE4F-8933C988D5B3}" type="presOf" srcId="{22943C4F-685C-49E1-844C-0A2A467CDFF4}" destId="{F80E6B32-B296-41E7-BAA9-BA518A582813}" srcOrd="0" destOrd="0" presId="urn:microsoft.com/office/officeart/2005/8/layout/vList6"/>
+    <dgm:cxn modelId="{21840010-ED8E-4E52-A4F9-07B7F063433C}" type="presParOf" srcId="{44A134CB-B857-46B2-9B84-E21E43773EB5}" destId="{1A40F67C-B4FA-4695-A2D9-B18FF2C807CF}" srcOrd="0" destOrd="0" presId="urn:microsoft.com/office/officeart/2005/8/layout/vList6"/>
+    <dgm:cxn modelId="{00737CC3-9611-48DB-942E-DF7D75D27B24}" type="presParOf" srcId="{1A40F67C-B4FA-4695-A2D9-B18FF2C807CF}" destId="{C0BFA517-57C7-43A3-BFD6-2DDAC234B098}" srcOrd="0" destOrd="0" presId="urn:microsoft.com/office/officeart/2005/8/layout/vList6"/>
+    <dgm:cxn modelId="{05048099-D998-4604-BBD9-F975E292DE04}" type="presParOf" srcId="{1A40F67C-B4FA-4695-A2D9-B18FF2C807CF}" destId="{F80E6B32-B296-41E7-BAA9-BA518A582813}" srcOrd="1" destOrd="0" presId="urn:microsoft.com/office/officeart/2005/8/layout/vList6"/>
+  </dgm:cxnLst>
+  <dgm:bg/>
+  <dgm:whole/>
+  <dgm:extLst>
+    <a:ext uri="http://schemas.microsoft.com/office/drawing/2008/diagram">
+      <dsp:dataModelExt xmlns:dsp="http://schemas.microsoft.com/office/drawing/2008/diagram" relId="rId12" minVer="http://schemas.openxmlformats.org/drawingml/2006/diagram"/>
+    </a:ext>
+  </dgm:extLst>
+</dgm:dataModel>
+</file>
+
+<file path=ppt/diagrams/drawing1.xml><?xml version="1.0" encoding="utf-8"?>
+<dsp:drawing xmlns:dgm="http://schemas.openxmlformats.org/drawingml/2006/diagram" xmlns:dsp="http://schemas.microsoft.com/office/drawing/2008/diagram" xmlns:a="http://schemas.openxmlformats.org/drawingml/2006/main">
+  <dsp:spTree>
+    <dsp:nvGrpSpPr>
+      <dsp:cNvPr id="0" name=""/>
+      <dsp:cNvGrpSpPr/>
+    </dsp:nvGrpSpPr>
+    <dsp:grpSpPr/>
+    <dsp:sp modelId="{F80E6B32-B296-41E7-BAA9-BA518A582813}">
+      <dsp:nvSpPr>
+        <dsp:cNvPr id="0" name=""/>
+        <dsp:cNvSpPr/>
+      </dsp:nvSpPr>
+      <dsp:spPr>
+        <a:xfrm>
+          <a:off x="1570677" y="0"/>
+          <a:ext cx="2356016" cy="647987"/>
+        </a:xfrm>
+        <a:prstGeom prst="rightArrow">
+          <a:avLst>
+            <a:gd name="adj1" fmla="val 75000"/>
+            <a:gd name="adj2" fmla="val 50000"/>
+          </a:avLst>
+        </a:prstGeom>
+        <a:solidFill>
+          <a:schemeClr val="accent4">
+            <a:alpha val="90000"/>
+            <a:tint val="40000"/>
+            <a:hueOff val="0"/>
+            <a:satOff val="0"/>
+            <a:lumOff val="0"/>
+            <a:alphaOff val="0"/>
+          </a:schemeClr>
+        </a:solidFill>
+        <a:ln w="34925" cap="flat" cmpd="sng" algn="in">
+          <a:solidFill>
+            <a:schemeClr val="accent4">
+              <a:alpha val="90000"/>
+              <a:tint val="40000"/>
+              <a:hueOff val="0"/>
+              <a:satOff val="0"/>
+              <a:lumOff val="0"/>
+              <a:alphaOff val="0"/>
+            </a:schemeClr>
+          </a:solidFill>
+          <a:prstDash val="solid"/>
+        </a:ln>
+        <a:effectLst/>
+      </dsp:spPr>
+      <dsp:style>
+        <a:lnRef idx="2">
+          <a:scrgbClr r="0" g="0" b="0"/>
+        </a:lnRef>
+        <a:fillRef idx="1">
+          <a:scrgbClr r="0" g="0" b="0"/>
+        </a:fillRef>
+        <a:effectRef idx="0">
+          <a:scrgbClr r="0" g="0" b="0"/>
+        </a:effectRef>
+        <a:fontRef idx="minor"/>
+      </dsp:style>
+      <dsp:txBody>
+        <a:bodyPr spcFirstLastPara="0" vert="horz" wrap="square" lIns="13970" tIns="13970" rIns="13970" bIns="13970" numCol="1" spcCol="1270" anchor="t" anchorCtr="0">
+          <a:noAutofit/>
+        </a:bodyPr>
+        <a:lstStyle/>
+        <a:p>
+          <a:pPr marL="228600" lvl="1" indent="-228600" algn="l" defTabSz="977900">
+            <a:lnSpc>
+              <a:spcPct val="90000"/>
+            </a:lnSpc>
+            <a:spcBef>
+              <a:spcPct val="0"/>
+            </a:spcBef>
+            <a:spcAft>
+              <a:spcPct val="15000"/>
+            </a:spcAft>
+            <a:buChar char="••"/>
+          </a:pPr>
+          <a:r>
+            <a:rPr lang="zh-TW" altLang="en-US" sz="2200" kern="1200" dirty="0" smtClean="0"/>
+            <a:t>設一個</a:t>
+          </a:r>
+          <a:r>
+            <a:rPr lang="en-US" altLang="zh-TW" sz="2200" kern="1200" dirty="0" err="1" smtClean="0"/>
+            <a:t>Dict</a:t>
+          </a:r>
+          <a:endParaRPr lang="zh-TW" altLang="en-US" sz="2200" kern="1200" dirty="0"/>
+        </a:p>
+      </dsp:txBody>
+      <dsp:txXfrm>
+        <a:off x="1570677" y="80998"/>
+        <a:ext cx="2113021" cy="485991"/>
+      </dsp:txXfrm>
+    </dsp:sp>
+    <dsp:sp modelId="{C0BFA517-57C7-43A3-BFD6-2DDAC234B098}">
+      <dsp:nvSpPr>
+        <dsp:cNvPr id="0" name=""/>
+        <dsp:cNvSpPr/>
+      </dsp:nvSpPr>
+      <dsp:spPr>
+        <a:xfrm>
+          <a:off x="0" y="0"/>
+          <a:ext cx="1570677" cy="647987"/>
+        </a:xfrm>
+        <a:prstGeom prst="roundRect">
+          <a:avLst/>
+        </a:prstGeom>
+        <a:solidFill>
+          <a:schemeClr val="accent4">
+            <a:hueOff val="0"/>
+            <a:satOff val="0"/>
+            <a:lumOff val="0"/>
+            <a:alphaOff val="0"/>
+          </a:schemeClr>
+        </a:solidFill>
+        <a:ln w="34925" cap="flat" cmpd="sng" algn="in">
+          <a:solidFill>
+            <a:schemeClr val="lt1">
+              <a:hueOff val="0"/>
+              <a:satOff val="0"/>
+              <a:lumOff val="0"/>
+              <a:alphaOff val="0"/>
+            </a:schemeClr>
+          </a:solidFill>
+          <a:prstDash val="solid"/>
+        </a:ln>
+        <a:effectLst/>
+      </dsp:spPr>
+      <dsp:style>
+        <a:lnRef idx="2">
+          <a:scrgbClr r="0" g="0" b="0"/>
+        </a:lnRef>
+        <a:fillRef idx="1">
+          <a:scrgbClr r="0" g="0" b="0"/>
+        </a:fillRef>
+        <a:effectRef idx="0">
+          <a:scrgbClr r="0" g="0" b="0"/>
+        </a:effectRef>
+        <a:fontRef idx="minor">
+          <a:schemeClr val="lt1"/>
+        </a:fontRef>
+      </dsp:style>
+      <dsp:txBody>
+        <a:bodyPr spcFirstLastPara="0" vert="horz" wrap="square" lIns="91440" tIns="45720" rIns="91440" bIns="45720" numCol="1" spcCol="1270" anchor="ctr" anchorCtr="0">
+          <a:noAutofit/>
+        </a:bodyPr>
+        <a:lstStyle/>
+        <a:p>
+          <a:pPr lvl="0" algn="ctr" defTabSz="1066800">
+            <a:lnSpc>
+              <a:spcPct val="90000"/>
+            </a:lnSpc>
+            <a:spcBef>
+              <a:spcPct val="0"/>
+            </a:spcBef>
+            <a:spcAft>
+              <a:spcPct val="35000"/>
+            </a:spcAft>
+          </a:pPr>
+          <a:r>
+            <a:rPr lang="zh-TW" altLang="en-US" sz="2400" kern="1200" dirty="0" smtClean="0"/>
+            <a:t>新公司</a:t>
+          </a:r>
+          <a:endParaRPr lang="zh-TW" altLang="en-US" sz="2400" kern="1200" dirty="0"/>
+        </a:p>
+      </dsp:txBody>
+      <dsp:txXfrm>
+        <a:off x="31632" y="31632"/>
+        <a:ext cx="1507413" cy="584723"/>
+      </dsp:txXfrm>
+    </dsp:sp>
+  </dsp:spTree>
+</dsp:drawing>
+</file>
+
+<file path=ppt/diagrams/drawing2.xml><?xml version="1.0" encoding="utf-8"?>
+<dsp:drawing xmlns:dgm="http://schemas.openxmlformats.org/drawingml/2006/diagram" xmlns:dsp="http://schemas.microsoft.com/office/drawing/2008/diagram" xmlns:a="http://schemas.openxmlformats.org/drawingml/2006/main">
+  <dsp:spTree>
+    <dsp:nvGrpSpPr>
+      <dsp:cNvPr id="0" name=""/>
+      <dsp:cNvGrpSpPr/>
+    </dsp:nvGrpSpPr>
+    <dsp:grpSpPr/>
+    <dsp:sp modelId="{F80E6B32-B296-41E7-BAA9-BA518A582813}">
+      <dsp:nvSpPr>
+        <dsp:cNvPr id="0" name=""/>
+        <dsp:cNvSpPr/>
+      </dsp:nvSpPr>
+      <dsp:spPr>
+        <a:xfrm>
+          <a:off x="1604927" y="0"/>
+          <a:ext cx="2407391" cy="647987"/>
+        </a:xfrm>
+        <a:prstGeom prst="rightArrow">
+          <a:avLst>
+            <a:gd name="adj1" fmla="val 75000"/>
+            <a:gd name="adj2" fmla="val 50000"/>
+          </a:avLst>
+        </a:prstGeom>
+        <a:solidFill>
+          <a:schemeClr val="accent4">
+            <a:alpha val="90000"/>
+            <a:tint val="40000"/>
+            <a:hueOff val="0"/>
+            <a:satOff val="0"/>
+            <a:lumOff val="0"/>
+            <a:alphaOff val="0"/>
+          </a:schemeClr>
+        </a:solidFill>
+        <a:ln w="34925" cap="flat" cmpd="sng" algn="in">
+          <a:solidFill>
+            <a:schemeClr val="accent4">
+              <a:alpha val="90000"/>
+              <a:tint val="40000"/>
+              <a:hueOff val="0"/>
+              <a:satOff val="0"/>
+              <a:lumOff val="0"/>
+              <a:alphaOff val="0"/>
+            </a:schemeClr>
+          </a:solidFill>
+          <a:prstDash val="solid"/>
+        </a:ln>
+        <a:effectLst/>
+      </dsp:spPr>
+      <dsp:style>
+        <a:lnRef idx="2">
+          <a:scrgbClr r="0" g="0" b="0"/>
+        </a:lnRef>
+        <a:fillRef idx="1">
+          <a:scrgbClr r="0" g="0" b="0"/>
+        </a:fillRef>
+        <a:effectRef idx="0">
+          <a:scrgbClr r="0" g="0" b="0"/>
+        </a:effectRef>
+        <a:fontRef idx="minor"/>
+      </dsp:style>
+      <dsp:txBody>
+        <a:bodyPr spcFirstLastPara="0" vert="horz" wrap="square" lIns="13970" tIns="13970" rIns="13970" bIns="13970" numCol="1" spcCol="1270" anchor="t" anchorCtr="0">
+          <a:noAutofit/>
+        </a:bodyPr>
+        <a:lstStyle/>
+        <a:p>
+          <a:pPr marL="228600" lvl="1" indent="-228600" algn="l" defTabSz="977900">
+            <a:lnSpc>
+              <a:spcPct val="90000"/>
+            </a:lnSpc>
+            <a:spcBef>
+              <a:spcPct val="0"/>
+            </a:spcBef>
+            <a:spcAft>
+              <a:spcPct val="15000"/>
+            </a:spcAft>
+            <a:buChar char="••"/>
+          </a:pPr>
+          <a:r>
+            <a:rPr lang="zh-TW" altLang="en-US" sz="2200" kern="1200" dirty="0" smtClean="0"/>
+            <a:t>找到他的</a:t>
+          </a:r>
+          <a:r>
+            <a:rPr lang="en-US" altLang="zh-TW" sz="2200" kern="1200" dirty="0" err="1" smtClean="0"/>
+            <a:t>Dict</a:t>
+          </a:r>
+          <a:endParaRPr lang="zh-TW" altLang="en-US" sz="2200" kern="1200" dirty="0"/>
+        </a:p>
+      </dsp:txBody>
+      <dsp:txXfrm>
+        <a:off x="1604927" y="80998"/>
+        <a:ext cx="2164396" cy="485991"/>
+      </dsp:txXfrm>
+    </dsp:sp>
+    <dsp:sp modelId="{C0BFA517-57C7-43A3-BFD6-2DDAC234B098}">
+      <dsp:nvSpPr>
+        <dsp:cNvPr id="0" name=""/>
+        <dsp:cNvSpPr/>
+      </dsp:nvSpPr>
+      <dsp:spPr>
+        <a:xfrm>
+          <a:off x="0" y="0"/>
+          <a:ext cx="1604927" cy="647987"/>
+        </a:xfrm>
+        <a:prstGeom prst="roundRect">
+          <a:avLst/>
+        </a:prstGeom>
+        <a:solidFill>
+          <a:schemeClr val="accent4">
+            <a:hueOff val="0"/>
+            <a:satOff val="0"/>
+            <a:lumOff val="0"/>
+            <a:alphaOff val="0"/>
+          </a:schemeClr>
+        </a:solidFill>
+        <a:ln w="34925" cap="flat" cmpd="sng" algn="in">
+          <a:solidFill>
+            <a:schemeClr val="lt1">
+              <a:hueOff val="0"/>
+              <a:satOff val="0"/>
+              <a:lumOff val="0"/>
+              <a:alphaOff val="0"/>
+            </a:schemeClr>
+          </a:solidFill>
+          <a:prstDash val="solid"/>
+        </a:ln>
+        <a:effectLst/>
+      </dsp:spPr>
+      <dsp:style>
+        <a:lnRef idx="2">
+          <a:scrgbClr r="0" g="0" b="0"/>
+        </a:lnRef>
+        <a:fillRef idx="1">
+          <a:scrgbClr r="0" g="0" b="0"/>
+        </a:fillRef>
+        <a:effectRef idx="0">
+          <a:scrgbClr r="0" g="0" b="0"/>
+        </a:effectRef>
+        <a:fontRef idx="minor">
+          <a:schemeClr val="lt1"/>
+        </a:fontRef>
+      </dsp:style>
+      <dsp:txBody>
+        <a:bodyPr spcFirstLastPara="0" vert="horz" wrap="square" lIns="53340" tIns="26670" rIns="53340" bIns="26670" numCol="1" spcCol="1270" anchor="ctr" anchorCtr="0">
+          <a:noAutofit/>
+        </a:bodyPr>
+        <a:lstStyle/>
+        <a:p>
+          <a:pPr lvl="0" algn="ctr" defTabSz="622300">
+            <a:lnSpc>
+              <a:spcPct val="90000"/>
+            </a:lnSpc>
+            <a:spcBef>
+              <a:spcPct val="0"/>
+            </a:spcBef>
+            <a:spcAft>
+              <a:spcPct val="35000"/>
+            </a:spcAft>
+          </a:pPr>
+          <a:r>
+            <a:rPr lang="zh-TW" altLang="en-US" sz="1400" kern="1200" dirty="0" smtClean="0"/>
+            <a:t>已經有資料的公司</a:t>
+          </a:r>
+          <a:endParaRPr lang="zh-TW" altLang="en-US" sz="1400" kern="1200" dirty="0"/>
+        </a:p>
+      </dsp:txBody>
+      <dsp:txXfrm>
+        <a:off x="31632" y="31632"/>
+        <a:ext cx="1541663" cy="584723"/>
+      </dsp:txXfrm>
+    </dsp:sp>
+  </dsp:spTree>
+</dsp:drawing>
+</file>
+
+<file path=ppt/diagrams/layout1.xml><?xml version="1.0" encoding="utf-8"?>
+<dgm:layoutDef xmlns:dgm="http://schemas.openxmlformats.org/drawingml/2006/diagram" xmlns:a="http://schemas.openxmlformats.org/drawingml/2006/main" uniqueId="urn:microsoft.com/office/officeart/2005/8/layout/vList6">
+  <dgm:title val=""/>
+  <dgm:desc val=""/>
+  <dgm:catLst>
+    <dgm:cat type="process" pri="22000"/>
+    <dgm:cat type="list" pri="17000"/>
+  </dgm:catLst>
+  <dgm:sampData>
+    <dgm:dataModel>
+      <dgm:ptLst>
+        <dgm:pt modelId="0" type="doc"/>
+        <dgm:pt modelId="1">
+          <dgm:prSet phldr="1"/>
+        </dgm:pt>
+        <dgm:pt modelId="11">
+          <dgm:prSet phldr="1"/>
+        </dgm:pt>
+        <dgm:pt modelId="12">
+          <dgm:prSet phldr="1"/>
+        </dgm:pt>
+        <dgm:pt modelId="2">
+          <dgm:prSet phldr="1"/>
+        </dgm:pt>
+        <dgm:pt modelId="21">
+          <dgm:prSet phldr="1"/>
+        </dgm:pt>
+        <dgm:pt modelId="22">
+          <dgm:prSet phldr="1"/>
+        </dgm:pt>
+      </dgm:ptLst>
+      <dgm:cxnLst>
+        <dgm:cxn modelId="4" srcId="0" destId="1" srcOrd="0" destOrd="0"/>
+        <dgm:cxn modelId="5" srcId="0" destId="2" srcOrd="1" destOrd="0"/>
+        <dgm:cxn modelId="13" srcId="1" destId="11" srcOrd="0" destOrd="0"/>
+        <dgm:cxn modelId="14" srcId="1" destId="12" srcOrd="0" destOrd="0"/>
+        <dgm:cxn modelId="23" srcId="2" destId="21" srcOrd="0" destOrd="0"/>
+        <dgm:cxn modelId="24" srcId="2" destId="22" srcOrd="0" destOrd="0"/>
+      </dgm:cxnLst>
+      <dgm:bg/>
+      <dgm:whole/>
+    </dgm:dataModel>
+  </dgm:sampData>
+  <dgm:styleData>
+    <dgm:dataModel>
+      <dgm:ptLst>
+        <dgm:pt modelId="0" type="doc"/>
+        <dgm:pt modelId="1"/>
+        <dgm:pt modelId="2"/>
+      </dgm:ptLst>
+      <dgm:cxnLst>
+        <dgm:cxn modelId="3" srcId="0" destId="1" srcOrd="0" destOrd="0"/>
+        <dgm:cxn modelId="4" srcId="0" destId="2" srcOrd="1" destOrd="0"/>
+      </dgm:cxnLst>
+      <dgm:bg/>
+      <dgm:whole/>
+    </dgm:dataModel>
+  </dgm:styleData>
+  <dgm:clrData>
+    <dgm:dataModel>
+      <dgm:ptLst>
+        <dgm:pt modelId="0" type="doc"/>
+        <dgm:pt modelId="1"/>
+        <dgm:pt modelId="2"/>
+        <dgm:pt modelId="3"/>
+        <dgm:pt modelId="4"/>
+      </dgm:ptLst>
+      <dgm:cxnLst>
+        <dgm:cxn modelId="5" srcId="0" destId="1" srcOrd="0" destOrd="0"/>
+        <dgm:cxn modelId="6" srcId="0" destId="2" srcOrd="1" destOrd="0"/>
+        <dgm:cxn modelId="7" srcId="0" destId="3" srcOrd="2" destOrd="0"/>
+        <dgm:cxn modelId="8" srcId="0" destId="4" srcOrd="3" destOrd="0"/>
+      </dgm:cxnLst>
+      <dgm:bg/>
+      <dgm:whole/>
+    </dgm:dataModel>
+  </dgm:clrData>
+  <dgm:layoutNode name="Name0">
+    <dgm:varLst>
+      <dgm:dir/>
+      <dgm:animLvl val="lvl"/>
+      <dgm:resizeHandles/>
+    </dgm:varLst>
+    <dgm:alg type="lin">
+      <dgm:param type="linDir" val="fromT"/>
+    </dgm:alg>
+    <dgm:shape xmlns:r="http://schemas.openxmlformats.org/officeDocument/2006/relationships" r:blip="">
+      <dgm:adjLst/>
+    </dgm:shape>
+    <dgm:presOf/>
+    <dgm:constrLst>
+      <dgm:constr type="w" for="ch" forName="linNode" refType="w"/>
+      <dgm:constr type="h" for="ch" forName="linNode" refType="h"/>
+      <dgm:constr type="h" for="ch" forName="spacing" refType="h" refFor="ch" refForName="linNode" fact="0.1"/>
+      <dgm:constr type="primFontSz" for="des" forName="parentShp" op="equ" val="65"/>
+      <dgm:constr type="primFontSz" for="des" forName="childShp" op="equ" val="65"/>
+    </dgm:constrLst>
+    <dgm:ruleLst/>
+    <dgm:forEach name="Name1" axis="ch" ptType="node">
+      <dgm:layoutNode name="linNode">
+        <dgm:choose name="Name2">
+          <dgm:if name="Name3" func="var" arg="dir" op="equ" val="norm">
+            <dgm:alg type="lin">
+              <dgm:param type="linDir" val="fromL"/>
+            </dgm:alg>
+          </dgm:if>
+          <dgm:else name="Name4">
+            <dgm:alg type="lin">
+              <dgm:param type="linDir" val="fromR"/>
+            </dgm:alg>
+          </dgm:else>
+        </dgm:choose>
+        <dgm:shape xmlns:r="http://schemas.openxmlformats.org/officeDocument/2006/relationships" r:blip="">
+          <dgm:adjLst/>
+        </dgm:shape>
+        <dgm:presOf/>
+        <dgm:choose name="Name5">
+          <dgm:if name="Name6" func="var" arg="dir" op="equ" val="norm">
+            <dgm:constrLst>
+              <dgm:constr type="w" for="ch" forName="parentShp" refType="w" fact="0.4"/>
+              <dgm:constr type="h" for="ch" forName="parentShp" refType="h"/>
+              <dgm:constr type="w" for="ch" forName="childShp" refType="w" fact="0.6"/>
+              <dgm:constr type="h" for="ch" forName="childShp" refType="h" refFor="ch" refForName="parentShp"/>
+            </dgm:constrLst>
+          </dgm:if>
+          <dgm:else name="Name7">
+            <dgm:constrLst>
+              <dgm:constr type="w" for="ch" forName="parentShp" refType="w" fact="0.4"/>
+              <dgm:constr type="h" for="ch" forName="parentShp" refType="h"/>
+              <dgm:constr type="w" for="ch" forName="childShp" refType="w" fact="0.6"/>
+              <dgm:constr type="h" for="ch" forName="childShp" refType="h" refFor="ch" refForName="parentShp"/>
+            </dgm:constrLst>
+          </dgm:else>
+        </dgm:choose>
+        <dgm:ruleLst/>
+        <dgm:layoutNode name="parentShp" styleLbl="node1">
+          <dgm:varLst>
+            <dgm:bulletEnabled val="1"/>
+          </dgm:varLst>
+          <dgm:alg type="tx"/>
+          <dgm:shape xmlns:r="http://schemas.openxmlformats.org/officeDocument/2006/relationships" type="roundRect" r:blip="">
+            <dgm:adjLst/>
+          </dgm:shape>
+          <dgm:presOf axis="self" ptType="node"/>
+          <dgm:constrLst>
+            <dgm:constr type="tMarg" refType="primFontSz" fact="0.15"/>
+            <dgm:constr type="bMarg" refType="primFontSz" fact="0.15"/>
+            <dgm:constr type="lMarg" refType="primFontSz" fact="0.3"/>
+            <dgm:constr type="rMarg" refType="primFontSz" fact="0.3"/>
+          </dgm:constrLst>
+          <dgm:ruleLst>
+            <dgm:rule type="primFontSz" val="5" fact="NaN" max="NaN"/>
+          </dgm:ruleLst>
+        </dgm:layoutNode>
+        <dgm:layoutNode name="childShp" styleLbl="bgAccFollowNode1">
+          <dgm:varLst>
+            <dgm:bulletEnabled val="1"/>
+          </dgm:varLst>
+          <dgm:alg type="tx">
+            <dgm:param type="stBulletLvl" val="1"/>
+          </dgm:alg>
+          <dgm:choose name="Name8">
+            <dgm:if name="Name9" func="var" arg="dir" op="equ" val="norm">
+              <dgm:shape xmlns:r="http://schemas.openxmlformats.org/officeDocument/2006/relationships" type="rightArrow" r:blip="" zOrderOff="-2">
+                <dgm:adjLst>
+                  <dgm:adj idx="1" val="0.75"/>
+                </dgm:adjLst>
+              </dgm:shape>
+            </dgm:if>
+            <dgm:else name="Name10">
+              <dgm:shape xmlns:r="http://schemas.openxmlformats.org/officeDocument/2006/relationships" rot="180" type="rightArrow" r:blip="" zOrderOff="-2">
+                <dgm:adjLst>
+                  <dgm:adj idx="1" val="0.75"/>
+                </dgm:adjLst>
+              </dgm:shape>
+            </dgm:else>
+          </dgm:choose>
+          <dgm:presOf axis="des" ptType="node"/>
+          <dgm:constrLst>
+            <dgm:constr type="secFontSz" refType="primFontSz"/>
+            <dgm:constr type="tMarg" refType="primFontSz" fact="0.05"/>
+            <dgm:constr type="bMarg" refType="primFontSz" fact="0.05"/>
+            <dgm:constr type="lMarg" refType="primFontSz" fact="0.05"/>
+            <dgm:constr type="rMarg" refType="primFontSz" fact="0.05"/>
+          </dgm:constrLst>
+          <dgm:ruleLst>
+            <dgm:rule type="primFontSz" val="5" fact="NaN" max="NaN"/>
+          </dgm:ruleLst>
+        </dgm:layoutNode>
+      </dgm:layoutNode>
+      <dgm:forEach name="Name11" axis="followSib" ptType="sibTrans" cnt="1">
+        <dgm:layoutNode name="spacing">
+          <dgm:alg type="sp"/>
+          <dgm:shape xmlns:r="http://schemas.openxmlformats.org/officeDocument/2006/relationships" r:blip="">
+            <dgm:adjLst/>
+          </dgm:shape>
+          <dgm:presOf/>
+          <dgm:constrLst/>
+          <dgm:ruleLst/>
+        </dgm:layoutNode>
+      </dgm:forEach>
+    </dgm:forEach>
+  </dgm:layoutNode>
+</dgm:layoutDef>
+</file>
+
+<file path=ppt/diagrams/layout2.xml><?xml version="1.0" encoding="utf-8"?>
+<dgm:layoutDef xmlns:dgm="http://schemas.openxmlformats.org/drawingml/2006/diagram" xmlns:a="http://schemas.openxmlformats.org/drawingml/2006/main" uniqueId="urn:microsoft.com/office/officeart/2005/8/layout/vList6">
+  <dgm:title val=""/>
+  <dgm:desc val=""/>
+  <dgm:catLst>
+    <dgm:cat type="process" pri="22000"/>
+    <dgm:cat type="list" pri="17000"/>
+  </dgm:catLst>
+  <dgm:sampData>
+    <dgm:dataModel>
+      <dgm:ptLst>
+        <dgm:pt modelId="0" type="doc"/>
+        <dgm:pt modelId="1">
+          <dgm:prSet phldr="1"/>
+        </dgm:pt>
+        <dgm:pt modelId="11">
+          <dgm:prSet phldr="1"/>
+        </dgm:pt>
+        <dgm:pt modelId="12">
+          <dgm:prSet phldr="1"/>
+        </dgm:pt>
+        <dgm:pt modelId="2">
+          <dgm:prSet phldr="1"/>
+        </dgm:pt>
+        <dgm:pt modelId="21">
+          <dgm:prSet phldr="1"/>
+        </dgm:pt>
+        <dgm:pt modelId="22">
+          <dgm:prSet phldr="1"/>
+        </dgm:pt>
+      </dgm:ptLst>
+      <dgm:cxnLst>
+        <dgm:cxn modelId="4" srcId="0" destId="1" srcOrd="0" destOrd="0"/>
+        <dgm:cxn modelId="5" srcId="0" destId="2" srcOrd="1" destOrd="0"/>
+        <dgm:cxn modelId="13" srcId="1" destId="11" srcOrd="0" destOrd="0"/>
+        <dgm:cxn modelId="14" srcId="1" destId="12" srcOrd="0" destOrd="0"/>
+        <dgm:cxn modelId="23" srcId="2" destId="21" srcOrd="0" destOrd="0"/>
+        <dgm:cxn modelId="24" srcId="2" destId="22" srcOrd="0" destOrd="0"/>
+      </dgm:cxnLst>
+      <dgm:bg/>
+      <dgm:whole/>
+    </dgm:dataModel>
+  </dgm:sampData>
+  <dgm:styleData>
+    <dgm:dataModel>
+      <dgm:ptLst>
+        <dgm:pt modelId="0" type="doc"/>
+        <dgm:pt modelId="1"/>
+        <dgm:pt modelId="2"/>
+      </dgm:ptLst>
+      <dgm:cxnLst>
+        <dgm:cxn modelId="3" srcId="0" destId="1" srcOrd="0" destOrd="0"/>
+        <dgm:cxn modelId="4" srcId="0" destId="2" srcOrd="1" destOrd="0"/>
+      </dgm:cxnLst>
+      <dgm:bg/>
+      <dgm:whole/>
+    </dgm:dataModel>
+  </dgm:styleData>
+  <dgm:clrData>
+    <dgm:dataModel>
+      <dgm:ptLst>
+        <dgm:pt modelId="0" type="doc"/>
+        <dgm:pt modelId="1"/>
+        <dgm:pt modelId="2"/>
+        <dgm:pt modelId="3"/>
+        <dgm:pt modelId="4"/>
+      </dgm:ptLst>
+      <dgm:cxnLst>
+        <dgm:cxn modelId="5" srcId="0" destId="1" srcOrd="0" destOrd="0"/>
+        <dgm:cxn modelId="6" srcId="0" destId="2" srcOrd="1" destOrd="0"/>
+        <dgm:cxn modelId="7" srcId="0" destId="3" srcOrd="2" destOrd="0"/>
+        <dgm:cxn modelId="8" srcId="0" destId="4" srcOrd="3" destOrd="0"/>
+      </dgm:cxnLst>
+      <dgm:bg/>
+      <dgm:whole/>
+    </dgm:dataModel>
+  </dgm:clrData>
+  <dgm:layoutNode name="Name0">
+    <dgm:varLst>
+      <dgm:dir/>
+      <dgm:animLvl val="lvl"/>
+      <dgm:resizeHandles/>
+    </dgm:varLst>
+    <dgm:alg type="lin">
+      <dgm:param type="linDir" val="fromT"/>
+    </dgm:alg>
+    <dgm:shape xmlns:r="http://schemas.openxmlformats.org/officeDocument/2006/relationships" r:blip="">
+      <dgm:adjLst/>
+    </dgm:shape>
+    <dgm:presOf/>
+    <dgm:constrLst>
+      <dgm:constr type="w" for="ch" forName="linNode" refType="w"/>
+      <dgm:constr type="h" for="ch" forName="linNode" refType="h"/>
+      <dgm:constr type="h" for="ch" forName="spacing" refType="h" refFor="ch" refForName="linNode" fact="0.1"/>
+      <dgm:constr type="primFontSz" for="des" forName="parentShp" op="equ" val="65"/>
+      <dgm:constr type="primFontSz" for="des" forName="childShp" op="equ" val="65"/>
+    </dgm:constrLst>
+    <dgm:ruleLst/>
+    <dgm:forEach name="Name1" axis="ch" ptType="node">
+      <dgm:layoutNode name="linNode">
+        <dgm:choose name="Name2">
+          <dgm:if name="Name3" func="var" arg="dir" op="equ" val="norm">
+            <dgm:alg type="lin">
+              <dgm:param type="linDir" val="fromL"/>
+            </dgm:alg>
+          </dgm:if>
+          <dgm:else name="Name4">
+            <dgm:alg type="lin">
+              <dgm:param type="linDir" val="fromR"/>
+            </dgm:alg>
+          </dgm:else>
+        </dgm:choose>
+        <dgm:shape xmlns:r="http://schemas.openxmlformats.org/officeDocument/2006/relationships" r:blip="">
+          <dgm:adjLst/>
+        </dgm:shape>
+        <dgm:presOf/>
+        <dgm:choose name="Name5">
+          <dgm:if name="Name6" func="var" arg="dir" op="equ" val="norm">
+            <dgm:constrLst>
+              <dgm:constr type="w" for="ch" forName="parentShp" refType="w" fact="0.4"/>
+              <dgm:constr type="h" for="ch" forName="parentShp" refType="h"/>
+              <dgm:constr type="w" for="ch" forName="childShp" refType="w" fact="0.6"/>
+              <dgm:constr type="h" for="ch" forName="childShp" refType="h" refFor="ch" refForName="parentShp"/>
+            </dgm:constrLst>
+          </dgm:if>
+          <dgm:else name="Name7">
+            <dgm:constrLst>
+              <dgm:constr type="w" for="ch" forName="parentShp" refType="w" fact="0.4"/>
+              <dgm:constr type="h" for="ch" forName="parentShp" refType="h"/>
+              <dgm:constr type="w" for="ch" forName="childShp" refType="w" fact="0.6"/>
+              <dgm:constr type="h" for="ch" forName="childShp" refType="h" refFor="ch" refForName="parentShp"/>
+            </dgm:constrLst>
+          </dgm:else>
+        </dgm:choose>
+        <dgm:ruleLst/>
+        <dgm:layoutNode name="parentShp" styleLbl="node1">
+          <dgm:varLst>
+            <dgm:bulletEnabled val="1"/>
+          </dgm:varLst>
+          <dgm:alg type="tx"/>
+          <dgm:shape xmlns:r="http://schemas.openxmlformats.org/officeDocument/2006/relationships" type="roundRect" r:blip="">
+            <dgm:adjLst/>
+          </dgm:shape>
+          <dgm:presOf axis="self" ptType="node"/>
+          <dgm:constrLst>
+            <dgm:constr type="tMarg" refType="primFontSz" fact="0.15"/>
+            <dgm:constr type="bMarg" refType="primFontSz" fact="0.15"/>
+            <dgm:constr type="lMarg" refType="primFontSz" fact="0.3"/>
+            <dgm:constr type="rMarg" refType="primFontSz" fact="0.3"/>
+          </dgm:constrLst>
+          <dgm:ruleLst>
+            <dgm:rule type="primFontSz" val="5" fact="NaN" max="NaN"/>
+          </dgm:ruleLst>
+        </dgm:layoutNode>
+        <dgm:layoutNode name="childShp" styleLbl="bgAccFollowNode1">
+          <dgm:varLst>
+            <dgm:bulletEnabled val="1"/>
+          </dgm:varLst>
+          <dgm:alg type="tx">
+            <dgm:param type="stBulletLvl" val="1"/>
+          </dgm:alg>
+          <dgm:choose name="Name8">
+            <dgm:if name="Name9" func="var" arg="dir" op="equ" val="norm">
+              <dgm:shape xmlns:r="http://schemas.openxmlformats.org/officeDocument/2006/relationships" type="rightArrow" r:blip="" zOrderOff="-2">
+                <dgm:adjLst>
+                  <dgm:adj idx="1" val="0.75"/>
+                </dgm:adjLst>
+              </dgm:shape>
+            </dgm:if>
+            <dgm:else name="Name10">
+              <dgm:shape xmlns:r="http://schemas.openxmlformats.org/officeDocument/2006/relationships" rot="180" type="rightArrow" r:blip="" zOrderOff="-2">
+                <dgm:adjLst>
+                  <dgm:adj idx="1" val="0.75"/>
+                </dgm:adjLst>
+              </dgm:shape>
+            </dgm:else>
+          </dgm:choose>
+          <dgm:presOf axis="des" ptType="node"/>
+          <dgm:constrLst>
+            <dgm:constr type="secFontSz" refType="primFontSz"/>
+            <dgm:constr type="tMarg" refType="primFontSz" fact="0.05"/>
+            <dgm:constr type="bMarg" refType="primFontSz" fact="0.05"/>
+            <dgm:constr type="lMarg" refType="primFontSz" fact="0.05"/>
+            <dgm:constr type="rMarg" refType="primFontSz" fact="0.05"/>
+          </dgm:constrLst>
+          <dgm:ruleLst>
+            <dgm:rule type="primFontSz" val="5" fact="NaN" max="NaN"/>
+          </dgm:ruleLst>
+        </dgm:layoutNode>
+      </dgm:layoutNode>
+      <dgm:forEach name="Name11" axis="followSib" ptType="sibTrans" cnt="1">
+        <dgm:layoutNode name="spacing">
+          <dgm:alg type="sp"/>
+          <dgm:shape xmlns:r="http://schemas.openxmlformats.org/officeDocument/2006/relationships" r:blip="">
+            <dgm:adjLst/>
+          </dgm:shape>
+          <dgm:presOf/>
+          <dgm:constrLst/>
+          <dgm:ruleLst/>
+        </dgm:layoutNode>
+      </dgm:forEach>
+    </dgm:forEach>
+  </dgm:layoutNode>
+</dgm:layoutDef>
+</file>
+
+<file path=ppt/diagrams/quickStyle1.xml><?xml version="1.0" encoding="utf-8"?>
+<dgm:styleDef xmlns:dgm="http://schemas.openxmlformats.org/drawingml/2006/diagram" xmlns:a="http://schemas.openxmlformats.org/drawingml/2006/main" uniqueId="urn:microsoft.com/office/officeart/2005/8/quickstyle/simple1">
+  <dgm:title val=""/>
+  <dgm:desc val=""/>
+  <dgm:catLst>
+    <dgm:cat type="simple" pri="10100"/>
+  </dgm:catLst>
+  <dgm:scene3d>
+    <a:camera prst="orthographicFront"/>
+    <a:lightRig rig="threePt" dir="t"/>
+  </dgm:scene3d>
+  <dgm:styleLbl name="node0">
+    <dgm:scene3d>
+      <a:camera prst="orthographicFront"/>
+      <a:lightRig rig="threePt" dir="t"/>
+    </dgm:scene3d>
+    <dgm:sp3d/>
+    <dgm:txPr/>
+    <dgm:style>
+      <a:lnRef idx="2">
+        <a:scrgbClr r="0" g="0" b="0"/>
+      </a:lnRef>
+      <a:fillRef idx="1">
+        <a:scrgbClr r="0" g="0" b="0"/>
+      </a:fillRef>
+      <a:effectRef idx="0">
+        <a:scrgbClr r="0" g="0" b="0"/>
+      </a:effectRef>
+      <a:fontRef idx="minor">
+        <a:schemeClr val="lt1"/>
+      </a:fontRef>
+    </dgm:style>
+  </dgm:styleLbl>
+  <dgm:styleLbl name="lnNode1">
+    <dgm:scene3d>
+      <a:camera prst="orthographicFront"/>
+      <a:lightRig rig="threePt" dir="t"/>
+    </dgm:scene3d>
+    <dgm:sp3d/>
+    <dgm:txPr/>
+    <dgm:style>
+      <a:lnRef idx="2">
+        <a:scrgbClr r="0" g="0" b="0"/>
+      </a:lnRef>
+      <a:fillRef idx="1">
+        <a:scrgbClr r="0" g="0" b="0"/>
+      </a:fillRef>
+      <a:effectRef idx="0">
+        <a:scrgbClr r="0" g="0" b="0"/>
+      </a:effectRef>
+      <a:fontRef idx="minor">
+        <a:schemeClr val="lt1"/>
+      </a:fontRef>
+    </dgm:style>
+  </dgm:styleLbl>
+  <dgm:styleLbl name="vennNode1">
+    <dgm:scene3d>
+      <a:camera prst="orthographicFront"/>
+      <a:lightRig rig="threePt" dir="t"/>
+    </dgm:scene3d>
+    <dgm:sp3d/>
+    <dgm:txPr/>
+    <dgm:style>
+      <a:lnRef idx="2">
+        <a:scrgbClr r="0" g="0" b="0"/>
+      </a:lnRef>
+      <a:fillRef idx="1">
+        <a:scrgbClr r="0" g="0" b="0"/>
+      </a:fillRef>
+      <a:effectRef idx="0">
+        <a:scrgbClr r="0" g="0" b="0"/>
+      </a:effectRef>
+      <a:fontRef idx="minor">
+        <a:schemeClr val="tx1"/>
+      </a:fontRef>
+    </dgm:style>
+  </dgm:styleLbl>
+  <dgm:styleLbl name="alignNode1">
+    <dgm:scene3d>
+      <a:camera prst="orthographicFront"/>
+      <a:lightRig rig="threePt" dir="t"/>
+    </dgm:scene3d>
+    <dgm:sp3d/>
+    <dgm:txPr/>
+    <dgm:style>
+      <a:lnRef idx="2">
+        <a:scrgbClr r="0" g="0" b="0"/>
+      </a:lnRef>
+      <a:fillRef idx="1">
+        <a:scrgbClr r="0" g="0" b="0"/>
+      </a:fillRef>
+      <a:effectRef idx="0">
+        <a:scrgbClr r="0" g="0" b="0"/>
+      </a:effectRef>
+      <a:fontRef idx="minor">
+        <a:schemeClr val="lt1"/>
+      </a:fontRef>
+    </dgm:style>
+  </dgm:styleLbl>
+  <dgm:styleLbl name="node1">
+    <dgm:scene3d>
+      <a:camera prst="orthographicFront"/>
+      <a:lightRig rig="threePt" dir="t"/>
+    </dgm:scene3d>
+    <dgm:sp3d/>
+    <dgm:txPr/>
+    <dgm:style>
+      <a:lnRef idx="2">
+        <a:scrgbClr r="0" g="0" b="0"/>
+      </a:lnRef>
+      <a:fillRef idx="1">
+        <a:scrgbClr r="0" g="0" b="0"/>
+      </a:fillRef>
+      <a:effectRef idx="0">
+        <a:scrgbClr r="0" g="0" b="0"/>
+      </a:effectRef>
+      <a:fontRef idx="minor">
+        <a:schemeClr val="lt1"/>
+      </a:fontRef>
+    </dgm:style>
+  </dgm:styleLbl>
+  <dgm:styleLbl name="node2">
+    <dgm:scene3d>
+      <a:camera prst="orthographicFront"/>
+      <a:lightRig rig="threePt" dir="t"/>
+    </dgm:scene3d>
+    <dgm:sp3d/>
+    <dgm:txPr/>
+    <dgm:style>
+      <a:lnRef idx="2">
+        <a:scrgbClr r="0" g="0" b="0"/>
+      </a:lnRef>
+      <a:fillRef idx="1">
+        <a:scrgbClr r="0" g="0" b="0"/>
+      </a:fillRef>
+      <a:effectRef idx="0">
+        <a:scrgbClr r="0" g="0" b="0"/>
+      </a:effectRef>
+      <a:fontRef idx="minor">
+        <a:schemeClr val="lt1"/>
+      </a:fontRef>
+    </dgm:style>
+  </dgm:styleLbl>
+  <dgm:styleLbl name="node3">
+    <dgm:scene3d>
+      <a:camera prst="orthographicFront"/>
+      <a:lightRig rig="threePt" dir="t"/>
+    </dgm:scene3d>
+    <dgm:sp3d/>
+    <dgm:txPr/>
+    <dgm:style>
+      <a:lnRef idx="2">
+        <a:scrgbClr r="0" g="0" b="0"/>
+      </a:lnRef>
+      <a:fillRef idx="1">
+        <a:scrgbClr r="0" g="0" b="0"/>
+      </a:fillRef>
+      <a:effectRef idx="0">
+        <a:scrgbClr r="0" g="0" b="0"/>
+      </a:effectRef>
+      <a:fontRef idx="minor">
+        <a:schemeClr val="lt1"/>
+      </a:fontRef>
+    </dgm:style>
+  </dgm:styleLbl>
+  <dgm:styleLbl name="node4">
+    <dgm:scene3d>
+      <a:camera prst="orthographicFront"/>
+      <a:lightRig rig="threePt" dir="t"/>
+    </dgm:scene3d>
+    <dgm:sp3d/>
+    <dgm:txPr/>
+    <dgm:style>
+      <a:lnRef idx="2">
+        <a:scrgbClr r="0" g="0" b="0"/>
+      </a:lnRef>
+      <a:fillRef idx="1">
+        <a:scrgbClr r="0" g="0" b="0"/>
+      </a:fillRef>
+      <a:effectRef idx="0">
+        <a:scrgbClr r="0" g="0" b="0"/>
+      </a:effectRef>
+      <a:fontRef idx="minor">
+        <a:schemeClr val="lt1"/>
+      </a:fontRef>
+    </dgm:style>
+  </dgm:styleLbl>
+  <dgm:styleLbl name="fgImgPlace1">
+    <dgm:scene3d>
+      <a:camera prst="orthographicFront"/>
+      <a:lightRig rig="threePt" dir="t"/>
+    </dgm:scene3d>
+    <dgm:sp3d/>
+    <dgm:txPr/>
+    <dgm:style>
+      <a:lnRef idx="2">
+        <a:scrgbClr r="0" g="0" b="0"/>
+      </a:lnRef>
+      <a:fillRef idx="1">
+        <a:scrgbClr r="0" g="0" b="0"/>
+      </a:fillRef>
+      <a:effectRef idx="0">
+        <a:scrgbClr r="0" g="0" b="0"/>
+      </a:effectRef>
+      <a:fontRef idx="minor"/>
+    </dgm:style>
+  </dgm:styleLbl>
+  <dgm:styleLbl name="alignImgPlace1">
+    <dgm:scene3d>
+      <a:camera prst="orthographicFront"/>
+      <a:lightRig rig="threePt" dir="t"/>
+    </dgm:scene3d>
+    <dgm:sp3d/>
+    <dgm:txPr/>
+    <dgm:style>
+      <a:lnRef idx="2">
+        <a:scrgbClr r="0" g="0" b="0"/>
+      </a:lnRef>
+      <a:fillRef idx="1">
+        <a:scrgbClr r="0" g="0" b="0"/>
+      </a:fillRef>
+      <a:effectRef idx="0">
+        <a:scrgbClr r="0" g="0" b="0"/>
+      </a:effectRef>
+      <a:fontRef idx="minor"/>
+    </dgm:style>
+  </dgm:styleLbl>
+  <dgm:styleLbl name="bgImgPlace1">
+    <dgm:scene3d>
+      <a:camera prst="orthographicFront"/>
+      <a:lightRig rig="threePt" dir="t"/>
+    </dgm:scene3d>
+    <dgm:sp3d/>
+    <dgm:txPr/>
+    <dgm:style>
+      <a:lnRef idx="2">
+        <a:scrgbClr r="0" g="0" b="0"/>
+      </a:lnRef>
+      <a:fillRef idx="1">
+        <a:scrgbClr r="0" g="0" b="0"/>
+      </a:fillRef>
+      <a:effectRef idx="0">
+        <a:scrgbClr r="0" g="0" b="0"/>
+      </a:effectRef>
+      <a:fontRef idx="minor"/>
+    </dgm:style>
+  </dgm:styleLbl>
+  <dgm:styleLbl name="sibTrans2D1">
+    <dgm:scene3d>
+      <a:camera prst="orthographicFront"/>
+      <a:lightRig rig="threePt" dir="t"/>
+    </dgm:scene3d>
+    <dgm:sp3d/>
+    <dgm:txPr/>
+    <dgm:style>
+      <a:lnRef idx="0">
+        <a:scrgbClr r="0" g="0" b="0"/>
+      </a:lnRef>
+      <a:fillRef idx="1">
+        <a:scrgbClr r="0" g="0" b="0"/>
+      </a:fillRef>
+      <a:effectRef idx="0">
+        <a:scrgbClr r="0" g="0" b="0"/>
+      </a:effectRef>
+      <a:fontRef idx="minor">
+        <a:schemeClr val="lt1"/>
+      </a:fontRef>
+    </dgm:style>
+  </dgm:styleLbl>
+  <dgm:styleLbl name="fgSibTrans2D1">
+    <dgm:scene3d>
+      <a:camera prst="orthographicFront"/>
+      <a:lightRig rig="threePt" dir="t"/>
+    </dgm:scene3d>
+    <dgm:sp3d/>
+    <dgm:txPr/>
+    <dgm:style>
+      <a:lnRef idx="0">
+        <a:scrgbClr r="0" g="0" b="0"/>
+      </a:lnRef>
+      <a:fillRef idx="1">
+        <a:scrgbClr r="0" g="0" b="0"/>
+      </a:fillRef>
+      <a:effectRef idx="0">
+        <a:scrgbClr r="0" g="0" b="0"/>
+      </a:effectRef>
+      <a:fontRef idx="minor">
+        <a:schemeClr val="lt1"/>
+      </a:fontRef>
+    </dgm:style>
+  </dgm:styleLbl>
+  <dgm:styleLbl name="bgSibTrans2D1">
+    <dgm:scene3d>
+      <a:camera prst="orthographicFront"/>
+      <a:lightRig rig="threePt" dir="t"/>
+    </dgm:scene3d>
+    <dgm:sp3d/>
+    <dgm:txPr/>
+    <dgm:style>
+      <a:lnRef idx="0">
+        <a:scrgbClr r="0" g="0" b="0"/>
+      </a:lnRef>
+      <a:fillRef idx="1">
+        <a:scrgbClr r="0" g="0" b="0"/>
+      </a:fillRef>
+      <a:effectRef idx="0">
+        <a:scrgbClr r="0" g="0" b="0"/>
+      </a:effectRef>
+      <a:fontRef idx="minor">
+        <a:schemeClr val="lt1"/>
+      </a:fontRef>
+    </dgm:style>
+  </dgm:styleLbl>
+  <dgm:styleLbl name="sibTrans1D1">
+    <dgm:scene3d>
+      <a:camera prst="orthographicFront"/>
+      <a:lightRig rig="threePt" dir="t"/>
+    </dgm:scene3d>
+    <dgm:sp3d/>
+    <dgm:txPr/>
+    <dgm:style>
+      <a:lnRef idx="1">
+        <a:scrgbClr r="0" g="0" b="0"/>
+      </a:lnRef>
+      <a:fillRef idx="0">
+        <a:scrgbClr r="0" g="0" b="0"/>
+      </a:fillRef>
+      <a:effectRef idx="0">
+        <a:scrgbClr r="0" g="0" b="0"/>
+      </a:effectRef>
+      <a:fontRef idx="minor"/>
+    </dgm:style>
+  </dgm:styleLbl>
+  <dgm:styleLbl name="callout">
+    <dgm:scene3d>
+      <a:camera prst="orthographicFront"/>
+      <a:lightRig rig="threePt" dir="t"/>
+    </dgm:scene3d>
+    <dgm:sp3d/>
+    <dgm:txPr/>
+    <dgm:style>
+      <a:lnRef idx="2">
+        <a:scrgbClr r="0" g="0" b="0"/>
+      </a:lnRef>
+      <a:fillRef idx="1">
+        <a:scrgbClr r="0" g="0" b="0"/>
+      </a:fillRef>
+      <a:effectRef idx="0">
+        <a:scrgbClr r="0" g="0" b="0"/>
+      </a:effectRef>
+      <a:fontRef idx="minor"/>
+    </dgm:style>
+  </dgm:styleLbl>
+  <dgm:styleLbl name="asst0">
+    <dgm:scene3d>
+      <a:camera prst="orthographicFront"/>
+      <a:lightRig rig="threePt" dir="t"/>
+    </dgm:scene3d>
+    <dgm:sp3d/>
+    <dgm:txPr/>
+    <dgm:style>
+      <a:lnRef idx="2">
+        <a:scrgbClr r="0" g="0" b="0"/>
+      </a:lnRef>
+      <a:fillRef idx="1">
+        <a:scrgbClr r="0" g="0" b="0"/>
+      </a:fillRef>
+      <a:effectRef idx="0">
+        <a:scrgbClr r="0" g="0" b="0"/>
+      </a:effectRef>
+      <a:fontRef idx="minor">
+        <a:schemeClr val="lt1"/>
+      </a:fontRef>
+    </dgm:style>
+  </dgm:styleLbl>
+  <dgm:styleLbl name="asst1">
+    <dgm:scene3d>
+      <a:camera prst="orthographicFront"/>
+      <a:lightRig rig="threePt" dir="t"/>
+    </dgm:scene3d>
+    <dgm:sp3d/>
+    <dgm:txPr/>
+    <dgm:style>
+      <a:lnRef idx="2">
+        <a:scrgbClr r="0" g="0" b="0"/>
+      </a:lnRef>
+      <a:fillRef idx="1">
+        <a:scrgbClr r="0" g="0" b="0"/>
+      </a:fillRef>
+      <a:effectRef idx="0">
+        <a:scrgbClr r="0" g="0" b="0"/>
+      </a:effectRef>
+      <a:fontRef idx="minor">
+        <a:schemeClr val="lt1"/>
+      </a:fontRef>
+    </dgm:style>
+  </dgm:styleLbl>
+  <dgm:styleLbl name="asst2">
+    <dgm:scene3d>
+      <a:camera prst="orthographicFront"/>
+      <a:lightRig rig="threePt" dir="t"/>
+    </dgm:scene3d>
+    <dgm:sp3d/>
+    <dgm:txPr/>
+    <dgm:style>
+      <a:lnRef idx="2">
+        <a:scrgbClr r="0" g="0" b="0"/>
+      </a:lnRef>
+      <a:fillRef idx="1">
+        <a:scrgbClr r="0" g="0" b="0"/>
+      </a:fillRef>
+      <a:effectRef idx="0">
+        <a:scrgbClr r="0" g="0" b="0"/>
+      </a:effectRef>
+      <a:fontRef idx="minor">
+        <a:schemeClr val="lt1"/>
+      </a:fontRef>
+    </dgm:style>
+  </dgm:styleLbl>
+  <dgm:styleLbl name="asst3">
+    <dgm:scene3d>
+      <a:camera prst="orthographicFront"/>
+      <a:lightRig rig="threePt" dir="t"/>
+    </dgm:scene3d>
+    <dgm:sp3d/>
+    <dgm:txPr/>
+    <dgm:style>
+      <a:lnRef idx="2">
+        <a:scrgbClr r="0" g="0" b="0"/>
+      </a:lnRef>
+      <a:fillRef idx="1">
+        <a:scrgbClr r="0" g="0" b="0"/>
+      </a:fillRef>
+      <a:effectRef idx="0">
+        <a:scrgbClr r="0" g="0" b="0"/>
+      </a:effectRef>
+      <a:fontRef idx="minor">
+        <a:schemeClr val="lt1"/>
+      </a:fontRef>
+    </dgm:style>
+  </dgm:styleLbl>
+  <dgm:styleLbl name="asst4">
+    <dgm:scene3d>
+      <a:camera prst="orthographicFront"/>
+      <a:lightRig rig="threePt" dir="t"/>
+    </dgm:scene3d>
+    <dgm:sp3d/>
+    <dgm:txPr/>
+    <dgm:style>
+      <a:lnRef idx="2">
+        <a:scrgbClr r="0" g="0" b="0"/>
+      </a:lnRef>
+      <a:fillRef idx="1">
+        <a:scrgbClr r="0" g="0" b="0"/>
+      </a:fillRef>
+      <a:effectRef idx="0">
+        <a:scrgbClr r="0" g="0" b="0"/>
+      </a:effectRef>
+      <a:fontRef idx="minor">
+        <a:schemeClr val="lt1"/>
+      </a:fontRef>
+    </dgm:style>
+  </dgm:styleLbl>
+  <dgm:styleLbl name="parChTrans2D1">
+    <dgm:scene3d>
+      <a:camera prst="orthographicFront"/>
+      <a:lightRig rig="threePt" dir="t"/>
+    </dgm:scene3d>
+    <dgm:sp3d/>
+    <dgm:txPr/>
+    <dgm:style>
+      <a:lnRef idx="2">
+        <a:scrgbClr r="0" g="0" b="0"/>
+      </a:lnRef>
+      <a:fillRef idx="1">
+        <a:scrgbClr r="0" g="0" b="0"/>
+      </a:fillRef>
+      <a:effectRef idx="0">
+        <a:scrgbClr r="0" g="0" b="0"/>
+      </a:effectRef>
+      <a:fontRef idx="minor">
+        <a:schemeClr val="lt1"/>
+      </a:fontRef>
+    </dgm:style>
+  </dgm:styleLbl>
+  <dgm:styleLbl name="parChTrans2D2">
+    <dgm:scene3d>
+      <a:camera prst="orthographicFront"/>
+      <a:lightRig rig="threePt" dir="t"/>
+    </dgm:scene3d>
+    <dgm:sp3d/>
+    <dgm:txPr/>
+    <dgm:style>
+      <a:lnRef idx="2">
+        <a:scrgbClr r="0" g="0" b="0"/>
+      </a:lnRef>
+      <a:fillRef idx="1">
+        <a:scrgbClr r="0" g="0" b="0"/>
+      </a:fillRef>
+      <a:effectRef idx="0">
+        <a:scrgbClr r="0" g="0" b="0"/>
+      </a:effectRef>
+      <a:fontRef idx="minor">
+        <a:schemeClr val="lt1"/>
+      </a:fontRef>
+    </dgm:style>
+  </dgm:styleLbl>
+  <dgm:styleLbl name="parChTrans2D3">
+    <dgm:scene3d>
+      <a:camera prst="orthographicFront"/>
+      <a:lightRig rig="threePt" dir="t"/>
+    </dgm:scene3d>
+    <dgm:sp3d/>
+    <dgm:txPr/>
+    <dgm:style>
+      <a:lnRef idx="2">
+        <a:scrgbClr r="0" g="0" b="0"/>
+      </a:lnRef>
+      <a:fillRef idx="1">
+        <a:scrgbClr r="0" g="0" b="0"/>
+      </a:fillRef>
+      <a:effectRef idx="0">
+        <a:scrgbClr r="0" g="0" b="0"/>
+      </a:effectRef>
+      <a:fontRef idx="minor">
+        <a:schemeClr val="lt1"/>
+      </a:fontRef>
+    </dgm:style>
+  </dgm:styleLbl>
+  <dgm:styleLbl name="parChTrans2D4">
+    <dgm:scene3d>
+      <a:camera prst="orthographicFront"/>
+      <a:lightRig rig="threePt" dir="t"/>
+    </dgm:scene3d>
+    <dgm:sp3d/>
+    <dgm:txPr/>
+    <dgm:style>
+      <a:lnRef idx="2">
+        <a:scrgbClr r="0" g="0" b="0"/>
+      </a:lnRef>
+      <a:fillRef idx="1">
+        <a:scrgbClr r="0" g="0" b="0"/>
+      </a:fillRef>
+      <a:effectRef idx="0">
+        <a:scrgbClr r="0" g="0" b="0"/>
+      </a:effectRef>
+      <a:fontRef idx="minor">
+        <a:schemeClr val="lt1"/>
+      </a:fontRef>
+    </dgm:style>
+  </dgm:styleLbl>
+  <dgm:styleLbl name="parChTrans1D1">
+    <dgm:scene3d>
+      <a:camera prst="orthographicFront"/>
+      <a:lightRig rig="threePt" dir="t"/>
+    </dgm:scene3d>
+    <dgm:sp3d/>
+    <dgm:txPr/>
+    <dgm:style>
+      <a:lnRef idx="2">
+        <a:scrgbClr r="0" g="0" b="0"/>
+      </a:lnRef>
+      <a:fillRef idx="0">
+        <a:scrgbClr r="0" g="0" b="0"/>
+      </a:fillRef>
+      <a:effectRef idx="0">
+        <a:scrgbClr r="0" g="0" b="0"/>
+      </a:effectRef>
+      <a:fontRef idx="minor"/>
+    </dgm:style>
+  </dgm:styleLbl>
+  <dgm:styleLbl name="parChTrans1D2">
+    <dgm:scene3d>
+      <a:camera prst="orthographicFront"/>
+      <a:lightRig rig="threePt" dir="t"/>
+    </dgm:scene3d>
+    <dgm:sp3d/>
+    <dgm:txPr/>
+    <dgm:style>
+      <a:lnRef idx="2">
+        <a:scrgbClr r="0" g="0" b="0"/>
+      </a:lnRef>
+      <a:fillRef idx="0">
+        <a:scrgbClr r="0" g="0" b="0"/>
+      </a:fillRef>
+      <a:effectRef idx="0">
+        <a:scrgbClr r="0" g="0" b="0"/>
+      </a:effectRef>
+      <a:fontRef idx="minor"/>
+    </dgm:style>
+  </dgm:styleLbl>
+  <dgm:styleLbl name="parChTrans1D3">
+    <dgm:scene3d>
+      <a:camera prst="orthographicFront"/>
+      <a:lightRig rig="threePt" dir="t"/>
+    </dgm:scene3d>
+    <dgm:sp3d/>
+    <dgm:txPr/>
+    <dgm:style>
+      <a:lnRef idx="2">
+        <a:scrgbClr r="0" g="0" b="0"/>
+      </a:lnRef>
+      <a:fillRef idx="0">
+        <a:scrgbClr r="0" g="0" b="0"/>
+      </a:fillRef>
+      <a:effectRef idx="0">
+        <a:scrgbClr r="0" g="0" b="0"/>
+      </a:effectRef>
+      <a:fontRef idx="minor"/>
+    </dgm:style>
+  </dgm:styleLbl>
+  <dgm:styleLbl name="parChTrans1D4">
+    <dgm:scene3d>
+      <a:camera prst="orthographicFront"/>
+      <a:lightRig rig="threePt" dir="t"/>
+    </dgm:scene3d>
+    <dgm:sp3d/>
+    <dgm:txPr/>
+    <dgm:style>
+      <a:lnRef idx="2">
+        <a:scrgbClr r="0" g="0" b="0"/>
+      </a:lnRef>
+      <a:fillRef idx="0">
+        <a:scrgbClr r="0" g="0" b="0"/>
+      </a:fillRef>
+      <a:effectRef idx="0">
+        <a:scrgbClr r="0" g="0" b="0"/>
+      </a:effectRef>
+      <a:fontRef idx="minor"/>
+    </dgm:style>
+  </dgm:styleLbl>
+  <dgm:styleLbl name="fgAcc1">
+    <dgm:scene3d>
+      <a:camera prst="orthographicFront"/>
+      <a:lightRig rig="threePt" dir="t"/>
+    </dgm:scene3d>
+    <dgm:sp3d/>
+    <dgm:txPr/>
+    <dgm:style>
+      <a:lnRef idx="2">
+        <a:scrgbClr r="0" g="0" b="0"/>
+      </a:lnRef>
+      <a:fillRef idx="1">
+        <a:scrgbClr r="0" g="0" b="0"/>
+      </a:fillRef>
+      <a:effectRef idx="0">
+        <a:scrgbClr r="0" g="0" b="0"/>
+      </a:effectRef>
+      <a:fontRef idx="minor"/>
+    </dgm:style>
+  </dgm:styleLbl>
+  <dgm:styleLbl name="conFgAcc1">
+    <dgm:scene3d>
+      <a:camera prst="orthographicFront"/>
+      <a:lightRig rig="threePt" dir="t"/>
+    </dgm:scene3d>
+    <dgm:sp3d/>
+    <dgm:txPr/>
+    <dgm:style>
+      <a:lnRef idx="2">
+        <a:scrgbClr r="0" g="0" b="0"/>
+      </a:lnRef>
+      <a:fillRef idx="1">
+        <a:scrgbClr r="0" g="0" b="0"/>
+      </a:fillRef>
+      <a:effectRef idx="0">
+        <a:scrgbClr r="0" g="0" b="0"/>
+      </a:effectRef>
+      <a:fontRef idx="minor"/>
+    </dgm:style>
+  </dgm:styleLbl>
+  <dgm:styleLbl name="alignAcc1">
+    <dgm:scene3d>
+      <a:camera prst="orthographicFront"/>
+      <a:lightRig rig="threePt" dir="t"/>
+    </dgm:scene3d>
+    <dgm:sp3d/>
+    <dgm:txPr/>
+    <dgm:style>
+      <a:lnRef idx="2">
+        <a:scrgbClr r="0" g="0" b="0"/>
+      </a:lnRef>
+      <a:fillRef idx="1">
+        <a:scrgbClr r="0" g="0" b="0"/>
+      </a:fillRef>
+      <a:effectRef idx="0">
+        <a:scrgbClr r="0" g="0" b="0"/>
+      </a:effectRef>
+      <a:fontRef idx="minor"/>
+    </dgm:style>
+  </dgm:styleLbl>
+  <dgm:styleLbl name="trAlignAcc1">
+    <dgm:scene3d>
+      <a:camera prst="orthographicFront"/>
+      <a:lightRig rig="threePt" dir="t"/>
+    </dgm:scene3d>
+    <dgm:sp3d/>
+    <dgm:txPr/>
+    <dgm:style>
+      <a:lnRef idx="1">
+        <a:scrgbClr r="0" g="0" b="0"/>
+      </a:lnRef>
+      <a:fillRef idx="1">
+        <a:scrgbClr r="0" g="0" b="0"/>
+      </a:fillRef>
+      <a:effectRef idx="0">
+        <a:scrgbClr r="0" g="0" b="0"/>
+      </a:effectRef>
+      <a:fontRef idx="minor"/>
+    </dgm:style>
+  </dgm:styleLbl>
+  <dgm:styleLbl name="bgAcc1">
+    <dgm:scene3d>
+      <a:camera prst="orthographicFront"/>
+      <a:lightRig rig="threePt" dir="t"/>
+    </dgm:scene3d>
+    <dgm:sp3d/>
+    <dgm:txPr/>
+    <dgm:style>
+      <a:lnRef idx="2">
+        <a:scrgbClr r="0" g="0" b="0"/>
+      </a:lnRef>
+      <a:fillRef idx="1">
+        <a:scrgbClr r="0" g="0" b="0"/>
+      </a:fillRef>
+      <a:effectRef idx="0">
+        <a:scrgbClr r="0" g="0" b="0"/>
+      </a:effectRef>
+      <a:fontRef idx="minor"/>
+    </dgm:style>
+  </dgm:styleLbl>
+  <dgm:styleLbl name="solidFgAcc1">
+    <dgm:scene3d>
+      <a:camera prst="orthographicFront"/>
+      <a:lightRig rig="threePt" dir="t"/>
+    </dgm:scene3d>
+    <dgm:sp3d/>
+    <dgm:txPr/>
+    <dgm:style>
+      <a:lnRef idx="2">
+        <a:scrgbClr r="0" g="0" b="0"/>
+      </a:lnRef>
+      <a:fillRef idx="1">
+        <a:scrgbClr r="0" g="0" b="0"/>
+      </a:fillRef>
+      <a:effectRef idx="0">
+        <a:scrgbClr r="0" g="0" b="0"/>
+      </a:effectRef>
+      <a:fontRef idx="minor"/>
+    </dgm:style>
+  </dgm:styleLbl>
+  <dgm:styleLbl name="solidAlignAcc1">
+    <dgm:scene3d>
+      <a:camera prst="orthographicFront"/>
+      <a:lightRig rig="threePt" dir="t"/>
+    </dgm:scene3d>
+    <dgm:sp3d/>
+    <dgm:txPr/>
+    <dgm:style>
+      <a:lnRef idx="2">
+        <a:scrgbClr r="0" g="0" b="0"/>
+      </a:lnRef>
+      <a:fillRef idx="1">
+        <a:scrgbClr r="0" g="0" b="0"/>
+      </a:fillRef>
+      <a:effectRef idx="0">
+        <a:scrgbClr r="0" g="0" b="0"/>
+      </a:effectRef>
+      <a:fontRef idx="minor"/>
+    </dgm:style>
+  </dgm:styleLbl>
+  <dgm:styleLbl name="solidBgAcc1">
+    <dgm:scene3d>
+      <a:camera prst="orthographicFront"/>
+      <a:lightRig rig="threePt" dir="t"/>
+    </dgm:scene3d>
+    <dgm:sp3d/>
+    <dgm:txPr/>
+    <dgm:style>
+      <a:lnRef idx="2">
+        <a:scrgbClr r="0" g="0" b="0"/>
+      </a:lnRef>
+      <a:fillRef idx="1">
+        <a:scrgbClr r="0" g="0" b="0"/>
+      </a:fillRef>
+      <a:effectRef idx="0">
+        <a:scrgbClr r="0" g="0" b="0"/>
+      </a:effectRef>
+      <a:fontRef idx="minor"/>
+    </dgm:style>
+  </dgm:styleLbl>
+  <dgm:styleLbl name="fgAccFollowNode1">
+    <dgm:scene3d>
+      <a:camera prst="orthographicFront"/>
+      <a:lightRig rig="threePt" dir="t"/>
+    </dgm:scene3d>
+    <dgm:sp3d/>
+    <dgm:txPr/>
+    <dgm:style>
+      <a:lnRef idx="2">
+        <a:scrgbClr r="0" g="0" b="0"/>
+      </a:lnRef>
+      <a:fillRef idx="1">
+        <a:scrgbClr r="0" g="0" b="0"/>
+      </a:fillRef>
+      <a:effectRef idx="0">
+        <a:scrgbClr r="0" g="0" b="0"/>
+      </a:effectRef>
+      <a:fontRef idx="minor"/>
+    </dgm:style>
+  </dgm:styleLbl>
+  <dgm:styleLbl name="alignAccFollowNode1">
+    <dgm:scene3d>
+      <a:camera prst="orthographicFront"/>
+      <a:lightRig rig="threePt" dir="t"/>
+    </dgm:scene3d>
+    <dgm:sp3d/>
+    <dgm:txPr/>
+    <dgm:style>
+      <a:lnRef idx="2">
+        <a:scrgbClr r="0" g="0" b="0"/>
+      </a:lnRef>
+      <a:fillRef idx="1">
+        <a:scrgbClr r="0" g="0" b="0"/>
+      </a:fillRef>
+      <a:effectRef idx="0">
+        <a:scrgbClr r="0" g="0" b="0"/>
+      </a:effectRef>
+      <a:fontRef idx="minor"/>
+    </dgm:style>
+  </dgm:styleLbl>
+  <dgm:styleLbl name="bgAccFollowNode1">
+    <dgm:scene3d>
+      <a:camera prst="orthographicFront"/>
+      <a:lightRig rig="threePt" dir="t"/>
+    </dgm:scene3d>
+    <dgm:sp3d/>
+    <dgm:txPr/>
+    <dgm:style>
+      <a:lnRef idx="2">
+        <a:scrgbClr r="0" g="0" b="0"/>
+      </a:lnRef>
+      <a:fillRef idx="1">
+        <a:scrgbClr r="0" g="0" b="0"/>
+      </a:fillRef>
+      <a:effectRef idx="0">
+        <a:scrgbClr r="0" g="0" b="0"/>
+      </a:effectRef>
+      <a:fontRef idx="minor"/>
+    </dgm:style>
+  </dgm:styleLbl>
+  <dgm:styleLbl name="fgAcc0">
+    <dgm:scene3d>
+      <a:camera prst="orthographicFront"/>
+      <a:lightRig rig="threePt" dir="t"/>
+    </dgm:scene3d>
+    <dgm:sp3d/>
+    <dgm:txPr/>
+    <dgm:style>
+      <a:lnRef idx="2">
+        <a:scrgbClr r="0" g="0" b="0"/>
+      </a:lnRef>
+      <a:fillRef idx="1">
+        <a:scrgbClr r="0" g="0" b="0"/>
+      </a:fillRef>
+      <a:effectRef idx="0">
+        <a:scrgbClr r="0" g="0" b="0"/>
+      </a:effectRef>
+      <a:fontRef idx="minor"/>
+    </dgm:style>
+  </dgm:styleLbl>
+  <dgm:styleLbl name="fgAcc2">
+    <dgm:scene3d>
+      <a:camera prst="orthographicFront"/>
+      <a:lightRig rig="threePt" dir="t"/>
+    </dgm:scene3d>
+    <dgm:sp3d/>
+    <dgm:txPr/>
+    <dgm:style>
+      <a:lnRef idx="2">
+        <a:scrgbClr r="0" g="0" b="0"/>
+      </a:lnRef>
+      <a:fillRef idx="1">
+        <a:scrgbClr r="0" g="0" b="0"/>
+      </a:fillRef>
+      <a:effectRef idx="0">
+        <a:scrgbClr r="0" g="0" b="0"/>
+      </a:effectRef>
+      <a:fontRef idx="minor"/>
+    </dgm:style>
+  </dgm:styleLbl>
+  <dgm:styleLbl name="fgAcc3">
+    <dgm:scene3d>
+      <a:camera prst="orthographicFront"/>
+      <a:lightRig rig="threePt" dir="t"/>
+    </dgm:scene3d>
+    <dgm:sp3d/>
+    <dgm:txPr/>
+    <dgm:style>
+      <a:lnRef idx="2">
+        <a:scrgbClr r="0" g="0" b="0"/>
+      </a:lnRef>
+      <a:fillRef idx="1">
+        <a:scrgbClr r="0" g="0" b="0"/>
+      </a:fillRef>
+      <a:effectRef idx="0">
+        <a:scrgbClr r="0" g="0" b="0"/>
+      </a:effectRef>
+      <a:fontRef idx="minor"/>
+    </dgm:style>
+  </dgm:styleLbl>
+  <dgm:styleLbl name="fgAcc4">
+    <dgm:scene3d>
+      <a:camera prst="orthographicFront"/>
+      <a:lightRig rig="threePt" dir="t"/>
+    </dgm:scene3d>
+    <dgm:sp3d/>
+    <dgm:txPr/>
+    <dgm:style>
+      <a:lnRef idx="2">
+        <a:scrgbClr r="0" g="0" b="0"/>
+      </a:lnRef>
+      <a:fillRef idx="1">
+        <a:scrgbClr r="0" g="0" b="0"/>
+      </a:fillRef>
+      <a:effectRef idx="0">
+        <a:scrgbClr r="0" g="0" b="0"/>
+      </a:effectRef>
+      <a:fontRef idx="minor"/>
+    </dgm:style>
+  </dgm:styleLbl>
+  <dgm:styleLbl name="bgShp">
+    <dgm:scene3d>
+      <a:camera prst="orthographicFront"/>
+      <a:lightRig rig="threePt" dir="t"/>
+    </dgm:scene3d>
+    <dgm:sp3d/>
+    <dgm:txPr/>
+    <dgm:style>
+      <a:lnRef idx="0">
+        <a:scrgbClr r="0" g="0" b="0"/>
+      </a:lnRef>
+      <a:fillRef idx="1">
+        <a:scrgbClr r="0" g="0" b="0"/>
+      </a:fillRef>
+      <a:effectRef idx="0">
+        <a:scrgbClr r="0" g="0" b="0"/>
+      </a:effectRef>
+      <a:fontRef idx="minor"/>
+    </dgm:style>
+  </dgm:styleLbl>
+  <dgm:styleLbl name="dkBgShp">
+    <dgm:scene3d>
+      <a:camera prst="orthographicFront"/>
+      <a:lightRig rig="threePt" dir="t"/>
+    </dgm:scene3d>
+    <dgm:sp3d/>
+    <dgm:txPr/>
+    <dgm:style>
+      <a:lnRef idx="0">
+        <a:scrgbClr r="0" g="0" b="0"/>
+      </a:lnRef>
+      <a:fillRef idx="1">
+        <a:scrgbClr r="0" g="0" b="0"/>
+      </a:fillRef>
+      <a:effectRef idx="0">
+        <a:scrgbClr r="0" g="0" b="0"/>
+      </a:effectRef>
+      <a:fontRef idx="minor"/>
+    </dgm:style>
+  </dgm:styleLbl>
+  <dgm:styleLbl name="trBgShp">
+    <dgm:scene3d>
+      <a:camera prst="orthographicFront"/>
+      <a:lightRig rig="threePt" dir="t"/>
+    </dgm:scene3d>
+    <dgm:sp3d/>
+    <dgm:txPr/>
+    <dgm:style>
+      <a:lnRef idx="0">
+        <a:scrgbClr r="0" g="0" b="0"/>
+      </a:lnRef>
+      <a:fillRef idx="1">
+        <a:scrgbClr r="0" g="0" b="0"/>
+      </a:fillRef>
+      <a:effectRef idx="0">
+        <a:scrgbClr r="0" g="0" b="0"/>
+      </a:effectRef>
+      <a:fontRef idx="minor"/>
+    </dgm:style>
+  </dgm:styleLbl>
+  <dgm:styleLbl name="fgShp">
+    <dgm:scene3d>
+      <a:camera prst="orthographicFront"/>
+      <a:lightRig rig="threePt" dir="t"/>
+    </dgm:scene3d>
+    <dgm:sp3d/>
+    <dgm:txPr/>
+    <dgm:style>
+      <a:lnRef idx="2">
+        <a:scrgbClr r="0" g="0" b="0"/>
+      </a:lnRef>
+      <a:fillRef idx="1">
+        <a:scrgbClr r="0" g="0" b="0"/>
+      </a:fillRef>
+      <a:effectRef idx="0">
+        <a:scrgbClr r="0" g="0" b="0"/>
+      </a:effectRef>
+      <a:fontRef idx="minor"/>
+    </dgm:style>
+  </dgm:styleLbl>
+  <dgm:styleLbl name="revTx">
+    <dgm:scene3d>
+      <a:camera prst="orthographicFront"/>
+      <a:lightRig rig="threePt" dir="t"/>
+    </dgm:scene3d>
+    <dgm:sp3d/>
+    <dgm:txPr/>
+    <dgm:style>
+      <a:lnRef idx="0">
+        <a:scrgbClr r="0" g="0" b="0"/>
+      </a:lnRef>
+      <a:fillRef idx="0">
+        <a:scrgbClr r="0" g="0" b="0"/>
+      </a:fillRef>
+      <a:effectRef idx="0">
+        <a:scrgbClr r="0" g="0" b="0"/>
+      </a:effectRef>
+      <a:fontRef idx="minor"/>
+    </dgm:style>
+  </dgm:styleLbl>
+</dgm:styleDef>
+</file>
+
+<file path=ppt/diagrams/quickStyle2.xml><?xml version="1.0" encoding="utf-8"?>
+<dgm:styleDef xmlns:dgm="http://schemas.openxmlformats.org/drawingml/2006/diagram" xmlns:a="http://schemas.openxmlformats.org/drawingml/2006/main" uniqueId="urn:microsoft.com/office/officeart/2005/8/quickstyle/simple1">
+  <dgm:title val=""/>
+  <dgm:desc val=""/>
+  <dgm:catLst>
+    <dgm:cat type="simple" pri="10100"/>
+  </dgm:catLst>
+  <dgm:scene3d>
+    <a:camera prst="orthographicFront"/>
+    <a:lightRig rig="threePt" dir="t"/>
+  </dgm:scene3d>
+  <dgm:styleLbl name="node0">
+    <dgm:scene3d>
+      <a:camera prst="orthographicFront"/>
+      <a:lightRig rig="threePt" dir="t"/>
+    </dgm:scene3d>
+    <dgm:sp3d/>
+    <dgm:txPr/>
+    <dgm:style>
+      <a:lnRef idx="2">
+        <a:scrgbClr r="0" g="0" b="0"/>
+      </a:lnRef>
+      <a:fillRef idx="1">
+        <a:scrgbClr r="0" g="0" b="0"/>
+      </a:fillRef>
+      <a:effectRef idx="0">
+        <a:scrgbClr r="0" g="0" b="0"/>
+      </a:effectRef>
+      <a:fontRef idx="minor">
+        <a:schemeClr val="lt1"/>
+      </a:fontRef>
+    </dgm:style>
+  </dgm:styleLbl>
+  <dgm:styleLbl name="lnNode1">
+    <dgm:scene3d>
+      <a:camera prst="orthographicFront"/>
+      <a:lightRig rig="threePt" dir="t"/>
+    </dgm:scene3d>
+    <dgm:sp3d/>
+    <dgm:txPr/>
+    <dgm:style>
+      <a:lnRef idx="2">
+        <a:scrgbClr r="0" g="0" b="0"/>
+      </a:lnRef>
+      <a:fillRef idx="1">
+        <a:scrgbClr r="0" g="0" b="0"/>
+      </a:fillRef>
+      <a:effectRef idx="0">
+        <a:scrgbClr r="0" g="0" b="0"/>
+      </a:effectRef>
+      <a:fontRef idx="minor">
+        <a:schemeClr val="lt1"/>
+      </a:fontRef>
+    </dgm:style>
+  </dgm:styleLbl>
+  <dgm:styleLbl name="vennNode1">
+    <dgm:scene3d>
+      <a:camera prst="orthographicFront"/>
+      <a:lightRig rig="threePt" dir="t"/>
+    </dgm:scene3d>
+    <dgm:sp3d/>
+    <dgm:txPr/>
+    <dgm:style>
+      <a:lnRef idx="2">
+        <a:scrgbClr r="0" g="0" b="0"/>
+      </a:lnRef>
+      <a:fillRef idx="1">
+        <a:scrgbClr r="0" g="0" b="0"/>
+      </a:fillRef>
+      <a:effectRef idx="0">
+        <a:scrgbClr r="0" g="0" b="0"/>
+      </a:effectRef>
+      <a:fontRef idx="minor">
+        <a:schemeClr val="tx1"/>
+      </a:fontRef>
+    </dgm:style>
+  </dgm:styleLbl>
+  <dgm:styleLbl name="alignNode1">
+    <dgm:scene3d>
+      <a:camera prst="orthographicFront"/>
+      <a:lightRig rig="threePt" dir="t"/>
+    </dgm:scene3d>
+    <dgm:sp3d/>
+    <dgm:txPr/>
+    <dgm:style>
+      <a:lnRef idx="2">
+        <a:scrgbClr r="0" g="0" b="0"/>
+      </a:lnRef>
+      <a:fillRef idx="1">
+        <a:scrgbClr r="0" g="0" b="0"/>
+      </a:fillRef>
+      <a:effectRef idx="0">
+        <a:scrgbClr r="0" g="0" b="0"/>
+      </a:effectRef>
+      <a:fontRef idx="minor">
+        <a:schemeClr val="lt1"/>
+      </a:fontRef>
+    </dgm:style>
+  </dgm:styleLbl>
+  <dgm:styleLbl name="node1">
+    <dgm:scene3d>
+      <a:camera prst="orthographicFront"/>
+      <a:lightRig rig="threePt" dir="t"/>
+    </dgm:scene3d>
+    <dgm:sp3d/>
+    <dgm:txPr/>
+    <dgm:style>
+      <a:lnRef idx="2">
+        <a:scrgbClr r="0" g="0" b="0"/>
+      </a:lnRef>
+      <a:fillRef idx="1">
+        <a:scrgbClr r="0" g="0" b="0"/>
+      </a:fillRef>
+      <a:effectRef idx="0">
+        <a:scrgbClr r="0" g="0" b="0"/>
+      </a:effectRef>
+      <a:fontRef idx="minor">
+        <a:schemeClr val="lt1"/>
+      </a:fontRef>
+    </dgm:style>
+  </dgm:styleLbl>
+  <dgm:styleLbl name="node2">
+    <dgm:scene3d>
+      <a:camera prst="orthographicFront"/>
+      <a:lightRig rig="threePt" dir="t"/>
+    </dgm:scene3d>
+    <dgm:sp3d/>
+    <dgm:txPr/>
+    <dgm:style>
+      <a:lnRef idx="2">
+        <a:scrgbClr r="0" g="0" b="0"/>
+      </a:lnRef>
+      <a:fillRef idx="1">
+        <a:scrgbClr r="0" g="0" b="0"/>
+      </a:fillRef>
+      <a:effectRef idx="0">
+        <a:scrgbClr r="0" g="0" b="0"/>
+      </a:effectRef>
+      <a:fontRef idx="minor">
+        <a:schemeClr val="lt1"/>
+      </a:fontRef>
+    </dgm:style>
+  </dgm:styleLbl>
+  <dgm:styleLbl name="node3">
+    <dgm:scene3d>
+      <a:camera prst="orthographicFront"/>
+      <a:lightRig rig="threePt" dir="t"/>
+    </dgm:scene3d>
+    <dgm:sp3d/>
+    <dgm:txPr/>
+    <dgm:style>
+      <a:lnRef idx="2">
+        <a:scrgbClr r="0" g="0" b="0"/>
+      </a:lnRef>
+      <a:fillRef idx="1">
+        <a:scrgbClr r="0" g="0" b="0"/>
+      </a:fillRef>
+      <a:effectRef idx="0">
+        <a:scrgbClr r="0" g="0" b="0"/>
+      </a:effectRef>
+      <a:fontRef idx="minor">
+        <a:schemeClr val="lt1"/>
+      </a:fontRef>
+    </dgm:style>
+  </dgm:styleLbl>
+  <dgm:styleLbl name="node4">
+    <dgm:scene3d>
+      <a:camera prst="orthographicFront"/>
+      <a:lightRig rig="threePt" dir="t"/>
+    </dgm:scene3d>
+    <dgm:sp3d/>
+    <dgm:txPr/>
+    <dgm:style>
+      <a:lnRef idx="2">
+        <a:scrgbClr r="0" g="0" b="0"/>
+      </a:lnRef>
+      <a:fillRef idx="1">
+        <a:scrgbClr r="0" g="0" b="0"/>
+      </a:fillRef>
+      <a:effectRef idx="0">
+        <a:scrgbClr r="0" g="0" b="0"/>
+      </a:effectRef>
+      <a:fontRef idx="minor">
+        <a:schemeClr val="lt1"/>
+      </a:fontRef>
+    </dgm:style>
+  </dgm:styleLbl>
+  <dgm:styleLbl name="fgImgPlace1">
+    <dgm:scene3d>
+      <a:camera prst="orthographicFront"/>
+      <a:lightRig rig="threePt" dir="t"/>
+    </dgm:scene3d>
+    <dgm:sp3d/>
+    <dgm:txPr/>
+    <dgm:style>
+      <a:lnRef idx="2">
+        <a:scrgbClr r="0" g="0" b="0"/>
+      </a:lnRef>
+      <a:fillRef idx="1">
+        <a:scrgbClr r="0" g="0" b="0"/>
+      </a:fillRef>
+      <a:effectRef idx="0">
+        <a:scrgbClr r="0" g="0" b="0"/>
+      </a:effectRef>
+      <a:fontRef idx="minor"/>
+    </dgm:style>
+  </dgm:styleLbl>
+  <dgm:styleLbl name="alignImgPlace1">
+    <dgm:scene3d>
+      <a:camera prst="orthographicFront"/>
+      <a:lightRig rig="threePt" dir="t"/>
+    </dgm:scene3d>
+    <dgm:sp3d/>
+    <dgm:txPr/>
+    <dgm:style>
+      <a:lnRef idx="2">
+        <a:scrgbClr r="0" g="0" b="0"/>
+      </a:lnRef>
+      <a:fillRef idx="1">
+        <a:scrgbClr r="0" g="0" b="0"/>
+      </a:fillRef>
+      <a:effectRef idx="0">
+        <a:scrgbClr r="0" g="0" b="0"/>
+      </a:effectRef>
+      <a:fontRef idx="minor"/>
+    </dgm:style>
+  </dgm:styleLbl>
+  <dgm:styleLbl name="bgImgPlace1">
+    <dgm:scene3d>
+      <a:camera prst="orthographicFront"/>
+      <a:lightRig rig="threePt" dir="t"/>
+    </dgm:scene3d>
+    <dgm:sp3d/>
+    <dgm:txPr/>
+    <dgm:style>
+      <a:lnRef idx="2">
+        <a:scrgbClr r="0" g="0" b="0"/>
+      </a:lnRef>
+      <a:fillRef idx="1">
+        <a:scrgbClr r="0" g="0" b="0"/>
+      </a:fillRef>
+      <a:effectRef idx="0">
+        <a:scrgbClr r="0" g="0" b="0"/>
+      </a:effectRef>
+      <a:fontRef idx="minor"/>
+    </dgm:style>
+  </dgm:styleLbl>
+  <dgm:styleLbl name="sibTrans2D1">
+    <dgm:scene3d>
+      <a:camera prst="orthographicFront"/>
+      <a:lightRig rig="threePt" dir="t"/>
+    </dgm:scene3d>
+    <dgm:sp3d/>
+    <dgm:txPr/>
+    <dgm:style>
+      <a:lnRef idx="0">
+        <a:scrgbClr r="0" g="0" b="0"/>
+      </a:lnRef>
+      <a:fillRef idx="1">
+        <a:scrgbClr r="0" g="0" b="0"/>
+      </a:fillRef>
+      <a:effectRef idx="0">
+        <a:scrgbClr r="0" g="0" b="0"/>
+      </a:effectRef>
+      <a:fontRef idx="minor">
+        <a:schemeClr val="lt1"/>
+      </a:fontRef>
+    </dgm:style>
+  </dgm:styleLbl>
+  <dgm:styleLbl name="fgSibTrans2D1">
+    <dgm:scene3d>
+      <a:camera prst="orthographicFront"/>
+      <a:lightRig rig="threePt" dir="t"/>
+    </dgm:scene3d>
+    <dgm:sp3d/>
+    <dgm:txPr/>
+    <dgm:style>
+      <a:lnRef idx="0">
+        <a:scrgbClr r="0" g="0" b="0"/>
+      </a:lnRef>
+      <a:fillRef idx="1">
+        <a:scrgbClr r="0" g="0" b="0"/>
+      </a:fillRef>
+      <a:effectRef idx="0">
+        <a:scrgbClr r="0" g="0" b="0"/>
+      </a:effectRef>
+      <a:fontRef idx="minor">
+        <a:schemeClr val="lt1"/>
+      </a:fontRef>
+    </dgm:style>
+  </dgm:styleLbl>
+  <dgm:styleLbl name="bgSibTrans2D1">
+    <dgm:scene3d>
+      <a:camera prst="orthographicFront"/>
+      <a:lightRig rig="threePt" dir="t"/>
+    </dgm:scene3d>
+    <dgm:sp3d/>
+    <dgm:txPr/>
+    <dgm:style>
+      <a:lnRef idx="0">
+        <a:scrgbClr r="0" g="0" b="0"/>
+      </a:lnRef>
+      <a:fillRef idx="1">
+        <a:scrgbClr r="0" g="0" b="0"/>
+      </a:fillRef>
+      <a:effectRef idx="0">
+        <a:scrgbClr r="0" g="0" b="0"/>
+      </a:effectRef>
+      <a:fontRef idx="minor">
+        <a:schemeClr val="lt1"/>
+      </a:fontRef>
+    </dgm:style>
+  </dgm:styleLbl>
+  <dgm:styleLbl name="sibTrans1D1">
+    <dgm:scene3d>
+      <a:camera prst="orthographicFront"/>
+      <a:lightRig rig="threePt" dir="t"/>
+    </dgm:scene3d>
+    <dgm:sp3d/>
+    <dgm:txPr/>
+    <dgm:style>
+      <a:lnRef idx="1">
+        <a:scrgbClr r="0" g="0" b="0"/>
+      </a:lnRef>
+      <a:fillRef idx="0">
+        <a:scrgbClr r="0" g="0" b="0"/>
+      </a:fillRef>
+      <a:effectRef idx="0">
+        <a:scrgbClr r="0" g="0" b="0"/>
+      </a:effectRef>
+      <a:fontRef idx="minor"/>
+    </dgm:style>
+  </dgm:styleLbl>
+  <dgm:styleLbl name="callout">
+    <dgm:scene3d>
+      <a:camera prst="orthographicFront"/>
+      <a:lightRig rig="threePt" dir="t"/>
+    </dgm:scene3d>
+    <dgm:sp3d/>
+    <dgm:txPr/>
+    <dgm:style>
+      <a:lnRef idx="2">
+        <a:scrgbClr r="0" g="0" b="0"/>
+      </a:lnRef>
+      <a:fillRef idx="1">
+        <a:scrgbClr r="0" g="0" b="0"/>
+      </a:fillRef>
+      <a:effectRef idx="0">
+        <a:scrgbClr r="0" g="0" b="0"/>
+      </a:effectRef>
+      <a:fontRef idx="minor"/>
+    </dgm:style>
+  </dgm:styleLbl>
+  <dgm:styleLbl name="asst0">
+    <dgm:scene3d>
+      <a:camera prst="orthographicFront"/>
+      <a:lightRig rig="threePt" dir="t"/>
+    </dgm:scene3d>
+    <dgm:sp3d/>
+    <dgm:txPr/>
+    <dgm:style>
+      <a:lnRef idx="2">
+        <a:scrgbClr r="0" g="0" b="0"/>
+      </a:lnRef>
+      <a:fillRef idx="1">
+        <a:scrgbClr r="0" g="0" b="0"/>
+      </a:fillRef>
+      <a:effectRef idx="0">
+        <a:scrgbClr r="0" g="0" b="0"/>
+      </a:effectRef>
+      <a:fontRef idx="minor">
+        <a:schemeClr val="lt1"/>
+      </a:fontRef>
+    </dgm:style>
+  </dgm:styleLbl>
+  <dgm:styleLbl name="asst1">
+    <dgm:scene3d>
+      <a:camera prst="orthographicFront"/>
+      <a:lightRig rig="threePt" dir="t"/>
+    </dgm:scene3d>
+    <dgm:sp3d/>
+    <dgm:txPr/>
+    <dgm:style>
+      <a:lnRef idx="2">
+        <a:scrgbClr r="0" g="0" b="0"/>
+      </a:lnRef>
+      <a:fillRef idx="1">
+        <a:scrgbClr r="0" g="0" b="0"/>
+      </a:fillRef>
+      <a:effectRef idx="0">
+        <a:scrgbClr r="0" g="0" b="0"/>
+      </a:effectRef>
+      <a:fontRef idx="minor">
+        <a:schemeClr val="lt1"/>
+      </a:fontRef>
+    </dgm:style>
+  </dgm:styleLbl>
+  <dgm:styleLbl name="asst2">
+    <dgm:scene3d>
+      <a:camera prst="orthographicFront"/>
+      <a:lightRig rig="threePt" dir="t"/>
+    </dgm:scene3d>
+    <dgm:sp3d/>
+    <dgm:txPr/>
+    <dgm:style>
+      <a:lnRef idx="2">
+        <a:scrgbClr r="0" g="0" b="0"/>
+      </a:lnRef>
+      <a:fillRef idx="1">
+        <a:scrgbClr r="0" g="0" b="0"/>
+      </a:fillRef>
+      <a:effectRef idx="0">
+        <a:scrgbClr r="0" g="0" b="0"/>
+      </a:effectRef>
+      <a:fontRef idx="minor">
+        <a:schemeClr val="lt1"/>
+      </a:fontRef>
+    </dgm:style>
+  </dgm:styleLbl>
+  <dgm:styleLbl name="asst3">
+    <dgm:scene3d>
+      <a:camera prst="orthographicFront"/>
+      <a:lightRig rig="threePt" dir="t"/>
+    </dgm:scene3d>
+    <dgm:sp3d/>
+    <dgm:txPr/>
+    <dgm:style>
+      <a:lnRef idx="2">
+        <a:scrgbClr r="0" g="0" b="0"/>
+      </a:lnRef>
+      <a:fillRef idx="1">
+        <a:scrgbClr r="0" g="0" b="0"/>
+      </a:fillRef>
+      <a:effectRef idx="0">
+        <a:scrgbClr r="0" g="0" b="0"/>
+      </a:effectRef>
+      <a:fontRef idx="minor">
+        <a:schemeClr val="lt1"/>
+      </a:fontRef>
+    </dgm:style>
+  </dgm:styleLbl>
+  <dgm:styleLbl name="asst4">
+    <dgm:scene3d>
+      <a:camera prst="orthographicFront"/>
+      <a:lightRig rig="threePt" dir="t"/>
+    </dgm:scene3d>
+    <dgm:sp3d/>
+    <dgm:txPr/>
+    <dgm:style>
+      <a:lnRef idx="2">
+        <a:scrgbClr r="0" g="0" b="0"/>
+      </a:lnRef>
+      <a:fillRef idx="1">
+        <a:scrgbClr r="0" g="0" b="0"/>
+      </a:fillRef>
+      <a:effectRef idx="0">
+        <a:scrgbClr r="0" g="0" b="0"/>
+      </a:effectRef>
+      <a:fontRef idx="minor">
+        <a:schemeClr val="lt1"/>
+      </a:fontRef>
+    </dgm:style>
+  </dgm:styleLbl>
+  <dgm:styleLbl name="parChTrans2D1">
+    <dgm:scene3d>
+      <a:camera prst="orthographicFront"/>
+      <a:lightRig rig="threePt" dir="t"/>
+    </dgm:scene3d>
+    <dgm:sp3d/>
+    <dgm:txPr/>
+    <dgm:style>
+      <a:lnRef idx="2">
+        <a:scrgbClr r="0" g="0" b="0"/>
+      </a:lnRef>
+      <a:fillRef idx="1">
+        <a:scrgbClr r="0" g="0" b="0"/>
+      </a:fillRef>
+      <a:effectRef idx="0">
+        <a:scrgbClr r="0" g="0" b="0"/>
+      </a:effectRef>
+      <a:fontRef idx="minor">
+        <a:schemeClr val="lt1"/>
+      </a:fontRef>
+    </dgm:style>
+  </dgm:styleLbl>
+  <dgm:styleLbl name="parChTrans2D2">
+    <dgm:scene3d>
+      <a:camera prst="orthographicFront"/>
+      <a:lightRig rig="threePt" dir="t"/>
+    </dgm:scene3d>
+    <dgm:sp3d/>
+    <dgm:txPr/>
+    <dgm:style>
+      <a:lnRef idx="2">
+        <a:scrgbClr r="0" g="0" b="0"/>
+      </a:lnRef>
+      <a:fillRef idx="1">
+        <a:scrgbClr r="0" g="0" b="0"/>
+      </a:fillRef>
+      <a:effectRef idx="0">
+        <a:scrgbClr r="0" g="0" b="0"/>
+      </a:effectRef>
+      <a:fontRef idx="minor">
+        <a:schemeClr val="lt1"/>
+      </a:fontRef>
+    </dgm:style>
+  </dgm:styleLbl>
+  <dgm:styleLbl name="parChTrans2D3">
+    <dgm:scene3d>
+      <a:camera prst="orthographicFront"/>
+      <a:lightRig rig="threePt" dir="t"/>
+    </dgm:scene3d>
+    <dgm:sp3d/>
+    <dgm:txPr/>
+    <dgm:style>
+      <a:lnRef idx="2">
+        <a:scrgbClr r="0" g="0" b="0"/>
+      </a:lnRef>
+      <a:fillRef idx="1">
+        <a:scrgbClr r="0" g="0" b="0"/>
+      </a:fillRef>
+      <a:effectRef idx="0">
+        <a:scrgbClr r="0" g="0" b="0"/>
+      </a:effectRef>
+      <a:fontRef idx="minor">
+        <a:schemeClr val="lt1"/>
+      </a:fontRef>
+    </dgm:style>
+  </dgm:styleLbl>
+  <dgm:styleLbl name="parChTrans2D4">
+    <dgm:scene3d>
+      <a:camera prst="orthographicFront"/>
+      <a:lightRig rig="threePt" dir="t"/>
+    </dgm:scene3d>
+    <dgm:sp3d/>
+    <dgm:txPr/>
+    <dgm:style>
+      <a:lnRef idx="2">
+        <a:scrgbClr r="0" g="0" b="0"/>
+      </a:lnRef>
+      <a:fillRef idx="1">
+        <a:scrgbClr r="0" g="0" b="0"/>
+      </a:fillRef>
+      <a:effectRef idx="0">
+        <a:scrgbClr r="0" g="0" b="0"/>
+      </a:effectRef>
+      <a:fontRef idx="minor">
+        <a:schemeClr val="lt1"/>
+      </a:fontRef>
+    </dgm:style>
+  </dgm:styleLbl>
+  <dgm:styleLbl name="parChTrans1D1">
+    <dgm:scene3d>
+      <a:camera prst="orthographicFront"/>
+      <a:lightRig rig="threePt" dir="t"/>
+    </dgm:scene3d>
+    <dgm:sp3d/>
+    <dgm:txPr/>
+    <dgm:style>
+      <a:lnRef idx="2">
+        <a:scrgbClr r="0" g="0" b="0"/>
+      </a:lnRef>
+      <a:fillRef idx="0">
+        <a:scrgbClr r="0" g="0" b="0"/>
+      </a:fillRef>
+      <a:effectRef idx="0">
+        <a:scrgbClr r="0" g="0" b="0"/>
+      </a:effectRef>
+      <a:fontRef idx="minor"/>
+    </dgm:style>
+  </dgm:styleLbl>
+  <dgm:styleLbl name="parChTrans1D2">
+    <dgm:scene3d>
+      <a:camera prst="orthographicFront"/>
+      <a:lightRig rig="threePt" dir="t"/>
+    </dgm:scene3d>
+    <dgm:sp3d/>
+    <dgm:txPr/>
+    <dgm:style>
+      <a:lnRef idx="2">
+        <a:scrgbClr r="0" g="0" b="0"/>
+      </a:lnRef>
+      <a:fillRef idx="0">
+        <a:scrgbClr r="0" g="0" b="0"/>
+      </a:fillRef>
+      <a:effectRef idx="0">
+        <a:scrgbClr r="0" g="0" b="0"/>
+      </a:effectRef>
+      <a:fontRef idx="minor"/>
+    </dgm:style>
+  </dgm:styleLbl>
+  <dgm:styleLbl name="parChTrans1D3">
+    <dgm:scene3d>
+      <a:camera prst="orthographicFront"/>
+      <a:lightRig rig="threePt" dir="t"/>
+    </dgm:scene3d>
+    <dgm:sp3d/>
+    <dgm:txPr/>
+    <dgm:style>
+      <a:lnRef idx="2">
+        <a:scrgbClr r="0" g="0" b="0"/>
+      </a:lnRef>
+      <a:fillRef idx="0">
+        <a:scrgbClr r="0" g="0" b="0"/>
+      </a:fillRef>
+      <a:effectRef idx="0">
+        <a:scrgbClr r="0" g="0" b="0"/>
+      </a:effectRef>
+      <a:fontRef idx="minor"/>
+    </dgm:style>
+  </dgm:styleLbl>
+  <dgm:styleLbl name="parChTrans1D4">
+    <dgm:scene3d>
+      <a:camera prst="orthographicFront"/>
+      <a:lightRig rig="threePt" dir="t"/>
+    </dgm:scene3d>
+    <dgm:sp3d/>
+    <dgm:txPr/>
+    <dgm:style>
+      <a:lnRef idx="2">
+        <a:scrgbClr r="0" g="0" b="0"/>
+      </a:lnRef>
+      <a:fillRef idx="0">
+        <a:scrgbClr r="0" g="0" b="0"/>
+      </a:fillRef>
+      <a:effectRef idx="0">
+        <a:scrgbClr r="0" g="0" b="0"/>
+      </a:effectRef>
+      <a:fontRef idx="minor"/>
+    </dgm:style>
+  </dgm:styleLbl>
+  <dgm:styleLbl name="fgAcc1">
+    <dgm:scene3d>
+      <a:camera prst="orthographicFront"/>
+      <a:lightRig rig="threePt" dir="t"/>
+    </dgm:scene3d>
+    <dgm:sp3d/>
+    <dgm:txPr/>
+    <dgm:style>
+      <a:lnRef idx="2">
+        <a:scrgbClr r="0" g="0" b="0"/>
+      </a:lnRef>
+      <a:fillRef idx="1">
+        <a:scrgbClr r="0" g="0" b="0"/>
+      </a:fillRef>
+      <a:effectRef idx="0">
+        <a:scrgbClr r="0" g="0" b="0"/>
+      </a:effectRef>
+      <a:fontRef idx="minor"/>
+    </dgm:style>
+  </dgm:styleLbl>
+  <dgm:styleLbl name="conFgAcc1">
+    <dgm:scene3d>
+      <a:camera prst="orthographicFront"/>
+      <a:lightRig rig="threePt" dir="t"/>
+    </dgm:scene3d>
+    <dgm:sp3d/>
+    <dgm:txPr/>
+    <dgm:style>
+      <a:lnRef idx="2">
+        <a:scrgbClr r="0" g="0" b="0"/>
+      </a:lnRef>
+      <a:fillRef idx="1">
+        <a:scrgbClr r="0" g="0" b="0"/>
+      </a:fillRef>
+      <a:effectRef idx="0">
+        <a:scrgbClr r="0" g="0" b="0"/>
+      </a:effectRef>
+      <a:fontRef idx="minor"/>
+    </dgm:style>
+  </dgm:styleLbl>
+  <dgm:styleLbl name="alignAcc1">
+    <dgm:scene3d>
+      <a:camera prst="orthographicFront"/>
+      <a:lightRig rig="threePt" dir="t"/>
+    </dgm:scene3d>
+    <dgm:sp3d/>
+    <dgm:txPr/>
+    <dgm:style>
+      <a:lnRef idx="2">
+        <a:scrgbClr r="0" g="0" b="0"/>
+      </a:lnRef>
+      <a:fillRef idx="1">
+        <a:scrgbClr r="0" g="0" b="0"/>
+      </a:fillRef>
+      <a:effectRef idx="0">
+        <a:scrgbClr r="0" g="0" b="0"/>
+      </a:effectRef>
+      <a:fontRef idx="minor"/>
+    </dgm:style>
+  </dgm:styleLbl>
+  <dgm:styleLbl name="trAlignAcc1">
+    <dgm:scene3d>
+      <a:camera prst="orthographicFront"/>
+      <a:lightRig rig="threePt" dir="t"/>
+    </dgm:scene3d>
+    <dgm:sp3d/>
+    <dgm:txPr/>
+    <dgm:style>
+      <a:lnRef idx="1">
+        <a:scrgbClr r="0" g="0" b="0"/>
+      </a:lnRef>
+      <a:fillRef idx="1">
+        <a:scrgbClr r="0" g="0" b="0"/>
+      </a:fillRef>
+      <a:effectRef idx="0">
+        <a:scrgbClr r="0" g="0" b="0"/>
+      </a:effectRef>
+      <a:fontRef idx="minor"/>
+    </dgm:style>
+  </dgm:styleLbl>
+  <dgm:styleLbl name="bgAcc1">
+    <dgm:scene3d>
+      <a:camera prst="orthographicFront"/>
+      <a:lightRig rig="threePt" dir="t"/>
+    </dgm:scene3d>
+    <dgm:sp3d/>
+    <dgm:txPr/>
+    <dgm:style>
+      <a:lnRef idx="2">
+        <a:scrgbClr r="0" g="0" b="0"/>
+      </a:lnRef>
+      <a:fillRef idx="1">
+        <a:scrgbClr r="0" g="0" b="0"/>
+      </a:fillRef>
+      <a:effectRef idx="0">
+        <a:scrgbClr r="0" g="0" b="0"/>
+      </a:effectRef>
+      <a:fontRef idx="minor"/>
+    </dgm:style>
+  </dgm:styleLbl>
+  <dgm:styleLbl name="solidFgAcc1">
+    <dgm:scene3d>
+      <a:camera prst="orthographicFront"/>
+      <a:lightRig rig="threePt" dir="t"/>
+    </dgm:scene3d>
+    <dgm:sp3d/>
+    <dgm:txPr/>
+    <dgm:style>
+      <a:lnRef idx="2">
+        <a:scrgbClr r="0" g="0" b="0"/>
+      </a:lnRef>
+      <a:fillRef idx="1">
+        <a:scrgbClr r="0" g="0" b="0"/>
+      </a:fillRef>
+      <a:effectRef idx="0">
+        <a:scrgbClr r="0" g="0" b="0"/>
+      </a:effectRef>
+      <a:fontRef idx="minor"/>
+    </dgm:style>
+  </dgm:styleLbl>
+  <dgm:styleLbl name="solidAlignAcc1">
+    <dgm:scene3d>
+      <a:camera prst="orthographicFront"/>
+      <a:lightRig rig="threePt" dir="t"/>
+    </dgm:scene3d>
+    <dgm:sp3d/>
+    <dgm:txPr/>
+    <dgm:style>
+      <a:lnRef idx="2">
+        <a:scrgbClr r="0" g="0" b="0"/>
+      </a:lnRef>
+      <a:fillRef idx="1">
+        <a:scrgbClr r="0" g="0" b="0"/>
+      </a:fillRef>
+      <a:effectRef idx="0">
+        <a:scrgbClr r="0" g="0" b="0"/>
+      </a:effectRef>
+      <a:fontRef idx="minor"/>
+    </dgm:style>
+  </dgm:styleLbl>
+  <dgm:styleLbl name="solidBgAcc1">
+    <dgm:scene3d>
+      <a:camera prst="orthographicFront"/>
+      <a:lightRig rig="threePt" dir="t"/>
+    </dgm:scene3d>
+    <dgm:sp3d/>
+    <dgm:txPr/>
+    <dgm:style>
+      <a:lnRef idx="2">
+        <a:scrgbClr r="0" g="0" b="0"/>
+      </a:lnRef>
+      <a:fillRef idx="1">
+        <a:scrgbClr r="0" g="0" b="0"/>
+      </a:fillRef>
+      <a:effectRef idx="0">
+        <a:scrgbClr r="0" g="0" b="0"/>
+      </a:effectRef>
+      <a:fontRef idx="minor"/>
+    </dgm:style>
+  </dgm:styleLbl>
+  <dgm:styleLbl name="fgAccFollowNode1">
+    <dgm:scene3d>
+      <a:camera prst="orthographicFront"/>
+      <a:lightRig rig="threePt" dir="t"/>
+    </dgm:scene3d>
+    <dgm:sp3d/>
+    <dgm:txPr/>
+    <dgm:style>
+      <a:lnRef idx="2">
+        <a:scrgbClr r="0" g="0" b="0"/>
+      </a:lnRef>
+      <a:fillRef idx="1">
+        <a:scrgbClr r="0" g="0" b="0"/>
+      </a:fillRef>
+      <a:effectRef idx="0">
+        <a:scrgbClr r="0" g="0" b="0"/>
+      </a:effectRef>
+      <a:fontRef idx="minor"/>
+    </dgm:style>
+  </dgm:styleLbl>
+  <dgm:styleLbl name="alignAccFollowNode1">
+    <dgm:scene3d>
+      <a:camera prst="orthographicFront"/>
+      <a:lightRig rig="threePt" dir="t"/>
+    </dgm:scene3d>
+    <dgm:sp3d/>
+    <dgm:txPr/>
+    <dgm:style>
+      <a:lnRef idx="2">
+        <a:scrgbClr r="0" g="0" b="0"/>
+      </a:lnRef>
+      <a:fillRef idx="1">
+        <a:scrgbClr r="0" g="0" b="0"/>
+      </a:fillRef>
+      <a:effectRef idx="0">
+        <a:scrgbClr r="0" g="0" b="0"/>
+      </a:effectRef>
+      <a:fontRef idx="minor"/>
+    </dgm:style>
+  </dgm:styleLbl>
+  <dgm:styleLbl name="bgAccFollowNode1">
+    <dgm:scene3d>
+      <a:camera prst="orthographicFront"/>
+      <a:lightRig rig="threePt" dir="t"/>
+    </dgm:scene3d>
+    <dgm:sp3d/>
+    <dgm:txPr/>
+    <dgm:style>
+      <a:lnRef idx="2">
+        <a:scrgbClr r="0" g="0" b="0"/>
+      </a:lnRef>
+      <a:fillRef idx="1">
+        <a:scrgbClr r="0" g="0" b="0"/>
+      </a:fillRef>
+      <a:effectRef idx="0">
+        <a:scrgbClr r="0" g="0" b="0"/>
+      </a:effectRef>
+      <a:fontRef idx="minor"/>
+    </dgm:style>
+  </dgm:styleLbl>
+  <dgm:styleLbl name="fgAcc0">
+    <dgm:scene3d>
+      <a:camera prst="orthographicFront"/>
+      <a:lightRig rig="threePt" dir="t"/>
+    </dgm:scene3d>
+    <dgm:sp3d/>
+    <dgm:txPr/>
+    <dgm:style>
+      <a:lnRef idx="2">
+        <a:scrgbClr r="0" g="0" b="0"/>
+      </a:lnRef>
+      <a:fillRef idx="1">
+        <a:scrgbClr r="0" g="0" b="0"/>
+      </a:fillRef>
+      <a:effectRef idx="0">
+        <a:scrgbClr r="0" g="0" b="0"/>
+      </a:effectRef>
+      <a:fontRef idx="minor"/>
+    </dgm:style>
+  </dgm:styleLbl>
+  <dgm:styleLbl name="fgAcc2">
+    <dgm:scene3d>
+      <a:camera prst="orthographicFront"/>
+      <a:lightRig rig="threePt" dir="t"/>
+    </dgm:scene3d>
+    <dgm:sp3d/>
+    <dgm:txPr/>
+    <dgm:style>
+      <a:lnRef idx="2">
+        <a:scrgbClr r="0" g="0" b="0"/>
+      </a:lnRef>
+      <a:fillRef idx="1">
+        <a:scrgbClr r="0" g="0" b="0"/>
+      </a:fillRef>
+      <a:effectRef idx="0">
+        <a:scrgbClr r="0" g="0" b="0"/>
+      </a:effectRef>
+      <a:fontRef idx="minor"/>
+    </dgm:style>
+  </dgm:styleLbl>
+  <dgm:styleLbl name="fgAcc3">
+    <dgm:scene3d>
+      <a:camera prst="orthographicFront"/>
+      <a:lightRig rig="threePt" dir="t"/>
+    </dgm:scene3d>
+    <dgm:sp3d/>
+    <dgm:txPr/>
+    <dgm:style>
+      <a:lnRef idx="2">
+        <a:scrgbClr r="0" g="0" b="0"/>
+      </a:lnRef>
+      <a:fillRef idx="1">
+        <a:scrgbClr r="0" g="0" b="0"/>
+      </a:fillRef>
+      <a:effectRef idx="0">
+        <a:scrgbClr r="0" g="0" b="0"/>
+      </a:effectRef>
+      <a:fontRef idx="minor"/>
+    </dgm:style>
+  </dgm:styleLbl>
+  <dgm:styleLbl name="fgAcc4">
+    <dgm:scene3d>
+      <a:camera prst="orthographicFront"/>
+      <a:lightRig rig="threePt" dir="t"/>
+    </dgm:scene3d>
+    <dgm:sp3d/>
+    <dgm:txPr/>
+    <dgm:style>
+      <a:lnRef idx="2">
+        <a:scrgbClr r="0" g="0" b="0"/>
+      </a:lnRef>
+      <a:fillRef idx="1">
+        <a:scrgbClr r="0" g="0" b="0"/>
+      </a:fillRef>
+      <a:effectRef idx="0">
+        <a:scrgbClr r="0" g="0" b="0"/>
+      </a:effectRef>
+      <a:fontRef idx="minor"/>
+    </dgm:style>
+  </dgm:styleLbl>
+  <dgm:styleLbl name="bgShp">
+    <dgm:scene3d>
+      <a:camera prst="orthographicFront"/>
+      <a:lightRig rig="threePt" dir="t"/>
+    </dgm:scene3d>
+    <dgm:sp3d/>
+    <dgm:txPr/>
+    <dgm:style>
+      <a:lnRef idx="0">
+        <a:scrgbClr r="0" g="0" b="0"/>
+      </a:lnRef>
+      <a:fillRef idx="1">
+        <a:scrgbClr r="0" g="0" b="0"/>
+      </a:fillRef>
+      <a:effectRef idx="0">
+        <a:scrgbClr r="0" g="0" b="0"/>
+      </a:effectRef>
+      <a:fontRef idx="minor"/>
+    </dgm:style>
+  </dgm:styleLbl>
+  <dgm:styleLbl name="dkBgShp">
+    <dgm:scene3d>
+      <a:camera prst="orthographicFront"/>
+      <a:lightRig rig="threePt" dir="t"/>
+    </dgm:scene3d>
+    <dgm:sp3d/>
+    <dgm:txPr/>
+    <dgm:style>
+      <a:lnRef idx="0">
+        <a:scrgbClr r="0" g="0" b="0"/>
+      </a:lnRef>
+      <a:fillRef idx="1">
+        <a:scrgbClr r="0" g="0" b="0"/>
+      </a:fillRef>
+      <a:effectRef idx="0">
+        <a:scrgbClr r="0" g="0" b="0"/>
+      </a:effectRef>
+      <a:fontRef idx="minor"/>
+    </dgm:style>
+  </dgm:styleLbl>
+  <dgm:styleLbl name="trBgShp">
+    <dgm:scene3d>
+      <a:camera prst="orthographicFront"/>
+      <a:lightRig rig="threePt" dir="t"/>
+    </dgm:scene3d>
+    <dgm:sp3d/>
+    <dgm:txPr/>
+    <dgm:style>
+      <a:lnRef idx="0">
+        <a:scrgbClr r="0" g="0" b="0"/>
+      </a:lnRef>
+      <a:fillRef idx="1">
+        <a:scrgbClr r="0" g="0" b="0"/>
+      </a:fillRef>
+      <a:effectRef idx="0">
+        <a:scrgbClr r="0" g="0" b="0"/>
+      </a:effectRef>
+      <a:fontRef idx="minor"/>
+    </dgm:style>
+  </dgm:styleLbl>
+  <dgm:styleLbl name="fgShp">
+    <dgm:scene3d>
+      <a:camera prst="orthographicFront"/>
+      <a:lightRig rig="threePt" dir="t"/>
+    </dgm:scene3d>
+    <dgm:sp3d/>
+    <dgm:txPr/>
+    <dgm:style>
+      <a:lnRef idx="2">
+        <a:scrgbClr r="0" g="0" b="0"/>
+      </a:lnRef>
+      <a:fillRef idx="1">
+        <a:scrgbClr r="0" g="0" b="0"/>
+      </a:fillRef>
+      <a:effectRef idx="0">
+        <a:scrgbClr r="0" g="0" b="0"/>
+      </a:effectRef>
+      <a:fontRef idx="minor"/>
+    </dgm:style>
+  </dgm:styleLbl>
+  <dgm:styleLbl name="revTx">
+    <dgm:scene3d>
+      <a:camera prst="orthographicFront"/>
+      <a:lightRig rig="threePt" dir="t"/>
+    </dgm:scene3d>
+    <dgm:sp3d/>
+    <dgm:txPr/>
+    <dgm:style>
+      <a:lnRef idx="0">
+        <a:scrgbClr r="0" g="0" b="0"/>
+      </a:lnRef>
+      <a:fillRef idx="0">
+        <a:scrgbClr r="0" g="0" b="0"/>
+      </a:fillRef>
+      <a:effectRef idx="0">
+        <a:scrgbClr r="0" g="0" b="0"/>
+      </a:effectRef>
+      <a:fontRef idx="minor"/>
+    </dgm:style>
+  </dgm:styleLbl>
+</dgm:styleDef>
 </file>
 
 <file path=ppt/notesMasters/notesMaster1.xml><?xml version="1.0" encoding="utf-8"?>
@@ -799,6 +5433,90 @@
 </p:notes>
 </file>
 
+<file path=ppt/notesSlides/notesSlide5.xml><?xml version="1.0" encoding="utf-8"?>
+<p:notes xmlns:a="http://schemas.openxmlformats.org/drawingml/2006/main" xmlns:r="http://schemas.openxmlformats.org/officeDocument/2006/relationships" xmlns:p="http://schemas.openxmlformats.org/presentationml/2006/main">
+  <p:cSld>
+    <p:spTree>
+      <p:nvGrpSpPr>
+        <p:cNvPr id="1" name=""/>
+        <p:cNvGrpSpPr/>
+        <p:nvPr/>
+      </p:nvGrpSpPr>
+      <p:grpSpPr>
+        <a:xfrm>
+          <a:off x="0" y="0"/>
+          <a:ext cx="0" cy="0"/>
+          <a:chOff x="0" y="0"/>
+          <a:chExt cx="0" cy="0"/>
+        </a:xfrm>
+      </p:grpSpPr>
+      <p:sp>
+        <p:nvSpPr>
+          <p:cNvPr id="2" name="投影片圖像版面配置區 1"/>
+          <p:cNvSpPr>
+            <a:spLocks noGrp="1" noRot="1" noChangeAspect="1"/>
+          </p:cNvSpPr>
+          <p:nvPr>
+            <p:ph type="sldImg"/>
+          </p:nvPr>
+        </p:nvSpPr>
+        <p:spPr/>
+      </p:sp>
+      <p:sp>
+        <p:nvSpPr>
+          <p:cNvPr id="3" name="備忘稿版面配置區 2"/>
+          <p:cNvSpPr>
+            <a:spLocks noGrp="1"/>
+          </p:cNvSpPr>
+          <p:nvPr>
+            <p:ph type="body" idx="1"/>
+          </p:nvPr>
+        </p:nvSpPr>
+        <p:spPr/>
+        <p:txBody>
+          <a:bodyPr/>
+          <a:lstStyle/>
+          <a:p>
+            <a:endParaRPr lang="zh-TW" altLang="en-US" dirty="0"/>
+          </a:p>
+        </p:txBody>
+      </p:sp>
+      <p:sp>
+        <p:nvSpPr>
+          <p:cNvPr id="4" name="投影片編號版面配置區 3"/>
+          <p:cNvSpPr>
+            <a:spLocks noGrp="1"/>
+          </p:cNvSpPr>
+          <p:nvPr>
+            <p:ph type="sldNum" sz="quarter" idx="10"/>
+          </p:nvPr>
+        </p:nvSpPr>
+        <p:spPr/>
+        <p:txBody>
+          <a:bodyPr/>
+          <a:lstStyle/>
+          <a:p>
+            <a:fld id="{869DDA46-0EE2-9C4C-8ED2-E7D3E86BA4E6}" type="slidenum">
+              <a:rPr kumimoji="1" lang="zh-TW" altLang="en-US" smtClean="0"/>
+              <a:t>14</a:t>
+            </a:fld>
+            <a:endParaRPr kumimoji="1" lang="zh-TW" altLang="en-US"/>
+          </a:p>
+        </p:txBody>
+      </p:sp>
+    </p:spTree>
+    <p:extLst>
+      <p:ext uri="{BB962C8B-B14F-4D97-AF65-F5344CB8AC3E}">
+        <p14:creationId xmlns:p14="http://schemas.microsoft.com/office/powerpoint/2010/main" val="4257240755"/>
+      </p:ext>
+    </p:extLst>
+  </p:cSld>
+  <p:clrMapOvr>
+    <a:masterClrMapping/>
+  </p:clrMapOvr>
+</p:notes>
+</file>
+
 <file path=ppt/slideLayouts/slideLayout1.xml><?xml version="1.0" encoding="utf-8"?>
 <p:sldLayout xmlns:a="http://schemas.openxmlformats.org/drawingml/2006/main" xmlns:r="http://schemas.openxmlformats.org/officeDocument/2006/relationships" xmlns:p="http://schemas.openxmlformats.org/presentationml/2006/main" showMasterSp="0" type="title" preserve="1">
   <p:cSld name="標題投影片">
@@ -969,7 +5687,7 @@
             <a:fld id="{87DE6118-2437-4B30-8E3C-4D2BE6020583}" type="datetimeFigureOut">
               <a:rPr lang="en-US" dirty="0"/>
               <a:pPr/>
-              <a:t>1/9/19</a:t>
+              <a:t>1/9/2019</a:t>
             </a:fld>
             <a:endParaRPr lang="en-US" dirty="0"/>
           </a:p>
@@ -1295,7 +6013,7 @@
           <a:p>
             <a:fld id="{87DE6118-2437-4B30-8E3C-4D2BE6020583}" type="datetimeFigureOut">
               <a:rPr lang="en-US" dirty="0"/>
-              <a:t>1/9/19</a:t>
+              <a:t>1/9/2019</a:t>
             </a:fld>
             <a:endParaRPr lang="en-US" dirty="0"/>
           </a:p>
@@ -1470,7 +6188,7 @@
           <a:p>
             <a:fld id="{87DE6118-2437-4B30-8E3C-4D2BE6020583}" type="datetimeFigureOut">
               <a:rPr lang="en-US" dirty="0"/>
-              <a:t>1/9/19</a:t>
+              <a:t>1/9/2019</a:t>
             </a:fld>
             <a:endParaRPr lang="en-US" dirty="0"/>
           </a:p>
@@ -1635,7 +6353,7 @@
           <a:p>
             <a:fld id="{87DE6118-2437-4B30-8E3C-4D2BE6020583}" type="datetimeFigureOut">
               <a:rPr lang="en-US" dirty="0"/>
-              <a:t>1/9/19</a:t>
+              <a:t>1/9/2019</a:t>
             </a:fld>
             <a:endParaRPr lang="en-US" dirty="0"/>
           </a:p>
@@ -1908,7 +6626,7 @@
             <a:fld id="{87DE6118-2437-4B30-8E3C-4D2BE6020583}" type="datetimeFigureOut">
               <a:rPr lang="en-US" dirty="0"/>
               <a:pPr/>
-              <a:t>1/9/19</a:t>
+              <a:t>1/9/2019</a:t>
             </a:fld>
             <a:endParaRPr lang="en-US" dirty="0"/>
           </a:p>
@@ -2298,7 +7016,7 @@
           <a:p>
             <a:fld id="{87DE6118-2437-4B30-8E3C-4D2BE6020583}" type="datetimeFigureOut">
               <a:rPr lang="en-US" dirty="0"/>
-              <a:t>1/9/19</a:t>
+              <a:t>1/9/2019</a:t>
             </a:fld>
             <a:endParaRPr lang="en-US" dirty="0"/>
           </a:p>
@@ -2770,7 +7488,7 @@
           <a:p>
             <a:fld id="{87DE6118-2437-4B30-8E3C-4D2BE6020583}" type="datetimeFigureOut">
               <a:rPr lang="en-US" dirty="0"/>
-              <a:t>1/9/19</a:t>
+              <a:t>1/9/2019</a:t>
             </a:fld>
             <a:endParaRPr lang="en-US" dirty="0"/>
           </a:p>
@@ -2883,7 +7601,7 @@
           <a:p>
             <a:fld id="{87DE6118-2437-4B30-8E3C-4D2BE6020583}" type="datetimeFigureOut">
               <a:rPr lang="en-US" dirty="0"/>
-              <a:t>1/9/19</a:t>
+              <a:t>1/9/2019</a:t>
             </a:fld>
             <a:endParaRPr lang="en-US" dirty="0"/>
           </a:p>
@@ -2973,7 +7691,7 @@
           <a:p>
             <a:fld id="{87DE6118-2437-4B30-8E3C-4D2BE6020583}" type="datetimeFigureOut">
               <a:rPr lang="en-US" dirty="0"/>
-              <a:t>1/9/19</a:t>
+              <a:t>1/9/2019</a:t>
             </a:fld>
             <a:endParaRPr lang="en-US" dirty="0"/>
           </a:p>
@@ -3315,7 +8033,7 @@
             <a:fld id="{87DE6118-2437-4B30-8E3C-4D2BE6020583}" type="datetimeFigureOut">
               <a:rPr lang="en-US" dirty="0"/>
               <a:pPr/>
-              <a:t>1/9/19</a:t>
+              <a:t>1/9/2019</a:t>
             </a:fld>
             <a:endParaRPr lang="en-US" dirty="0"/>
           </a:p>
@@ -3700,7 +8418,7 @@
             <a:fld id="{87DE6118-2437-4B30-8E3C-4D2BE6020583}" type="datetimeFigureOut">
               <a:rPr lang="en-US" dirty="0"/>
               <a:pPr/>
-              <a:t>1/9/19</a:t>
+              <a:t>1/9/2019</a:t>
             </a:fld>
             <a:endParaRPr lang="en-US" dirty="0"/>
           </a:p>
@@ -3975,7 +8693,7 @@
             <a:fld id="{87DE6118-2437-4B30-8E3C-4D2BE6020583}" type="datetimeFigureOut">
               <a:rPr lang="en-US" dirty="0"/>
               <a:pPr/>
-              <a:t>1/9/19</a:t>
+              <a:t>1/9/2019</a:t>
             </a:fld>
             <a:endParaRPr lang="en-US" dirty="0"/>
           </a:p>
@@ -4513,12 +9231,20 @@
               <a:rPr lang="zh-TW" altLang="en-US" dirty="0"/>
               <a:t>商管程式設計</a:t>
             </a:r>
+            <a:r>
+              <a:rPr lang="en-US" altLang="zh-TW" dirty="0"/>
+              <a:t/>
+            </a:r>
             <a:br>
               <a:rPr lang="en-US" altLang="zh-TW" dirty="0"/>
             </a:br>
             <a:r>
               <a:rPr lang="zh-TW" altLang="en-US" dirty="0"/>
               <a:t>口頭報告</a:t>
+            </a:r>
+            <a:r>
+              <a:rPr lang="en-US" altLang="zh-TW" dirty="0"/>
+              <a:t/>
             </a:r>
             <a:br>
               <a:rPr lang="en-US" altLang="zh-TW" dirty="0"/>
@@ -5951,6 +10677,1094 @@
   <p:transition spd="slow">
     <p:push dir="u"/>
   </p:transition>
+</p:sld>
+</file>
+
+<file path=ppt/slides/slide14.xml><?xml version="1.0" encoding="utf-8"?>
+<p:sld xmlns:a="http://schemas.openxmlformats.org/drawingml/2006/main" xmlns:r="http://schemas.openxmlformats.org/officeDocument/2006/relationships" xmlns:p="http://schemas.openxmlformats.org/presentationml/2006/main">
+  <p:cSld>
+    <p:spTree>
+      <p:nvGrpSpPr>
+        <p:cNvPr id="1" name=""/>
+        <p:cNvGrpSpPr/>
+        <p:nvPr/>
+      </p:nvGrpSpPr>
+      <p:grpSpPr>
+        <a:xfrm>
+          <a:off x="0" y="0"/>
+          <a:ext cx="0" cy="0"/>
+          <a:chOff x="0" y="0"/>
+          <a:chExt cx="0" cy="0"/>
+        </a:xfrm>
+      </p:grpSpPr>
+      <p:sp>
+        <p:nvSpPr>
+          <p:cNvPr id="2" name="標題 1"/>
+          <p:cNvSpPr>
+            <a:spLocks noGrp="1"/>
+          </p:cNvSpPr>
+          <p:nvPr>
+            <p:ph type="title"/>
+          </p:nvPr>
+        </p:nvSpPr>
+        <p:spPr/>
+        <p:txBody>
+          <a:bodyPr>
+            <a:normAutofit/>
+          </a:bodyPr>
+          <a:lstStyle/>
+          <a:p>
+            <a:r>
+              <a:rPr lang="zh-TW" altLang="en-US" sz="6600" dirty="0" smtClean="0"/>
+              <a:t>程式碼讀檔介紹</a:t>
+            </a:r>
+            <a:endParaRPr lang="zh-TW" altLang="en-US" sz="6600" dirty="0"/>
+          </a:p>
+        </p:txBody>
+      </p:sp>
+      <p:graphicFrame>
+        <p:nvGraphicFramePr>
+          <p:cNvPr id="6" name="內容版面配置區 5"/>
+          <p:cNvGraphicFramePr>
+            <a:graphicFrameLocks noGrp="1"/>
+          </p:cNvGraphicFramePr>
+          <p:nvPr>
+            <p:ph idx="1"/>
+            <p:extLst>
+              <p:ext uri="{D42A27DB-BD31-4B8C-83A1-F6EECF244321}">
+                <p14:modId xmlns:p14="http://schemas.microsoft.com/office/powerpoint/2010/main" val="3262677507"/>
+              </p:ext>
+            </p:extLst>
+          </p:nvPr>
+        </p:nvGraphicFramePr>
+        <p:xfrm>
+          <a:off x="1371600" y="2471595"/>
+          <a:ext cx="3926694" cy="647987"/>
+        </p:xfrm>
+        <a:graphic>
+          <a:graphicData uri="http://schemas.openxmlformats.org/drawingml/2006/diagram">
+            <dgm:relIds xmlns:dgm="http://schemas.openxmlformats.org/drawingml/2006/diagram" xmlns:r="http://schemas.openxmlformats.org/officeDocument/2006/relationships" r:dm="rId3" r:lo="rId4" r:qs="rId5" r:cs="rId6"/>
+          </a:graphicData>
+        </a:graphic>
+      </p:graphicFrame>
+      <p:sp>
+        <p:nvSpPr>
+          <p:cNvPr id="9" name="圓角矩形 8"/>
+          <p:cNvSpPr/>
+          <p:nvPr/>
+        </p:nvSpPr>
+        <p:spPr>
+          <a:xfrm>
+            <a:off x="5383919" y="2928946"/>
+            <a:ext cx="1417257" cy="753063"/>
+          </a:xfrm>
+          <a:prstGeom prst="roundRect">
+            <a:avLst/>
+          </a:prstGeom>
+          <a:solidFill>
+            <a:schemeClr val="accent4"/>
+          </a:solidFill>
+        </p:spPr>
+        <p:style>
+          <a:lnRef idx="2">
+            <a:schemeClr val="lt1">
+              <a:hueOff val="0"/>
+              <a:satOff val="0"/>
+              <a:lumOff val="0"/>
+              <a:alphaOff val="0"/>
+            </a:schemeClr>
+          </a:lnRef>
+          <a:fillRef idx="1">
+            <a:schemeClr val="accent1">
+              <a:hueOff val="0"/>
+              <a:satOff val="0"/>
+              <a:lumOff val="0"/>
+              <a:alphaOff val="0"/>
+            </a:schemeClr>
+          </a:fillRef>
+          <a:effectRef idx="0">
+            <a:schemeClr val="accent1">
+              <a:hueOff val="0"/>
+              <a:satOff val="0"/>
+              <a:lumOff val="0"/>
+              <a:alphaOff val="0"/>
+            </a:schemeClr>
+          </a:effectRef>
+          <a:fontRef idx="minor">
+            <a:schemeClr val="lt1"/>
+          </a:fontRef>
+        </p:style>
+      </p:sp>
+      <p:sp>
+        <p:nvSpPr>
+          <p:cNvPr id="10" name="圓角矩形 4"/>
+          <p:cNvSpPr txBox="1"/>
+          <p:nvPr/>
+        </p:nvSpPr>
+        <p:spPr>
+          <a:xfrm>
+            <a:off x="5417500" y="2965707"/>
+            <a:ext cx="1308803" cy="679540"/>
+          </a:xfrm>
+          <a:prstGeom prst="rect">
+            <a:avLst/>
+          </a:prstGeom>
+        </p:spPr>
+        <p:style>
+          <a:lnRef idx="0">
+            <a:scrgbClr r="0" g="0" b="0"/>
+          </a:lnRef>
+          <a:fillRef idx="0">
+            <a:scrgbClr r="0" g="0" b="0"/>
+          </a:fillRef>
+          <a:effectRef idx="0">
+            <a:scrgbClr r="0" g="0" b="0"/>
+          </a:effectRef>
+          <a:fontRef idx="minor">
+            <a:schemeClr val="lt1"/>
+          </a:fontRef>
+        </p:style>
+        <p:txBody>
+          <a:bodyPr spcFirstLastPara="0" vert="horz" wrap="square" lIns="167640" tIns="83820" rIns="167640" bIns="83820" numCol="1" spcCol="1270" anchor="ctr" anchorCtr="0">
+            <a:noAutofit/>
+          </a:bodyPr>
+          <a:lstStyle/>
+          <a:p>
+            <a:pPr lvl="0" algn="ctr" defTabSz="1955800">
+              <a:lnSpc>
+                <a:spcPct val="90000"/>
+              </a:lnSpc>
+              <a:spcBef>
+                <a:spcPct val="0"/>
+              </a:spcBef>
+              <a:spcAft>
+                <a:spcPct val="35000"/>
+              </a:spcAft>
+            </a:pPr>
+            <a:r>
+              <a:rPr lang="en-US" altLang="zh-TW" sz="2800" dirty="0" smtClean="0"/>
+              <a:t>Value</a:t>
+            </a:r>
+            <a:endParaRPr lang="zh-TW" altLang="en-US" sz="2800" kern="1200" dirty="0"/>
+          </a:p>
+        </p:txBody>
+      </p:sp>
+      <p:sp>
+        <p:nvSpPr>
+          <p:cNvPr id="12" name="圓角矩形 11"/>
+          <p:cNvSpPr/>
+          <p:nvPr/>
+        </p:nvSpPr>
+        <p:spPr>
+          <a:xfrm>
+            <a:off x="5383919" y="2095064"/>
+            <a:ext cx="1417257" cy="753063"/>
+          </a:xfrm>
+          <a:prstGeom prst="roundRect">
+            <a:avLst/>
+          </a:prstGeom>
+          <a:solidFill>
+            <a:schemeClr val="accent4"/>
+          </a:solidFill>
+        </p:spPr>
+        <p:style>
+          <a:lnRef idx="2">
+            <a:schemeClr val="lt1">
+              <a:hueOff val="0"/>
+              <a:satOff val="0"/>
+              <a:lumOff val="0"/>
+              <a:alphaOff val="0"/>
+            </a:schemeClr>
+          </a:lnRef>
+          <a:fillRef idx="1">
+            <a:schemeClr val="accent1">
+              <a:hueOff val="0"/>
+              <a:satOff val="0"/>
+              <a:lumOff val="0"/>
+              <a:alphaOff val="0"/>
+            </a:schemeClr>
+          </a:fillRef>
+          <a:effectRef idx="0">
+            <a:schemeClr val="accent1">
+              <a:hueOff val="0"/>
+              <a:satOff val="0"/>
+              <a:lumOff val="0"/>
+              <a:alphaOff val="0"/>
+            </a:schemeClr>
+          </a:effectRef>
+          <a:fontRef idx="minor">
+            <a:schemeClr val="lt1"/>
+          </a:fontRef>
+        </p:style>
+      </p:sp>
+      <p:sp>
+        <p:nvSpPr>
+          <p:cNvPr id="13" name="圓角矩形 4"/>
+          <p:cNvSpPr txBox="1"/>
+          <p:nvPr/>
+        </p:nvSpPr>
+        <p:spPr>
+          <a:xfrm>
+            <a:off x="5418184" y="2132480"/>
+            <a:ext cx="1308803" cy="679540"/>
+          </a:xfrm>
+          <a:prstGeom prst="rect">
+            <a:avLst/>
+          </a:prstGeom>
+        </p:spPr>
+        <p:style>
+          <a:lnRef idx="0">
+            <a:scrgbClr r="0" g="0" b="0"/>
+          </a:lnRef>
+          <a:fillRef idx="0">
+            <a:scrgbClr r="0" g="0" b="0"/>
+          </a:fillRef>
+          <a:effectRef idx="0">
+            <a:scrgbClr r="0" g="0" b="0"/>
+          </a:effectRef>
+          <a:fontRef idx="minor">
+            <a:schemeClr val="lt1"/>
+          </a:fontRef>
+        </p:style>
+        <p:txBody>
+          <a:bodyPr spcFirstLastPara="0" vert="horz" wrap="square" lIns="167640" tIns="83820" rIns="167640" bIns="83820" numCol="1" spcCol="1270" anchor="ctr" anchorCtr="0">
+            <a:noAutofit/>
+          </a:bodyPr>
+          <a:lstStyle/>
+          <a:p>
+            <a:pPr lvl="0" algn="ctr" defTabSz="1955800">
+              <a:lnSpc>
+                <a:spcPct val="90000"/>
+              </a:lnSpc>
+              <a:spcBef>
+                <a:spcPct val="0"/>
+              </a:spcBef>
+              <a:spcAft>
+                <a:spcPct val="35000"/>
+              </a:spcAft>
+            </a:pPr>
+            <a:r>
+              <a:rPr lang="en-US" altLang="zh-TW" sz="2800" kern="1200" dirty="0" smtClean="0"/>
+              <a:t>key</a:t>
+            </a:r>
+            <a:endParaRPr lang="zh-TW" altLang="en-US" sz="2800" kern="1200" dirty="0"/>
+          </a:p>
+        </p:txBody>
+      </p:sp>
+      <p:sp>
+        <p:nvSpPr>
+          <p:cNvPr id="14" name="等於 13"/>
+          <p:cNvSpPr/>
+          <p:nvPr/>
+        </p:nvSpPr>
+        <p:spPr>
+          <a:xfrm>
+            <a:off x="6992297" y="2348150"/>
+            <a:ext cx="963045" cy="237209"/>
+          </a:xfrm>
+          <a:prstGeom prst="mathEqual">
+            <a:avLst/>
+          </a:prstGeom>
+        </p:spPr>
+        <p:style>
+          <a:lnRef idx="2">
+            <a:schemeClr val="accent1">
+              <a:shade val="50000"/>
+            </a:schemeClr>
+          </a:lnRef>
+          <a:fillRef idx="1">
+            <a:schemeClr val="accent1"/>
+          </a:fillRef>
+          <a:effectRef idx="0">
+            <a:schemeClr val="accent1"/>
+          </a:effectRef>
+          <a:fontRef idx="minor">
+            <a:schemeClr val="lt1"/>
+          </a:fontRef>
+        </p:style>
+        <p:txBody>
+          <a:bodyPr rtlCol="0" anchor="ctr"/>
+          <a:lstStyle/>
+          <a:p>
+            <a:pPr algn="ctr"/>
+            <a:endParaRPr lang="zh-TW" altLang="en-US">
+              <a:solidFill>
+                <a:schemeClr val="tx1"/>
+              </a:solidFill>
+            </a:endParaRPr>
+          </a:p>
+        </p:txBody>
+      </p:sp>
+      <p:sp>
+        <p:nvSpPr>
+          <p:cNvPr id="15" name="等於 14"/>
+          <p:cNvSpPr/>
+          <p:nvPr/>
+        </p:nvSpPr>
+        <p:spPr>
+          <a:xfrm>
+            <a:off x="7025834" y="3186872"/>
+            <a:ext cx="963045" cy="237209"/>
+          </a:xfrm>
+          <a:prstGeom prst="mathEqual">
+            <a:avLst/>
+          </a:prstGeom>
+        </p:spPr>
+        <p:style>
+          <a:lnRef idx="2">
+            <a:schemeClr val="accent1">
+              <a:shade val="50000"/>
+            </a:schemeClr>
+          </a:lnRef>
+          <a:fillRef idx="1">
+            <a:schemeClr val="accent1"/>
+          </a:fillRef>
+          <a:effectRef idx="0">
+            <a:schemeClr val="accent1"/>
+          </a:effectRef>
+          <a:fontRef idx="minor">
+            <a:schemeClr val="lt1"/>
+          </a:fontRef>
+        </p:style>
+        <p:txBody>
+          <a:bodyPr rtlCol="0" anchor="ctr"/>
+          <a:lstStyle/>
+          <a:p>
+            <a:pPr algn="ctr"/>
+            <a:endParaRPr lang="zh-TW" altLang="en-US">
+              <a:solidFill>
+                <a:schemeClr val="tx1"/>
+              </a:solidFill>
+            </a:endParaRPr>
+          </a:p>
+        </p:txBody>
+      </p:sp>
+      <p:sp>
+        <p:nvSpPr>
+          <p:cNvPr id="16" name="文字方塊 15"/>
+          <p:cNvSpPr txBox="1"/>
+          <p:nvPr/>
+        </p:nvSpPr>
+        <p:spPr>
+          <a:xfrm>
+            <a:off x="8074548" y="2205145"/>
+            <a:ext cx="1760791" cy="523220"/>
+          </a:xfrm>
+          <a:prstGeom prst="rect">
+            <a:avLst/>
+          </a:prstGeom>
+          <a:noFill/>
+        </p:spPr>
+        <p:txBody>
+          <a:bodyPr wrap="square" rtlCol="0">
+            <a:spAutoFit/>
+          </a:bodyPr>
+          <a:lstStyle/>
+          <a:p>
+            <a:r>
+              <a:rPr lang="zh-TW" altLang="en-US" sz="2800" dirty="0" smtClean="0"/>
+              <a:t>公司代</a:t>
+            </a:r>
+            <a:r>
+              <a:rPr lang="zh-TW" altLang="en-US" sz="2800" dirty="0"/>
+              <a:t>碼</a:t>
+            </a:r>
+          </a:p>
+        </p:txBody>
+      </p:sp>
+      <p:sp>
+        <p:nvSpPr>
+          <p:cNvPr id="17" name="文字方塊 16"/>
+          <p:cNvSpPr txBox="1"/>
+          <p:nvPr/>
+        </p:nvSpPr>
+        <p:spPr>
+          <a:xfrm>
+            <a:off x="8178514" y="2796223"/>
+            <a:ext cx="2167473" cy="1200329"/>
+          </a:xfrm>
+          <a:prstGeom prst="rect">
+            <a:avLst/>
+          </a:prstGeom>
+          <a:noFill/>
+        </p:spPr>
+        <p:txBody>
+          <a:bodyPr wrap="square" rtlCol="0">
+            <a:spAutoFit/>
+          </a:bodyPr>
+          <a:lstStyle/>
+          <a:p>
+            <a:r>
+              <a:rPr lang="en-US" altLang="zh-TW" dirty="0" smtClean="0"/>
+              <a:t>[</a:t>
+            </a:r>
+            <a:r>
+              <a:rPr lang="zh-TW" altLang="en-US" dirty="0" smtClean="0"/>
+              <a:t>    </a:t>
+            </a:r>
+            <a:r>
+              <a:rPr lang="en-US" altLang="zh-TW" dirty="0" smtClean="0"/>
+              <a:t>(</a:t>
+            </a:r>
+            <a:r>
+              <a:rPr lang="zh-TW" altLang="en-US" dirty="0" smtClean="0"/>
+              <a:t>日期</a:t>
+            </a:r>
+            <a:r>
+              <a:rPr lang="en-US" altLang="zh-TW" dirty="0" smtClean="0"/>
+              <a:t>)</a:t>
+            </a:r>
+            <a:r>
+              <a:rPr lang="zh-TW" altLang="en-US" dirty="0" smtClean="0"/>
+              <a:t>    </a:t>
+            </a:r>
+            <a:r>
+              <a:rPr lang="en-US" altLang="zh-TW" dirty="0" smtClean="0"/>
+              <a:t>]</a:t>
+            </a:r>
+          </a:p>
+          <a:p>
+            <a:r>
+              <a:rPr lang="en-US" altLang="zh-TW" dirty="0" smtClean="0"/>
+              <a:t>[</a:t>
+            </a:r>
+            <a:r>
+              <a:rPr lang="zh-TW" altLang="en-US" dirty="0" smtClean="0"/>
+              <a:t>    </a:t>
+            </a:r>
+            <a:r>
+              <a:rPr lang="en-US" altLang="zh-TW" dirty="0" smtClean="0"/>
+              <a:t>(</a:t>
+            </a:r>
+            <a:r>
+              <a:rPr lang="zh-TW" altLang="en-US" dirty="0" smtClean="0"/>
+              <a:t>開盤</a:t>
+            </a:r>
+            <a:r>
+              <a:rPr lang="zh-TW" altLang="en-US" dirty="0"/>
+              <a:t>價</a:t>
+            </a:r>
+            <a:r>
+              <a:rPr lang="en-US" altLang="zh-TW" dirty="0" smtClean="0"/>
+              <a:t>)</a:t>
+            </a:r>
+            <a:r>
+              <a:rPr lang="zh-TW" altLang="en-US" dirty="0" smtClean="0"/>
+              <a:t>    </a:t>
+            </a:r>
+            <a:r>
+              <a:rPr lang="en-US" altLang="zh-TW" dirty="0" smtClean="0"/>
+              <a:t>]</a:t>
+            </a:r>
+            <a:endParaRPr lang="zh-TW" altLang="en-US" dirty="0"/>
+          </a:p>
+          <a:p>
+            <a:r>
+              <a:rPr lang="en-US" altLang="zh-TW" dirty="0" smtClean="0"/>
+              <a:t>[</a:t>
+            </a:r>
+            <a:r>
+              <a:rPr lang="zh-TW" altLang="en-US" dirty="0" smtClean="0"/>
+              <a:t>    </a:t>
+            </a:r>
+            <a:r>
+              <a:rPr lang="en-US" altLang="zh-TW" dirty="0" smtClean="0"/>
+              <a:t>(</a:t>
+            </a:r>
+            <a:r>
+              <a:rPr lang="zh-TW" altLang="en-US" dirty="0" smtClean="0"/>
+              <a:t>收盤</a:t>
+            </a:r>
+            <a:r>
+              <a:rPr lang="zh-TW" altLang="en-US" dirty="0"/>
+              <a:t>價</a:t>
+            </a:r>
+            <a:r>
+              <a:rPr lang="en-US" altLang="zh-TW" dirty="0" smtClean="0"/>
+              <a:t>)</a:t>
+            </a:r>
+            <a:r>
+              <a:rPr lang="zh-TW" altLang="en-US" dirty="0" smtClean="0"/>
+              <a:t>    </a:t>
+            </a:r>
+            <a:r>
+              <a:rPr lang="en-US" altLang="zh-TW" dirty="0" smtClean="0"/>
+              <a:t>]</a:t>
+            </a:r>
+            <a:endParaRPr lang="zh-TW" altLang="en-US" dirty="0"/>
+          </a:p>
+          <a:p>
+            <a:r>
+              <a:rPr lang="en-US" altLang="zh-TW" dirty="0" smtClean="0"/>
+              <a:t>…</a:t>
+            </a:r>
+          </a:p>
+        </p:txBody>
+      </p:sp>
+      <p:sp>
+        <p:nvSpPr>
+          <p:cNvPr id="23" name="左右中括弧 22"/>
+          <p:cNvSpPr/>
+          <p:nvPr/>
+        </p:nvSpPr>
+        <p:spPr>
+          <a:xfrm>
+            <a:off x="8074548" y="2812020"/>
+            <a:ext cx="1741584" cy="1158358"/>
+          </a:xfrm>
+          <a:prstGeom prst="bracketPair">
+            <a:avLst/>
+          </a:prstGeom>
+        </p:spPr>
+        <p:style>
+          <a:lnRef idx="3">
+            <a:schemeClr val="dk1"/>
+          </a:lnRef>
+          <a:fillRef idx="0">
+            <a:schemeClr val="dk1"/>
+          </a:fillRef>
+          <a:effectRef idx="2">
+            <a:schemeClr val="dk1"/>
+          </a:effectRef>
+          <a:fontRef idx="minor">
+            <a:schemeClr val="tx1"/>
+          </a:fontRef>
+        </p:style>
+        <p:txBody>
+          <a:bodyPr rtlCol="0" anchor="ctr"/>
+          <a:lstStyle/>
+          <a:p>
+            <a:pPr algn="ctr"/>
+            <a:endParaRPr lang="zh-TW" altLang="en-US"/>
+          </a:p>
+        </p:txBody>
+      </p:sp>
+      <p:graphicFrame>
+        <p:nvGraphicFramePr>
+          <p:cNvPr id="24" name="內容版面配置區 5"/>
+          <p:cNvGraphicFramePr>
+            <a:graphicFrameLocks/>
+          </p:cNvGraphicFramePr>
+          <p:nvPr>
+            <p:extLst>
+              <p:ext uri="{D42A27DB-BD31-4B8C-83A1-F6EECF244321}">
+                <p14:modId xmlns:p14="http://schemas.microsoft.com/office/powerpoint/2010/main" val="4009924029"/>
+              </p:ext>
+            </p:extLst>
+          </p:nvPr>
+        </p:nvGraphicFramePr>
+        <p:xfrm>
+          <a:off x="1413167" y="4619051"/>
+          <a:ext cx="4012319" cy="647987"/>
+        </p:xfrm>
+        <a:graphic>
+          <a:graphicData uri="http://schemas.openxmlformats.org/drawingml/2006/diagram">
+            <dgm:relIds xmlns:dgm="http://schemas.openxmlformats.org/drawingml/2006/diagram" xmlns:r="http://schemas.openxmlformats.org/officeDocument/2006/relationships" r:dm="rId8" r:lo="rId9" r:qs="rId10" r:cs="rId11"/>
+          </a:graphicData>
+        </a:graphic>
+      </p:graphicFrame>
+      <p:sp>
+        <p:nvSpPr>
+          <p:cNvPr id="25" name="圓角矩形 24"/>
+          <p:cNvSpPr/>
+          <p:nvPr/>
+        </p:nvSpPr>
+        <p:spPr>
+          <a:xfrm>
+            <a:off x="5425487" y="5076402"/>
+            <a:ext cx="1417257" cy="753063"/>
+          </a:xfrm>
+          <a:prstGeom prst="roundRect">
+            <a:avLst/>
+          </a:prstGeom>
+          <a:solidFill>
+            <a:schemeClr val="accent4"/>
+          </a:solidFill>
+        </p:spPr>
+        <p:style>
+          <a:lnRef idx="2">
+            <a:schemeClr val="lt1">
+              <a:hueOff val="0"/>
+              <a:satOff val="0"/>
+              <a:lumOff val="0"/>
+              <a:alphaOff val="0"/>
+            </a:schemeClr>
+          </a:lnRef>
+          <a:fillRef idx="1">
+            <a:schemeClr val="accent1">
+              <a:hueOff val="0"/>
+              <a:satOff val="0"/>
+              <a:lumOff val="0"/>
+              <a:alphaOff val="0"/>
+            </a:schemeClr>
+          </a:fillRef>
+          <a:effectRef idx="0">
+            <a:schemeClr val="accent1">
+              <a:hueOff val="0"/>
+              <a:satOff val="0"/>
+              <a:lumOff val="0"/>
+              <a:alphaOff val="0"/>
+            </a:schemeClr>
+          </a:effectRef>
+          <a:fontRef idx="minor">
+            <a:schemeClr val="lt1"/>
+          </a:fontRef>
+        </p:style>
+      </p:sp>
+      <p:sp>
+        <p:nvSpPr>
+          <p:cNvPr id="26" name="圓角矩形 4"/>
+          <p:cNvSpPr txBox="1"/>
+          <p:nvPr/>
+        </p:nvSpPr>
+        <p:spPr>
+          <a:xfrm>
+            <a:off x="5459068" y="5113163"/>
+            <a:ext cx="1308803" cy="679540"/>
+          </a:xfrm>
+          <a:prstGeom prst="rect">
+            <a:avLst/>
+          </a:prstGeom>
+        </p:spPr>
+        <p:style>
+          <a:lnRef idx="0">
+            <a:scrgbClr r="0" g="0" b="0"/>
+          </a:lnRef>
+          <a:fillRef idx="0">
+            <a:scrgbClr r="0" g="0" b="0"/>
+          </a:fillRef>
+          <a:effectRef idx="0">
+            <a:scrgbClr r="0" g="0" b="0"/>
+          </a:effectRef>
+          <a:fontRef idx="minor">
+            <a:schemeClr val="lt1"/>
+          </a:fontRef>
+        </p:style>
+        <p:txBody>
+          <a:bodyPr spcFirstLastPara="0" vert="horz" wrap="square" lIns="167640" tIns="83820" rIns="167640" bIns="83820" numCol="1" spcCol="1270" anchor="ctr" anchorCtr="0">
+            <a:noAutofit/>
+          </a:bodyPr>
+          <a:lstStyle/>
+          <a:p>
+            <a:pPr lvl="0" algn="ctr" defTabSz="1955800">
+              <a:lnSpc>
+                <a:spcPct val="90000"/>
+              </a:lnSpc>
+              <a:spcBef>
+                <a:spcPct val="0"/>
+              </a:spcBef>
+              <a:spcAft>
+                <a:spcPct val="35000"/>
+              </a:spcAft>
+            </a:pPr>
+            <a:r>
+              <a:rPr lang="en-US" altLang="zh-TW" sz="2800" dirty="0" smtClean="0"/>
+              <a:t>Value</a:t>
+            </a:r>
+            <a:endParaRPr lang="zh-TW" altLang="en-US" sz="2800" kern="1200" dirty="0"/>
+          </a:p>
+        </p:txBody>
+      </p:sp>
+      <p:sp>
+        <p:nvSpPr>
+          <p:cNvPr id="27" name="圓角矩形 26"/>
+          <p:cNvSpPr/>
+          <p:nvPr/>
+        </p:nvSpPr>
+        <p:spPr>
+          <a:xfrm>
+            <a:off x="5425487" y="4242520"/>
+            <a:ext cx="1417257" cy="753063"/>
+          </a:xfrm>
+          <a:prstGeom prst="roundRect">
+            <a:avLst/>
+          </a:prstGeom>
+          <a:solidFill>
+            <a:schemeClr val="accent4"/>
+          </a:solidFill>
+        </p:spPr>
+        <p:style>
+          <a:lnRef idx="2">
+            <a:schemeClr val="lt1">
+              <a:hueOff val="0"/>
+              <a:satOff val="0"/>
+              <a:lumOff val="0"/>
+              <a:alphaOff val="0"/>
+            </a:schemeClr>
+          </a:lnRef>
+          <a:fillRef idx="1">
+            <a:schemeClr val="accent1">
+              <a:hueOff val="0"/>
+              <a:satOff val="0"/>
+              <a:lumOff val="0"/>
+              <a:alphaOff val="0"/>
+            </a:schemeClr>
+          </a:fillRef>
+          <a:effectRef idx="0">
+            <a:schemeClr val="accent1">
+              <a:hueOff val="0"/>
+              <a:satOff val="0"/>
+              <a:lumOff val="0"/>
+              <a:alphaOff val="0"/>
+            </a:schemeClr>
+          </a:effectRef>
+          <a:fontRef idx="minor">
+            <a:schemeClr val="lt1"/>
+          </a:fontRef>
+        </p:style>
+      </p:sp>
+      <p:sp>
+        <p:nvSpPr>
+          <p:cNvPr id="28" name="圓角矩形 4"/>
+          <p:cNvSpPr txBox="1"/>
+          <p:nvPr/>
+        </p:nvSpPr>
+        <p:spPr>
+          <a:xfrm>
+            <a:off x="5479714" y="4279281"/>
+            <a:ext cx="1308803" cy="679540"/>
+          </a:xfrm>
+          <a:prstGeom prst="rect">
+            <a:avLst/>
+          </a:prstGeom>
+        </p:spPr>
+        <p:style>
+          <a:lnRef idx="0">
+            <a:scrgbClr r="0" g="0" b="0"/>
+          </a:lnRef>
+          <a:fillRef idx="0">
+            <a:scrgbClr r="0" g="0" b="0"/>
+          </a:fillRef>
+          <a:effectRef idx="0">
+            <a:scrgbClr r="0" g="0" b="0"/>
+          </a:effectRef>
+          <a:fontRef idx="minor">
+            <a:schemeClr val="lt1"/>
+          </a:fontRef>
+        </p:style>
+        <p:txBody>
+          <a:bodyPr spcFirstLastPara="0" vert="horz" wrap="square" lIns="167640" tIns="83820" rIns="167640" bIns="83820" numCol="1" spcCol="1270" anchor="ctr" anchorCtr="0">
+            <a:noAutofit/>
+          </a:bodyPr>
+          <a:lstStyle/>
+          <a:p>
+            <a:pPr lvl="0" algn="ctr" defTabSz="1955800">
+              <a:lnSpc>
+                <a:spcPct val="90000"/>
+              </a:lnSpc>
+              <a:spcBef>
+                <a:spcPct val="0"/>
+              </a:spcBef>
+              <a:spcAft>
+                <a:spcPct val="35000"/>
+              </a:spcAft>
+            </a:pPr>
+            <a:r>
+              <a:rPr lang="en-US" altLang="zh-TW" sz="2800" kern="1200" dirty="0" smtClean="0"/>
+              <a:t>key</a:t>
+            </a:r>
+            <a:endParaRPr lang="zh-TW" altLang="en-US" sz="2800" kern="1200" dirty="0"/>
+          </a:p>
+        </p:txBody>
+      </p:sp>
+      <p:sp>
+        <p:nvSpPr>
+          <p:cNvPr id="29" name="等於 28"/>
+          <p:cNvSpPr/>
+          <p:nvPr/>
+        </p:nvSpPr>
+        <p:spPr>
+          <a:xfrm>
+            <a:off x="7033865" y="4495606"/>
+            <a:ext cx="963045" cy="237209"/>
+          </a:xfrm>
+          <a:prstGeom prst="mathEqual">
+            <a:avLst/>
+          </a:prstGeom>
+        </p:spPr>
+        <p:style>
+          <a:lnRef idx="2">
+            <a:schemeClr val="accent1">
+              <a:shade val="50000"/>
+            </a:schemeClr>
+          </a:lnRef>
+          <a:fillRef idx="1">
+            <a:schemeClr val="accent1"/>
+          </a:fillRef>
+          <a:effectRef idx="0">
+            <a:schemeClr val="accent1"/>
+          </a:effectRef>
+          <a:fontRef idx="minor">
+            <a:schemeClr val="lt1"/>
+          </a:fontRef>
+        </p:style>
+        <p:txBody>
+          <a:bodyPr rtlCol="0" anchor="ctr"/>
+          <a:lstStyle/>
+          <a:p>
+            <a:pPr algn="ctr"/>
+            <a:endParaRPr lang="zh-TW" altLang="en-US">
+              <a:solidFill>
+                <a:schemeClr val="tx1"/>
+              </a:solidFill>
+            </a:endParaRPr>
+          </a:p>
+        </p:txBody>
+      </p:sp>
+      <p:sp>
+        <p:nvSpPr>
+          <p:cNvPr id="30" name="等於 29"/>
+          <p:cNvSpPr/>
+          <p:nvPr/>
+        </p:nvSpPr>
+        <p:spPr>
+          <a:xfrm>
+            <a:off x="7051425" y="5307465"/>
+            <a:ext cx="963045" cy="237209"/>
+          </a:xfrm>
+          <a:prstGeom prst="mathEqual">
+            <a:avLst/>
+          </a:prstGeom>
+        </p:spPr>
+        <p:style>
+          <a:lnRef idx="2">
+            <a:schemeClr val="accent1">
+              <a:shade val="50000"/>
+            </a:schemeClr>
+          </a:lnRef>
+          <a:fillRef idx="1">
+            <a:schemeClr val="accent1"/>
+          </a:fillRef>
+          <a:effectRef idx="0">
+            <a:schemeClr val="accent1"/>
+          </a:effectRef>
+          <a:fontRef idx="minor">
+            <a:schemeClr val="lt1"/>
+          </a:fontRef>
+        </p:style>
+        <p:txBody>
+          <a:bodyPr rtlCol="0" anchor="ctr"/>
+          <a:lstStyle/>
+          <a:p>
+            <a:pPr algn="ctr"/>
+            <a:endParaRPr lang="zh-TW" altLang="en-US">
+              <a:solidFill>
+                <a:schemeClr val="tx1"/>
+              </a:solidFill>
+            </a:endParaRPr>
+          </a:p>
+        </p:txBody>
+      </p:sp>
+      <p:sp>
+        <p:nvSpPr>
+          <p:cNvPr id="31" name="文字方塊 30"/>
+          <p:cNvSpPr txBox="1"/>
+          <p:nvPr/>
+        </p:nvSpPr>
+        <p:spPr>
+          <a:xfrm>
+            <a:off x="8116116" y="4352601"/>
+            <a:ext cx="1760791" cy="523220"/>
+          </a:xfrm>
+          <a:prstGeom prst="rect">
+            <a:avLst/>
+          </a:prstGeom>
+          <a:noFill/>
+        </p:spPr>
+        <p:txBody>
+          <a:bodyPr wrap="square" rtlCol="0">
+            <a:spAutoFit/>
+          </a:bodyPr>
+          <a:lstStyle/>
+          <a:p>
+            <a:r>
+              <a:rPr lang="zh-TW" altLang="en-US" sz="2800" dirty="0" smtClean="0"/>
+              <a:t>公司代</a:t>
+            </a:r>
+            <a:r>
+              <a:rPr lang="zh-TW" altLang="en-US" sz="2800" dirty="0"/>
+              <a:t>碼</a:t>
+            </a:r>
+          </a:p>
+        </p:txBody>
+      </p:sp>
+      <p:sp>
+        <p:nvSpPr>
+          <p:cNvPr id="32" name="文字方塊 31"/>
+          <p:cNvSpPr txBox="1"/>
+          <p:nvPr/>
+        </p:nvSpPr>
+        <p:spPr>
+          <a:xfrm>
+            <a:off x="8223151" y="4968681"/>
+            <a:ext cx="3614574" cy="1200329"/>
+          </a:xfrm>
+          <a:prstGeom prst="rect">
+            <a:avLst/>
+          </a:prstGeom>
+          <a:noFill/>
+        </p:spPr>
+        <p:txBody>
+          <a:bodyPr wrap="square" rtlCol="0">
+            <a:spAutoFit/>
+          </a:bodyPr>
+          <a:lstStyle/>
+          <a:p>
+            <a:r>
+              <a:rPr lang="en-US" altLang="zh-TW" dirty="0" smtClean="0"/>
+              <a:t>[</a:t>
+            </a:r>
+            <a:r>
+              <a:rPr lang="zh-TW" altLang="en-US" dirty="0" smtClean="0"/>
+              <a:t>    </a:t>
+            </a:r>
+            <a:r>
+              <a:rPr lang="en-US" altLang="zh-TW" dirty="0" smtClean="0"/>
+              <a:t>(</a:t>
+            </a:r>
+            <a:r>
+              <a:rPr lang="zh-TW" altLang="en-US" dirty="0" smtClean="0"/>
+              <a:t>日期</a:t>
+            </a:r>
+            <a:r>
+              <a:rPr lang="en-US" altLang="zh-TW" dirty="0" smtClean="0"/>
+              <a:t>)</a:t>
+            </a:r>
+            <a:r>
+              <a:rPr lang="zh-TW" altLang="en-US" dirty="0" smtClean="0"/>
+              <a:t>    </a:t>
+            </a:r>
+            <a:r>
+              <a:rPr lang="en-US" altLang="zh-TW" dirty="0" smtClean="0"/>
+              <a:t>].append()</a:t>
+            </a:r>
+          </a:p>
+          <a:p>
+            <a:r>
+              <a:rPr lang="en-US" altLang="zh-TW" dirty="0" smtClean="0"/>
+              <a:t>[</a:t>
+            </a:r>
+            <a:r>
+              <a:rPr lang="zh-TW" altLang="en-US" dirty="0" smtClean="0"/>
+              <a:t>    </a:t>
+            </a:r>
+            <a:r>
+              <a:rPr lang="en-US" altLang="zh-TW" dirty="0" smtClean="0"/>
+              <a:t>(</a:t>
+            </a:r>
+            <a:r>
+              <a:rPr lang="zh-TW" altLang="en-US" dirty="0" smtClean="0"/>
+              <a:t>開盤</a:t>
+            </a:r>
+            <a:r>
+              <a:rPr lang="zh-TW" altLang="en-US" dirty="0"/>
+              <a:t>價</a:t>
+            </a:r>
+            <a:r>
+              <a:rPr lang="en-US" altLang="zh-TW" dirty="0" smtClean="0"/>
+              <a:t>)</a:t>
+            </a:r>
+            <a:r>
+              <a:rPr lang="zh-TW" altLang="en-US" dirty="0" smtClean="0"/>
+              <a:t>    </a:t>
+            </a:r>
+            <a:r>
+              <a:rPr lang="en-US" altLang="zh-TW" dirty="0" smtClean="0"/>
+              <a:t>].append()</a:t>
+            </a:r>
+            <a:endParaRPr lang="zh-TW" altLang="en-US" dirty="0"/>
+          </a:p>
+          <a:p>
+            <a:r>
+              <a:rPr lang="en-US" altLang="zh-TW" dirty="0" smtClean="0"/>
+              <a:t>[</a:t>
+            </a:r>
+            <a:r>
+              <a:rPr lang="zh-TW" altLang="en-US" dirty="0" smtClean="0"/>
+              <a:t>    </a:t>
+            </a:r>
+            <a:r>
+              <a:rPr lang="en-US" altLang="zh-TW" dirty="0" smtClean="0"/>
+              <a:t>(</a:t>
+            </a:r>
+            <a:r>
+              <a:rPr lang="zh-TW" altLang="en-US" dirty="0" smtClean="0"/>
+              <a:t>收盤</a:t>
+            </a:r>
+            <a:r>
+              <a:rPr lang="zh-TW" altLang="en-US" dirty="0"/>
+              <a:t>價</a:t>
+            </a:r>
+            <a:r>
+              <a:rPr lang="en-US" altLang="zh-TW" dirty="0" smtClean="0"/>
+              <a:t>)</a:t>
+            </a:r>
+            <a:r>
+              <a:rPr lang="zh-TW" altLang="en-US" dirty="0" smtClean="0"/>
+              <a:t>    </a:t>
+            </a:r>
+            <a:r>
+              <a:rPr lang="en-US" altLang="zh-TW" dirty="0" smtClean="0"/>
+              <a:t>].append()</a:t>
+            </a:r>
+            <a:endParaRPr lang="zh-TW" altLang="en-US" dirty="0"/>
+          </a:p>
+          <a:p>
+            <a:r>
+              <a:rPr lang="en-US" altLang="zh-TW" dirty="0" smtClean="0"/>
+              <a:t>…</a:t>
+            </a:r>
+          </a:p>
+        </p:txBody>
+      </p:sp>
+      <p:sp>
+        <p:nvSpPr>
+          <p:cNvPr id="33" name="左右中括弧 32"/>
+          <p:cNvSpPr/>
+          <p:nvPr/>
+        </p:nvSpPr>
+        <p:spPr>
+          <a:xfrm>
+            <a:off x="8079171" y="4931768"/>
+            <a:ext cx="2856685" cy="1322192"/>
+          </a:xfrm>
+          <a:prstGeom prst="bracketPair">
+            <a:avLst/>
+          </a:prstGeom>
+        </p:spPr>
+        <p:style>
+          <a:lnRef idx="3">
+            <a:schemeClr val="dk1"/>
+          </a:lnRef>
+          <a:fillRef idx="0">
+            <a:schemeClr val="dk1"/>
+          </a:fillRef>
+          <a:effectRef idx="2">
+            <a:schemeClr val="dk1"/>
+          </a:effectRef>
+          <a:fontRef idx="minor">
+            <a:schemeClr val="tx1"/>
+          </a:fontRef>
+        </p:style>
+        <p:txBody>
+          <a:bodyPr rtlCol="0" anchor="ctr"/>
+          <a:lstStyle/>
+          <a:p>
+            <a:pPr algn="ctr"/>
+            <a:endParaRPr lang="zh-TW" altLang="en-US"/>
+          </a:p>
+        </p:txBody>
+      </p:sp>
+    </p:spTree>
+    <p:extLst>
+      <p:ext uri="{BB962C8B-B14F-4D97-AF65-F5344CB8AC3E}">
+        <p14:creationId xmlns:p14="http://schemas.microsoft.com/office/powerpoint/2010/main" val="1027480475"/>
+      </p:ext>
+    </p:extLst>
+  </p:cSld>
+  <p:clrMapOvr>
+    <a:masterClrMapping/>
+  </p:clrMapOvr>
 </p:sld>
 </file>
 

--- a/商管程式報告.pptx
+++ b/商管程式報告.pptx
@@ -1723,6 +1723,13 @@
         </dgm:presLayoutVars>
       </dgm:prSet>
       <dgm:spPr/>
+      <dgm:t>
+        <a:bodyPr/>
+        <a:lstStyle/>
+        <a:p>
+          <a:endParaRPr lang="zh-TW" altLang="en-US"/>
+        </a:p>
+      </dgm:t>
     </dgm:pt>
     <dgm:pt modelId="{1A40F67C-B4FA-4695-A2D9-B18FF2C807CF}" type="pres">
       <dgm:prSet presAssocID="{3A72DE10-BF0E-412A-BB81-ADCCCB47A696}" presName="linNode" presStyleCnt="0"/>
@@ -1735,6 +1742,13 @@
         </dgm:presLayoutVars>
       </dgm:prSet>
       <dgm:spPr/>
+      <dgm:t>
+        <a:bodyPr/>
+        <a:lstStyle/>
+        <a:p>
+          <a:endParaRPr lang="zh-TW" altLang="en-US"/>
+        </a:p>
+      </dgm:t>
     </dgm:pt>
     <dgm:pt modelId="{F80E6B32-B296-41E7-BAA9-BA518A582813}" type="pres">
       <dgm:prSet presAssocID="{3A72DE10-BF0E-412A-BB81-ADCCCB47A696}" presName="childShp" presStyleLbl="bgAccFollowNode1" presStyleIdx="0" presStyleCnt="1">
@@ -1753,11 +1767,11 @@
     </dgm:pt>
   </dgm:ptLst>
   <dgm:cxnLst>
+    <dgm:cxn modelId="{789DB377-7196-4265-9DA7-226572C1E21D}" type="presOf" srcId="{2261E47D-42FF-455B-9767-1F9550FD791A}" destId="{44A134CB-B857-46B2-9B84-E21E43773EB5}" srcOrd="0" destOrd="0" presId="urn:microsoft.com/office/officeart/2005/8/layout/vList6"/>
+    <dgm:cxn modelId="{F5E3ED46-92A1-4FB7-8A65-194014D27480}" srcId="{2261E47D-42FF-455B-9767-1F9550FD791A}" destId="{3A72DE10-BF0E-412A-BB81-ADCCCB47A696}" srcOrd="0" destOrd="0" parTransId="{BFC2FB12-6B68-446B-BFF4-F5B0EACD31F5}" sibTransId="{0345651B-8A5E-447E-8558-F441C6FB67DF}"/>
+    <dgm:cxn modelId="{E0D77F26-68AE-49C2-A057-9F4D99F98671}" type="presOf" srcId="{3A72DE10-BF0E-412A-BB81-ADCCCB47A696}" destId="{C0BFA517-57C7-43A3-BFD6-2DDAC234B098}" srcOrd="0" destOrd="0" presId="urn:microsoft.com/office/officeart/2005/8/layout/vList6"/>
     <dgm:cxn modelId="{DC1967F7-1FED-4E76-8D0A-38454F531895}" srcId="{3A72DE10-BF0E-412A-BB81-ADCCCB47A696}" destId="{22943C4F-685C-49E1-844C-0A2A467CDFF4}" srcOrd="0" destOrd="0" parTransId="{5E7BB95B-A2D2-4BC5-B01C-7B0ED61BFE7A}" sibTransId="{47DCC470-F8D5-41DD-9674-00F023B353F8}"/>
-    <dgm:cxn modelId="{789DB377-7196-4265-9DA7-226572C1E21D}" type="presOf" srcId="{2261E47D-42FF-455B-9767-1F9550FD791A}" destId="{44A134CB-B857-46B2-9B84-E21E43773EB5}" srcOrd="0" destOrd="0" presId="urn:microsoft.com/office/officeart/2005/8/layout/vList6"/>
     <dgm:cxn modelId="{5B6D4B13-EE45-4BA2-BE4F-8933C988D5B3}" type="presOf" srcId="{22943C4F-685C-49E1-844C-0A2A467CDFF4}" destId="{F80E6B32-B296-41E7-BAA9-BA518A582813}" srcOrd="0" destOrd="0" presId="urn:microsoft.com/office/officeart/2005/8/layout/vList6"/>
-    <dgm:cxn modelId="{E0D77F26-68AE-49C2-A057-9F4D99F98671}" type="presOf" srcId="{3A72DE10-BF0E-412A-BB81-ADCCCB47A696}" destId="{C0BFA517-57C7-43A3-BFD6-2DDAC234B098}" srcOrd="0" destOrd="0" presId="urn:microsoft.com/office/officeart/2005/8/layout/vList6"/>
-    <dgm:cxn modelId="{F5E3ED46-92A1-4FB7-8A65-194014D27480}" srcId="{2261E47D-42FF-455B-9767-1F9550FD791A}" destId="{3A72DE10-BF0E-412A-BB81-ADCCCB47A696}" srcOrd="0" destOrd="0" parTransId="{BFC2FB12-6B68-446B-BFF4-F5B0EACD31F5}" sibTransId="{0345651B-8A5E-447E-8558-F441C6FB67DF}"/>
     <dgm:cxn modelId="{21840010-ED8E-4E52-A4F9-07B7F063433C}" type="presParOf" srcId="{44A134CB-B857-46B2-9B84-E21E43773EB5}" destId="{1A40F67C-B4FA-4695-A2D9-B18FF2C807CF}" srcOrd="0" destOrd="0" presId="urn:microsoft.com/office/officeart/2005/8/layout/vList6"/>
     <dgm:cxn modelId="{00737CC3-9611-48DB-942E-DF7D75D27B24}" type="presParOf" srcId="{1A40F67C-B4FA-4695-A2D9-B18FF2C807CF}" destId="{C0BFA517-57C7-43A3-BFD6-2DDAC234B098}" srcOrd="0" destOrd="0" presId="urn:microsoft.com/office/officeart/2005/8/layout/vList6"/>
     <dgm:cxn modelId="{05048099-D998-4604-BBD9-F975E292DE04}" type="presParOf" srcId="{1A40F67C-B4FA-4695-A2D9-B18FF2C807CF}" destId="{F80E6B32-B296-41E7-BAA9-BA518A582813}" srcOrd="1" destOrd="0" presId="urn:microsoft.com/office/officeart/2005/8/layout/vList6"/>
@@ -1873,6 +1887,13 @@
         </dgm:presLayoutVars>
       </dgm:prSet>
       <dgm:spPr/>
+      <dgm:t>
+        <a:bodyPr/>
+        <a:lstStyle/>
+        <a:p>
+          <a:endParaRPr lang="zh-TW" altLang="en-US"/>
+        </a:p>
+      </dgm:t>
     </dgm:pt>
     <dgm:pt modelId="{1A40F67C-B4FA-4695-A2D9-B18FF2C807CF}" type="pres">
       <dgm:prSet presAssocID="{3A72DE10-BF0E-412A-BB81-ADCCCB47A696}" presName="linNode" presStyleCnt="0"/>
@@ -10732,13 +10753,13 @@
             <p:ph idx="1"/>
             <p:extLst>
               <p:ext uri="{D42A27DB-BD31-4B8C-83A1-F6EECF244321}">
-                <p14:modId xmlns:p14="http://schemas.microsoft.com/office/powerpoint/2010/main" val="3262677507"/>
+                <p14:modId xmlns:p14="http://schemas.microsoft.com/office/powerpoint/2010/main" val="1912321307"/>
               </p:ext>
             </p:extLst>
           </p:nvPr>
         </p:nvGraphicFramePr>
         <p:xfrm>
-          <a:off x="1371600" y="2471595"/>
+          <a:off x="1371600" y="2942635"/>
           <a:ext cx="3926694" cy="647987"/>
         </p:xfrm>
         <a:graphic>
@@ -10755,7 +10776,7 @@
         </p:nvSpPr>
         <p:spPr>
           <a:xfrm>
-            <a:off x="5383919" y="2928946"/>
+            <a:off x="5383919" y="3399986"/>
             <a:ext cx="1417257" cy="753063"/>
           </a:xfrm>
           <a:prstGeom prst="roundRect">
@@ -10803,7 +10824,7 @@
         </p:nvSpPr>
         <p:spPr>
           <a:xfrm>
-            <a:off x="5417500" y="2965707"/>
+            <a:off x="5417500" y="3436747"/>
             <a:ext cx="1308803" cy="679540"/>
           </a:xfrm>
           <a:prstGeom prst="rect">
@@ -10842,10 +10863,14 @@
               </a:spcAft>
             </a:pPr>
             <a:r>
-              <a:rPr lang="en-US" altLang="zh-TW" sz="2800" dirty="0" smtClean="0"/>
+              <a:rPr lang="en-US" altLang="zh-TW" sz="2800" dirty="0" smtClean="0">
+                <a:latin typeface="+mn-ea"/>
+              </a:rPr>
               <a:t>Value</a:t>
             </a:r>
-            <a:endParaRPr lang="zh-TW" altLang="en-US" sz="2800" kern="1200" dirty="0"/>
+            <a:endParaRPr lang="zh-TW" altLang="en-US" sz="2800" kern="1200" dirty="0">
+              <a:latin typeface="+mn-ea"/>
+            </a:endParaRPr>
           </a:p>
         </p:txBody>
       </p:sp>
@@ -10857,7 +10882,7 @@
         </p:nvSpPr>
         <p:spPr>
           <a:xfrm>
-            <a:off x="5383919" y="2095064"/>
+            <a:off x="5383919" y="2566104"/>
             <a:ext cx="1417257" cy="753063"/>
           </a:xfrm>
           <a:prstGeom prst="roundRect">
@@ -10905,7 +10930,7 @@
         </p:nvSpPr>
         <p:spPr>
           <a:xfrm>
-            <a:off x="5418184" y="2132480"/>
+            <a:off x="5418184" y="2603520"/>
             <a:ext cx="1308803" cy="679540"/>
           </a:xfrm>
           <a:prstGeom prst="rect">
@@ -10944,10 +10969,14 @@
               </a:spcAft>
             </a:pPr>
             <a:r>
-              <a:rPr lang="en-US" altLang="zh-TW" sz="2800" kern="1200" dirty="0" smtClean="0"/>
+              <a:rPr lang="en-US" altLang="zh-TW" sz="2800" kern="1200" dirty="0" smtClean="0">
+                <a:latin typeface="+mn-ea"/>
+              </a:rPr>
               <a:t>key</a:t>
             </a:r>
-            <a:endParaRPr lang="zh-TW" altLang="en-US" sz="2800" kern="1200" dirty="0"/>
+            <a:endParaRPr lang="zh-TW" altLang="en-US" sz="2800" kern="1200" dirty="0">
+              <a:latin typeface="+mn-ea"/>
+            </a:endParaRPr>
           </a:p>
         </p:txBody>
       </p:sp>
@@ -10959,7 +10988,7 @@
         </p:nvSpPr>
         <p:spPr>
           <a:xfrm>
-            <a:off x="6992297" y="2348150"/>
+            <a:off x="6992297" y="2819190"/>
             <a:ext cx="963045" cy="237209"/>
           </a:xfrm>
           <a:prstGeom prst="mathEqual">
@@ -10991,6 +11020,7 @@
               <a:solidFill>
                 <a:schemeClr val="tx1"/>
               </a:solidFill>
+              <a:latin typeface="+mn-ea"/>
             </a:endParaRPr>
           </a:p>
         </p:txBody>
@@ -11003,7 +11033,7 @@
         </p:nvSpPr>
         <p:spPr>
           <a:xfrm>
-            <a:off x="7025834" y="3186872"/>
+            <a:off x="7025834" y="3657912"/>
             <a:ext cx="963045" cy="237209"/>
           </a:xfrm>
           <a:prstGeom prst="mathEqual">
@@ -11035,6 +11065,7 @@
               <a:solidFill>
                 <a:schemeClr val="tx1"/>
               </a:solidFill>
+              <a:latin typeface="+mn-ea"/>
             </a:endParaRPr>
           </a:p>
         </p:txBody>
@@ -11047,7 +11078,7 @@
         </p:nvSpPr>
         <p:spPr>
           <a:xfrm>
-            <a:off x="8074548" y="2205145"/>
+            <a:off x="8074548" y="2676185"/>
             <a:ext cx="1760791" cy="523220"/>
           </a:xfrm>
           <a:prstGeom prst="rect">
@@ -11062,11 +11093,15 @@
           <a:lstStyle/>
           <a:p>
             <a:r>
-              <a:rPr lang="zh-TW" altLang="en-US" sz="2800" dirty="0" smtClean="0"/>
+              <a:rPr lang="zh-TW" altLang="en-US" sz="2800" dirty="0" smtClean="0">
+                <a:latin typeface="+mn-ea"/>
+              </a:rPr>
               <a:t>公司代</a:t>
             </a:r>
             <a:r>
-              <a:rPr lang="zh-TW" altLang="en-US" sz="2800" dirty="0"/>
+              <a:rPr lang="zh-TW" altLang="en-US" sz="2800" dirty="0">
+                <a:latin typeface="+mn-ea"/>
+              </a:rPr>
               <a:t>碼</a:t>
             </a:r>
           </a:p>
@@ -11080,7 +11115,7 @@
         </p:nvSpPr>
         <p:spPr>
           <a:xfrm>
-            <a:off x="8178514" y="2796223"/>
+            <a:off x="8178514" y="3267263"/>
             <a:ext cx="2167473" cy="1200329"/>
           </a:xfrm>
           <a:prstGeom prst="rect">
@@ -11095,107 +11130,159 @@
           <a:lstStyle/>
           <a:p>
             <a:r>
-              <a:rPr lang="en-US" altLang="zh-TW" dirty="0" smtClean="0"/>
+              <a:rPr lang="en-US" altLang="zh-TW" dirty="0" smtClean="0">
+                <a:latin typeface="+mn-ea"/>
+              </a:rPr>
               <a:t>[</a:t>
             </a:r>
             <a:r>
-              <a:rPr lang="zh-TW" altLang="en-US" dirty="0" smtClean="0"/>
+              <a:rPr lang="zh-TW" altLang="en-US" dirty="0" smtClean="0">
+                <a:latin typeface="+mn-ea"/>
+              </a:rPr>
               <a:t>    </a:t>
             </a:r>
             <a:r>
-              <a:rPr lang="en-US" altLang="zh-TW" dirty="0" smtClean="0"/>
+              <a:rPr lang="en-US" altLang="zh-TW" dirty="0" smtClean="0">
+                <a:latin typeface="+mn-ea"/>
+              </a:rPr>
               <a:t>(</a:t>
             </a:r>
             <a:r>
-              <a:rPr lang="zh-TW" altLang="en-US" dirty="0" smtClean="0"/>
+              <a:rPr lang="zh-TW" altLang="en-US" dirty="0" smtClean="0">
+                <a:latin typeface="+mn-ea"/>
+              </a:rPr>
               <a:t>日期</a:t>
             </a:r>
             <a:r>
-              <a:rPr lang="en-US" altLang="zh-TW" dirty="0" smtClean="0"/>
+              <a:rPr lang="en-US" altLang="zh-TW" dirty="0" smtClean="0">
+                <a:latin typeface="+mn-ea"/>
+              </a:rPr>
               <a:t>)</a:t>
             </a:r>
             <a:r>
-              <a:rPr lang="zh-TW" altLang="en-US" dirty="0" smtClean="0"/>
+              <a:rPr lang="zh-TW" altLang="en-US" dirty="0" smtClean="0">
+                <a:latin typeface="+mn-ea"/>
+              </a:rPr>
               <a:t>    </a:t>
             </a:r>
             <a:r>
-              <a:rPr lang="en-US" altLang="zh-TW" dirty="0" smtClean="0"/>
+              <a:rPr lang="en-US" altLang="zh-TW" dirty="0" smtClean="0">
+                <a:latin typeface="+mn-ea"/>
+              </a:rPr>
               <a:t>]</a:t>
             </a:r>
           </a:p>
           <a:p>
             <a:r>
-              <a:rPr lang="en-US" altLang="zh-TW" dirty="0" smtClean="0"/>
+              <a:rPr lang="en-US" altLang="zh-TW" dirty="0" smtClean="0">
+                <a:latin typeface="+mn-ea"/>
+              </a:rPr>
               <a:t>[</a:t>
             </a:r>
             <a:r>
-              <a:rPr lang="zh-TW" altLang="en-US" dirty="0" smtClean="0"/>
+              <a:rPr lang="zh-TW" altLang="en-US" dirty="0" smtClean="0">
+                <a:latin typeface="+mn-ea"/>
+              </a:rPr>
               <a:t>    </a:t>
             </a:r>
             <a:r>
-              <a:rPr lang="en-US" altLang="zh-TW" dirty="0" smtClean="0"/>
+              <a:rPr lang="en-US" altLang="zh-TW" dirty="0" smtClean="0">
+                <a:latin typeface="+mn-ea"/>
+              </a:rPr>
               <a:t>(</a:t>
             </a:r>
             <a:r>
-              <a:rPr lang="zh-TW" altLang="en-US" dirty="0" smtClean="0"/>
+              <a:rPr lang="zh-TW" altLang="en-US" dirty="0" smtClean="0">
+                <a:latin typeface="+mn-ea"/>
+              </a:rPr>
               <a:t>開盤</a:t>
             </a:r>
             <a:r>
-              <a:rPr lang="zh-TW" altLang="en-US" dirty="0"/>
+              <a:rPr lang="zh-TW" altLang="en-US" dirty="0">
+                <a:latin typeface="+mn-ea"/>
+              </a:rPr>
               <a:t>價</a:t>
             </a:r>
             <a:r>
-              <a:rPr lang="en-US" altLang="zh-TW" dirty="0" smtClean="0"/>
+              <a:rPr lang="en-US" altLang="zh-TW" dirty="0" smtClean="0">
+                <a:latin typeface="+mn-ea"/>
+              </a:rPr>
               <a:t>)</a:t>
             </a:r>
             <a:r>
-              <a:rPr lang="zh-TW" altLang="en-US" dirty="0" smtClean="0"/>
+              <a:rPr lang="zh-TW" altLang="en-US" dirty="0" smtClean="0">
+                <a:latin typeface="+mn-ea"/>
+              </a:rPr>
               <a:t>    </a:t>
             </a:r>
             <a:r>
-              <a:rPr lang="en-US" altLang="zh-TW" dirty="0" smtClean="0"/>
+              <a:rPr lang="en-US" altLang="zh-TW" dirty="0" smtClean="0">
+                <a:latin typeface="+mn-ea"/>
+              </a:rPr>
               <a:t>]</a:t>
             </a:r>
-            <a:endParaRPr lang="zh-TW" altLang="en-US" dirty="0"/>
-          </a:p>
-          <a:p>
-            <a:r>
-              <a:rPr lang="en-US" altLang="zh-TW" dirty="0" smtClean="0"/>
+            <a:endParaRPr lang="zh-TW" altLang="en-US" dirty="0">
+              <a:latin typeface="+mn-ea"/>
+            </a:endParaRPr>
+          </a:p>
+          <a:p>
+            <a:r>
+              <a:rPr lang="en-US" altLang="zh-TW" dirty="0" smtClean="0">
+                <a:latin typeface="+mn-ea"/>
+              </a:rPr>
               <a:t>[</a:t>
             </a:r>
             <a:r>
-              <a:rPr lang="zh-TW" altLang="en-US" dirty="0" smtClean="0"/>
+              <a:rPr lang="zh-TW" altLang="en-US" dirty="0" smtClean="0">
+                <a:latin typeface="+mn-ea"/>
+              </a:rPr>
               <a:t>    </a:t>
             </a:r>
             <a:r>
-              <a:rPr lang="en-US" altLang="zh-TW" dirty="0" smtClean="0"/>
+              <a:rPr lang="en-US" altLang="zh-TW" dirty="0" smtClean="0">
+                <a:latin typeface="+mn-ea"/>
+              </a:rPr>
               <a:t>(</a:t>
             </a:r>
             <a:r>
-              <a:rPr lang="zh-TW" altLang="en-US" dirty="0" smtClean="0"/>
+              <a:rPr lang="zh-TW" altLang="en-US" dirty="0" smtClean="0">
+                <a:latin typeface="+mn-ea"/>
+              </a:rPr>
               <a:t>收盤</a:t>
             </a:r>
             <a:r>
-              <a:rPr lang="zh-TW" altLang="en-US" dirty="0"/>
+              <a:rPr lang="zh-TW" altLang="en-US" dirty="0">
+                <a:latin typeface="+mn-ea"/>
+              </a:rPr>
               <a:t>價</a:t>
             </a:r>
             <a:r>
-              <a:rPr lang="en-US" altLang="zh-TW" dirty="0" smtClean="0"/>
+              <a:rPr lang="en-US" altLang="zh-TW" dirty="0" smtClean="0">
+                <a:latin typeface="+mn-ea"/>
+              </a:rPr>
               <a:t>)</a:t>
             </a:r>
             <a:r>
-              <a:rPr lang="zh-TW" altLang="en-US" dirty="0" smtClean="0"/>
+              <a:rPr lang="zh-TW" altLang="en-US" dirty="0" smtClean="0">
+                <a:latin typeface="+mn-ea"/>
+              </a:rPr>
               <a:t>    </a:t>
             </a:r>
             <a:r>
-              <a:rPr lang="en-US" altLang="zh-TW" dirty="0" smtClean="0"/>
+              <a:rPr lang="en-US" altLang="zh-TW" dirty="0" smtClean="0">
+                <a:latin typeface="+mn-ea"/>
+              </a:rPr>
               <a:t>]</a:t>
             </a:r>
-            <a:endParaRPr lang="zh-TW" altLang="en-US" dirty="0"/>
-          </a:p>
-          <a:p>
-            <a:r>
-              <a:rPr lang="en-US" altLang="zh-TW" dirty="0" smtClean="0"/>
+            <a:endParaRPr lang="zh-TW" altLang="en-US" dirty="0">
+              <a:latin typeface="+mn-ea"/>
+            </a:endParaRPr>
+          </a:p>
+          <a:p>
+            <a:r>
+              <a:rPr lang="en-US" altLang="zh-TW" dirty="0" smtClean="0">
+                <a:latin typeface="+mn-ea"/>
+              </a:rPr>
               <a:t>…</a:t>
             </a:r>
           </a:p>
@@ -11209,7 +11296,7 @@
         </p:nvSpPr>
         <p:spPr>
           <a:xfrm>
-            <a:off x="8074548" y="2812020"/>
+            <a:off x="8074548" y="3283060"/>
             <a:ext cx="1741584" cy="1158358"/>
           </a:xfrm>
           <a:prstGeom prst="bracketPair">
@@ -11235,7 +11322,9 @@
           <a:lstStyle/>
           <a:p>
             <a:pPr algn="ctr"/>
-            <a:endParaRPr lang="zh-TW" altLang="en-US"/>
+            <a:endParaRPr lang="zh-TW" altLang="en-US">
+              <a:latin typeface="+mn-ea"/>
+            </a:endParaRPr>
           </a:p>
         </p:txBody>
       </p:sp>
@@ -11248,13 +11337,13 @@
           <p:nvPr>
             <p:extLst>
               <p:ext uri="{D42A27DB-BD31-4B8C-83A1-F6EECF244321}">
-                <p14:modId xmlns:p14="http://schemas.microsoft.com/office/powerpoint/2010/main" val="4009924029"/>
+                <p14:modId xmlns:p14="http://schemas.microsoft.com/office/powerpoint/2010/main" val="940494467"/>
               </p:ext>
             </p:extLst>
           </p:nvPr>
         </p:nvGraphicFramePr>
         <p:xfrm>
-          <a:off x="1413167" y="4619051"/>
+          <a:off x="1413167" y="5090091"/>
           <a:ext cx="4012319" cy="647987"/>
         </p:xfrm>
         <a:graphic>
@@ -11271,7 +11360,7 @@
         </p:nvSpPr>
         <p:spPr>
           <a:xfrm>
-            <a:off x="5425487" y="5076402"/>
+            <a:off x="5425487" y="5547442"/>
             <a:ext cx="1417257" cy="753063"/>
           </a:xfrm>
           <a:prstGeom prst="roundRect">
@@ -11319,7 +11408,7 @@
         </p:nvSpPr>
         <p:spPr>
           <a:xfrm>
-            <a:off x="5459068" y="5113163"/>
+            <a:off x="5459068" y="5584203"/>
             <a:ext cx="1308803" cy="679540"/>
           </a:xfrm>
           <a:prstGeom prst="rect">
@@ -11358,10 +11447,14 @@
               </a:spcAft>
             </a:pPr>
             <a:r>
-              <a:rPr lang="en-US" altLang="zh-TW" sz="2800" dirty="0" smtClean="0"/>
+              <a:rPr lang="en-US" altLang="zh-TW" sz="2800" dirty="0" smtClean="0">
+                <a:latin typeface="+mn-ea"/>
+              </a:rPr>
               <a:t>Value</a:t>
             </a:r>
-            <a:endParaRPr lang="zh-TW" altLang="en-US" sz="2800" kern="1200" dirty="0"/>
+            <a:endParaRPr lang="zh-TW" altLang="en-US" sz="2800" kern="1200" dirty="0">
+              <a:latin typeface="+mn-ea"/>
+            </a:endParaRPr>
           </a:p>
         </p:txBody>
       </p:sp>
@@ -11373,7 +11466,7 @@
         </p:nvSpPr>
         <p:spPr>
           <a:xfrm>
-            <a:off x="5425487" y="4242520"/>
+            <a:off x="5425487" y="4713560"/>
             <a:ext cx="1417257" cy="753063"/>
           </a:xfrm>
           <a:prstGeom prst="roundRect">
@@ -11421,7 +11514,7 @@
         </p:nvSpPr>
         <p:spPr>
           <a:xfrm>
-            <a:off x="5479714" y="4279281"/>
+            <a:off x="5479714" y="4750321"/>
             <a:ext cx="1308803" cy="679540"/>
           </a:xfrm>
           <a:prstGeom prst="rect">
@@ -11460,10 +11553,14 @@
               </a:spcAft>
             </a:pPr>
             <a:r>
-              <a:rPr lang="en-US" altLang="zh-TW" sz="2800" kern="1200" dirty="0" smtClean="0"/>
+              <a:rPr lang="en-US" altLang="zh-TW" sz="2800" kern="1200" dirty="0" smtClean="0">
+                <a:latin typeface="+mn-ea"/>
+              </a:rPr>
               <a:t>key</a:t>
             </a:r>
-            <a:endParaRPr lang="zh-TW" altLang="en-US" sz="2800" kern="1200" dirty="0"/>
+            <a:endParaRPr lang="zh-TW" altLang="en-US" sz="2800" kern="1200" dirty="0">
+              <a:latin typeface="+mn-ea"/>
+            </a:endParaRPr>
           </a:p>
         </p:txBody>
       </p:sp>
@@ -11475,7 +11572,7 @@
         </p:nvSpPr>
         <p:spPr>
           <a:xfrm>
-            <a:off x="7033865" y="4495606"/>
+            <a:off x="7033865" y="4966646"/>
             <a:ext cx="963045" cy="237209"/>
           </a:xfrm>
           <a:prstGeom prst="mathEqual">
@@ -11507,6 +11604,7 @@
               <a:solidFill>
                 <a:schemeClr val="tx1"/>
               </a:solidFill>
+              <a:latin typeface="+mn-ea"/>
             </a:endParaRPr>
           </a:p>
         </p:txBody>
@@ -11519,7 +11617,7 @@
         </p:nvSpPr>
         <p:spPr>
           <a:xfrm>
-            <a:off x="7051425" y="5307465"/>
+            <a:off x="7051425" y="5778505"/>
             <a:ext cx="963045" cy="237209"/>
           </a:xfrm>
           <a:prstGeom prst="mathEqual">
@@ -11551,6 +11649,7 @@
               <a:solidFill>
                 <a:schemeClr val="tx1"/>
               </a:solidFill>
+              <a:latin typeface="+mn-ea"/>
             </a:endParaRPr>
           </a:p>
         </p:txBody>
@@ -11563,7 +11662,7 @@
         </p:nvSpPr>
         <p:spPr>
           <a:xfrm>
-            <a:off x="8116116" y="4352601"/>
+            <a:off x="8116116" y="4823641"/>
             <a:ext cx="1760791" cy="523220"/>
           </a:xfrm>
           <a:prstGeom prst="rect">
@@ -11578,11 +11677,15 @@
           <a:lstStyle/>
           <a:p>
             <a:r>
-              <a:rPr lang="zh-TW" altLang="en-US" sz="2800" dirty="0" smtClean="0"/>
+              <a:rPr lang="zh-TW" altLang="en-US" sz="2800" dirty="0" smtClean="0">
+                <a:latin typeface="+mn-ea"/>
+              </a:rPr>
               <a:t>公司代</a:t>
             </a:r>
             <a:r>
-              <a:rPr lang="zh-TW" altLang="en-US" sz="2800" dirty="0"/>
+              <a:rPr lang="zh-TW" altLang="en-US" sz="2800" dirty="0">
+                <a:latin typeface="+mn-ea"/>
+              </a:rPr>
               <a:t>碼</a:t>
             </a:r>
           </a:p>
@@ -11596,7 +11699,7 @@
         </p:nvSpPr>
         <p:spPr>
           <a:xfrm>
-            <a:off x="8223151" y="4968681"/>
+            <a:off x="8223151" y="5439721"/>
             <a:ext cx="3614574" cy="1200329"/>
           </a:xfrm>
           <a:prstGeom prst="rect">
@@ -11725,7 +11828,7 @@
         </p:nvSpPr>
         <p:spPr>
           <a:xfrm>
-            <a:off x="8079171" y="4931768"/>
+            <a:off x="8079171" y="5402808"/>
             <a:ext cx="2856685" cy="1322192"/>
           </a:xfrm>
           <a:prstGeom prst="bracketPair">
@@ -11751,7 +11854,58 @@
           <a:lstStyle/>
           <a:p>
             <a:pPr algn="ctr"/>
-            <a:endParaRPr lang="zh-TW" altLang="en-US"/>
+            <a:endParaRPr lang="zh-TW" altLang="en-US">
+              <a:latin typeface="+mn-ea"/>
+            </a:endParaRPr>
+          </a:p>
+        </p:txBody>
+      </p:sp>
+      <p:sp>
+        <p:nvSpPr>
+          <p:cNvPr id="3" name="文字方塊 2"/>
+          <p:cNvSpPr txBox="1"/>
+          <p:nvPr/>
+        </p:nvSpPr>
+        <p:spPr>
+          <a:xfrm>
+            <a:off x="1248148" y="1725837"/>
+            <a:ext cx="8100291" cy="707886"/>
+          </a:xfrm>
+          <a:prstGeom prst="rect">
+            <a:avLst/>
+          </a:prstGeom>
+          <a:noFill/>
+        </p:spPr>
+        <p:txBody>
+          <a:bodyPr wrap="square" rtlCol="0">
+            <a:spAutoFit/>
+          </a:bodyPr>
+          <a:lstStyle/>
+          <a:p>
+            <a:r>
+              <a:rPr lang="zh-TW" altLang="en-US" sz="2000" dirty="0" smtClean="0">
+                <a:latin typeface="+mn-ea"/>
+              </a:rPr>
+              <a:t>我們從管院資料庫下載台灣經濟新報</a:t>
+            </a:r>
+            <a:r>
+              <a:rPr lang="en-US" altLang="zh-TW" sz="2000" dirty="0" smtClean="0">
+                <a:latin typeface="+mn-ea"/>
+              </a:rPr>
+              <a:t>TEJ+</a:t>
+            </a:r>
+            <a:r>
+              <a:rPr lang="zh-TW" altLang="en-US" sz="2000" dirty="0" smtClean="0">
+                <a:latin typeface="+mn-ea"/>
+              </a:rPr>
+              <a:t>這個程式以找尋股價資料，並擷取開盤價、最高價、最低價、收盤價與成交量的資料</a:t>
+            </a:r>
+            <a:r>
+              <a:rPr lang="zh-TW" altLang="en-US" sz="2000" dirty="0">
+                <a:latin typeface="+mn-ea"/>
+              </a:rPr>
+              <a:t>。</a:t>
+            </a:r>
           </a:p>
         </p:txBody>
       </p:sp>
